--- a/présentationCapstone.pptx
+++ b/présentationCapstone.pptx
@@ -6,11 +6,17 @@
   </p:sldMasterIdLst>
   <p:sldIdLst>
     <p:sldId id="256" r:id="rId2"/>
-    <p:sldId id="257" r:id="rId3"/>
-    <p:sldId id="258" r:id="rId4"/>
+    <p:sldId id="258" r:id="rId3"/>
+    <p:sldId id="257" r:id="rId4"/>
     <p:sldId id="261" r:id="rId5"/>
     <p:sldId id="262" r:id="rId6"/>
-    <p:sldId id="259" r:id="rId7"/>
+    <p:sldId id="263" r:id="rId7"/>
+    <p:sldId id="270" r:id="rId8"/>
+    <p:sldId id="266" r:id="rId9"/>
+    <p:sldId id="271" r:id="rId10"/>
+    <p:sldId id="265" r:id="rId11"/>
+    <p:sldId id="268" r:id="rId12"/>
+    <p:sldId id="269" r:id="rId13"/>
   </p:sldIdLst>
   <p:sldSz cx="9144000" cy="5143500" type="screen16x9"/>
   <p:notesSz cx="9144000" cy="5143500"/>
@@ -413,7 +419,7 @@
           <a:p>
             <a:fld id="{1D8BD707-D9CF-40AE-B4C6-C98DA3205C09}" type="datetimeFigureOut">
               <a:rPr lang="en-US"/>
-              <a:t>9/28/2021</a:t>
+              <a:t>9/30/2021</a:t>
             </a:fld>
             <a:endParaRPr lang="en-US"/>
           </a:p>
@@ -768,7 +774,7 @@
           <a:p>
             <a:fld id="{1D8BD707-D9CF-40AE-B4C6-C98DA3205C09}" type="datetimeFigureOut">
               <a:rPr lang="en-US"/>
-              <a:t>9/28/2021</a:t>
+              <a:t>9/30/2021</a:t>
             </a:fld>
             <a:endParaRPr lang="en-US"/>
           </a:p>
@@ -982,7 +988,7 @@
           <a:p>
             <a:fld id="{1D8BD707-D9CF-40AE-B4C6-C98DA3205C09}" type="datetimeFigureOut">
               <a:rPr lang="en-US"/>
-              <a:t>9/28/2021</a:t>
+              <a:t>9/30/2021</a:t>
             </a:fld>
             <a:endParaRPr lang="en-US"/>
           </a:p>
@@ -1310,7 +1316,7 @@
           <a:p>
             <a:fld id="{1D8BD707-D9CF-40AE-B4C6-C98DA3205C09}" type="datetimeFigureOut">
               <a:rPr lang="en-US"/>
-              <a:t>9/28/2021</a:t>
+              <a:t>9/30/2021</a:t>
             </a:fld>
             <a:endParaRPr lang="en-US"/>
           </a:p>
@@ -1429,7 +1435,7 @@
           <a:p>
             <a:fld id="{1D8BD707-D9CF-40AE-B4C6-C98DA3205C09}" type="datetimeFigureOut">
               <a:rPr lang="en-US"/>
-              <a:t>9/28/2021</a:t>
+              <a:t>9/30/2021</a:t>
             </a:fld>
             <a:endParaRPr lang="en-US"/>
           </a:p>
@@ -1674,7 +1680,7 @@
           <a:p>
             <a:fld id="{1D8BD707-D9CF-40AE-B4C6-C98DA3205C09}" type="datetimeFigureOut">
               <a:rPr lang="en-US"/>
-              <a:t>9/28/2021</a:t>
+              <a:t>9/30/2021</a:t>
             </a:fld>
             <a:endParaRPr lang="en-US"/>
           </a:p>
@@ -1895,14 +1901,33 @@
       </p:grpSpPr>
       <p:sp>
         <p:nvSpPr>
-          <p:cNvPr id="2" name="object 2"/>
+          <p:cNvPr id="10" name="Titre 9"/>
+          <p:cNvSpPr>
+            <a:spLocks noGrp="1"/>
+          </p:cNvSpPr>
+          <p:nvPr>
+            <p:ph type="title"/>
+          </p:nvPr>
+        </p:nvSpPr>
+        <p:spPr/>
+        <p:txBody>
+          <a:bodyPr/>
+          <a:lstStyle/>
+          <a:p>
+            <a:endParaRPr lang="fr-FR"/>
+          </a:p>
+        </p:txBody>
+      </p:sp>
+      <p:sp>
+        <p:nvSpPr>
+          <p:cNvPr id="15" name="object 2"/>
           <p:cNvSpPr/>
           <p:nvPr/>
         </p:nvSpPr>
         <p:spPr>
           <a:xfrm>
-            <a:off x="0" y="487800"/>
-            <a:ext cx="9144000" cy="4655820"/>
+            <a:off x="0" y="0"/>
+            <a:ext cx="9144000" cy="5273602"/>
           </a:xfrm>
           <a:custGeom>
             <a:avLst/>
@@ -1958,10 +1983,1043 @@
           <a:bodyPr wrap="square" lIns="0" tIns="0" rIns="0" bIns="0" rtlCol="0"/>
           <a:lstStyle/>
           <a:p>
-            <a:endParaRPr/>
-          </a:p>
-        </p:txBody>
-      </p:sp>
+            <a:endParaRPr dirty="0"/>
+          </a:p>
+        </p:txBody>
+      </p:sp>
+      <p:pic>
+        <p:nvPicPr>
+          <p:cNvPr id="16" name="object 11"/>
+          <p:cNvPicPr/>
+          <p:nvPr/>
+        </p:nvPicPr>
+        <p:blipFill>
+          <a:blip r:embed="rId4" cstate="print"/>
+          <a:stretch>
+            <a:fillRect/>
+          </a:stretch>
+        </p:blipFill>
+        <p:spPr>
+          <a:xfrm>
+            <a:off x="2941320" y="496569"/>
+            <a:ext cx="3972559" cy="3972559"/>
+          </a:xfrm>
+          <a:prstGeom prst="rect">
+            <a:avLst/>
+          </a:prstGeom>
+        </p:spPr>
+      </p:pic>
+      <p:grpSp>
+        <p:nvGrpSpPr>
+          <p:cNvPr id="18" name="object 4"/>
+          <p:cNvGrpSpPr/>
+          <p:nvPr/>
+        </p:nvGrpSpPr>
+        <p:grpSpPr>
+          <a:xfrm>
+            <a:off x="830391" y="1191255"/>
+            <a:ext cx="746125" cy="46355"/>
+            <a:chOff x="830391" y="1191255"/>
+            <a:chExt cx="746125" cy="46355"/>
+          </a:xfrm>
+        </p:grpSpPr>
+        <p:sp>
+          <p:nvSpPr>
+            <p:cNvPr id="19" name="object 5"/>
+            <p:cNvSpPr/>
+            <p:nvPr/>
+          </p:nvSpPr>
+          <p:spPr>
+            <a:xfrm>
+              <a:off x="1203295" y="1191255"/>
+              <a:ext cx="373380" cy="46355"/>
+            </a:xfrm>
+            <a:custGeom>
+              <a:avLst/>
+              <a:gdLst/>
+              <a:ahLst/>
+              <a:cxnLst/>
+              <a:rect l="l" t="t" r="r" b="b"/>
+              <a:pathLst>
+                <a:path w="373380" h="46355">
+                  <a:moveTo>
+                    <a:pt x="372859" y="45826"/>
+                  </a:moveTo>
+                  <a:lnTo>
+                    <a:pt x="0" y="45826"/>
+                  </a:lnTo>
+                  <a:lnTo>
+                    <a:pt x="0" y="0"/>
+                  </a:lnTo>
+                  <a:lnTo>
+                    <a:pt x="372859" y="0"/>
+                  </a:lnTo>
+                  <a:lnTo>
+                    <a:pt x="372859" y="45826"/>
+                  </a:lnTo>
+                  <a:close/>
+                </a:path>
+              </a:pathLst>
+            </a:custGeom>
+            <a:solidFill>
+              <a:srgbClr val="EB5500"/>
+            </a:solidFill>
+          </p:spPr>
+          <p:txBody>
+            <a:bodyPr wrap="square" lIns="0" tIns="0" rIns="0" bIns="0" rtlCol="0"/>
+            <a:lstStyle/>
+            <a:p>
+              <a:endParaRPr/>
+            </a:p>
+          </p:txBody>
+        </p:sp>
+        <p:sp>
+          <p:nvSpPr>
+            <p:cNvPr id="20" name="object 6"/>
+            <p:cNvSpPr/>
+            <p:nvPr/>
+          </p:nvSpPr>
+          <p:spPr>
+            <a:xfrm>
+              <a:off x="830391" y="1191255"/>
+              <a:ext cx="376555" cy="46355"/>
+            </a:xfrm>
+            <a:custGeom>
+              <a:avLst/>
+              <a:gdLst/>
+              <a:ahLst/>
+              <a:cxnLst/>
+              <a:rect l="l" t="t" r="r" b="b"/>
+              <a:pathLst>
+                <a:path w="376555" h="46355">
+                  <a:moveTo>
+                    <a:pt x="376012" y="45826"/>
+                  </a:moveTo>
+                  <a:lnTo>
+                    <a:pt x="0" y="45826"/>
+                  </a:lnTo>
+                  <a:lnTo>
+                    <a:pt x="0" y="0"/>
+                  </a:lnTo>
+                  <a:lnTo>
+                    <a:pt x="376012" y="0"/>
+                  </a:lnTo>
+                  <a:lnTo>
+                    <a:pt x="376012" y="45826"/>
+                  </a:lnTo>
+                  <a:close/>
+                </a:path>
+              </a:pathLst>
+            </a:custGeom>
+            <a:solidFill>
+              <a:srgbClr val="1A9988"/>
+            </a:solidFill>
+          </p:spPr>
+          <p:txBody>
+            <a:bodyPr wrap="square" lIns="0" tIns="0" rIns="0" bIns="0" rtlCol="0"/>
+            <a:lstStyle/>
+            <a:p>
+              <a:endParaRPr/>
+            </a:p>
+          </p:txBody>
+        </p:sp>
+      </p:grpSp>
+      <p:sp>
+        <p:nvSpPr>
+          <p:cNvPr id="22" name="object 8"/>
+          <p:cNvSpPr txBox="1"/>
+          <p:nvPr/>
+        </p:nvSpPr>
+        <p:spPr>
+          <a:xfrm>
+            <a:off x="457199" y="1604499"/>
+            <a:ext cx="8229599" cy="1410643"/>
+          </a:xfrm>
+          <a:prstGeom prst="rect">
+            <a:avLst/>
+          </a:prstGeom>
+        </p:spPr>
+        <p:txBody>
+          <a:bodyPr vert="horz" wrap="square" lIns="0" tIns="12700" rIns="0" bIns="0" rtlCol="0">
+            <a:spAutoFit/>
+          </a:bodyPr>
+          <a:lstStyle/>
+          <a:p>
+            <a:pPr marL="12700" algn="ctr">
+              <a:spcBef>
+                <a:spcPts val="100"/>
+              </a:spcBef>
+            </a:pPr>
+            <a:r>
+              <a:rPr lang="en-US" sz="3000" b="1" spc="-5" dirty="0">
+                <a:solidFill>
+                  <a:schemeClr val="bg1"/>
+                </a:solidFill>
+                <a:latin typeface="Arial"/>
+                <a:cs typeface="Arial"/>
+              </a:rPr>
+              <a:t>Profile of people in urgent need of humanitarian aid in Haiti (2019 - 2020) </a:t>
+            </a:r>
+            <a:endParaRPr lang="en-US" sz="3000" dirty="0">
+              <a:solidFill>
+                <a:schemeClr val="bg1"/>
+              </a:solidFill>
+              <a:latin typeface="Arial"/>
+              <a:cs typeface="Arial"/>
+            </a:endParaRPr>
+          </a:p>
+          <a:p>
+            <a:pPr marL="12700" algn="ctr">
+              <a:lnSpc>
+                <a:spcPct val="100000"/>
+              </a:lnSpc>
+              <a:spcBef>
+                <a:spcPts val="100"/>
+              </a:spcBef>
+            </a:pPr>
+            <a:endParaRPr sz="3000" dirty="0">
+              <a:solidFill>
+                <a:schemeClr val="bg1"/>
+              </a:solidFill>
+              <a:latin typeface="Arial"/>
+              <a:cs typeface="Arial"/>
+            </a:endParaRPr>
+          </a:p>
+        </p:txBody>
+      </p:sp>
+      <p:sp>
+        <p:nvSpPr>
+          <p:cNvPr id="23" name="object 9"/>
+          <p:cNvSpPr txBox="1"/>
+          <p:nvPr/>
+        </p:nvSpPr>
+        <p:spPr>
+          <a:xfrm>
+            <a:off x="1579029" y="2934089"/>
+            <a:ext cx="5906135" cy="269240"/>
+          </a:xfrm>
+          <a:prstGeom prst="rect">
+            <a:avLst/>
+          </a:prstGeom>
+        </p:spPr>
+        <p:txBody>
+          <a:bodyPr vert="horz" wrap="square" lIns="0" tIns="12700" rIns="0" bIns="0" rtlCol="0">
+            <a:spAutoFit/>
+          </a:bodyPr>
+          <a:lstStyle/>
+          <a:p>
+            <a:pPr marL="12700" algn="ctr">
+              <a:lnSpc>
+                <a:spcPct val="100000"/>
+              </a:lnSpc>
+              <a:spcBef>
+                <a:spcPts val="100"/>
+              </a:spcBef>
+            </a:pPr>
+            <a:r>
+              <a:rPr lang="en-US" sz="1600" i="1" spc="-85" dirty="0" smtClean="0">
+                <a:solidFill>
+                  <a:srgbClr val="FFFFAF"/>
+                </a:solidFill>
+                <a:latin typeface="Lucida Sans"/>
+                <a:cs typeface="Lucida Sans"/>
+              </a:rPr>
+              <a:t>Food security, Nutrition, Shelter, Health, Education</a:t>
+            </a:r>
+            <a:endParaRPr sz="1600" dirty="0">
+              <a:solidFill>
+                <a:srgbClr val="FFFFAF"/>
+              </a:solidFill>
+              <a:latin typeface="Lucida Sans"/>
+              <a:cs typeface="Lucida Sans"/>
+            </a:endParaRPr>
+          </a:p>
+        </p:txBody>
+      </p:sp>
+      <p:pic>
+        <p:nvPicPr>
+          <p:cNvPr id="24" name="Image 23"/>
+          <p:cNvPicPr>
+            <a:picLocks noChangeAspect="1"/>
+          </p:cNvPicPr>
+          <p:nvPr/>
+        </p:nvPicPr>
+        <p:blipFill>
+          <a:blip r:embed="rId5">
+            <a:extLst>
+              <a:ext uri="{28A0092B-C50C-407E-A947-70E740481C1C}">
+                <a14:useLocalDpi xmlns:a14="http://schemas.microsoft.com/office/drawing/2010/main" val="0"/>
+              </a:ext>
+            </a:extLst>
+          </a:blip>
+          <a:stretch>
+            <a:fillRect/>
+          </a:stretch>
+        </p:blipFill>
+        <p:spPr>
+          <a:xfrm>
+            <a:off x="7615250" y="4469128"/>
+            <a:ext cx="1528750" cy="636979"/>
+          </a:xfrm>
+          <a:prstGeom prst="rect">
+            <a:avLst/>
+          </a:prstGeom>
+        </p:spPr>
+      </p:pic>
+      <p:pic>
+        <p:nvPicPr>
+          <p:cNvPr id="25" name="Image 24"/>
+          <p:cNvPicPr>
+            <a:picLocks noChangeAspect="1"/>
+          </p:cNvPicPr>
+          <p:nvPr/>
+        </p:nvPicPr>
+        <p:blipFill>
+          <a:blip r:embed="rId6" cstate="print">
+            <a:extLst>
+              <a:ext uri="{28A0092B-C50C-407E-A947-70E740481C1C}">
+                <a14:useLocalDpi xmlns:a14="http://schemas.microsoft.com/office/drawing/2010/main" val="0"/>
+              </a:ext>
+            </a:extLst>
+          </a:blip>
+          <a:stretch>
+            <a:fillRect/>
+          </a:stretch>
+        </p:blipFill>
+        <p:spPr>
+          <a:xfrm>
+            <a:off x="737533" y="597643"/>
+            <a:ext cx="931524" cy="558914"/>
+          </a:xfrm>
+          <a:prstGeom prst="rect">
+            <a:avLst/>
+          </a:prstGeom>
+        </p:spPr>
+      </p:pic>
+      <p:sp>
+        <p:nvSpPr>
+          <p:cNvPr id="26" name="ZoneTexte 25"/>
+          <p:cNvSpPr txBox="1"/>
+          <p:nvPr/>
+        </p:nvSpPr>
+        <p:spPr>
+          <a:xfrm>
+            <a:off x="6723164" y="4602951"/>
+            <a:ext cx="1524000" cy="369332"/>
+          </a:xfrm>
+          <a:prstGeom prst="rect">
+            <a:avLst/>
+          </a:prstGeom>
+          <a:noFill/>
+        </p:spPr>
+        <p:txBody>
+          <a:bodyPr wrap="square" rtlCol="0">
+            <a:spAutoFit/>
+          </a:bodyPr>
+          <a:lstStyle/>
+          <a:p>
+            <a:r>
+              <a:rPr lang="en-US" dirty="0" smtClean="0">
+                <a:solidFill>
+                  <a:schemeClr val="accent1">
+                    <a:lumMod val="60000"/>
+                    <a:lumOff val="40000"/>
+                  </a:schemeClr>
+                </a:solidFill>
+              </a:rPr>
+              <a:t>Source:</a:t>
+            </a:r>
+            <a:endParaRPr lang="fr-FR" dirty="0">
+              <a:solidFill>
+                <a:schemeClr val="accent1">
+                  <a:lumMod val="60000"/>
+                  <a:lumOff val="40000"/>
+                </a:schemeClr>
+              </a:solidFill>
+            </a:endParaRPr>
+          </a:p>
+        </p:txBody>
+      </p:sp>
+    </p:spTree>
+  </p:cSld>
+  <p:clrMapOvr>
+    <a:masterClrMapping/>
+  </p:clrMapOvr>
+  <p:timing>
+    <p:tnLst>
+      <p:par>
+        <p:cTn id="1" dur="indefinite" restart="never" nodeType="tmRoot"/>
+      </p:par>
+    </p:tnLst>
+  </p:timing>
+</p:sld>
+</file>
+
+<file path=ppt/slides/slide10.xml><?xml version="1.0" encoding="utf-8"?>
+<p:sld xmlns:a="http://schemas.openxmlformats.org/drawingml/2006/main" xmlns:r="http://schemas.openxmlformats.org/officeDocument/2006/relationships" xmlns:p="http://schemas.openxmlformats.org/presentationml/2006/main">
+  <p:cSld>
+    <p:spTree>
+      <p:nvGrpSpPr>
+        <p:cNvPr id="1" name=""/>
+        <p:cNvGrpSpPr/>
+        <p:nvPr/>
+      </p:nvGrpSpPr>
+      <p:grpSpPr>
+        <a:xfrm>
+          <a:off x="0" y="0"/>
+          <a:ext cx="0" cy="0"/>
+          <a:chOff x="0" y="0"/>
+          <a:chExt cx="0" cy="0"/>
+        </a:xfrm>
+      </p:grpSpPr>
+      <p:sp>
+        <p:nvSpPr>
+          <p:cNvPr id="2" name="object 2"/>
+          <p:cNvSpPr txBox="1">
+            <a:spLocks noGrp="1"/>
+          </p:cNvSpPr>
+          <p:nvPr>
+            <p:ph type="title"/>
+          </p:nvPr>
+        </p:nvSpPr>
+        <p:spPr>
+          <a:xfrm>
+            <a:off x="762000" y="1123950"/>
+            <a:ext cx="3582035" cy="505267"/>
+          </a:xfrm>
+          <a:prstGeom prst="rect">
+            <a:avLst/>
+          </a:prstGeom>
+        </p:spPr>
+        <p:txBody>
+          <a:bodyPr vert="horz" wrap="square" lIns="0" tIns="12700" rIns="0" bIns="0" rtlCol="0">
+            <a:spAutoFit/>
+          </a:bodyPr>
+          <a:lstStyle/>
+          <a:p>
+            <a:pPr marL="12700">
+              <a:lnSpc>
+                <a:spcPct val="100000"/>
+              </a:lnSpc>
+              <a:spcBef>
+                <a:spcPts val="100"/>
+              </a:spcBef>
+            </a:pPr>
+            <a:r>
+              <a:rPr sz="3200" b="1" spc="-190" dirty="0" smtClean="0">
+                <a:solidFill>
+                  <a:srgbClr val="1A1A1A"/>
+                </a:solidFill>
+                <a:latin typeface="Trebuchet MS"/>
+                <a:cs typeface="Trebuchet MS"/>
+              </a:rPr>
+              <a:t> </a:t>
+            </a:r>
+            <a:r>
+              <a:rPr lang="en-US" sz="1600" b="1" spc="-15" dirty="0" err="1" smtClean="0">
+                <a:solidFill>
+                  <a:srgbClr val="1A1A1A"/>
+                </a:solidFill>
+                <a:latin typeface="Trebuchet MS"/>
+                <a:cs typeface="Trebuchet MS"/>
+              </a:rPr>
+              <a:t>Recommandations</a:t>
+            </a:r>
+            <a:endParaRPr sz="1600" dirty="0">
+              <a:latin typeface="Trebuchet MS"/>
+              <a:cs typeface="Trebuchet MS"/>
+            </a:endParaRPr>
+          </a:p>
+        </p:txBody>
+      </p:sp>
+      <p:sp>
+        <p:nvSpPr>
+          <p:cNvPr id="12" name="Rectangle 11"/>
+          <p:cNvSpPr/>
+          <p:nvPr/>
+        </p:nvSpPr>
+        <p:spPr>
+          <a:xfrm>
+            <a:off x="3048000" y="647291"/>
+            <a:ext cx="5486400" cy="3905659"/>
+          </a:xfrm>
+          <a:prstGeom prst="rect">
+            <a:avLst/>
+          </a:prstGeom>
+          <a:solidFill>
+            <a:schemeClr val="bg1"/>
+          </a:solidFill>
+          <a:ln>
+            <a:noFill/>
+          </a:ln>
+        </p:spPr>
+        <p:style>
+          <a:lnRef idx="2">
+            <a:schemeClr val="accent1">
+              <a:shade val="50000"/>
+            </a:schemeClr>
+          </a:lnRef>
+          <a:fillRef idx="1">
+            <a:schemeClr val="accent1"/>
+          </a:fillRef>
+          <a:effectRef idx="0">
+            <a:schemeClr val="accent1"/>
+          </a:effectRef>
+          <a:fontRef idx="minor">
+            <a:schemeClr val="lt1"/>
+          </a:fontRef>
+        </p:style>
+        <p:txBody>
+          <a:bodyPr rtlCol="0" anchor="ctr"/>
+          <a:lstStyle/>
+          <a:p>
+            <a:pPr algn="just"/>
+            <a:endParaRPr lang="en-US" sz="1400" dirty="0">
+              <a:solidFill>
+                <a:schemeClr val="tx1"/>
+              </a:solidFill>
+            </a:endParaRPr>
+          </a:p>
+          <a:p>
+            <a:pPr algn="just"/>
+            <a:endParaRPr lang="fr-FR" sz="1400" dirty="0">
+              <a:solidFill>
+                <a:schemeClr val="tx1"/>
+              </a:solidFill>
+            </a:endParaRPr>
+          </a:p>
+        </p:txBody>
+      </p:sp>
+      <p:sp>
+        <p:nvSpPr>
+          <p:cNvPr id="4" name="Rectangle 3"/>
+          <p:cNvSpPr/>
+          <p:nvPr/>
+        </p:nvSpPr>
+        <p:spPr>
+          <a:xfrm>
+            <a:off x="-1" y="0"/>
+            <a:ext cx="9144001" cy="514350"/>
+          </a:xfrm>
+          <a:prstGeom prst="rect">
+            <a:avLst/>
+          </a:prstGeom>
+          <a:solidFill>
+            <a:schemeClr val="accent5">
+              <a:lumMod val="50000"/>
+            </a:schemeClr>
+          </a:solidFill>
+          <a:ln>
+            <a:solidFill>
+              <a:schemeClr val="accent6"/>
+            </a:solidFill>
+          </a:ln>
+        </p:spPr>
+        <p:style>
+          <a:lnRef idx="2">
+            <a:schemeClr val="accent1">
+              <a:shade val="50000"/>
+            </a:schemeClr>
+          </a:lnRef>
+          <a:fillRef idx="1">
+            <a:schemeClr val="accent1"/>
+          </a:fillRef>
+          <a:effectRef idx="0">
+            <a:schemeClr val="accent1"/>
+          </a:effectRef>
+          <a:fontRef idx="minor">
+            <a:schemeClr val="lt1"/>
+          </a:fontRef>
+        </p:style>
+        <p:txBody>
+          <a:bodyPr rtlCol="0" anchor="ctr"/>
+          <a:lstStyle/>
+          <a:p>
+            <a:pPr algn="ctr"/>
+            <a:endParaRPr lang="fr-FR"/>
+          </a:p>
+        </p:txBody>
+      </p:sp>
+    </p:spTree>
+    <p:extLst>
+      <p:ext uri="{BB962C8B-B14F-4D97-AF65-F5344CB8AC3E}">
+        <p14:creationId xmlns:p14="http://schemas.microsoft.com/office/powerpoint/2010/main" val="3283765187"/>
+      </p:ext>
+    </p:extLst>
+  </p:cSld>
+  <p:clrMapOvr>
+    <a:masterClrMapping/>
+  </p:clrMapOvr>
+  <p:timing>
+    <p:tnLst>
+      <p:par>
+        <p:cTn id="1" dur="indefinite" restart="never" nodeType="tmRoot"/>
+      </p:par>
+    </p:tnLst>
+  </p:timing>
+</p:sld>
+</file>
+
+<file path=ppt/slides/slide11.xml><?xml version="1.0" encoding="utf-8"?>
+<p:sld xmlns:a="http://schemas.openxmlformats.org/drawingml/2006/main" xmlns:r="http://schemas.openxmlformats.org/officeDocument/2006/relationships" xmlns:p="http://schemas.openxmlformats.org/presentationml/2006/main">
+  <p:cSld>
+    <p:spTree>
+      <p:nvGrpSpPr>
+        <p:cNvPr id="1" name=""/>
+        <p:cNvGrpSpPr/>
+        <p:nvPr/>
+      </p:nvGrpSpPr>
+      <p:grpSpPr>
+        <a:xfrm>
+          <a:off x="0" y="0"/>
+          <a:ext cx="0" cy="0"/>
+          <a:chOff x="0" y="0"/>
+          <a:chExt cx="0" cy="0"/>
+        </a:xfrm>
+      </p:grpSpPr>
+      <p:sp>
+        <p:nvSpPr>
+          <p:cNvPr id="2" name="object 2"/>
+          <p:cNvSpPr txBox="1">
+            <a:spLocks noGrp="1"/>
+          </p:cNvSpPr>
+          <p:nvPr>
+            <p:ph type="title"/>
+          </p:nvPr>
+        </p:nvSpPr>
+        <p:spPr>
+          <a:xfrm>
+            <a:off x="800675" y="647291"/>
+            <a:ext cx="3582035" cy="421640"/>
+          </a:xfrm>
+          <a:prstGeom prst="rect">
+            <a:avLst/>
+          </a:prstGeom>
+        </p:spPr>
+        <p:txBody>
+          <a:bodyPr vert="horz" wrap="square" lIns="0" tIns="12700" rIns="0" bIns="0" rtlCol="0">
+            <a:spAutoFit/>
+          </a:bodyPr>
+          <a:lstStyle/>
+          <a:p>
+            <a:pPr marL="12700">
+              <a:lnSpc>
+                <a:spcPct val="100000"/>
+              </a:lnSpc>
+              <a:spcBef>
+                <a:spcPts val="100"/>
+              </a:spcBef>
+            </a:pPr>
+            <a:r>
+              <a:rPr sz="2600" b="1" spc="-190" dirty="0" smtClean="0">
+                <a:solidFill>
+                  <a:srgbClr val="1A1A1A"/>
+                </a:solidFill>
+                <a:latin typeface="Trebuchet MS"/>
+                <a:cs typeface="Trebuchet MS"/>
+              </a:rPr>
+              <a:t> </a:t>
+            </a:r>
+            <a:endParaRPr sz="1200" dirty="0">
+              <a:latin typeface="Trebuchet MS"/>
+              <a:cs typeface="Trebuchet MS"/>
+            </a:endParaRPr>
+          </a:p>
+        </p:txBody>
+      </p:sp>
+      <p:sp>
+        <p:nvSpPr>
+          <p:cNvPr id="3" name="Rectangle 2"/>
+          <p:cNvSpPr/>
+          <p:nvPr/>
+        </p:nvSpPr>
+        <p:spPr>
+          <a:xfrm>
+            <a:off x="2514600" y="3409950"/>
+            <a:ext cx="2514600" cy="1066800"/>
+          </a:xfrm>
+          <a:prstGeom prst="rect">
+            <a:avLst/>
+          </a:prstGeom>
+          <a:solidFill>
+            <a:schemeClr val="bg1"/>
+          </a:solidFill>
+          <a:ln>
+            <a:noFill/>
+          </a:ln>
+        </p:spPr>
+        <p:style>
+          <a:lnRef idx="2">
+            <a:schemeClr val="accent1">
+              <a:shade val="50000"/>
+            </a:schemeClr>
+          </a:lnRef>
+          <a:fillRef idx="1">
+            <a:schemeClr val="accent1"/>
+          </a:fillRef>
+          <a:effectRef idx="0">
+            <a:schemeClr val="accent1"/>
+          </a:effectRef>
+          <a:fontRef idx="minor">
+            <a:schemeClr val="lt1"/>
+          </a:fontRef>
+        </p:style>
+        <p:txBody>
+          <a:bodyPr rtlCol="0" anchor="ctr"/>
+          <a:lstStyle/>
+          <a:p>
+            <a:pPr algn="ctr"/>
+            <a:endParaRPr lang="fr-FR"/>
+          </a:p>
+        </p:txBody>
+      </p:sp>
+      <p:sp>
+        <p:nvSpPr>
+          <p:cNvPr id="5" name="Rectangle 4"/>
+          <p:cNvSpPr/>
+          <p:nvPr/>
+        </p:nvSpPr>
+        <p:spPr>
+          <a:xfrm>
+            <a:off x="-1" y="0"/>
+            <a:ext cx="9144001" cy="514350"/>
+          </a:xfrm>
+          <a:prstGeom prst="rect">
+            <a:avLst/>
+          </a:prstGeom>
+          <a:solidFill>
+            <a:schemeClr val="accent5">
+              <a:lumMod val="50000"/>
+            </a:schemeClr>
+          </a:solidFill>
+          <a:ln>
+            <a:solidFill>
+              <a:schemeClr val="accent6"/>
+            </a:solidFill>
+          </a:ln>
+        </p:spPr>
+        <p:style>
+          <a:lnRef idx="2">
+            <a:schemeClr val="accent1">
+              <a:shade val="50000"/>
+            </a:schemeClr>
+          </a:lnRef>
+          <a:fillRef idx="1">
+            <a:schemeClr val="accent1"/>
+          </a:fillRef>
+          <a:effectRef idx="0">
+            <a:schemeClr val="accent1"/>
+          </a:effectRef>
+          <a:fontRef idx="minor">
+            <a:schemeClr val="lt1"/>
+          </a:fontRef>
+        </p:style>
+        <p:txBody>
+          <a:bodyPr rtlCol="0" anchor="ctr"/>
+          <a:lstStyle/>
+          <a:p>
+            <a:pPr algn="ctr"/>
+            <a:endParaRPr lang="fr-FR"/>
+          </a:p>
+        </p:txBody>
+      </p:sp>
+      <p:sp>
+        <p:nvSpPr>
+          <p:cNvPr id="4" name="Rectangle 3"/>
+          <p:cNvSpPr/>
+          <p:nvPr/>
+        </p:nvSpPr>
+        <p:spPr>
+          <a:xfrm>
+            <a:off x="2705100" y="647291"/>
+            <a:ext cx="4648200" cy="3143659"/>
+          </a:xfrm>
+          <a:prstGeom prst="rect">
+            <a:avLst/>
+          </a:prstGeom>
+          <a:solidFill>
+            <a:schemeClr val="bg1"/>
+          </a:solidFill>
+          <a:ln>
+            <a:noFill/>
+          </a:ln>
+        </p:spPr>
+        <p:style>
+          <a:lnRef idx="2">
+            <a:schemeClr val="accent1">
+              <a:shade val="50000"/>
+            </a:schemeClr>
+          </a:lnRef>
+          <a:fillRef idx="1">
+            <a:schemeClr val="accent1"/>
+          </a:fillRef>
+          <a:effectRef idx="0">
+            <a:schemeClr val="accent1"/>
+          </a:effectRef>
+          <a:fontRef idx="minor">
+            <a:schemeClr val="lt1"/>
+          </a:fontRef>
+        </p:style>
+        <p:txBody>
+          <a:bodyPr rtlCol="0" anchor="ctr"/>
+          <a:lstStyle/>
+          <a:p>
+            <a:pPr algn="ctr"/>
+            <a:endParaRPr lang="fr-FR"/>
+          </a:p>
+        </p:txBody>
+      </p:sp>
+      <p:sp>
+        <p:nvSpPr>
+          <p:cNvPr id="6" name="Rectangle 5"/>
+          <p:cNvSpPr/>
+          <p:nvPr/>
+        </p:nvSpPr>
+        <p:spPr>
+          <a:xfrm>
+            <a:off x="685800" y="1417588"/>
+            <a:ext cx="6553200" cy="3323987"/>
+          </a:xfrm>
+          <a:prstGeom prst="rect">
+            <a:avLst/>
+          </a:prstGeom>
+        </p:spPr>
+        <p:txBody>
+          <a:bodyPr wrap="square">
+            <a:spAutoFit/>
+          </a:bodyPr>
+          <a:lstStyle/>
+          <a:p>
+            <a:r>
+              <a:rPr lang="fr-FR" dirty="0" err="1">
+                <a:solidFill>
+                  <a:schemeClr val="tx1">
+                    <a:lumMod val="65000"/>
+                    <a:lumOff val="35000"/>
+                  </a:schemeClr>
+                </a:solidFill>
+              </a:rPr>
+              <a:t>Bootcamp</a:t>
+            </a:r>
+            <a:r>
+              <a:rPr lang="fr-FR" dirty="0">
+                <a:solidFill>
+                  <a:schemeClr val="tx1">
+                    <a:lumMod val="65000"/>
+                    <a:lumOff val="35000"/>
+                  </a:schemeClr>
+                </a:solidFill>
+              </a:rPr>
+              <a:t> </a:t>
+            </a:r>
+            <a:r>
+              <a:rPr lang="fr-FR" dirty="0" smtClean="0">
+                <a:solidFill>
+                  <a:schemeClr val="tx1">
+                    <a:lumMod val="65000"/>
+                    <a:lumOff val="35000"/>
+                  </a:schemeClr>
+                </a:solidFill>
+              </a:rPr>
+              <a:t>Participant</a:t>
+            </a:r>
+            <a:endParaRPr lang="fr-FR" dirty="0">
+              <a:solidFill>
+                <a:schemeClr val="tx1">
+                  <a:lumMod val="65000"/>
+                  <a:lumOff val="35000"/>
+                </a:schemeClr>
+              </a:solidFill>
+            </a:endParaRPr>
+          </a:p>
+          <a:p>
+            <a:r>
+              <a:rPr lang="en-US" sz="3600" dirty="0" smtClean="0"/>
+              <a:t>Hardiles THERMORIS</a:t>
+            </a:r>
+            <a:endParaRPr lang="fr-FR" sz="3600" dirty="0"/>
+          </a:p>
+          <a:p>
+            <a:r>
+              <a:rPr lang="en-US" sz="1600" dirty="0">
+                <a:solidFill>
+                  <a:schemeClr val="tx1">
+                    <a:lumMod val="65000"/>
+                    <a:lumOff val="35000"/>
+                  </a:schemeClr>
+                </a:solidFill>
+              </a:rPr>
+              <a:t>Bachelor of Computer </a:t>
+            </a:r>
+            <a:r>
+              <a:rPr lang="en-US" sz="1600" dirty="0" smtClean="0">
+                <a:solidFill>
+                  <a:schemeClr val="tx1">
+                    <a:lumMod val="65000"/>
+                    <a:lumOff val="35000"/>
+                  </a:schemeClr>
+                </a:solidFill>
+              </a:rPr>
+              <a:t>Science</a:t>
+            </a:r>
+            <a:r>
+              <a:rPr lang="fr-FR" sz="1600" dirty="0" smtClean="0">
+                <a:solidFill>
+                  <a:schemeClr val="tx1">
+                    <a:lumMod val="65000"/>
+                    <a:lumOff val="35000"/>
+                  </a:schemeClr>
+                </a:solidFill>
+              </a:rPr>
+              <a:t>, </a:t>
+            </a:r>
+            <a:r>
+              <a:rPr lang="fr-FR" sz="1600" dirty="0">
+                <a:solidFill>
+                  <a:schemeClr val="tx1">
+                    <a:lumMod val="65000"/>
+                    <a:lumOff val="35000"/>
+                  </a:schemeClr>
+                </a:solidFill>
+              </a:rPr>
+              <a:t>Data Science in </a:t>
+            </a:r>
+            <a:r>
+              <a:rPr lang="fr-FR" sz="1600" dirty="0" smtClean="0">
+                <a:solidFill>
+                  <a:schemeClr val="tx1">
+                    <a:lumMod val="65000"/>
+                    <a:lumOff val="35000"/>
+                  </a:schemeClr>
+                </a:solidFill>
+              </a:rPr>
+              <a:t>formation</a:t>
+            </a:r>
+          </a:p>
+          <a:p>
+            <a:endParaRPr lang="fr-FR" dirty="0">
+              <a:solidFill>
+                <a:schemeClr val="accent5">
+                  <a:lumMod val="50000"/>
+                </a:schemeClr>
+              </a:solidFill>
+            </a:endParaRPr>
+          </a:p>
+          <a:p>
+            <a:r>
+              <a:rPr lang="fr-FR" b="1" dirty="0"/>
+              <a:t>Contact</a:t>
+            </a:r>
+            <a:r>
+              <a:rPr lang="fr-FR" dirty="0"/>
+              <a:t> :  </a:t>
+            </a:r>
+            <a:r>
+              <a:rPr lang="fr-FR" dirty="0" smtClean="0">
+                <a:hlinkClick r:id="rId2"/>
+              </a:rPr>
+              <a:t>hardilesthermoris@gmail.com</a:t>
+            </a:r>
+            <a:endParaRPr lang="fr-FR" dirty="0" smtClean="0"/>
+          </a:p>
+          <a:p>
+            <a:endParaRPr lang="en-US" dirty="0"/>
+          </a:p>
+          <a:p>
+            <a:endParaRPr lang="en-US" dirty="0" smtClean="0"/>
+          </a:p>
+          <a:p>
+            <a:endParaRPr lang="en-US" dirty="0" smtClean="0"/>
+          </a:p>
+          <a:p>
+            <a:endParaRPr lang="fr-FR" dirty="0"/>
+          </a:p>
+          <a:p>
+            <a:r>
+              <a:rPr lang="fr-FR" b="1" dirty="0">
+                <a:solidFill>
+                  <a:schemeClr val="accent5">
+                    <a:lumMod val="50000"/>
+                  </a:schemeClr>
+                </a:solidFill>
+              </a:rPr>
+              <a:t>Project </a:t>
+            </a:r>
+            <a:r>
+              <a:rPr lang="fr-FR" b="1" dirty="0" err="1">
+                <a:solidFill>
+                  <a:schemeClr val="accent5">
+                    <a:lumMod val="50000"/>
+                  </a:schemeClr>
+                </a:solidFill>
+              </a:rPr>
+              <a:t>link</a:t>
+            </a:r>
+            <a:r>
+              <a:rPr lang="fr-FR" b="1" dirty="0">
+                <a:solidFill>
+                  <a:schemeClr val="accent5">
+                    <a:lumMod val="50000"/>
+                  </a:schemeClr>
+                </a:solidFill>
+              </a:rPr>
+              <a:t> </a:t>
+            </a:r>
+            <a:r>
+              <a:rPr lang="fr-FR" dirty="0" smtClean="0"/>
+              <a:t>:</a:t>
+            </a:r>
+            <a:endParaRPr lang="fr-FR" dirty="0"/>
+          </a:p>
+          <a:p>
+            <a:r>
+              <a:rPr lang="fr-FR" sz="1400" dirty="0" smtClean="0"/>
+              <a:t>https</a:t>
+            </a:r>
+            <a:r>
+              <a:rPr lang="fr-FR" sz="1400" dirty="0"/>
+              <a:t>://https://github.com/Thermoris1212/Ayiti-Analytics-Capstone-project.git</a:t>
+            </a:r>
+          </a:p>
+        </p:txBody>
+      </p:sp>
+    </p:spTree>
+    <p:extLst>
+      <p:ext uri="{BB962C8B-B14F-4D97-AF65-F5344CB8AC3E}">
+        <p14:creationId xmlns:p14="http://schemas.microsoft.com/office/powerpoint/2010/main" val="1454765523"/>
+      </p:ext>
+    </p:extLst>
+  </p:cSld>
+  <p:clrMapOvr>
+    <a:masterClrMapping/>
+  </p:clrMapOvr>
+  <p:timing>
+    <p:tnLst>
+      <p:par>
+        <p:cTn id="1" dur="indefinite" restart="never" nodeType="tmRoot"/>
+      </p:par>
+    </p:tnLst>
+  </p:timing>
+</p:sld>
+</file>
+
+<file path=ppt/slides/slide12.xml><?xml version="1.0" encoding="utf-8"?>
+<p:sld xmlns:a="http://schemas.openxmlformats.org/drawingml/2006/main" xmlns:r="http://schemas.openxmlformats.org/officeDocument/2006/relationships" xmlns:p="http://schemas.openxmlformats.org/presentationml/2006/main" showMasterSp="0">
+  <p:cSld>
+    <p:spTree>
+      <p:nvGrpSpPr>
+        <p:cNvPr id="1" name=""/>
+        <p:cNvGrpSpPr/>
+        <p:nvPr/>
+      </p:nvGrpSpPr>
+      <p:grpSpPr>
+        <a:xfrm>
+          <a:off x="0" y="0"/>
+          <a:ext cx="0" cy="0"/>
+          <a:chOff x="0" y="0"/>
+          <a:chExt cx="0" cy="0"/>
+        </a:xfrm>
+      </p:grpSpPr>
       <p:pic>
         <p:nvPicPr>
           <p:cNvPr id="11" name="object 11"/>
@@ -1969,7 +3027,7 @@
           <p:nvPr/>
         </p:nvPicPr>
         <p:blipFill>
-          <a:blip r:embed="rId4" cstate="print"/>
+          <a:blip r:embed="rId2" cstate="print"/>
           <a:stretch>
             <a:fillRect/>
           </a:stretch>
@@ -2305,7 +3363,7 @@
           <p:nvPr/>
         </p:nvPicPr>
         <p:blipFill>
-          <a:blip r:embed="rId5">
+          <a:blip r:embed="rId3">
             <a:extLst>
               <a:ext uri="{28A0092B-C50C-407E-A947-70E740481C1C}">
                 <a14:useLocalDpi xmlns:a14="http://schemas.microsoft.com/office/drawing/2010/main" val="0"/>
@@ -2326,36 +3384,6 @@
           </a:prstGeom>
         </p:spPr>
       </p:pic>
-      <p:pic>
-        <p:nvPicPr>
-          <p:cNvPr id="13" name="Image 12"/>
-          <p:cNvPicPr>
-            <a:picLocks noChangeAspect="1"/>
-          </p:cNvPicPr>
-          <p:nvPr/>
-        </p:nvPicPr>
-        <p:blipFill>
-          <a:blip r:embed="rId6" cstate="print">
-            <a:extLst>
-              <a:ext uri="{28A0092B-C50C-407E-A947-70E740481C1C}">
-                <a14:useLocalDpi xmlns:a14="http://schemas.microsoft.com/office/drawing/2010/main" val="0"/>
-              </a:ext>
-            </a:extLst>
-          </a:blip>
-          <a:stretch>
-            <a:fillRect/>
-          </a:stretch>
-        </p:blipFill>
-        <p:spPr>
-          <a:xfrm>
-            <a:off x="737533" y="597643"/>
-            <a:ext cx="931524" cy="558914"/>
-          </a:xfrm>
-          <a:prstGeom prst="rect">
-            <a:avLst/>
-          </a:prstGeom>
-        </p:spPr>
-      </p:pic>
       <p:sp>
         <p:nvSpPr>
           <p:cNvPr id="14" name="ZoneTexte 13"/>
@@ -2400,11 +3428,154 @@
           </a:p>
         </p:txBody>
       </p:sp>
+      <p:sp>
+        <p:nvSpPr>
+          <p:cNvPr id="16" name="object 2"/>
+          <p:cNvSpPr/>
+          <p:nvPr/>
+        </p:nvSpPr>
+        <p:spPr>
+          <a:xfrm>
+            <a:off x="15400" y="0"/>
+            <a:ext cx="9144000" cy="5283662"/>
+          </a:xfrm>
+          <a:custGeom>
+            <a:avLst/>
+            <a:gdLst/>
+            <a:ahLst/>
+            <a:cxnLst/>
+            <a:rect l="l" t="t" r="r" b="b"/>
+            <a:pathLst>
+              <a:path w="9144000" h="4655820">
+                <a:moveTo>
+                  <a:pt x="0" y="4655699"/>
+                </a:moveTo>
+                <a:lnTo>
+                  <a:pt x="9143999" y="4655699"/>
+                </a:lnTo>
+                <a:lnTo>
+                  <a:pt x="9143999" y="0"/>
+                </a:lnTo>
+                <a:lnTo>
+                  <a:pt x="0" y="0"/>
+                </a:lnTo>
+                <a:lnTo>
+                  <a:pt x="0" y="4655699"/>
+                </a:lnTo>
+                <a:close/>
+              </a:path>
+            </a:pathLst>
+          </a:custGeom>
+          <a:blipFill dpi="0" rotWithShape="1">
+            <a:blip r:embed="rId4">
+              <a:extLst>
+                <a:ext uri="{BEBA8EAE-BF5A-486C-A8C5-ECC9F3942E4B}">
+                  <a14:imgProps xmlns:a14="http://schemas.microsoft.com/office/drawing/2010/main">
+                    <a14:imgLayer r:embed="rId5">
+                      <a14:imgEffect>
+                        <a14:brightnessContrast bright="-40000" contrast="20000"/>
+                      </a14:imgEffect>
+                    </a14:imgLayer>
+                  </a14:imgProps>
+                </a:ext>
+                <a:ext uri="{28A0092B-C50C-407E-A947-70E740481C1C}">
+                  <a14:useLocalDpi xmlns:a14="http://schemas.microsoft.com/office/drawing/2010/main" val="0"/>
+                </a:ext>
+              </a:extLst>
+            </a:blip>
+            <a:srcRect/>
+            <a:stretch>
+              <a:fillRect/>
+            </a:stretch>
+          </a:blipFill>
+        </p:spPr>
+        <p:txBody>
+          <a:bodyPr wrap="square" lIns="0" tIns="0" rIns="0" bIns="0" rtlCol="0"/>
+          <a:lstStyle/>
+          <a:p>
+            <a:endParaRPr dirty="0"/>
+          </a:p>
+        </p:txBody>
+      </p:sp>
+      <p:sp>
+        <p:nvSpPr>
+          <p:cNvPr id="10" name="ZoneTexte 9"/>
+          <p:cNvSpPr txBox="1"/>
+          <p:nvPr/>
+        </p:nvSpPr>
+        <p:spPr>
+          <a:xfrm>
+            <a:off x="3020374" y="1088052"/>
+            <a:ext cx="3103252" cy="769441"/>
+          </a:xfrm>
+          <a:prstGeom prst="rect">
+            <a:avLst/>
+          </a:prstGeom>
+          <a:noFill/>
+        </p:spPr>
+        <p:txBody>
+          <a:bodyPr wrap="square" rtlCol="0">
+            <a:spAutoFit/>
+          </a:bodyPr>
+          <a:lstStyle/>
+          <a:p>
+            <a:r>
+              <a:rPr lang="fr-FR" sz="4400" dirty="0" err="1">
+                <a:solidFill>
+                  <a:schemeClr val="bg1"/>
+                </a:solidFill>
+              </a:rPr>
+              <a:t>Thank</a:t>
+            </a:r>
+            <a:r>
+              <a:rPr lang="fr-FR" sz="4400" dirty="0">
+                <a:solidFill>
+                  <a:schemeClr val="bg1"/>
+                </a:solidFill>
+              </a:rPr>
+              <a:t> </a:t>
+            </a:r>
+            <a:r>
+              <a:rPr lang="fr-FR" sz="4400" dirty="0" err="1" smtClean="0">
+                <a:solidFill>
+                  <a:schemeClr val="bg1"/>
+                </a:solidFill>
+              </a:rPr>
+              <a:t>you</a:t>
+            </a:r>
+            <a:r>
+              <a:rPr lang="fr-FR" sz="4400" dirty="0" smtClean="0">
+                <a:solidFill>
+                  <a:schemeClr val="bg1"/>
+                </a:solidFill>
+              </a:rPr>
+              <a:t>!!!</a:t>
+            </a:r>
+            <a:endParaRPr lang="fr-FR" sz="4400" dirty="0">
+              <a:solidFill>
+                <a:schemeClr val="bg1"/>
+              </a:solidFill>
+            </a:endParaRPr>
+          </a:p>
+        </p:txBody>
+      </p:sp>
     </p:spTree>
+    <p:extLst>
+      <p:ext uri="{BB962C8B-B14F-4D97-AF65-F5344CB8AC3E}">
+        <p14:creationId xmlns:p14="http://schemas.microsoft.com/office/powerpoint/2010/main" val="3892403467"/>
+      </p:ext>
+    </p:extLst>
   </p:cSld>
   <p:clrMapOvr>
     <a:masterClrMapping/>
   </p:clrMapOvr>
+  <p:timing>
+    <p:tnLst>
+      <p:par>
+        <p:cTn id="1" dur="indefinite" restart="never" nodeType="tmRoot"/>
+      </p:par>
+    </p:tnLst>
+  </p:timing>
 </p:sld>
 </file>
 
@@ -2437,8 +3608,8 @@
         </p:nvSpPr>
         <p:spPr>
           <a:xfrm>
-            <a:off x="802475" y="1378467"/>
-            <a:ext cx="1595755" cy="421640"/>
+            <a:off x="800675" y="647291"/>
+            <a:ext cx="3582035" cy="505267"/>
           </a:xfrm>
           <a:prstGeom prst="rect">
             <a:avLst/>
@@ -2459,46 +3630,26 @@
               </a:spcBef>
             </a:pPr>
             <a:r>
-              <a:rPr sz="2600" b="1" spc="80" dirty="0" smtClean="0">
+              <a:rPr sz="3200" b="1" spc="-190" dirty="0" smtClean="0">
                 <a:solidFill>
                   <a:srgbClr val="1A1A1A"/>
                 </a:solidFill>
                 <a:latin typeface="Trebuchet MS"/>
                 <a:cs typeface="Trebuchet MS"/>
               </a:rPr>
-              <a:t>s</a:t>
-            </a:r>
-            <a:r>
-              <a:rPr lang="en-US" sz="2600" b="1" spc="80" dirty="0" smtClean="0">
+              <a:t> </a:t>
+            </a:r>
+            <a:r>
+              <a:rPr lang="en-US" sz="1600" b="1" spc="-15" dirty="0" smtClean="0">
                 <a:solidFill>
                   <a:srgbClr val="1A1A1A"/>
                 </a:solidFill>
                 <a:latin typeface="Trebuchet MS"/>
                 <a:cs typeface="Trebuchet MS"/>
               </a:rPr>
-              <a:t>u</a:t>
-            </a:r>
-            <a:r>
-              <a:rPr sz="2600" b="1" spc="80" dirty="0" smtClean="0">
-                <a:solidFill>
-                  <a:srgbClr val="1A1A1A"/>
-                </a:solidFill>
-                <a:latin typeface="Trebuchet MS"/>
-                <a:cs typeface="Trebuchet MS"/>
-              </a:rPr>
-              <a:t>mma</a:t>
-            </a:r>
-            <a:r>
-              <a:rPr lang="en-US" sz="2600" b="1" spc="80" dirty="0" smtClean="0">
-                <a:solidFill>
-                  <a:srgbClr val="1A1A1A"/>
-                </a:solidFill>
-                <a:latin typeface="Trebuchet MS"/>
-                <a:cs typeface="Trebuchet MS"/>
-              </a:rPr>
-              <a:t>ry</a:t>
-            </a:r>
-            <a:endParaRPr sz="2600" dirty="0">
+              <a:t>Haiti Presentation</a:t>
+            </a:r>
+            <a:endParaRPr sz="1600" dirty="0">
               <a:latin typeface="Trebuchet MS"/>
               <a:cs typeface="Trebuchet MS"/>
             </a:endParaRPr>
@@ -2507,14 +3658,14 @@
       </p:sp>
       <p:sp>
         <p:nvSpPr>
-          <p:cNvPr id="4" name="Rectangle 3"/>
+          <p:cNvPr id="12" name="Rectangle 11"/>
           <p:cNvSpPr/>
           <p:nvPr/>
         </p:nvSpPr>
         <p:spPr>
           <a:xfrm>
-            <a:off x="3048000" y="666750"/>
-            <a:ext cx="4051656" cy="3723337"/>
+            <a:off x="685800" y="1373740"/>
+            <a:ext cx="8153400" cy="3200400"/>
           </a:xfrm>
           <a:prstGeom prst="rect">
             <a:avLst/>
@@ -2546,211 +3697,378 @@
           <a:bodyPr rtlCol="0" anchor="ctr"/>
           <a:lstStyle/>
           <a:p>
-            <a:pPr algn="ctr"/>
-            <a:endParaRPr lang="fr-FR"/>
-          </a:p>
-        </p:txBody>
-      </p:sp>
-      <p:sp>
-        <p:nvSpPr>
-          <p:cNvPr id="5" name="object 3"/>
+            <a:r>
+              <a:rPr lang="en-US" sz="1400" dirty="0" smtClean="0">
+                <a:solidFill>
+                  <a:schemeClr val="tx1"/>
+                </a:solidFill>
+              </a:rPr>
+              <a:t> </a:t>
+            </a:r>
+            <a:endParaRPr lang="fr-FR" sz="1400" dirty="0">
+              <a:solidFill>
+                <a:schemeClr val="tx1"/>
+              </a:solidFill>
+            </a:endParaRPr>
+          </a:p>
+        </p:txBody>
+      </p:sp>
+      <p:sp>
+        <p:nvSpPr>
+          <p:cNvPr id="13" name="ZoneTexte 12"/>
           <p:cNvSpPr txBox="1"/>
           <p:nvPr/>
         </p:nvSpPr>
         <p:spPr>
           <a:xfrm>
-            <a:off x="2133600" y="1800107"/>
-            <a:ext cx="4723765" cy="2808461"/>
-          </a:xfrm>
-          <a:prstGeom prst="rect">
-            <a:avLst/>
-          </a:prstGeom>
-        </p:spPr>
-        <p:txBody>
-          <a:bodyPr vert="horz" wrap="square" lIns="0" tIns="165100" rIns="0" bIns="0" rtlCol="0">
+            <a:off x="767284" y="1276350"/>
+            <a:ext cx="5252516" cy="3416320"/>
+          </a:xfrm>
+          <a:prstGeom prst="rect">
+            <a:avLst/>
+          </a:prstGeom>
+          <a:noFill/>
+        </p:spPr>
+        <p:txBody>
+          <a:bodyPr wrap="square" rtlCol="0">
             <a:spAutoFit/>
           </a:bodyPr>
           <a:lstStyle/>
           <a:p>
-            <a:pPr marL="494665" indent="-482600">
+            <a:pPr>
               <a:lnSpc>
-                <a:spcPct val="100000"/>
+                <a:spcPct val="200000"/>
               </a:lnSpc>
-              <a:spcBef>
-                <a:spcPts val="1300"/>
-              </a:spcBef>
-              <a:buFont typeface="MS PGothic"/>
-              <a:buChar char="❖"/>
-              <a:tabLst>
-                <a:tab pos="494665" algn="l"/>
-                <a:tab pos="495300" algn="l"/>
-              </a:tabLst>
             </a:pPr>
             <a:r>
-              <a:rPr lang="fr-FR" sz="2000" spc="-135" dirty="0" smtClean="0">
-                <a:solidFill>
-                  <a:srgbClr val="595959"/>
-                </a:solidFill>
-                <a:latin typeface="Tahoma"/>
-                <a:cs typeface="Tahoma"/>
-              </a:rPr>
-              <a:t>Introduction</a:t>
-            </a:r>
-          </a:p>
-          <a:p>
-            <a:pPr marL="494665" indent="-482600">
+              <a:rPr lang="en-US" sz="1600" dirty="0" smtClean="0">
+                <a:solidFill>
+                  <a:schemeClr val="tx1">
+                    <a:lumMod val="95000"/>
+                    <a:lumOff val="5000"/>
+                  </a:schemeClr>
+                </a:solidFill>
+              </a:rPr>
+              <a:t>Haiti Population 2020</a:t>
+            </a:r>
+            <a:r>
+              <a:rPr lang="en-US" dirty="0" smtClean="0">
+                <a:solidFill>
+                  <a:schemeClr val="tx1">
+                    <a:lumMod val="95000"/>
+                    <a:lumOff val="5000"/>
+                  </a:schemeClr>
+                </a:solidFill>
+              </a:rPr>
+              <a:t>: </a:t>
+            </a:r>
+            <a:r>
+              <a:rPr lang="fr-FR" dirty="0">
+                <a:solidFill>
+                  <a:schemeClr val="tx1">
+                    <a:lumMod val="95000"/>
+                    <a:lumOff val="5000"/>
+                  </a:schemeClr>
+                </a:solidFill>
+              </a:rPr>
+              <a:t>11 067 </a:t>
+            </a:r>
+            <a:r>
+              <a:rPr lang="fr-FR" dirty="0" smtClean="0">
+                <a:solidFill>
+                  <a:schemeClr val="tx1">
+                    <a:lumMod val="95000"/>
+                    <a:lumOff val="5000"/>
+                  </a:schemeClr>
+                </a:solidFill>
+              </a:rPr>
+              <a:t>777 Habitants </a:t>
+            </a:r>
+          </a:p>
+          <a:p>
+            <a:pPr>
               <a:lnSpc>
-                <a:spcPct val="100000"/>
+                <a:spcPct val="200000"/>
               </a:lnSpc>
-              <a:spcBef>
-                <a:spcPts val="1300"/>
-              </a:spcBef>
-              <a:buFont typeface="MS PGothic"/>
-              <a:buChar char="❖"/>
-              <a:tabLst>
-                <a:tab pos="494665" algn="l"/>
-                <a:tab pos="495300" algn="l"/>
-              </a:tabLst>
             </a:pPr>
             <a:r>
-              <a:rPr lang="en-US" sz="2000" spc="-135" dirty="0" smtClean="0">
-                <a:solidFill>
-                  <a:srgbClr val="595959"/>
-                </a:solidFill>
-                <a:latin typeface="Tahoma"/>
-                <a:cs typeface="Tahoma"/>
-              </a:rPr>
-              <a:t>Context</a:t>
-            </a:r>
-            <a:endParaRPr lang="fr-FR" sz="2000" spc="-135" dirty="0" smtClean="0">
+              <a:rPr lang="fr-FR" sz="1600" dirty="0" smtClean="0">
+                <a:solidFill>
+                  <a:schemeClr val="tx1">
+                    <a:lumMod val="95000"/>
+                    <a:lumOff val="5000"/>
+                  </a:schemeClr>
+                </a:solidFill>
+              </a:rPr>
+              <a:t>Langues </a:t>
+            </a:r>
+            <a:r>
+              <a:rPr lang="fr-FR" sz="1600" dirty="0" err="1" smtClean="0">
+                <a:solidFill>
+                  <a:schemeClr val="tx1">
+                    <a:lumMod val="95000"/>
+                    <a:lumOff val="5000"/>
+                  </a:schemeClr>
+                </a:solidFill>
+              </a:rPr>
+              <a:t>officielles</a:t>
+            </a:r>
+            <a:r>
+              <a:rPr lang="fr-FR" dirty="0" err="1" smtClean="0">
+                <a:solidFill>
+                  <a:schemeClr val="tx1">
+                    <a:lumMod val="95000"/>
+                    <a:lumOff val="5000"/>
+                  </a:schemeClr>
+                </a:solidFill>
+              </a:rPr>
+              <a:t>:Créole</a:t>
+            </a:r>
+            <a:r>
+              <a:rPr lang="fr-FR" dirty="0" smtClean="0">
+                <a:solidFill>
+                  <a:schemeClr val="tx1">
+                    <a:lumMod val="95000"/>
+                    <a:lumOff val="5000"/>
+                  </a:schemeClr>
+                </a:solidFill>
+              </a:rPr>
+              <a:t> </a:t>
+            </a:r>
+            <a:r>
+              <a:rPr lang="fr-FR" dirty="0" err="1" smtClean="0">
+                <a:solidFill>
+                  <a:schemeClr val="tx1">
+                    <a:lumMod val="95000"/>
+                    <a:lumOff val="5000"/>
+                  </a:schemeClr>
+                </a:solidFill>
+              </a:rPr>
+              <a:t>haïtien,Français</a:t>
+            </a:r>
+            <a:r>
+              <a:rPr lang="fr-FR" dirty="0" smtClean="0">
+                <a:solidFill>
+                  <a:schemeClr val="tx1">
+                    <a:lumMod val="95000"/>
+                    <a:lumOff val="5000"/>
+                  </a:schemeClr>
+                </a:solidFill>
+              </a:rPr>
+              <a:t> haïtien</a:t>
+            </a:r>
+          </a:p>
+          <a:p>
+            <a:pPr>
+              <a:lnSpc>
+                <a:spcPct val="200000"/>
+              </a:lnSpc>
+            </a:pPr>
+            <a:r>
+              <a:rPr lang="fr-FR" sz="1600" dirty="0" smtClean="0">
+                <a:solidFill>
+                  <a:schemeClr val="tx1">
+                    <a:lumMod val="95000"/>
+                    <a:lumOff val="5000"/>
+                  </a:schemeClr>
+                </a:solidFill>
+              </a:rPr>
+              <a:t>Capitale: </a:t>
+            </a:r>
+            <a:r>
+              <a:rPr lang="fr-FR" dirty="0" smtClean="0">
+                <a:solidFill>
+                  <a:schemeClr val="tx1">
+                    <a:lumMod val="95000"/>
+                    <a:lumOff val="5000"/>
+                  </a:schemeClr>
+                </a:solidFill>
+              </a:rPr>
+              <a:t>Port-au-Prince</a:t>
+            </a:r>
+            <a:endParaRPr lang="fr-FR" dirty="0">
               <a:solidFill>
-                <a:srgbClr val="595959"/>
+                <a:schemeClr val="tx1">
+                  <a:lumMod val="95000"/>
+                  <a:lumOff val="5000"/>
+                </a:schemeClr>
               </a:solidFill>
-              <a:latin typeface="Tahoma"/>
-              <a:cs typeface="Tahoma"/>
             </a:endParaRPr>
           </a:p>
           <a:p>
-            <a:pPr marL="494665" lvl="0" indent="-482600">
-              <a:spcBef>
-                <a:spcPts val="1300"/>
-              </a:spcBef>
-              <a:buFont typeface="MS PGothic"/>
-              <a:buChar char="❖"/>
-              <a:tabLst>
-                <a:tab pos="494665" algn="l"/>
-                <a:tab pos="495300" algn="l"/>
-              </a:tabLst>
+            <a:pPr>
+              <a:lnSpc>
+                <a:spcPct val="200000"/>
+              </a:lnSpc>
             </a:pPr>
             <a:r>
-              <a:rPr lang="fr-HT" sz="2000" dirty="0" smtClean="0">
-                <a:latin typeface="Tahoma" panose="020B0604030504040204" pitchFamily="34" charset="0"/>
-                <a:ea typeface="Tahoma" panose="020B0604030504040204" pitchFamily="34" charset="0"/>
-                <a:cs typeface="Tahoma" panose="020B0604030504040204" pitchFamily="34" charset="0"/>
-              </a:rPr>
-              <a:t>Goal</a:t>
-            </a:r>
-            <a:endParaRPr lang="fr-FR" sz="2000" spc="-135" dirty="0" smtClean="0">
+              <a:rPr lang="fr-FR" sz="1600" dirty="0" smtClean="0">
+                <a:solidFill>
+                  <a:schemeClr val="tx1">
+                    <a:lumMod val="95000"/>
+                    <a:lumOff val="5000"/>
+                  </a:schemeClr>
+                </a:solidFill>
+              </a:rPr>
+              <a:t>Superficie totale: </a:t>
+            </a:r>
+            <a:r>
+              <a:rPr lang="fr-FR" dirty="0" smtClean="0">
+                <a:solidFill>
+                  <a:schemeClr val="tx1">
+                    <a:lumMod val="95000"/>
+                    <a:lumOff val="5000"/>
+                  </a:schemeClr>
+                </a:solidFill>
+              </a:rPr>
+              <a:t>27 750 km2</a:t>
+            </a:r>
+          </a:p>
+          <a:p>
+            <a:pPr>
+              <a:lnSpc>
+                <a:spcPct val="200000"/>
+              </a:lnSpc>
+            </a:pPr>
+            <a:r>
+              <a:rPr lang="fr-FR" sz="1600" dirty="0" smtClean="0">
+                <a:solidFill>
+                  <a:schemeClr val="tx1">
+                    <a:lumMod val="95000"/>
+                    <a:lumOff val="5000"/>
+                  </a:schemeClr>
+                </a:solidFill>
+              </a:rPr>
+              <a:t>Densité: </a:t>
+            </a:r>
+            <a:r>
+              <a:rPr lang="fr-FR" dirty="0" smtClean="0">
+                <a:solidFill>
+                  <a:schemeClr val="tx1">
+                    <a:lumMod val="95000"/>
+                    <a:lumOff val="5000"/>
+                  </a:schemeClr>
+                </a:solidFill>
+              </a:rPr>
+              <a:t>399 hab./km2</a:t>
+            </a:r>
+          </a:p>
+          <a:p>
+            <a:pPr>
+              <a:lnSpc>
+                <a:spcPct val="200000"/>
+              </a:lnSpc>
+            </a:pPr>
+            <a:r>
+              <a:rPr lang="fr-FR" sz="1600" dirty="0" smtClean="0">
+                <a:solidFill>
+                  <a:schemeClr val="tx1">
+                    <a:lumMod val="95000"/>
+                    <a:lumOff val="5000"/>
+                  </a:schemeClr>
+                </a:solidFill>
+              </a:rPr>
+              <a:t>Monnaie</a:t>
+            </a:r>
+            <a:r>
+              <a:rPr lang="fr-FR" dirty="0" smtClean="0">
+                <a:solidFill>
+                  <a:schemeClr val="tx1">
+                    <a:lumMod val="95000"/>
+                    <a:lumOff val="5000"/>
+                  </a:schemeClr>
+                </a:solidFill>
+              </a:rPr>
+              <a:t>:	Gourde haïtienne (HTG​)</a:t>
+            </a:r>
+            <a:endParaRPr lang="fr-FR" dirty="0">
               <a:solidFill>
-                <a:srgbClr val="595959"/>
+                <a:schemeClr val="tx1">
+                  <a:lumMod val="95000"/>
+                  <a:lumOff val="5000"/>
+                </a:schemeClr>
               </a:solidFill>
-              <a:latin typeface="Tahoma" panose="020B0604030504040204" pitchFamily="34" charset="0"/>
-              <a:ea typeface="Tahoma" panose="020B0604030504040204" pitchFamily="34" charset="0"/>
-              <a:cs typeface="Tahoma" panose="020B0604030504040204" pitchFamily="34" charset="0"/>
             </a:endParaRPr>
           </a:p>
-          <a:p>
-            <a:pPr marL="494665" indent="-482600">
-              <a:lnSpc>
-                <a:spcPct val="100000"/>
-              </a:lnSpc>
-              <a:spcBef>
-                <a:spcPts val="1200"/>
-              </a:spcBef>
-              <a:buFont typeface="MS PGothic"/>
-              <a:buChar char="❖"/>
-              <a:tabLst>
-                <a:tab pos="494665" algn="l"/>
-                <a:tab pos="495300" algn="l"/>
-              </a:tabLst>
-            </a:pPr>
-            <a:r>
-              <a:rPr lang="fr-FR" sz="2000" spc="25" dirty="0" err="1" smtClean="0">
-                <a:solidFill>
-                  <a:srgbClr val="595959"/>
-                </a:solidFill>
-                <a:latin typeface="Tahoma"/>
-                <a:cs typeface="Tahoma"/>
-              </a:rPr>
-              <a:t>Methodology</a:t>
-            </a:r>
-            <a:endParaRPr lang="fr-FR" sz="2000" spc="25" dirty="0" smtClean="0">
-              <a:solidFill>
-                <a:srgbClr val="595959"/>
-              </a:solidFill>
-              <a:latin typeface="Tahoma"/>
-              <a:cs typeface="Tahoma"/>
-            </a:endParaRPr>
-          </a:p>
-          <a:p>
-            <a:pPr marL="494665" indent="-482600">
-              <a:lnSpc>
-                <a:spcPct val="100000"/>
-              </a:lnSpc>
-              <a:spcBef>
-                <a:spcPts val="1200"/>
-              </a:spcBef>
-              <a:buFont typeface="MS PGothic"/>
-              <a:buChar char="❖"/>
-              <a:tabLst>
-                <a:tab pos="494665" algn="l"/>
-                <a:tab pos="495300" algn="l"/>
-              </a:tabLst>
-            </a:pPr>
-            <a:r>
-              <a:rPr lang="en-US" sz="2000" spc="25" dirty="0" smtClean="0">
-                <a:solidFill>
-                  <a:srgbClr val="595959"/>
-                </a:solidFill>
-                <a:latin typeface="Tahoma"/>
-                <a:cs typeface="Tahoma"/>
-              </a:rPr>
-              <a:t>Result</a:t>
-            </a:r>
-            <a:endParaRPr sz="2000" dirty="0" smtClean="0">
-              <a:latin typeface="Tahoma"/>
-              <a:cs typeface="Tahoma"/>
-            </a:endParaRPr>
-          </a:p>
-          <a:p>
-            <a:pPr marL="494665" indent="-482600">
-              <a:lnSpc>
-                <a:spcPct val="100000"/>
-              </a:lnSpc>
-              <a:spcBef>
-                <a:spcPts val="1200"/>
-              </a:spcBef>
-              <a:buFont typeface="MS PGothic"/>
-              <a:buChar char="❖"/>
-              <a:tabLst>
-                <a:tab pos="494665" algn="l"/>
-                <a:tab pos="495300" algn="l"/>
-              </a:tabLst>
-            </a:pPr>
-            <a:r>
-              <a:rPr lang="en-US" sz="2000" spc="10" dirty="0" err="1" smtClean="0">
-                <a:solidFill>
-                  <a:srgbClr val="595959"/>
-                </a:solidFill>
-                <a:latin typeface="Tahoma"/>
-                <a:cs typeface="Tahoma"/>
-              </a:rPr>
-              <a:t>Recommandations</a:t>
-            </a:r>
-            <a:endParaRPr sz="2000" dirty="0">
-              <a:latin typeface="Tahoma"/>
-              <a:cs typeface="Tahoma"/>
-            </a:endParaRPr>
+        </p:txBody>
+      </p:sp>
+      <p:pic>
+        <p:nvPicPr>
+          <p:cNvPr id="18" name="Image 17"/>
+          <p:cNvPicPr>
+            <a:picLocks noChangeAspect="1"/>
+          </p:cNvPicPr>
+          <p:nvPr/>
+        </p:nvPicPr>
+        <p:blipFill>
+          <a:blip r:embed="rId2">
+            <a:extLst>
+              <a:ext uri="{28A0092B-C50C-407E-A947-70E740481C1C}">
+                <a14:useLocalDpi xmlns:a14="http://schemas.microsoft.com/office/drawing/2010/main" val="0"/>
+              </a:ext>
+            </a:extLst>
+          </a:blip>
+          <a:stretch>
+            <a:fillRect/>
+          </a:stretch>
+        </p:blipFill>
+        <p:spPr>
+          <a:xfrm>
+            <a:off x="3505201" y="2689824"/>
+            <a:ext cx="1676400" cy="1285875"/>
+          </a:xfrm>
+          <a:prstGeom prst="rect">
+            <a:avLst/>
+          </a:prstGeom>
+        </p:spPr>
+      </p:pic>
+      <p:sp>
+        <p:nvSpPr>
+          <p:cNvPr id="6" name="Rectangle 5"/>
+          <p:cNvSpPr/>
+          <p:nvPr/>
+        </p:nvSpPr>
+        <p:spPr>
+          <a:xfrm>
+            <a:off x="-1" y="0"/>
+            <a:ext cx="9144001" cy="514350"/>
+          </a:xfrm>
+          <a:prstGeom prst="rect">
+            <a:avLst/>
+          </a:prstGeom>
+          <a:solidFill>
+            <a:schemeClr val="accent5">
+              <a:lumMod val="50000"/>
+            </a:schemeClr>
+          </a:solidFill>
+          <a:ln>
+            <a:solidFill>
+              <a:schemeClr val="accent6"/>
+            </a:solidFill>
+          </a:ln>
+        </p:spPr>
+        <p:style>
+          <a:lnRef idx="2">
+            <a:schemeClr val="accent1">
+              <a:shade val="50000"/>
+            </a:schemeClr>
+          </a:lnRef>
+          <a:fillRef idx="1">
+            <a:schemeClr val="accent1"/>
+          </a:fillRef>
+          <a:effectRef idx="0">
+            <a:schemeClr val="accent1"/>
+          </a:effectRef>
+          <a:fontRef idx="minor">
+            <a:schemeClr val="lt1"/>
+          </a:fontRef>
+        </p:style>
+        <p:txBody>
+          <a:bodyPr rtlCol="0" anchor="ctr"/>
+          <a:lstStyle/>
+          <a:p>
+            <a:pPr algn="ctr"/>
+            <a:endParaRPr lang="fr-FR"/>
           </a:p>
         </p:txBody>
       </p:sp>
@@ -2759,6 +4077,13 @@
   <p:clrMapOvr>
     <a:masterClrMapping/>
   </p:clrMapOvr>
+  <p:timing>
+    <p:tnLst>
+      <p:par>
+        <p:cTn id="1" dur="indefinite" restart="never" nodeType="tmRoot"/>
+      </p:par>
+    </p:tnLst>
+  </p:timing>
 </p:sld>
 </file>
 
@@ -2791,8 +4116,8 @@
         </p:nvSpPr>
         <p:spPr>
           <a:xfrm>
-            <a:off x="800675" y="647291"/>
-            <a:ext cx="3582035" cy="421640"/>
+            <a:off x="762000" y="1200150"/>
+            <a:ext cx="3733800" cy="412934"/>
           </a:xfrm>
           <a:prstGeom prst="rect">
             <a:avLst/>
@@ -2813,26 +4138,16 @@
               </a:spcBef>
             </a:pPr>
             <a:r>
-              <a:rPr sz="2600" b="1" spc="-190" dirty="0" smtClean="0">
+              <a:rPr lang="en-US" sz="2600" b="1" spc="80" dirty="0" smtClean="0">
                 <a:solidFill>
                   <a:srgbClr val="1A1A1A"/>
                 </a:solidFill>
                 <a:latin typeface="Trebuchet MS"/>
                 <a:cs typeface="Trebuchet MS"/>
               </a:rPr>
-              <a:t> </a:t>
-            </a:r>
-            <a:r>
-              <a:rPr lang="en-US" sz="1200" b="1" spc="-15" dirty="0" smtClean="0">
-                <a:solidFill>
-                  <a:srgbClr val="1A1A1A"/>
-                </a:solidFill>
-                <a:latin typeface="Trebuchet MS"/>
-                <a:cs typeface="Trebuchet MS"/>
-              </a:rPr>
-              <a:t>Haiti Presentation</a:t>
-            </a:r>
-            <a:endParaRPr sz="1200" dirty="0">
+              <a:t>Table of Contents</a:t>
+            </a:r>
+            <a:endParaRPr sz="2600" dirty="0">
               <a:latin typeface="Trebuchet MS"/>
               <a:cs typeface="Trebuchet MS"/>
             </a:endParaRPr>
@@ -2841,14 +4156,14 @@
       </p:sp>
       <p:sp>
         <p:nvSpPr>
-          <p:cNvPr id="12" name="Rectangle 11"/>
+          <p:cNvPr id="4" name="Rectangle 3"/>
           <p:cNvSpPr/>
           <p:nvPr/>
         </p:nvSpPr>
         <p:spPr>
           <a:xfrm>
-            <a:off x="685800" y="1373740"/>
-            <a:ext cx="8153400" cy="3200400"/>
+            <a:off x="4481623" y="627067"/>
+            <a:ext cx="4051656" cy="3723337"/>
           </a:xfrm>
           <a:prstGeom prst="rect">
             <a:avLst/>
@@ -2880,325 +4195,276 @@
           <a:bodyPr rtlCol="0" anchor="ctr"/>
           <a:lstStyle/>
           <a:p>
-            <a:r>
-              <a:rPr lang="en-US" sz="1400" dirty="0" smtClean="0">
-                <a:solidFill>
-                  <a:schemeClr val="tx1"/>
-                </a:solidFill>
-              </a:rPr>
-              <a:t> </a:t>
-            </a:r>
-            <a:endParaRPr lang="fr-FR" sz="1400" dirty="0">
-              <a:solidFill>
-                <a:schemeClr val="tx1"/>
-              </a:solidFill>
-            </a:endParaRPr>
-          </a:p>
-        </p:txBody>
-      </p:sp>
-      <p:sp>
-        <p:nvSpPr>
-          <p:cNvPr id="13" name="ZoneTexte 12"/>
+            <a:pPr algn="ctr"/>
+            <a:endParaRPr lang="fr-FR"/>
+          </a:p>
+        </p:txBody>
+      </p:sp>
+      <p:sp>
+        <p:nvSpPr>
+          <p:cNvPr id="5" name="object 3"/>
           <p:cNvSpPr txBox="1"/>
           <p:nvPr/>
         </p:nvSpPr>
         <p:spPr>
           <a:xfrm>
-            <a:off x="767284" y="1276350"/>
-            <a:ext cx="5252516" cy="3416320"/>
-          </a:xfrm>
-          <a:prstGeom prst="rect">
-            <a:avLst/>
-          </a:prstGeom>
-          <a:noFill/>
-        </p:spPr>
-        <p:txBody>
-          <a:bodyPr wrap="square" rtlCol="0">
+            <a:off x="1295400" y="1733354"/>
+            <a:ext cx="4723765" cy="2895664"/>
+          </a:xfrm>
+          <a:prstGeom prst="rect">
+            <a:avLst/>
+          </a:prstGeom>
+        </p:spPr>
+        <p:txBody>
+          <a:bodyPr vert="horz" wrap="square" lIns="0" tIns="165100" rIns="0" bIns="0" rtlCol="0">
             <a:spAutoFit/>
           </a:bodyPr>
           <a:lstStyle/>
           <a:p>
-            <a:pPr>
-              <a:lnSpc>
-                <a:spcPct val="200000"/>
-              </a:lnSpc>
+            <a:pPr marL="494665" indent="-482600">
+              <a:spcBef>
+                <a:spcPts val="1300"/>
+              </a:spcBef>
+              <a:buFont typeface="MS PGothic"/>
+              <a:buChar char="❖"/>
+              <a:tabLst>
+                <a:tab pos="494665" algn="l"/>
+                <a:tab pos="495300" algn="l"/>
+              </a:tabLst>
             </a:pPr>
             <a:r>
+              <a:rPr lang="fr-FR" sz="1600" spc="-135" dirty="0" smtClean="0">
+                <a:latin typeface="Adobe Fan Heiti Std B" panose="020B0700000000000000" pitchFamily="34" charset="-128"/>
+                <a:ea typeface="Adobe Fan Heiti Std B" panose="020B0700000000000000" pitchFamily="34" charset="-128"/>
+                <a:cs typeface="Tahoma"/>
+              </a:rPr>
+              <a:t>Introduction</a:t>
+            </a:r>
+          </a:p>
+          <a:p>
+            <a:pPr marL="494665" indent="-482600">
+              <a:spcBef>
+                <a:spcPts val="1300"/>
+              </a:spcBef>
+              <a:buFont typeface="MS PGothic"/>
+              <a:buChar char="❖"/>
+              <a:tabLst>
+                <a:tab pos="494665" algn="l"/>
+                <a:tab pos="495300" algn="l"/>
+              </a:tabLst>
+            </a:pPr>
+            <a:r>
+              <a:rPr lang="en-US" sz="1600" dirty="0">
+                <a:latin typeface="Adobe Fan Heiti Std B" panose="020B0700000000000000" pitchFamily="34" charset="-128"/>
+                <a:ea typeface="Adobe Fan Heiti Std B" panose="020B0700000000000000" pitchFamily="34" charset="-128"/>
+                <a:cs typeface="Tahoma" panose="020B0604030504040204" pitchFamily="34" charset="0"/>
+              </a:rPr>
+              <a:t>Problems to </a:t>
+            </a:r>
+            <a:r>
               <a:rPr lang="en-US" sz="1600" dirty="0" smtClean="0">
-                <a:solidFill>
-                  <a:schemeClr val="tx1">
-                    <a:lumMod val="95000"/>
-                    <a:lumOff val="5000"/>
-                  </a:schemeClr>
-                </a:solidFill>
-              </a:rPr>
-              <a:t>Haiti Population 2020</a:t>
-            </a:r>
-            <a:r>
-              <a:rPr lang="en-US" dirty="0" smtClean="0">
-                <a:solidFill>
-                  <a:schemeClr val="tx1">
-                    <a:lumMod val="95000"/>
-                    <a:lumOff val="5000"/>
-                  </a:schemeClr>
-                </a:solidFill>
-              </a:rPr>
-              <a:t>: </a:t>
-            </a:r>
-            <a:r>
-              <a:rPr lang="fr-FR" dirty="0">
-                <a:solidFill>
-                  <a:schemeClr val="tx1">
-                    <a:lumMod val="95000"/>
-                    <a:lumOff val="5000"/>
-                  </a:schemeClr>
-                </a:solidFill>
-              </a:rPr>
-              <a:t>11 067 </a:t>
-            </a:r>
-            <a:r>
-              <a:rPr lang="fr-FR" dirty="0" smtClean="0">
-                <a:solidFill>
-                  <a:schemeClr val="tx1">
-                    <a:lumMod val="95000"/>
-                    <a:lumOff val="5000"/>
-                  </a:schemeClr>
-                </a:solidFill>
-              </a:rPr>
-              <a:t>777 Habitants </a:t>
-            </a:r>
-          </a:p>
-          <a:p>
-            <a:pPr>
-              <a:lnSpc>
-                <a:spcPct val="200000"/>
-              </a:lnSpc>
+                <a:latin typeface="Adobe Fan Heiti Std B" panose="020B0700000000000000" pitchFamily="34" charset="-128"/>
+                <a:ea typeface="Adobe Fan Heiti Std B" panose="020B0700000000000000" pitchFamily="34" charset="-128"/>
+                <a:cs typeface="Tahoma" panose="020B0604030504040204" pitchFamily="34" charset="0"/>
+              </a:rPr>
+              <a:t>solve</a:t>
+            </a:r>
+          </a:p>
+          <a:p>
+            <a:pPr marL="494665" indent="-482600">
+              <a:spcBef>
+                <a:spcPts val="1300"/>
+              </a:spcBef>
+              <a:buFont typeface="MS PGothic"/>
+              <a:buChar char="❖"/>
+              <a:tabLst>
+                <a:tab pos="494665" algn="l"/>
+                <a:tab pos="495300" algn="l"/>
+              </a:tabLst>
             </a:pPr>
             <a:r>
-              <a:rPr lang="fr-FR" sz="1600" dirty="0" smtClean="0">
-                <a:solidFill>
-                  <a:schemeClr val="tx1">
-                    <a:lumMod val="95000"/>
-                    <a:lumOff val="5000"/>
-                  </a:schemeClr>
-                </a:solidFill>
-              </a:rPr>
-              <a:t>Langues </a:t>
-            </a:r>
-            <a:r>
-              <a:rPr lang="fr-FR" sz="1600" dirty="0" err="1" smtClean="0">
-                <a:solidFill>
-                  <a:schemeClr val="tx1">
-                    <a:lumMod val="95000"/>
-                    <a:lumOff val="5000"/>
-                  </a:schemeClr>
-                </a:solidFill>
-              </a:rPr>
-              <a:t>officielles</a:t>
-            </a:r>
-            <a:r>
-              <a:rPr lang="fr-FR" dirty="0" err="1" smtClean="0">
-                <a:solidFill>
-                  <a:schemeClr val="tx1">
-                    <a:lumMod val="95000"/>
-                    <a:lumOff val="5000"/>
-                  </a:schemeClr>
-                </a:solidFill>
-              </a:rPr>
-              <a:t>:Créole</a:t>
-            </a:r>
-            <a:r>
-              <a:rPr lang="fr-FR" dirty="0" smtClean="0">
-                <a:solidFill>
-                  <a:schemeClr val="tx1">
-                    <a:lumMod val="95000"/>
-                    <a:lumOff val="5000"/>
-                  </a:schemeClr>
-                </a:solidFill>
-              </a:rPr>
-              <a:t> </a:t>
-            </a:r>
-            <a:r>
-              <a:rPr lang="fr-FR" dirty="0" err="1" smtClean="0">
-                <a:solidFill>
-                  <a:schemeClr val="tx1">
-                    <a:lumMod val="95000"/>
-                    <a:lumOff val="5000"/>
-                  </a:schemeClr>
-                </a:solidFill>
-              </a:rPr>
-              <a:t>haïtien,Français</a:t>
-            </a:r>
-            <a:r>
-              <a:rPr lang="fr-FR" dirty="0" smtClean="0">
-                <a:solidFill>
-                  <a:schemeClr val="tx1">
-                    <a:lumMod val="95000"/>
-                    <a:lumOff val="5000"/>
-                  </a:schemeClr>
-                </a:solidFill>
-              </a:rPr>
-              <a:t> haïtien</a:t>
-            </a:r>
-          </a:p>
-          <a:p>
-            <a:pPr>
-              <a:lnSpc>
-                <a:spcPct val="200000"/>
-              </a:lnSpc>
+              <a:rPr lang="en-US" sz="1600" dirty="0" smtClean="0">
+                <a:latin typeface="Adobe Fan Heiti Std B" panose="020B0700000000000000" pitchFamily="34" charset="-128"/>
+                <a:ea typeface="Adobe Fan Heiti Std B" panose="020B0700000000000000" pitchFamily="34" charset="-128"/>
+                <a:cs typeface="Tahoma" panose="020B0604030504040204" pitchFamily="34" charset="0"/>
+              </a:rPr>
+              <a:t>Goal</a:t>
+            </a:r>
+            <a:endParaRPr lang="en-US" sz="1600" dirty="0" smtClean="0">
+              <a:latin typeface="Adobe Fan Heiti Std B" panose="020B0700000000000000" pitchFamily="34" charset="-128"/>
+              <a:ea typeface="Adobe Fan Heiti Std B" panose="020B0700000000000000" pitchFamily="34" charset="-128"/>
+              <a:cs typeface="Tahoma" panose="020B0604030504040204" pitchFamily="34" charset="0"/>
+            </a:endParaRPr>
+          </a:p>
+          <a:p>
+            <a:pPr marL="494665" indent="-482600">
+              <a:spcBef>
+                <a:spcPts val="1300"/>
+              </a:spcBef>
+              <a:buFont typeface="MS PGothic"/>
+              <a:buChar char="❖"/>
+              <a:tabLst>
+                <a:tab pos="494665" algn="l"/>
+                <a:tab pos="495300" algn="l"/>
+              </a:tabLst>
             </a:pPr>
             <a:r>
-              <a:rPr lang="fr-FR" sz="1600" dirty="0" smtClean="0">
-                <a:solidFill>
-                  <a:schemeClr val="tx1">
-                    <a:lumMod val="95000"/>
-                    <a:lumOff val="5000"/>
-                  </a:schemeClr>
-                </a:solidFill>
-              </a:rPr>
-              <a:t>Capitale: </a:t>
-            </a:r>
-            <a:r>
-              <a:rPr lang="fr-FR" dirty="0" smtClean="0">
-                <a:solidFill>
-                  <a:schemeClr val="tx1">
-                    <a:lumMod val="95000"/>
-                    <a:lumOff val="5000"/>
-                  </a:schemeClr>
-                </a:solidFill>
-              </a:rPr>
-              <a:t>Port-au-Prince</a:t>
-            </a:r>
-            <a:endParaRPr lang="fr-FR" dirty="0">
-              <a:solidFill>
-                <a:schemeClr val="tx1">
-                  <a:lumMod val="95000"/>
-                  <a:lumOff val="5000"/>
-                </a:schemeClr>
-              </a:solidFill>
+              <a:rPr lang="en-US" sz="1600" spc="-135" dirty="0" smtClean="0">
+                <a:latin typeface="Adobe Fan Heiti Std B" panose="020B0700000000000000" pitchFamily="34" charset="-128"/>
+                <a:ea typeface="Adobe Fan Heiti Std B" panose="020B0700000000000000" pitchFamily="34" charset="-128"/>
+                <a:cs typeface="Tahoma"/>
+              </a:rPr>
+              <a:t>Audience</a:t>
+            </a:r>
+          </a:p>
+          <a:p>
+            <a:pPr marL="494665" indent="-482600">
+              <a:spcBef>
+                <a:spcPts val="1300"/>
+              </a:spcBef>
+              <a:buFont typeface="MS PGothic"/>
+              <a:buChar char="❖"/>
+              <a:tabLst>
+                <a:tab pos="494665" algn="l"/>
+                <a:tab pos="495300" algn="l"/>
+              </a:tabLst>
+            </a:pPr>
+            <a:r>
+              <a:rPr lang="fr-FR" sz="1600" spc="-135" dirty="0">
+                <a:latin typeface="Adobe Fan Heiti Std B" panose="020B0700000000000000" pitchFamily="34" charset="-128"/>
+                <a:ea typeface="Adobe Fan Heiti Std B" panose="020B0700000000000000" pitchFamily="34" charset="-128"/>
+                <a:cs typeface="Tahoma"/>
+              </a:rPr>
+              <a:t>Data Source </a:t>
+            </a:r>
+            <a:endParaRPr lang="fr-FR" sz="1600" spc="-135" dirty="0" smtClean="0">
+              <a:latin typeface="Adobe Fan Heiti Std B" panose="020B0700000000000000" pitchFamily="34" charset="-128"/>
+              <a:ea typeface="Adobe Fan Heiti Std B" panose="020B0700000000000000" pitchFamily="34" charset="-128"/>
+              <a:cs typeface="Tahoma"/>
             </a:endParaRPr>
           </a:p>
           <a:p>
-            <a:pPr>
-              <a:lnSpc>
-                <a:spcPct val="200000"/>
-              </a:lnSpc>
+            <a:pPr marL="494665" indent="-482600">
+              <a:spcBef>
+                <a:spcPts val="1200"/>
+              </a:spcBef>
+              <a:buFont typeface="MS PGothic"/>
+              <a:buChar char="❖"/>
+              <a:tabLst>
+                <a:tab pos="494665" algn="l"/>
+                <a:tab pos="495300" algn="l"/>
+              </a:tabLst>
             </a:pPr>
             <a:r>
-              <a:rPr lang="fr-FR" sz="1600" dirty="0" smtClean="0">
-                <a:solidFill>
-                  <a:schemeClr val="tx1">
-                    <a:lumMod val="95000"/>
-                    <a:lumOff val="5000"/>
-                  </a:schemeClr>
-                </a:solidFill>
-              </a:rPr>
-              <a:t>Superficie totale: </a:t>
-            </a:r>
-            <a:r>
-              <a:rPr lang="fr-FR" dirty="0" smtClean="0">
-                <a:solidFill>
-                  <a:schemeClr val="tx1">
-                    <a:lumMod val="95000"/>
-                    <a:lumOff val="5000"/>
-                  </a:schemeClr>
-                </a:solidFill>
-              </a:rPr>
-              <a:t>27 750 km2</a:t>
-            </a:r>
-          </a:p>
-          <a:p>
-            <a:pPr>
-              <a:lnSpc>
-                <a:spcPct val="200000"/>
-              </a:lnSpc>
+              <a:rPr lang="en-US" sz="1600" spc="25" dirty="0" smtClean="0">
+                <a:latin typeface="Adobe Fan Heiti Std B" panose="020B0700000000000000" pitchFamily="34" charset="-128"/>
+                <a:ea typeface="Adobe Fan Heiti Std B" panose="020B0700000000000000" pitchFamily="34" charset="-128"/>
+                <a:cs typeface="Tahoma"/>
+              </a:rPr>
+              <a:t>Result</a:t>
+            </a:r>
+            <a:endParaRPr sz="1600" dirty="0" smtClean="0">
+              <a:latin typeface="Adobe Fan Heiti Std B" panose="020B0700000000000000" pitchFamily="34" charset="-128"/>
+              <a:ea typeface="Adobe Fan Heiti Std B" panose="020B0700000000000000" pitchFamily="34" charset="-128"/>
+              <a:cs typeface="Tahoma"/>
+            </a:endParaRPr>
+          </a:p>
+          <a:p>
+            <a:pPr marL="494665" indent="-482600">
+              <a:spcBef>
+                <a:spcPts val="1200"/>
+              </a:spcBef>
+              <a:buFont typeface="MS PGothic"/>
+              <a:buChar char="❖"/>
+              <a:tabLst>
+                <a:tab pos="494665" algn="l"/>
+                <a:tab pos="495300" algn="l"/>
+              </a:tabLst>
             </a:pPr>
             <a:r>
-              <a:rPr lang="fr-FR" sz="1600" dirty="0" smtClean="0">
-                <a:solidFill>
-                  <a:schemeClr val="tx1">
-                    <a:lumMod val="95000"/>
-                    <a:lumOff val="5000"/>
-                  </a:schemeClr>
-                </a:solidFill>
-              </a:rPr>
-              <a:t>Densité: </a:t>
-            </a:r>
-            <a:r>
-              <a:rPr lang="fr-FR" dirty="0" smtClean="0">
-                <a:solidFill>
-                  <a:schemeClr val="tx1">
-                    <a:lumMod val="95000"/>
-                    <a:lumOff val="5000"/>
-                  </a:schemeClr>
-                </a:solidFill>
-              </a:rPr>
-              <a:t>399 hab./km2</a:t>
-            </a:r>
-          </a:p>
-          <a:p>
-            <a:pPr>
-              <a:lnSpc>
-                <a:spcPct val="200000"/>
-              </a:lnSpc>
-            </a:pPr>
-            <a:r>
-              <a:rPr lang="fr-FR" sz="1600" dirty="0" smtClean="0">
-                <a:solidFill>
-                  <a:schemeClr val="tx1">
-                    <a:lumMod val="95000"/>
-                    <a:lumOff val="5000"/>
-                  </a:schemeClr>
-                </a:solidFill>
-              </a:rPr>
-              <a:t>Monnaie</a:t>
-            </a:r>
-            <a:r>
-              <a:rPr lang="fr-FR" dirty="0" smtClean="0">
-                <a:solidFill>
-                  <a:schemeClr val="tx1">
-                    <a:lumMod val="95000"/>
-                    <a:lumOff val="5000"/>
-                  </a:schemeClr>
-                </a:solidFill>
-              </a:rPr>
-              <a:t>:	Gourde haïtienne (HTG​)</a:t>
-            </a:r>
-            <a:endParaRPr lang="fr-FR" dirty="0">
-              <a:solidFill>
-                <a:schemeClr val="tx1">
-                  <a:lumMod val="95000"/>
-                  <a:lumOff val="5000"/>
-                </a:schemeClr>
-              </a:solidFill>
+              <a:rPr lang="en-US" sz="1600" spc="10" dirty="0" err="1" smtClean="0">
+                <a:latin typeface="Adobe Fan Heiti Std B" panose="020B0700000000000000" pitchFamily="34" charset="-128"/>
+                <a:ea typeface="Adobe Fan Heiti Std B" panose="020B0700000000000000" pitchFamily="34" charset="-128"/>
+                <a:cs typeface="Tahoma"/>
+              </a:rPr>
+              <a:t>Recommandations</a:t>
+            </a:r>
+            <a:endParaRPr sz="1600" dirty="0">
+              <a:latin typeface="Adobe Fan Heiti Std B" panose="020B0700000000000000" pitchFamily="34" charset="-128"/>
+              <a:ea typeface="Adobe Fan Heiti Std B" panose="020B0700000000000000" pitchFamily="34" charset="-128"/>
+              <a:cs typeface="Tahoma"/>
             </a:endParaRPr>
+          </a:p>
+        </p:txBody>
+      </p:sp>
+      <p:sp>
+        <p:nvSpPr>
+          <p:cNvPr id="3" name="Rectangle 2"/>
+          <p:cNvSpPr/>
+          <p:nvPr/>
+        </p:nvSpPr>
+        <p:spPr>
+          <a:xfrm>
+            <a:off x="-1" y="0"/>
+            <a:ext cx="9144001" cy="514350"/>
+          </a:xfrm>
+          <a:prstGeom prst="rect">
+            <a:avLst/>
+          </a:prstGeom>
+          <a:solidFill>
+            <a:schemeClr val="accent5">
+              <a:lumMod val="50000"/>
+            </a:schemeClr>
+          </a:solidFill>
+          <a:ln>
+            <a:solidFill>
+              <a:schemeClr val="accent6"/>
+            </a:solidFill>
+          </a:ln>
+        </p:spPr>
+        <p:style>
+          <a:lnRef idx="2">
+            <a:schemeClr val="accent1">
+              <a:shade val="50000"/>
+            </a:schemeClr>
+          </a:lnRef>
+          <a:fillRef idx="1">
+            <a:schemeClr val="accent1"/>
+          </a:fillRef>
+          <a:effectRef idx="0">
+            <a:schemeClr val="accent1"/>
+          </a:effectRef>
+          <a:fontRef idx="minor">
+            <a:schemeClr val="lt1"/>
+          </a:fontRef>
+        </p:style>
+        <p:txBody>
+          <a:bodyPr rtlCol="0" anchor="ctr"/>
+          <a:lstStyle/>
+          <a:p>
+            <a:pPr algn="ctr"/>
+            <a:endParaRPr lang="fr-FR"/>
           </a:p>
         </p:txBody>
       </p:sp>
       <p:pic>
         <p:nvPicPr>
-          <p:cNvPr id="18" name="Image 17"/>
+          <p:cNvPr id="6" name="Image 5"/>
           <p:cNvPicPr>
             <a:picLocks noChangeAspect="1"/>
           </p:cNvPicPr>
           <p:nvPr/>
         </p:nvPicPr>
         <p:blipFill>
-          <a:blip r:embed="rId2">
-            <a:extLst>
-              <a:ext uri="{28A0092B-C50C-407E-A947-70E740481C1C}">
-                <a14:useLocalDpi xmlns:a14="http://schemas.microsoft.com/office/drawing/2010/main" val="0"/>
-              </a:ext>
-            </a:extLst>
-          </a:blip>
+          <a:blip r:embed="rId2"/>
           <a:stretch>
             <a:fillRect/>
           </a:stretch>
         </p:blipFill>
         <p:spPr>
           <a:xfrm>
-            <a:off x="3505201" y="2689824"/>
-            <a:ext cx="1676400" cy="1285875"/>
+            <a:off x="3962400" y="1183588"/>
+            <a:ext cx="4724400" cy="3445430"/>
           </a:xfrm>
           <a:prstGeom prst="rect">
             <a:avLst/>
@@ -3210,6 +4476,13 @@
   <p:clrMapOvr>
     <a:masterClrMapping/>
   </p:clrMapOvr>
+  <p:timing>
+    <p:tnLst>
+      <p:par>
+        <p:cTn id="1" dur="indefinite" restart="never" nodeType="tmRoot"/>
+      </p:par>
+    </p:tnLst>
+  </p:timing>
 </p:sld>
 </file>
 
@@ -3232,74 +4505,14 @@
       </p:grpSpPr>
       <p:sp>
         <p:nvSpPr>
-          <p:cNvPr id="2" name="object 2"/>
-          <p:cNvSpPr txBox="1">
-            <a:spLocks noGrp="1"/>
-          </p:cNvSpPr>
-          <p:nvPr>
-            <p:ph type="title"/>
-          </p:nvPr>
-        </p:nvSpPr>
-        <p:spPr>
-          <a:xfrm>
-            <a:off x="800675" y="647291"/>
-            <a:ext cx="3582035" cy="421640"/>
-          </a:xfrm>
-          <a:prstGeom prst="rect">
-            <a:avLst/>
-          </a:prstGeom>
-        </p:spPr>
-        <p:txBody>
-          <a:bodyPr vert="horz" wrap="square" lIns="0" tIns="12700" rIns="0" bIns="0" rtlCol="0">
-            <a:spAutoFit/>
-          </a:bodyPr>
-          <a:lstStyle/>
-          <a:p>
-            <a:pPr marL="12700">
-              <a:lnSpc>
-                <a:spcPct val="100000"/>
-              </a:lnSpc>
-              <a:spcBef>
-                <a:spcPts val="100"/>
-              </a:spcBef>
-            </a:pPr>
-            <a:r>
-              <a:rPr sz="2600" b="1" spc="-190" dirty="0" smtClean="0">
-                <a:solidFill>
-                  <a:srgbClr val="1A1A1A"/>
-                </a:solidFill>
-                <a:latin typeface="Trebuchet MS"/>
-                <a:cs typeface="Trebuchet MS"/>
-              </a:rPr>
-              <a:t> </a:t>
-            </a:r>
-            <a:r>
-              <a:rPr lang="en-US" sz="1200" b="1" spc="-15" dirty="0" smtClean="0">
-                <a:solidFill>
-                  <a:srgbClr val="1A1A1A"/>
-                </a:solidFill>
-                <a:latin typeface="Trebuchet MS"/>
-                <a:cs typeface="Trebuchet MS"/>
-              </a:rPr>
-              <a:t>Context</a:t>
-            </a:r>
-            <a:endParaRPr sz="1200" dirty="0">
-              <a:latin typeface="Trebuchet MS"/>
-              <a:cs typeface="Trebuchet MS"/>
-            </a:endParaRPr>
-          </a:p>
-        </p:txBody>
-      </p:sp>
-      <p:sp>
-        <p:nvSpPr>
           <p:cNvPr id="12" name="Rectangle 11"/>
           <p:cNvSpPr/>
           <p:nvPr/>
         </p:nvSpPr>
         <p:spPr>
           <a:xfrm>
-            <a:off x="685800" y="1276350"/>
-            <a:ext cx="8153400" cy="3124200"/>
+            <a:off x="838200" y="1637804"/>
+            <a:ext cx="7810499" cy="3136343"/>
           </a:xfrm>
           <a:prstGeom prst="rect">
             <a:avLst/>
@@ -3333,14 +4546,33 @@
           <a:p>
             <a:pPr algn="just"/>
             <a:r>
-              <a:rPr lang="en-US" sz="3600" dirty="0" smtClean="0">
+              <a:rPr lang="en-US" sz="1400" dirty="0" smtClean="0">
                 <a:solidFill>
                   <a:schemeClr val="tx1"/>
                 </a:solidFill>
               </a:rPr>
-              <a:t>Haiti</a:t>
-            </a:r>
-            <a:endParaRPr lang="fr-FR" sz="3600" dirty="0" smtClean="0">
+              <a:t>In </a:t>
+            </a:r>
+            <a:r>
+              <a:rPr lang="en-US" sz="1400" dirty="0">
+                <a:solidFill>
+                  <a:schemeClr val="tx1"/>
+                </a:solidFill>
+              </a:rPr>
+              <a:t>2020, 4.6 million people will need humanitarian assistance according to the humanitarian response. This number is up from 2.6 million in 2019</a:t>
+            </a:r>
+            <a:r>
+              <a:rPr lang="en-US" sz="1400" dirty="0" smtClean="0">
+                <a:solidFill>
+                  <a:schemeClr val="tx1"/>
+                </a:solidFill>
+              </a:rPr>
+              <a:t>.</a:t>
+            </a:r>
+          </a:p>
+          <a:p>
+            <a:pPr algn="just"/>
+            <a:endParaRPr lang="en-US" sz="1400" dirty="0">
               <a:solidFill>
                 <a:schemeClr val="tx1"/>
               </a:solidFill>
@@ -3349,66 +4581,202 @@
           <a:p>
             <a:pPr algn="just"/>
             <a:r>
-              <a:rPr lang="fr-FR" sz="1400" dirty="0" smtClean="0">
+              <a:rPr lang="en-US" sz="1400" dirty="0">
                 <a:solidFill>
                   <a:schemeClr val="tx1"/>
                 </a:solidFill>
               </a:rPr>
-              <a:t>L'économie </a:t>
-            </a:r>
-            <a:r>
-              <a:rPr lang="fr-FR" sz="1400" dirty="0">
+              <a:t>Knowing the importance of health and education, I could not have the luxury of remaining insensitive, seeing the children malnourished, the problem of shelter and their lack of access to education, the adults unprotected by health, food insecurity, ...</a:t>
+            </a:r>
+          </a:p>
+          <a:p>
+            <a:pPr algn="just"/>
+            <a:endParaRPr lang="en-US" sz="1400" dirty="0">
+              <a:solidFill>
+                <a:schemeClr val="tx1"/>
+              </a:solidFill>
+            </a:endParaRPr>
+          </a:p>
+          <a:p>
+            <a:pPr algn="just"/>
+            <a:r>
+              <a:rPr lang="en-US" sz="1400" dirty="0">
                 <a:solidFill>
                   <a:schemeClr val="tx1"/>
                 </a:solidFill>
               </a:rPr>
-              <a:t>urbaine est restée rachitique et liée au commerce international, faible en volume, en valeur et en part relative du produit intérieur brut. l'essai de modernisation amorcé au début des années 70 n'a pas donné les résultats espérés, l'industrialisation étant restée relativement faible, ralentie en partie par une agriculture qui s'est montrée incapable de satisfaire la demande urbaine. La migration interne a contribué, d'autre part, dans ce contexte à alimenter un secteur informel urbain pléthorique et très peu capitalisé. La croissance de type extensif qu'a connu le pays n'a pas permis une augmentation significative des revenus moyens et le taux de pauvreté est demeuré très élevé</a:t>
-            </a:r>
-            <a:r>
-              <a:rPr lang="fr-FR" sz="1400" dirty="0" smtClean="0">
-                <a:solidFill>
-                  <a:schemeClr val="tx1"/>
-                </a:solidFill>
-              </a:rPr>
-              <a:t>. Ce qui met la population dans une situation difficile et de plus en plus, il y a plus de gens qui sont dans l’</a:t>
-            </a:r>
-            <a:r>
-              <a:rPr lang="fr-FR" sz="1400" dirty="0" err="1" smtClean="0">
-                <a:solidFill>
-                  <a:schemeClr val="tx1"/>
-                </a:solidFill>
-              </a:rPr>
-              <a:t>incapacite</a:t>
-            </a:r>
-            <a:r>
-              <a:rPr lang="fr-FR" sz="1400" dirty="0" smtClean="0">
-                <a:solidFill>
-                  <a:schemeClr val="tx1"/>
-                </a:solidFill>
-              </a:rPr>
-              <a:t> à subvenir a leur besoin. </a:t>
-            </a:r>
-            <a:r>
-              <a:rPr lang="fr-FR" sz="1400" dirty="0">
-                <a:solidFill>
-                  <a:schemeClr val="tx1"/>
-                </a:solidFill>
-              </a:rPr>
-              <a:t>La permanence de cette situation réclame que les analystes y prêtent une attention </a:t>
-            </a:r>
-            <a:r>
-              <a:rPr lang="fr-FR" sz="1400" dirty="0" smtClean="0">
-                <a:solidFill>
-                  <a:schemeClr val="tx1"/>
-                </a:solidFill>
-              </a:rPr>
-              <a:t>soutenue</a:t>
-            </a:r>
+              <a:t> All these situations would incite me to use my highest degree of empathy and it is for this reason that I have chosen to analyze the profile of the people urgently needing humanitarian aid in Haiti and give the State, the NGOs, the volunteers of the national territory and the diaspora, the opportunity to better target and reach the people really in need.</a:t>
+            </a:r>
+          </a:p>
+          <a:p>
+            <a:pPr algn="just"/>
             <a:endParaRPr lang="fr-FR" sz="1400" dirty="0">
               <a:solidFill>
                 <a:schemeClr val="tx1"/>
               </a:solidFill>
             </a:endParaRPr>
+          </a:p>
+        </p:txBody>
+      </p:sp>
+      <p:sp>
+        <p:nvSpPr>
+          <p:cNvPr id="4" name="Rectangle 3"/>
+          <p:cNvSpPr/>
+          <p:nvPr/>
+        </p:nvSpPr>
+        <p:spPr>
+          <a:xfrm>
+            <a:off x="-1" y="0"/>
+            <a:ext cx="9144001" cy="514350"/>
+          </a:xfrm>
+          <a:prstGeom prst="rect">
+            <a:avLst/>
+          </a:prstGeom>
+          <a:solidFill>
+            <a:schemeClr val="accent5">
+              <a:lumMod val="50000"/>
+            </a:schemeClr>
+          </a:solidFill>
+          <a:ln>
+            <a:solidFill>
+              <a:schemeClr val="accent6"/>
+            </a:solidFill>
+          </a:ln>
+        </p:spPr>
+        <p:style>
+          <a:lnRef idx="2">
+            <a:schemeClr val="accent1">
+              <a:shade val="50000"/>
+            </a:schemeClr>
+          </a:lnRef>
+          <a:fillRef idx="1">
+            <a:schemeClr val="accent1"/>
+          </a:fillRef>
+          <a:effectRef idx="0">
+            <a:schemeClr val="accent1"/>
+          </a:effectRef>
+          <a:fontRef idx="minor">
+            <a:schemeClr val="lt1"/>
+          </a:fontRef>
+        </p:style>
+        <p:txBody>
+          <a:bodyPr rtlCol="0" anchor="ctr"/>
+          <a:lstStyle/>
+          <a:p>
+            <a:pPr algn="ctr"/>
+            <a:endParaRPr lang="fr-FR"/>
+          </a:p>
+        </p:txBody>
+      </p:sp>
+      <p:sp>
+        <p:nvSpPr>
+          <p:cNvPr id="6" name="object 2"/>
+          <p:cNvSpPr txBox="1">
+            <a:spLocks/>
+          </p:cNvSpPr>
+          <p:nvPr/>
+        </p:nvSpPr>
+        <p:spPr>
+          <a:xfrm>
+            <a:off x="685800" y="1094469"/>
+            <a:ext cx="3582035" cy="566822"/>
+          </a:xfrm>
+          <a:prstGeom prst="rect">
+            <a:avLst/>
+          </a:prstGeom>
+        </p:spPr>
+        <p:txBody>
+          <a:bodyPr vert="horz" wrap="square" lIns="0" tIns="12700" rIns="0" bIns="0" rtlCol="0">
+            <a:spAutoFit/>
+          </a:bodyPr>
+          <a:lstStyle>
+            <a:lvl1pPr>
+              <a:defRPr sz="2300" b="0" i="0">
+                <a:solidFill>
+                  <a:srgbClr val="545454"/>
+                </a:solidFill>
+                <a:latin typeface="Arial"/>
+                <a:ea typeface="+mj-ea"/>
+                <a:cs typeface="Arial"/>
+              </a:defRPr>
+            </a:lvl1pPr>
+          </a:lstStyle>
+          <a:p>
+            <a:pPr marL="12700">
+              <a:spcBef>
+                <a:spcPts val="100"/>
+              </a:spcBef>
+            </a:pPr>
+            <a:r>
+              <a:rPr lang="fr-FR" sz="3600" b="1" kern="0" spc="-190" dirty="0" smtClean="0">
+                <a:solidFill>
+                  <a:srgbClr val="1A1A1A"/>
+                </a:solidFill>
+                <a:latin typeface="Trebuchet MS"/>
+                <a:cs typeface="Trebuchet MS"/>
+              </a:rPr>
+              <a:t> </a:t>
+            </a:r>
+            <a:r>
+              <a:rPr lang="fr-FR" sz="2800" b="1" kern="0" spc="-190" dirty="0" smtClean="0">
+                <a:solidFill>
+                  <a:srgbClr val="1A1A1A"/>
+                </a:solidFill>
+                <a:latin typeface="Trebuchet MS"/>
+                <a:cs typeface="Trebuchet MS"/>
+              </a:rPr>
+              <a:t>Introduction</a:t>
+            </a:r>
+            <a:endParaRPr lang="fr-FR" sz="1400" kern="0" dirty="0">
+              <a:latin typeface="Trebuchet MS"/>
+              <a:cs typeface="Trebuchet MS"/>
+            </a:endParaRPr>
+          </a:p>
+        </p:txBody>
+      </p:sp>
+      <p:sp>
+        <p:nvSpPr>
+          <p:cNvPr id="5" name="Rectangle 4"/>
+          <p:cNvSpPr/>
+          <p:nvPr/>
+        </p:nvSpPr>
+        <p:spPr>
+          <a:xfrm>
+            <a:off x="5105400" y="654606"/>
+            <a:ext cx="1447800" cy="1078944"/>
+          </a:xfrm>
+          <a:prstGeom prst="rect">
+            <a:avLst/>
+          </a:prstGeom>
+          <a:solidFill>
+            <a:schemeClr val="bg1"/>
+          </a:solidFill>
+          <a:ln>
+            <a:noFill/>
+          </a:ln>
+        </p:spPr>
+        <p:style>
+          <a:lnRef idx="2">
+            <a:schemeClr val="accent1">
+              <a:shade val="50000"/>
+            </a:schemeClr>
+          </a:lnRef>
+          <a:fillRef idx="1">
+            <a:schemeClr val="accent1"/>
+          </a:fillRef>
+          <a:effectRef idx="0">
+            <a:schemeClr val="accent1"/>
+          </a:effectRef>
+          <a:fontRef idx="minor">
+            <a:schemeClr val="lt1"/>
+          </a:fontRef>
+        </p:style>
+        <p:txBody>
+          <a:bodyPr rtlCol="0" anchor="ctr"/>
+          <a:lstStyle/>
+          <a:p>
+            <a:pPr algn="ctr"/>
+            <a:endParaRPr lang="fr-FR"/>
           </a:p>
         </p:txBody>
       </p:sp>
@@ -3422,6 +4790,13 @@
   <p:clrMapOvr>
     <a:masterClrMapping/>
   </p:clrMapOvr>
+  <p:timing>
+    <p:tnLst>
+      <p:par>
+        <p:cTn id="1" dur="indefinite" restart="never" nodeType="tmRoot"/>
+      </p:par>
+    </p:tnLst>
+  </p:timing>
 </p:sld>
 </file>
 
@@ -3454,8 +4829,8 @@
         </p:nvSpPr>
         <p:spPr>
           <a:xfrm>
-            <a:off x="800675" y="647291"/>
-            <a:ext cx="3582035" cy="421640"/>
+            <a:off x="723582" y="1035254"/>
+            <a:ext cx="3582035" cy="566822"/>
           </a:xfrm>
           <a:prstGeom prst="rect">
             <a:avLst/>
@@ -3476,7 +4851,7 @@
               </a:spcBef>
             </a:pPr>
             <a:r>
-              <a:rPr sz="2600" b="1" spc="-190" dirty="0" smtClean="0">
+              <a:rPr sz="3600" b="1" spc="-190" dirty="0" smtClean="0">
                 <a:solidFill>
                   <a:srgbClr val="1A1A1A"/>
                 </a:solidFill>
@@ -3486,7 +4861,7 @@
               <a:t> </a:t>
             </a:r>
             <a:r>
-              <a:rPr lang="en-US" sz="1200" b="1" spc="-15" dirty="0" smtClean="0">
+              <a:rPr lang="en-US" sz="1800" b="1" spc="-15" dirty="0" smtClean="0">
                 <a:solidFill>
                   <a:srgbClr val="1A1A1A"/>
                 </a:solidFill>
@@ -3495,7 +4870,7 @@
               </a:rPr>
               <a:t>Goals</a:t>
             </a:r>
-            <a:endParaRPr sz="1200" dirty="0">
+            <a:endParaRPr sz="1800" dirty="0">
               <a:latin typeface="Trebuchet MS"/>
               <a:cs typeface="Trebuchet MS"/>
             </a:endParaRPr>
@@ -3504,14 +4879,14 @@
       </p:sp>
       <p:sp>
         <p:nvSpPr>
-          <p:cNvPr id="12" name="Rectangle 11"/>
+          <p:cNvPr id="3" name="Rectangle 2"/>
           <p:cNvSpPr/>
           <p:nvPr/>
         </p:nvSpPr>
         <p:spPr>
           <a:xfrm>
-            <a:off x="685800" y="1352550"/>
-            <a:ext cx="8153400" cy="3200400"/>
+            <a:off x="1219200" y="1602076"/>
+            <a:ext cx="7239000" cy="2874674"/>
           </a:xfrm>
           <a:prstGeom prst="rect">
             <a:avLst/>
@@ -3545,590 +4920,312 @@
           <a:p>
             <a:pPr algn="just"/>
             <a:r>
-              <a:rPr lang="fr-FR" sz="1400" dirty="0" smtClean="0">
-                <a:solidFill>
-                  <a:schemeClr val="tx1"/>
-                </a:solidFill>
-              </a:rPr>
-              <a:t>-</a:t>
-            </a:r>
-            <a:r>
-              <a:rPr lang="fr-FR" sz="1400" dirty="0" err="1" smtClean="0">
-                <a:solidFill>
-                  <a:schemeClr val="tx1"/>
-                </a:solidFill>
-              </a:rPr>
-              <a:t>Reperer</a:t>
-            </a:r>
-            <a:r>
-              <a:rPr lang="fr-FR" sz="1400" dirty="0" smtClean="0">
-                <a:solidFill>
-                  <a:schemeClr val="tx1"/>
-                </a:solidFill>
-              </a:rPr>
-              <a:t> les besoins des gens par département</a:t>
+              <a:rPr lang="en-US" dirty="0">
+                <a:solidFill>
+                  <a:schemeClr val="tx1">
+                    <a:lumMod val="75000"/>
+                    <a:lumOff val="25000"/>
+                  </a:schemeClr>
+                </a:solidFill>
+              </a:rPr>
+              <a:t>The analysis will be based on the core data set to understand the vulnerable people or groups of people and the specific types of vulnerabilities.</a:t>
             </a:r>
           </a:p>
           <a:p>
             <a:pPr algn="just"/>
             <a:r>
-              <a:rPr lang="en-US" sz="1400" dirty="0" smtClean="0">
-                <a:solidFill>
-                  <a:schemeClr val="tx1"/>
-                </a:solidFill>
-              </a:rPr>
-              <a:t>-</a:t>
-            </a:r>
-            <a:r>
-              <a:rPr lang="en-US" sz="1400" dirty="0" err="1">
-                <a:solidFill>
-                  <a:schemeClr val="tx1"/>
-                </a:solidFill>
-              </a:rPr>
-              <a:t>R</a:t>
-            </a:r>
-            <a:r>
-              <a:rPr lang="en-US" sz="1400" dirty="0" err="1" smtClean="0">
-                <a:solidFill>
-                  <a:schemeClr val="tx1"/>
-                </a:solidFill>
-              </a:rPr>
-              <a:t>eperer</a:t>
-            </a:r>
-            <a:r>
-              <a:rPr lang="en-US" sz="1400" dirty="0" smtClean="0">
-                <a:solidFill>
-                  <a:schemeClr val="tx1"/>
-                </a:solidFill>
-              </a:rPr>
-              <a:t> les </a:t>
-            </a:r>
-            <a:r>
-              <a:rPr lang="en-US" sz="1400" dirty="0" err="1" smtClean="0">
-                <a:solidFill>
-                  <a:schemeClr val="tx1"/>
-                </a:solidFill>
-              </a:rPr>
-              <a:t>besoins</a:t>
-            </a:r>
-            <a:r>
-              <a:rPr lang="en-US" sz="1400" dirty="0" smtClean="0">
-                <a:solidFill>
-                  <a:schemeClr val="tx1"/>
-                </a:solidFill>
-              </a:rPr>
-              <a:t> par age </a:t>
+              <a:rPr lang="en-US" dirty="0">
+                <a:solidFill>
+                  <a:schemeClr val="tx1">
+                    <a:lumMod val="75000"/>
+                    <a:lumOff val="25000"/>
+                  </a:schemeClr>
+                </a:solidFill>
+              </a:rPr>
+              <a:t>The analysis will cover the entire country based on the quality and quantity of sectorial data available at the commercial and/or departmental level</a:t>
+            </a:r>
+            <a:r>
+              <a:rPr lang="en-US" dirty="0" smtClean="0">
+                <a:solidFill>
+                  <a:schemeClr val="tx1">
+                    <a:lumMod val="75000"/>
+                    <a:lumOff val="25000"/>
+                  </a:schemeClr>
+                </a:solidFill>
+              </a:rPr>
+              <a:t>.</a:t>
             </a:r>
           </a:p>
           <a:p>
             <a:pPr algn="just"/>
-            <a:r>
-              <a:rPr lang="en-US" sz="1400" dirty="0" smtClean="0">
-                <a:solidFill>
-                  <a:schemeClr val="tx1"/>
-                </a:solidFill>
-              </a:rPr>
-              <a:t>-</a:t>
-            </a:r>
-            <a:r>
-              <a:rPr lang="en-US" sz="1400" dirty="0" err="1" smtClean="0">
-                <a:solidFill>
-                  <a:schemeClr val="tx1"/>
-                </a:solidFill>
-              </a:rPr>
-              <a:t>Reperer</a:t>
-            </a:r>
-            <a:r>
-              <a:rPr lang="en-US" sz="1400" dirty="0" smtClean="0">
-                <a:solidFill>
-                  <a:schemeClr val="tx1"/>
-                </a:solidFill>
-              </a:rPr>
-              <a:t> les </a:t>
-            </a:r>
-            <a:r>
-              <a:rPr lang="en-US" sz="1400" dirty="0" err="1" smtClean="0">
-                <a:solidFill>
-                  <a:schemeClr val="tx1"/>
-                </a:solidFill>
-              </a:rPr>
-              <a:t>besoins</a:t>
-            </a:r>
-            <a:r>
-              <a:rPr lang="en-US" sz="1400" dirty="0" smtClean="0">
-                <a:solidFill>
-                  <a:schemeClr val="tx1"/>
-                </a:solidFill>
-              </a:rPr>
-              <a:t> en function du </a:t>
-            </a:r>
-            <a:r>
-              <a:rPr lang="en-US" sz="1400" dirty="0" err="1" smtClean="0">
-                <a:solidFill>
-                  <a:schemeClr val="tx1"/>
-                </a:solidFill>
-              </a:rPr>
-              <a:t>sexe</a:t>
-            </a:r>
-            <a:r>
-              <a:rPr lang="en-US" sz="1400" dirty="0" smtClean="0">
-                <a:solidFill>
-                  <a:schemeClr val="tx1"/>
-                </a:solidFill>
-              </a:rPr>
-              <a:t> de la </a:t>
-            </a:r>
-            <a:r>
-              <a:rPr lang="en-US" sz="1400" dirty="0" err="1" smtClean="0">
-                <a:solidFill>
-                  <a:schemeClr val="tx1"/>
-                </a:solidFill>
-              </a:rPr>
-              <a:t>personne</a:t>
-            </a:r>
-            <a:endParaRPr lang="en-US" sz="1400" dirty="0" smtClean="0">
+            <a:endParaRPr lang="en-US" dirty="0">
               <a:solidFill>
-                <a:schemeClr val="tx1"/>
+                <a:schemeClr val="tx1">
+                  <a:lumMod val="75000"/>
+                  <a:lumOff val="25000"/>
+                </a:schemeClr>
               </a:solidFill>
             </a:endParaRPr>
           </a:p>
           <a:p>
             <a:pPr algn="just"/>
-            <a:endParaRPr lang="en-US" sz="1400" dirty="0">
+            <a:r>
+              <a:rPr lang="en-US" dirty="0" smtClean="0">
+                <a:solidFill>
+                  <a:schemeClr val="tx1">
+                    <a:lumMod val="75000"/>
+                    <a:lumOff val="25000"/>
+                  </a:schemeClr>
+                </a:solidFill>
+              </a:rPr>
+              <a:t>For </a:t>
+            </a:r>
+            <a:r>
+              <a:rPr lang="en-US" dirty="0">
+                <a:solidFill>
+                  <a:schemeClr val="tx1">
+                    <a:lumMod val="75000"/>
+                    <a:lumOff val="25000"/>
+                  </a:schemeClr>
+                </a:solidFill>
+              </a:rPr>
+              <a:t>effective intervention in aid distribution:</a:t>
+            </a:r>
+          </a:p>
+          <a:p>
+            <a:pPr marL="742950" lvl="1" indent="-285750" algn="just">
+              <a:buFont typeface="Wingdings" panose="05000000000000000000" pitchFamily="2" charset="2"/>
+              <a:buChar char="v"/>
+            </a:pPr>
+            <a:r>
+              <a:rPr lang="en-US" dirty="0" smtClean="0">
+                <a:solidFill>
+                  <a:schemeClr val="tx1">
+                    <a:lumMod val="75000"/>
+                    <a:lumOff val="25000"/>
+                  </a:schemeClr>
+                </a:solidFill>
+              </a:rPr>
+              <a:t>Identify </a:t>
+            </a:r>
+            <a:r>
+              <a:rPr lang="en-US" dirty="0">
+                <a:solidFill>
+                  <a:schemeClr val="tx1">
+                    <a:lumMod val="75000"/>
+                    <a:lumOff val="25000"/>
+                  </a:schemeClr>
+                </a:solidFill>
+              </a:rPr>
+              <a:t>the urgent needs of people by </a:t>
+            </a:r>
+            <a:r>
+              <a:rPr lang="en-US" dirty="0" smtClean="0">
+                <a:solidFill>
+                  <a:schemeClr val="tx1">
+                    <a:lumMod val="75000"/>
+                    <a:lumOff val="25000"/>
+                  </a:schemeClr>
+                </a:solidFill>
+              </a:rPr>
+              <a:t>department</a:t>
+            </a:r>
+          </a:p>
+          <a:p>
+            <a:pPr marL="742950" lvl="1" indent="-285750" algn="just">
+              <a:buFont typeface="Wingdings" panose="05000000000000000000" pitchFamily="2" charset="2"/>
+              <a:buChar char="v"/>
+            </a:pPr>
+            <a:r>
+              <a:rPr lang="en-US" dirty="0" smtClean="0">
+                <a:solidFill>
+                  <a:schemeClr val="tx1">
+                    <a:lumMod val="75000"/>
+                    <a:lumOff val="25000"/>
+                  </a:schemeClr>
+                </a:solidFill>
+              </a:rPr>
+              <a:t>Identify </a:t>
+            </a:r>
+            <a:r>
+              <a:rPr lang="en-US" dirty="0">
+                <a:solidFill>
+                  <a:schemeClr val="tx1">
+                    <a:lumMod val="75000"/>
+                    <a:lumOff val="25000"/>
+                  </a:schemeClr>
+                </a:solidFill>
+              </a:rPr>
+              <a:t>needs by gender 	</a:t>
+            </a:r>
+            <a:endParaRPr lang="en-US" dirty="0" smtClean="0">
               <a:solidFill>
-                <a:schemeClr val="tx1"/>
+                <a:schemeClr val="tx1">
+                  <a:lumMod val="75000"/>
+                  <a:lumOff val="25000"/>
+                </a:schemeClr>
               </a:solidFill>
             </a:endParaRPr>
           </a:p>
           <a:p>
-            <a:pPr algn="just"/>
-            <a:endParaRPr lang="en-US" sz="1400" dirty="0" smtClean="0">
+            <a:pPr marL="742950" lvl="1" indent="-285750" algn="just">
+              <a:buFont typeface="Wingdings" panose="05000000000000000000" pitchFamily="2" charset="2"/>
+              <a:buChar char="v"/>
+            </a:pPr>
+            <a:r>
+              <a:rPr lang="en-US" dirty="0" smtClean="0">
+                <a:solidFill>
+                  <a:schemeClr val="tx1">
+                    <a:lumMod val="75000"/>
+                    <a:lumOff val="25000"/>
+                  </a:schemeClr>
+                </a:solidFill>
+              </a:rPr>
+              <a:t>Identify </a:t>
+            </a:r>
+            <a:r>
+              <a:rPr lang="en-US" dirty="0">
+                <a:solidFill>
+                  <a:schemeClr val="tx1">
+                    <a:lumMod val="75000"/>
+                    <a:lumOff val="25000"/>
+                  </a:schemeClr>
+                </a:solidFill>
+              </a:rPr>
+              <a:t>needs by age </a:t>
+            </a:r>
+          </a:p>
+          <a:p>
+            <a:pPr marL="742950" lvl="1" indent="-285750" algn="just">
+              <a:buFont typeface="Wingdings" panose="05000000000000000000" pitchFamily="2" charset="2"/>
+              <a:buChar char="v"/>
+            </a:pPr>
+            <a:r>
+              <a:rPr lang="en-US" dirty="0" smtClean="0">
+                <a:solidFill>
+                  <a:schemeClr val="tx1">
+                    <a:lumMod val="75000"/>
+                    <a:lumOff val="25000"/>
+                  </a:schemeClr>
+                </a:solidFill>
+              </a:rPr>
+              <a:t>Identify </a:t>
+            </a:r>
+            <a:r>
+              <a:rPr lang="en-US" dirty="0">
+                <a:solidFill>
+                  <a:schemeClr val="tx1">
+                    <a:lumMod val="75000"/>
+                    <a:lumOff val="25000"/>
+                  </a:schemeClr>
+                </a:solidFill>
+              </a:rPr>
+              <a:t>the most affected departments for each sector</a:t>
+            </a:r>
+            <a:endParaRPr lang="en-US" dirty="0">
               <a:solidFill>
-                <a:schemeClr val="tx1"/>
+                <a:schemeClr val="tx1">
+                  <a:lumMod val="75000"/>
+                  <a:lumOff val="25000"/>
+                </a:schemeClr>
               </a:solidFill>
             </a:endParaRPr>
           </a:p>
-          <a:p>
-            <a:pPr algn="just"/>
-            <a:r>
-              <a:rPr lang="en-US" sz="1400" dirty="0" smtClean="0">
-                <a:solidFill>
-                  <a:schemeClr val="tx1"/>
-                </a:solidFill>
-              </a:rPr>
-              <a:t>*Donner au </a:t>
-            </a:r>
-            <a:r>
-              <a:rPr lang="en-US" sz="1400" dirty="0" err="1" smtClean="0">
-                <a:solidFill>
-                  <a:schemeClr val="tx1"/>
-                </a:solidFill>
-              </a:rPr>
-              <a:t>ministere</a:t>
-            </a:r>
-            <a:r>
-              <a:rPr lang="en-US" sz="1400" dirty="0" smtClean="0">
-                <a:solidFill>
-                  <a:schemeClr val="tx1"/>
-                </a:solidFill>
-              </a:rPr>
-              <a:t> de finance de </a:t>
-            </a:r>
-            <a:r>
-              <a:rPr lang="en-US" sz="1400" dirty="0" err="1" smtClean="0">
-                <a:solidFill>
-                  <a:schemeClr val="tx1"/>
-                </a:solidFill>
-              </a:rPr>
-              <a:t>mieux</a:t>
-            </a:r>
-            <a:r>
-              <a:rPr lang="en-US" sz="1400" dirty="0" smtClean="0">
-                <a:solidFill>
-                  <a:schemeClr val="tx1"/>
-                </a:solidFill>
-              </a:rPr>
-              <a:t> </a:t>
-            </a:r>
-            <a:r>
-              <a:rPr lang="en-US" sz="1400" dirty="0" err="1" smtClean="0">
-                <a:solidFill>
-                  <a:schemeClr val="tx1"/>
-                </a:solidFill>
-              </a:rPr>
-              <a:t>decaisser</a:t>
-            </a:r>
-            <a:r>
-              <a:rPr lang="en-US" sz="1400" dirty="0" smtClean="0">
-                <a:solidFill>
-                  <a:schemeClr val="tx1"/>
-                </a:solidFill>
-              </a:rPr>
-              <a:t> les </a:t>
-            </a:r>
-            <a:r>
-              <a:rPr lang="en-US" sz="1400" dirty="0" err="1" smtClean="0">
-                <a:solidFill>
-                  <a:schemeClr val="tx1"/>
-                </a:solidFill>
-              </a:rPr>
-              <a:t>fonds</a:t>
-            </a:r>
-            <a:r>
-              <a:rPr lang="en-US" sz="1400" dirty="0" smtClean="0">
-                <a:solidFill>
-                  <a:schemeClr val="tx1"/>
-                </a:solidFill>
-              </a:rPr>
-              <a:t> en function des </a:t>
-            </a:r>
-            <a:r>
-              <a:rPr lang="en-US" sz="1400" dirty="0" err="1" smtClean="0">
-                <a:solidFill>
-                  <a:schemeClr val="tx1"/>
-                </a:solidFill>
-              </a:rPr>
-              <a:t>besoins</a:t>
-            </a:r>
-            <a:endParaRPr lang="en-US" sz="1400" dirty="0" smtClean="0">
-              <a:solidFill>
-                <a:schemeClr val="tx1"/>
-              </a:solidFill>
-            </a:endParaRPr>
-          </a:p>
-          <a:p>
-            <a:pPr algn="just"/>
-            <a:r>
-              <a:rPr lang="en-US" sz="1400" dirty="0" smtClean="0">
-                <a:solidFill>
-                  <a:schemeClr val="tx1"/>
-                </a:solidFill>
-              </a:rPr>
-              <a:t>*</a:t>
-            </a:r>
-            <a:r>
-              <a:rPr lang="en-US" sz="1400" dirty="0" err="1" smtClean="0">
-                <a:solidFill>
-                  <a:schemeClr val="tx1"/>
-                </a:solidFill>
-              </a:rPr>
-              <a:t>Doner</a:t>
-            </a:r>
-            <a:r>
-              <a:rPr lang="en-US" sz="1400" dirty="0" smtClean="0">
-                <a:solidFill>
-                  <a:schemeClr val="tx1"/>
-                </a:solidFill>
-              </a:rPr>
-              <a:t> au </a:t>
-            </a:r>
-            <a:r>
-              <a:rPr lang="en-US" sz="1400" dirty="0" err="1" smtClean="0">
-                <a:solidFill>
-                  <a:schemeClr val="tx1"/>
-                </a:solidFill>
-              </a:rPr>
-              <a:t>ministere</a:t>
-            </a:r>
-            <a:r>
-              <a:rPr lang="en-US" sz="1400" dirty="0" smtClean="0">
-                <a:solidFill>
-                  <a:schemeClr val="tx1"/>
-                </a:solidFill>
-              </a:rPr>
-              <a:t> de la </a:t>
-            </a:r>
-            <a:r>
-              <a:rPr lang="en-US" sz="1400" dirty="0" err="1" smtClean="0">
-                <a:solidFill>
-                  <a:schemeClr val="tx1"/>
-                </a:solidFill>
-              </a:rPr>
-              <a:t>sante</a:t>
-            </a:r>
-            <a:r>
-              <a:rPr lang="en-US" sz="1400" dirty="0" smtClean="0">
-                <a:solidFill>
-                  <a:schemeClr val="tx1"/>
-                </a:solidFill>
-              </a:rPr>
-              <a:t> et de la population </a:t>
-            </a:r>
-            <a:r>
-              <a:rPr lang="en-US" sz="1400" dirty="0" err="1" smtClean="0">
-                <a:solidFill>
-                  <a:schemeClr val="tx1"/>
-                </a:solidFill>
-              </a:rPr>
-              <a:t>l’opportunite</a:t>
-            </a:r>
-            <a:r>
-              <a:rPr lang="en-US" sz="1400" dirty="0" smtClean="0">
-                <a:solidFill>
-                  <a:schemeClr val="tx1"/>
-                </a:solidFill>
-              </a:rPr>
-              <a:t> de </a:t>
-            </a:r>
-            <a:r>
-              <a:rPr lang="en-US" sz="1400" dirty="0" err="1" smtClean="0">
-                <a:solidFill>
-                  <a:schemeClr val="tx1"/>
-                </a:solidFill>
-              </a:rPr>
-              <a:t>planifier</a:t>
-            </a:r>
-            <a:r>
-              <a:rPr lang="en-US" sz="1400" dirty="0" smtClean="0">
-                <a:solidFill>
-                  <a:schemeClr val="tx1"/>
-                </a:solidFill>
-              </a:rPr>
-              <a:t> </a:t>
-            </a:r>
-            <a:r>
-              <a:rPr lang="en-US" sz="1400" dirty="0" err="1" smtClean="0">
-                <a:solidFill>
-                  <a:schemeClr val="tx1"/>
-                </a:solidFill>
-              </a:rPr>
-              <a:t>efficacement</a:t>
-            </a:r>
-            <a:r>
-              <a:rPr lang="en-US" sz="1400" dirty="0" smtClean="0">
-                <a:solidFill>
-                  <a:schemeClr val="tx1"/>
-                </a:solidFill>
-              </a:rPr>
-              <a:t> </a:t>
-            </a:r>
-            <a:r>
-              <a:rPr lang="en-US" sz="1400" dirty="0" err="1" smtClean="0">
-                <a:solidFill>
-                  <a:schemeClr val="tx1"/>
-                </a:solidFill>
-              </a:rPr>
-              <a:t>leurs</a:t>
-            </a:r>
-            <a:r>
-              <a:rPr lang="en-US" sz="1400" dirty="0" smtClean="0">
-                <a:solidFill>
-                  <a:schemeClr val="tx1"/>
-                </a:solidFill>
-              </a:rPr>
-              <a:t> </a:t>
-            </a:r>
-            <a:r>
-              <a:rPr lang="en-US" sz="1400" dirty="0" err="1" smtClean="0">
-                <a:solidFill>
-                  <a:schemeClr val="tx1"/>
-                </a:solidFill>
-              </a:rPr>
-              <a:t>projets</a:t>
-            </a:r>
-            <a:r>
-              <a:rPr lang="en-US" sz="1400" dirty="0" smtClean="0">
-                <a:solidFill>
-                  <a:schemeClr val="tx1"/>
-                </a:solidFill>
-              </a:rPr>
-              <a:t> de </a:t>
-            </a:r>
-            <a:r>
-              <a:rPr lang="en-US" sz="1400" dirty="0" err="1" smtClean="0">
-                <a:solidFill>
-                  <a:schemeClr val="tx1"/>
-                </a:solidFill>
-              </a:rPr>
-              <a:t>sante</a:t>
-            </a:r>
-            <a:r>
-              <a:rPr lang="en-US" sz="1400" dirty="0" smtClean="0">
-                <a:solidFill>
-                  <a:schemeClr val="tx1"/>
-                </a:solidFill>
-              </a:rPr>
-              <a:t> a travers du pays.</a:t>
-            </a:r>
-          </a:p>
-          <a:p>
-            <a:pPr algn="just"/>
-            <a:r>
-              <a:rPr lang="en-US" sz="1400" dirty="0" smtClean="0">
-                <a:solidFill>
-                  <a:schemeClr val="tx1"/>
-                </a:solidFill>
-              </a:rPr>
-              <a:t>*Donner au </a:t>
-            </a:r>
-            <a:r>
-              <a:rPr lang="en-US" sz="1400" dirty="0" err="1" smtClean="0">
-                <a:solidFill>
-                  <a:schemeClr val="tx1"/>
-                </a:solidFill>
-              </a:rPr>
-              <a:t>ministere</a:t>
-            </a:r>
-            <a:r>
-              <a:rPr lang="en-US" sz="1400" dirty="0" smtClean="0">
-                <a:solidFill>
-                  <a:schemeClr val="tx1"/>
-                </a:solidFill>
-              </a:rPr>
-              <a:t> de </a:t>
-            </a:r>
-            <a:r>
-              <a:rPr lang="en-US" sz="1400" dirty="0" err="1" smtClean="0">
-                <a:solidFill>
-                  <a:schemeClr val="tx1"/>
-                </a:solidFill>
-              </a:rPr>
-              <a:t>l’education</a:t>
-            </a:r>
-            <a:r>
-              <a:rPr lang="en-US" sz="1400" dirty="0" smtClean="0">
-                <a:solidFill>
-                  <a:schemeClr val="tx1"/>
-                </a:solidFill>
-              </a:rPr>
-              <a:t> le </a:t>
-            </a:r>
-            <a:r>
-              <a:rPr lang="en-US" sz="1400" dirty="0" err="1" smtClean="0">
-                <a:solidFill>
-                  <a:schemeClr val="tx1"/>
-                </a:solidFill>
-              </a:rPr>
-              <a:t>moyen</a:t>
-            </a:r>
-            <a:r>
-              <a:rPr lang="en-US" sz="1400" dirty="0" smtClean="0">
-                <a:solidFill>
-                  <a:schemeClr val="tx1"/>
-                </a:solidFill>
-              </a:rPr>
-              <a:t> de </a:t>
-            </a:r>
-            <a:r>
-              <a:rPr lang="en-US" sz="1400" dirty="0" err="1" smtClean="0">
-                <a:solidFill>
-                  <a:schemeClr val="tx1"/>
-                </a:solidFill>
-              </a:rPr>
-              <a:t>mieux</a:t>
-            </a:r>
-            <a:r>
-              <a:rPr lang="en-US" sz="1400" dirty="0" smtClean="0">
-                <a:solidFill>
-                  <a:schemeClr val="tx1"/>
-                </a:solidFill>
-              </a:rPr>
-              <a:t> </a:t>
-            </a:r>
-            <a:r>
-              <a:rPr lang="en-US" sz="1400" dirty="0" err="1" smtClean="0">
-                <a:solidFill>
-                  <a:schemeClr val="tx1"/>
-                </a:solidFill>
-              </a:rPr>
-              <a:t>subvenir</a:t>
-            </a:r>
-            <a:r>
-              <a:rPr lang="en-US" sz="1400" dirty="0" smtClean="0">
-                <a:solidFill>
-                  <a:schemeClr val="tx1"/>
-                </a:solidFill>
-              </a:rPr>
-              <a:t> les </a:t>
-            </a:r>
-            <a:r>
-              <a:rPr lang="en-US" sz="1400" dirty="0" err="1" smtClean="0">
-                <a:solidFill>
-                  <a:schemeClr val="tx1"/>
-                </a:solidFill>
-              </a:rPr>
-              <a:t>ecoles</a:t>
-            </a:r>
-            <a:r>
-              <a:rPr lang="en-US" sz="1400" dirty="0" smtClean="0">
-                <a:solidFill>
-                  <a:schemeClr val="tx1"/>
-                </a:solidFill>
-              </a:rPr>
-              <a:t> </a:t>
-            </a:r>
-            <a:r>
-              <a:rPr lang="en-US" sz="1400" dirty="0" err="1" smtClean="0">
-                <a:solidFill>
-                  <a:schemeClr val="tx1"/>
-                </a:solidFill>
-              </a:rPr>
-              <a:t>dans</a:t>
-            </a:r>
-            <a:r>
-              <a:rPr lang="en-US" sz="1400" dirty="0" smtClean="0">
-                <a:solidFill>
-                  <a:schemeClr val="tx1"/>
-                </a:solidFill>
-              </a:rPr>
-              <a:t> les </a:t>
-            </a:r>
-            <a:r>
-              <a:rPr lang="en-US" sz="1400" dirty="0" err="1" smtClean="0">
-                <a:solidFill>
-                  <a:schemeClr val="tx1"/>
-                </a:solidFill>
-              </a:rPr>
-              <a:t>departements</a:t>
-            </a:r>
-            <a:r>
-              <a:rPr lang="en-US" sz="1400" dirty="0" smtClean="0">
-                <a:solidFill>
-                  <a:schemeClr val="tx1"/>
-                </a:solidFill>
-              </a:rPr>
-              <a:t> </a:t>
-            </a:r>
-            <a:r>
-              <a:rPr lang="en-US" sz="1400" dirty="0" err="1" smtClean="0">
-                <a:solidFill>
-                  <a:schemeClr val="tx1"/>
-                </a:solidFill>
-              </a:rPr>
-              <a:t>afin</a:t>
-            </a:r>
-            <a:r>
-              <a:rPr lang="en-US" sz="1400" dirty="0" smtClean="0">
-                <a:solidFill>
-                  <a:schemeClr val="tx1"/>
-                </a:solidFill>
-              </a:rPr>
-              <a:t> </a:t>
-            </a:r>
-            <a:r>
-              <a:rPr lang="en-US" sz="1400" dirty="0" err="1" smtClean="0">
-                <a:solidFill>
-                  <a:schemeClr val="tx1"/>
-                </a:solidFill>
-              </a:rPr>
-              <a:t>que</a:t>
-            </a:r>
-            <a:r>
-              <a:rPr lang="en-US" sz="1400" dirty="0" smtClean="0">
-                <a:solidFill>
-                  <a:schemeClr val="tx1"/>
-                </a:solidFill>
-              </a:rPr>
-              <a:t> </a:t>
-            </a:r>
-          </a:p>
-          <a:p>
-            <a:pPr algn="just"/>
-            <a:endParaRPr lang="fr-FR" sz="1400" dirty="0">
-              <a:solidFill>
-                <a:schemeClr val="tx1"/>
-              </a:solidFill>
-            </a:endParaRPr>
+        </p:txBody>
+      </p:sp>
+      <p:sp>
+        <p:nvSpPr>
+          <p:cNvPr id="5" name="Rectangle 4"/>
+          <p:cNvSpPr/>
+          <p:nvPr/>
+        </p:nvSpPr>
+        <p:spPr>
+          <a:xfrm>
+            <a:off x="-1" y="0"/>
+            <a:ext cx="9144001" cy="514350"/>
+          </a:xfrm>
+          <a:prstGeom prst="rect">
+            <a:avLst/>
+          </a:prstGeom>
+          <a:solidFill>
+            <a:schemeClr val="accent5">
+              <a:lumMod val="50000"/>
+            </a:schemeClr>
+          </a:solidFill>
+          <a:ln>
+            <a:solidFill>
+              <a:schemeClr val="accent6"/>
+            </a:solidFill>
+          </a:ln>
+        </p:spPr>
+        <p:style>
+          <a:lnRef idx="2">
+            <a:schemeClr val="accent1">
+              <a:shade val="50000"/>
+            </a:schemeClr>
+          </a:lnRef>
+          <a:fillRef idx="1">
+            <a:schemeClr val="accent1"/>
+          </a:fillRef>
+          <a:effectRef idx="0">
+            <a:schemeClr val="accent1"/>
+          </a:effectRef>
+          <a:fontRef idx="minor">
+            <a:schemeClr val="lt1"/>
+          </a:fontRef>
+        </p:style>
+        <p:txBody>
+          <a:bodyPr rtlCol="0" anchor="ctr"/>
+          <a:lstStyle/>
+          <a:p>
+            <a:pPr algn="ctr"/>
+            <a:endParaRPr lang="fr-FR"/>
+          </a:p>
+        </p:txBody>
+      </p:sp>
+      <p:sp>
+        <p:nvSpPr>
+          <p:cNvPr id="6" name="Rectangle 5"/>
+          <p:cNvSpPr/>
+          <p:nvPr/>
+        </p:nvSpPr>
+        <p:spPr>
+          <a:xfrm>
+            <a:off x="4565150" y="647291"/>
+            <a:ext cx="2514600" cy="954785"/>
+          </a:xfrm>
+          <a:prstGeom prst="rect">
+            <a:avLst/>
+          </a:prstGeom>
+          <a:solidFill>
+            <a:schemeClr val="bg1"/>
+          </a:solidFill>
+          <a:ln>
+            <a:noFill/>
+          </a:ln>
+        </p:spPr>
+        <p:style>
+          <a:lnRef idx="2">
+            <a:schemeClr val="accent1">
+              <a:shade val="50000"/>
+            </a:schemeClr>
+          </a:lnRef>
+          <a:fillRef idx="1">
+            <a:schemeClr val="accent1"/>
+          </a:fillRef>
+          <a:effectRef idx="0">
+            <a:schemeClr val="accent1"/>
+          </a:effectRef>
+          <a:fontRef idx="minor">
+            <a:schemeClr val="lt1"/>
+          </a:fontRef>
+        </p:style>
+        <p:txBody>
+          <a:bodyPr rtlCol="0" anchor="ctr"/>
+          <a:lstStyle/>
+          <a:p>
+            <a:pPr algn="ctr"/>
+            <a:endParaRPr lang="fr-FR"/>
           </a:p>
         </p:txBody>
       </p:sp>
@@ -4142,6 +5239,13 @@
   <p:clrMapOvr>
     <a:masterClrMapping/>
   </p:clrMapOvr>
+  <p:timing>
+    <p:tnLst>
+      <p:par>
+        <p:cTn id="1" dur="indefinite" restart="never" nodeType="tmRoot"/>
+      </p:par>
+    </p:tnLst>
+  </p:timing>
 </p:sld>
 </file>
 
@@ -4164,14 +5268,765 @@
       </p:grpSpPr>
       <p:sp>
         <p:nvSpPr>
+          <p:cNvPr id="5" name="object 2"/>
+          <p:cNvSpPr txBox="1">
+            <a:spLocks/>
+          </p:cNvSpPr>
+          <p:nvPr/>
+        </p:nvSpPr>
+        <p:spPr>
+          <a:xfrm>
+            <a:off x="685800" y="1047750"/>
+            <a:ext cx="3582035" cy="628377"/>
+          </a:xfrm>
+          <a:prstGeom prst="rect">
+            <a:avLst/>
+          </a:prstGeom>
+        </p:spPr>
+        <p:txBody>
+          <a:bodyPr vert="horz" wrap="square" lIns="0" tIns="12700" rIns="0" bIns="0" rtlCol="0">
+            <a:spAutoFit/>
+          </a:bodyPr>
+          <a:lstStyle>
+            <a:lvl1pPr>
+              <a:defRPr sz="2300" b="0" i="0">
+                <a:solidFill>
+                  <a:srgbClr val="545454"/>
+                </a:solidFill>
+                <a:latin typeface="Arial"/>
+                <a:ea typeface="+mj-ea"/>
+                <a:cs typeface="Arial"/>
+              </a:defRPr>
+            </a:lvl1pPr>
+          </a:lstStyle>
+          <a:p>
+            <a:pPr marL="12700">
+              <a:spcBef>
+                <a:spcPts val="100"/>
+              </a:spcBef>
+            </a:pPr>
+            <a:r>
+              <a:rPr lang="fr-FR" sz="4000" b="1" kern="0" spc="-190" dirty="0" smtClean="0">
+                <a:solidFill>
+                  <a:srgbClr val="1A1A1A"/>
+                </a:solidFill>
+                <a:latin typeface="Trebuchet MS"/>
+                <a:cs typeface="Trebuchet MS"/>
+              </a:rPr>
+              <a:t> </a:t>
+            </a:r>
+            <a:r>
+              <a:rPr lang="fr-FR" sz="2000" b="1" kern="0" spc="-15" dirty="0" smtClean="0">
+                <a:solidFill>
+                  <a:srgbClr val="1A1A1A"/>
+                </a:solidFill>
+                <a:latin typeface="Trebuchet MS"/>
+                <a:cs typeface="Trebuchet MS"/>
+              </a:rPr>
+              <a:t>Audience</a:t>
+            </a:r>
+            <a:endParaRPr lang="fr-FR" sz="2000" kern="0" dirty="0">
+              <a:latin typeface="Trebuchet MS"/>
+              <a:cs typeface="Trebuchet MS"/>
+            </a:endParaRPr>
+          </a:p>
+        </p:txBody>
+      </p:sp>
+      <p:sp>
+        <p:nvSpPr>
+          <p:cNvPr id="4" name="Rectangle 3"/>
+          <p:cNvSpPr/>
+          <p:nvPr/>
+        </p:nvSpPr>
+        <p:spPr>
+          <a:xfrm>
+            <a:off x="2362200" y="742950"/>
+            <a:ext cx="4724400" cy="3581400"/>
+          </a:xfrm>
+          <a:prstGeom prst="rect">
+            <a:avLst/>
+          </a:prstGeom>
+          <a:solidFill>
+            <a:schemeClr val="bg1"/>
+          </a:solidFill>
+          <a:ln>
+            <a:noFill/>
+          </a:ln>
+        </p:spPr>
+        <p:style>
+          <a:lnRef idx="2">
+            <a:schemeClr val="accent1">
+              <a:shade val="50000"/>
+            </a:schemeClr>
+          </a:lnRef>
+          <a:fillRef idx="1">
+            <a:schemeClr val="accent1"/>
+          </a:fillRef>
+          <a:effectRef idx="0">
+            <a:schemeClr val="accent1"/>
+          </a:effectRef>
+          <a:fontRef idx="minor">
+            <a:schemeClr val="lt1"/>
+          </a:fontRef>
+        </p:style>
+        <p:txBody>
+          <a:bodyPr rtlCol="0" anchor="ctr"/>
+          <a:lstStyle/>
+          <a:p>
+            <a:pPr algn="ctr"/>
+            <a:endParaRPr lang="fr-FR"/>
+          </a:p>
+        </p:txBody>
+      </p:sp>
+      <p:sp>
+        <p:nvSpPr>
+          <p:cNvPr id="7" name="Rectangle 6"/>
+          <p:cNvSpPr/>
+          <p:nvPr/>
+        </p:nvSpPr>
+        <p:spPr>
+          <a:xfrm>
+            <a:off x="-1" y="0"/>
+            <a:ext cx="9144001" cy="514350"/>
+          </a:xfrm>
+          <a:prstGeom prst="rect">
+            <a:avLst/>
+          </a:prstGeom>
+          <a:solidFill>
+            <a:schemeClr val="accent5">
+              <a:lumMod val="50000"/>
+            </a:schemeClr>
+          </a:solidFill>
+          <a:ln>
+            <a:solidFill>
+              <a:schemeClr val="accent6"/>
+            </a:solidFill>
+          </a:ln>
+        </p:spPr>
+        <p:style>
+          <a:lnRef idx="2">
+            <a:schemeClr val="accent1">
+              <a:shade val="50000"/>
+            </a:schemeClr>
+          </a:lnRef>
+          <a:fillRef idx="1">
+            <a:schemeClr val="accent1"/>
+          </a:fillRef>
+          <a:effectRef idx="0">
+            <a:schemeClr val="accent1"/>
+          </a:effectRef>
+          <a:fontRef idx="minor">
+            <a:schemeClr val="lt1"/>
+          </a:fontRef>
+        </p:style>
+        <p:txBody>
+          <a:bodyPr rtlCol="0" anchor="ctr"/>
+          <a:lstStyle/>
+          <a:p>
+            <a:pPr algn="ctr"/>
+            <a:endParaRPr lang="fr-FR"/>
+          </a:p>
+        </p:txBody>
+      </p:sp>
+      <p:sp>
+        <p:nvSpPr>
+          <p:cNvPr id="6" name="Rectangle 5"/>
+          <p:cNvSpPr/>
+          <p:nvPr/>
+        </p:nvSpPr>
+        <p:spPr>
+          <a:xfrm>
+            <a:off x="990600" y="1676127"/>
+            <a:ext cx="8153400" cy="2286000"/>
+          </a:xfrm>
+          <a:prstGeom prst="rect">
+            <a:avLst/>
+          </a:prstGeom>
+          <a:solidFill>
+            <a:schemeClr val="bg1"/>
+          </a:solidFill>
+          <a:ln>
+            <a:noFill/>
+          </a:ln>
+        </p:spPr>
+        <p:style>
+          <a:lnRef idx="2">
+            <a:schemeClr val="accent1">
+              <a:shade val="50000"/>
+            </a:schemeClr>
+          </a:lnRef>
+          <a:fillRef idx="1">
+            <a:schemeClr val="accent1"/>
+          </a:fillRef>
+          <a:effectRef idx="0">
+            <a:schemeClr val="accent1"/>
+          </a:effectRef>
+          <a:fontRef idx="minor">
+            <a:schemeClr val="lt1"/>
+          </a:fontRef>
+        </p:style>
+        <p:txBody>
+          <a:bodyPr rtlCol="0" anchor="ctr"/>
+          <a:lstStyle/>
+          <a:p>
+            <a:pPr algn="just">
+              <a:lnSpc>
+                <a:spcPct val="150000"/>
+              </a:lnSpc>
+            </a:pPr>
+            <a:r>
+              <a:rPr lang="en-US" sz="1400" dirty="0">
+                <a:solidFill>
+                  <a:schemeClr val="tx1">
+                    <a:lumMod val="65000"/>
+                    <a:lumOff val="35000"/>
+                  </a:schemeClr>
+                </a:solidFill>
+              </a:rPr>
+              <a:t>The target audience is: </a:t>
+            </a:r>
+          </a:p>
+          <a:p>
+            <a:pPr algn="just">
+              <a:lnSpc>
+                <a:spcPct val="150000"/>
+              </a:lnSpc>
+            </a:pPr>
+            <a:r>
+              <a:rPr lang="en-US" b="1" dirty="0" smtClean="0">
+                <a:solidFill>
+                  <a:schemeClr val="tx1">
+                    <a:lumMod val="50000"/>
+                    <a:lumOff val="50000"/>
+                  </a:schemeClr>
+                </a:solidFill>
+              </a:rPr>
+              <a:t>Ministry </a:t>
+            </a:r>
+            <a:r>
+              <a:rPr lang="en-US" b="1" dirty="0">
+                <a:solidFill>
+                  <a:schemeClr val="tx1">
+                    <a:lumMod val="50000"/>
+                    <a:lumOff val="50000"/>
+                  </a:schemeClr>
+                </a:solidFill>
+              </a:rPr>
+              <a:t>of Public Health and Population</a:t>
+            </a:r>
+            <a:r>
+              <a:rPr lang="en-US" sz="1400" dirty="0">
+                <a:solidFill>
+                  <a:schemeClr val="tx1">
+                    <a:lumMod val="50000"/>
+                    <a:lumOff val="50000"/>
+                  </a:schemeClr>
+                </a:solidFill>
+              </a:rPr>
+              <a:t>, for nutrition and health needs </a:t>
+            </a:r>
+          </a:p>
+          <a:p>
+            <a:pPr algn="just">
+              <a:lnSpc>
+                <a:spcPct val="150000"/>
+              </a:lnSpc>
+            </a:pPr>
+            <a:r>
+              <a:rPr lang="en-US" b="1" dirty="0" smtClean="0">
+                <a:solidFill>
+                  <a:schemeClr val="tx1">
+                    <a:lumMod val="50000"/>
+                    <a:lumOff val="50000"/>
+                  </a:schemeClr>
+                </a:solidFill>
+              </a:rPr>
+              <a:t>Ministry </a:t>
+            </a:r>
+            <a:r>
+              <a:rPr lang="en-US" b="1" dirty="0">
+                <a:solidFill>
+                  <a:schemeClr val="tx1">
+                    <a:lumMod val="50000"/>
+                    <a:lumOff val="50000"/>
+                  </a:schemeClr>
+                </a:solidFill>
+              </a:rPr>
+              <a:t>of Social Affairs and Labor</a:t>
+            </a:r>
+            <a:r>
+              <a:rPr lang="en-US" sz="1400" dirty="0">
+                <a:solidFill>
+                  <a:schemeClr val="tx1">
+                    <a:lumMod val="50000"/>
+                    <a:lumOff val="50000"/>
+                  </a:schemeClr>
+                </a:solidFill>
+              </a:rPr>
+              <a:t>, for protection and shelter</a:t>
+            </a:r>
+          </a:p>
+          <a:p>
+            <a:pPr algn="just">
+              <a:lnSpc>
+                <a:spcPct val="150000"/>
+              </a:lnSpc>
+            </a:pPr>
+            <a:r>
+              <a:rPr lang="en-US" b="1" dirty="0" smtClean="0">
+                <a:solidFill>
+                  <a:schemeClr val="tx1">
+                    <a:lumMod val="50000"/>
+                    <a:lumOff val="50000"/>
+                  </a:schemeClr>
+                </a:solidFill>
+              </a:rPr>
+              <a:t>Ministry </a:t>
+            </a:r>
+            <a:r>
+              <a:rPr lang="en-US" b="1" dirty="0">
+                <a:solidFill>
+                  <a:schemeClr val="tx1">
+                    <a:lumMod val="50000"/>
+                    <a:lumOff val="50000"/>
+                  </a:schemeClr>
+                </a:solidFill>
+              </a:rPr>
+              <a:t>of National Education and Vocational Training</a:t>
+            </a:r>
+            <a:r>
+              <a:rPr lang="en-US" sz="1400" dirty="0">
+                <a:solidFill>
+                  <a:schemeClr val="tx1">
+                    <a:lumMod val="50000"/>
+                    <a:lumOff val="50000"/>
+                  </a:schemeClr>
+                </a:solidFill>
+              </a:rPr>
+              <a:t>, for children's education needs</a:t>
+            </a:r>
+          </a:p>
+          <a:p>
+            <a:pPr algn="just">
+              <a:lnSpc>
+                <a:spcPct val="150000"/>
+              </a:lnSpc>
+            </a:pPr>
+            <a:r>
+              <a:rPr lang="en-US" b="1" dirty="0" smtClean="0">
+                <a:solidFill>
+                  <a:schemeClr val="tx1">
+                    <a:lumMod val="50000"/>
+                    <a:lumOff val="50000"/>
+                  </a:schemeClr>
+                </a:solidFill>
+              </a:rPr>
+              <a:t>NGOs</a:t>
+            </a:r>
+            <a:endParaRPr lang="en-US" b="1" dirty="0">
+              <a:solidFill>
+                <a:schemeClr val="tx1">
+                  <a:lumMod val="50000"/>
+                  <a:lumOff val="50000"/>
+                </a:schemeClr>
+              </a:solidFill>
+            </a:endParaRPr>
+          </a:p>
+          <a:p>
+            <a:pPr algn="just">
+              <a:lnSpc>
+                <a:spcPct val="150000"/>
+              </a:lnSpc>
+            </a:pPr>
+            <a:r>
+              <a:rPr lang="en-US" b="1" dirty="0" smtClean="0">
+                <a:solidFill>
+                  <a:schemeClr val="tx1">
+                    <a:lumMod val="50000"/>
+                    <a:lumOff val="50000"/>
+                  </a:schemeClr>
+                </a:solidFill>
+              </a:rPr>
+              <a:t>National </a:t>
+            </a:r>
+            <a:r>
+              <a:rPr lang="en-US" b="1" dirty="0">
+                <a:solidFill>
+                  <a:schemeClr val="tx1">
+                    <a:lumMod val="50000"/>
+                    <a:lumOff val="50000"/>
+                  </a:schemeClr>
+                </a:solidFill>
+              </a:rPr>
+              <a:t>and diaspora volunteers</a:t>
+            </a:r>
+          </a:p>
+        </p:txBody>
+      </p:sp>
+    </p:spTree>
+    <p:extLst>
+      <p:ext uri="{BB962C8B-B14F-4D97-AF65-F5344CB8AC3E}">
+        <p14:creationId xmlns:p14="http://schemas.microsoft.com/office/powerpoint/2010/main" val="606115305"/>
+      </p:ext>
+    </p:extLst>
+  </p:cSld>
+  <p:clrMapOvr>
+    <a:masterClrMapping/>
+  </p:clrMapOvr>
+  <p:timing>
+    <p:tnLst>
+      <p:par>
+        <p:cTn id="1" dur="indefinite" restart="never" nodeType="tmRoot"/>
+      </p:par>
+    </p:tnLst>
+  </p:timing>
+</p:sld>
+</file>
+
+<file path=ppt/slides/slide7.xml><?xml version="1.0" encoding="utf-8"?>
+<p:sld xmlns:a="http://schemas.openxmlformats.org/drawingml/2006/main" xmlns:r="http://schemas.openxmlformats.org/officeDocument/2006/relationships" xmlns:p="http://schemas.openxmlformats.org/presentationml/2006/main">
+  <p:cSld>
+    <p:spTree>
+      <p:nvGrpSpPr>
+        <p:cNvPr id="1" name=""/>
+        <p:cNvGrpSpPr/>
+        <p:nvPr/>
+      </p:nvGrpSpPr>
+      <p:grpSpPr>
+        <a:xfrm>
+          <a:off x="0" y="0"/>
+          <a:ext cx="0" cy="0"/>
+          <a:chOff x="0" y="0"/>
+          <a:chExt cx="0" cy="0"/>
+        </a:xfrm>
+      </p:grpSpPr>
+      <p:sp>
+        <p:nvSpPr>
+          <p:cNvPr id="4" name="Rectangle 3"/>
+          <p:cNvSpPr/>
+          <p:nvPr/>
+        </p:nvSpPr>
+        <p:spPr>
+          <a:xfrm>
+            <a:off x="-1" y="0"/>
+            <a:ext cx="9144001" cy="514350"/>
+          </a:xfrm>
+          <a:prstGeom prst="rect">
+            <a:avLst/>
+          </a:prstGeom>
+          <a:solidFill>
+            <a:schemeClr val="accent5">
+              <a:lumMod val="50000"/>
+            </a:schemeClr>
+          </a:solidFill>
+          <a:ln>
+            <a:solidFill>
+              <a:schemeClr val="accent6"/>
+            </a:solidFill>
+          </a:ln>
+        </p:spPr>
+        <p:style>
+          <a:lnRef idx="2">
+            <a:schemeClr val="accent1">
+              <a:shade val="50000"/>
+            </a:schemeClr>
+          </a:lnRef>
+          <a:fillRef idx="1">
+            <a:schemeClr val="accent1"/>
+          </a:fillRef>
+          <a:effectRef idx="0">
+            <a:schemeClr val="accent1"/>
+          </a:effectRef>
+          <a:fontRef idx="minor">
+            <a:schemeClr val="lt1"/>
+          </a:fontRef>
+        </p:style>
+        <p:txBody>
+          <a:bodyPr rtlCol="0" anchor="ctr"/>
+          <a:lstStyle/>
+          <a:p>
+            <a:pPr algn="ctr"/>
+            <a:endParaRPr lang="fr-FR"/>
+          </a:p>
+        </p:txBody>
+      </p:sp>
+      <p:sp>
+        <p:nvSpPr>
+          <p:cNvPr id="6" name="object 2"/>
+          <p:cNvSpPr txBox="1">
+            <a:spLocks/>
+          </p:cNvSpPr>
+          <p:nvPr/>
+        </p:nvSpPr>
+        <p:spPr>
+          <a:xfrm>
+            <a:off x="762000" y="1084195"/>
+            <a:ext cx="3582035" cy="566822"/>
+          </a:xfrm>
+          <a:prstGeom prst="rect">
+            <a:avLst/>
+          </a:prstGeom>
+        </p:spPr>
+        <p:txBody>
+          <a:bodyPr vert="horz" wrap="square" lIns="0" tIns="12700" rIns="0" bIns="0" rtlCol="0">
+            <a:spAutoFit/>
+          </a:bodyPr>
+          <a:lstStyle>
+            <a:lvl1pPr>
+              <a:defRPr sz="2300" b="0" i="0">
+                <a:solidFill>
+                  <a:srgbClr val="545454"/>
+                </a:solidFill>
+                <a:latin typeface="Arial"/>
+                <a:ea typeface="+mj-ea"/>
+                <a:cs typeface="Arial"/>
+              </a:defRPr>
+            </a:lvl1pPr>
+          </a:lstStyle>
+          <a:p>
+            <a:pPr marL="12700">
+              <a:spcBef>
+                <a:spcPts val="100"/>
+              </a:spcBef>
+            </a:pPr>
+            <a:r>
+              <a:rPr lang="fr-FR" sz="3600" b="1" kern="0" spc="-190" dirty="0" smtClean="0">
+                <a:solidFill>
+                  <a:srgbClr val="1A1A1A"/>
+                </a:solidFill>
+                <a:latin typeface="Trebuchet MS"/>
+                <a:cs typeface="Trebuchet MS"/>
+              </a:rPr>
+              <a:t> </a:t>
+            </a:r>
+            <a:r>
+              <a:rPr lang="fr-FR" sz="1800" b="1" kern="0" spc="-15" dirty="0" smtClean="0">
+                <a:solidFill>
+                  <a:srgbClr val="1A1A1A"/>
+                </a:solidFill>
+                <a:latin typeface="Trebuchet MS"/>
+                <a:cs typeface="Trebuchet MS"/>
+              </a:rPr>
+              <a:t>Data Source</a:t>
+            </a:r>
+            <a:endParaRPr lang="fr-FR" sz="1800" kern="0" dirty="0">
+              <a:latin typeface="Trebuchet MS"/>
+              <a:cs typeface="Trebuchet MS"/>
+            </a:endParaRPr>
+          </a:p>
+        </p:txBody>
+      </p:sp>
+      <p:sp>
+        <p:nvSpPr>
+          <p:cNvPr id="5" name="Rectangle 4"/>
+          <p:cNvSpPr/>
+          <p:nvPr/>
+        </p:nvSpPr>
+        <p:spPr>
+          <a:xfrm>
+            <a:off x="5562600" y="654607"/>
+            <a:ext cx="914400" cy="914400"/>
+          </a:xfrm>
+          <a:prstGeom prst="rect">
+            <a:avLst/>
+          </a:prstGeom>
+          <a:solidFill>
+            <a:schemeClr val="bg1"/>
+          </a:solidFill>
+          <a:ln>
+            <a:noFill/>
+          </a:ln>
+        </p:spPr>
+        <p:style>
+          <a:lnRef idx="2">
+            <a:schemeClr val="accent1">
+              <a:shade val="50000"/>
+            </a:schemeClr>
+          </a:lnRef>
+          <a:fillRef idx="1">
+            <a:schemeClr val="accent1"/>
+          </a:fillRef>
+          <a:effectRef idx="0">
+            <a:schemeClr val="accent1"/>
+          </a:effectRef>
+          <a:fontRef idx="minor">
+            <a:schemeClr val="lt1"/>
+          </a:fontRef>
+        </p:style>
+        <p:txBody>
+          <a:bodyPr rtlCol="0" anchor="ctr"/>
+          <a:lstStyle/>
+          <a:p>
+            <a:pPr algn="ctr"/>
+            <a:endParaRPr lang="fr-FR"/>
+          </a:p>
+        </p:txBody>
+      </p:sp>
+      <p:sp>
+        <p:nvSpPr>
+          <p:cNvPr id="2" name="Rectangle 1"/>
+          <p:cNvSpPr/>
+          <p:nvPr/>
+        </p:nvSpPr>
+        <p:spPr>
+          <a:xfrm>
+            <a:off x="2971800" y="895350"/>
+            <a:ext cx="4419600" cy="3810000"/>
+          </a:xfrm>
+          <a:prstGeom prst="rect">
+            <a:avLst/>
+          </a:prstGeom>
+          <a:solidFill>
+            <a:schemeClr val="bg1"/>
+          </a:solidFill>
+          <a:ln>
+            <a:solidFill>
+              <a:schemeClr val="bg1"/>
+            </a:solidFill>
+          </a:ln>
+        </p:spPr>
+        <p:style>
+          <a:lnRef idx="2">
+            <a:schemeClr val="accent1">
+              <a:shade val="50000"/>
+            </a:schemeClr>
+          </a:lnRef>
+          <a:fillRef idx="1">
+            <a:schemeClr val="accent1"/>
+          </a:fillRef>
+          <a:effectRef idx="0">
+            <a:schemeClr val="accent1"/>
+          </a:effectRef>
+          <a:fontRef idx="minor">
+            <a:schemeClr val="lt1"/>
+          </a:fontRef>
+        </p:style>
+        <p:txBody>
+          <a:bodyPr rtlCol="0" anchor="ctr"/>
+          <a:lstStyle/>
+          <a:p>
+            <a:pPr algn="ctr"/>
+            <a:endParaRPr lang="fr-FR"/>
+          </a:p>
+        </p:txBody>
+      </p:sp>
+      <p:sp>
+        <p:nvSpPr>
+          <p:cNvPr id="7" name="Rectangle 6"/>
+          <p:cNvSpPr/>
+          <p:nvPr/>
+        </p:nvSpPr>
+        <p:spPr>
+          <a:xfrm>
+            <a:off x="1219200" y="1555530"/>
+            <a:ext cx="6934200" cy="1728313"/>
+          </a:xfrm>
+          <a:prstGeom prst="rect">
+            <a:avLst/>
+          </a:prstGeom>
+          <a:solidFill>
+            <a:schemeClr val="bg1"/>
+          </a:solidFill>
+          <a:ln>
+            <a:noFill/>
+          </a:ln>
+        </p:spPr>
+        <p:style>
+          <a:lnRef idx="2">
+            <a:schemeClr val="accent1">
+              <a:shade val="50000"/>
+            </a:schemeClr>
+          </a:lnRef>
+          <a:fillRef idx="1">
+            <a:schemeClr val="accent1"/>
+          </a:fillRef>
+          <a:effectRef idx="0">
+            <a:schemeClr val="accent1"/>
+          </a:effectRef>
+          <a:fontRef idx="minor">
+            <a:schemeClr val="lt1"/>
+          </a:fontRef>
+        </p:style>
+        <p:txBody>
+          <a:bodyPr rtlCol="0" anchor="ctr"/>
+          <a:lstStyle/>
+          <a:p>
+            <a:pPr algn="just"/>
+            <a:r>
+              <a:rPr lang="en-US" sz="1600" dirty="0" smtClean="0">
+                <a:solidFill>
+                  <a:schemeClr val="tx1"/>
+                </a:solidFill>
+              </a:rPr>
+              <a:t>Data </a:t>
+            </a:r>
+            <a:r>
+              <a:rPr lang="en-US" sz="1600" dirty="0">
+                <a:solidFill>
+                  <a:schemeClr val="tx1"/>
+                </a:solidFill>
+              </a:rPr>
+              <a:t>found at this link https://data.humdata.org/dataset/haiti-cible-hrp-2019-2020. This dataset is produced by the United Nations for the Coordination of Humanitarian Affairs (OCHA) in collaboration with humanitarian partners in Haiti.</a:t>
+            </a:r>
+            <a:endParaRPr lang="fr-FR" sz="1600" dirty="0">
+              <a:solidFill>
+                <a:schemeClr val="tx1"/>
+              </a:solidFill>
+            </a:endParaRPr>
+          </a:p>
+        </p:txBody>
+      </p:sp>
+    </p:spTree>
+    <p:extLst>
+      <p:ext uri="{BB962C8B-B14F-4D97-AF65-F5344CB8AC3E}">
+        <p14:creationId xmlns:p14="http://schemas.microsoft.com/office/powerpoint/2010/main" val="3429822647"/>
+      </p:ext>
+    </p:extLst>
+  </p:cSld>
+  <p:clrMapOvr>
+    <a:masterClrMapping/>
+  </p:clrMapOvr>
+  <p:timing>
+    <p:tnLst>
+      <p:par>
+        <p:cTn id="1" dur="indefinite" restart="never" nodeType="tmRoot"/>
+      </p:par>
+    </p:tnLst>
+  </p:timing>
+</p:sld>
+</file>
+
+<file path=ppt/slides/slide8.xml><?xml version="1.0" encoding="utf-8"?>
+<p:sld xmlns:a="http://schemas.openxmlformats.org/drawingml/2006/main" xmlns:r="http://schemas.openxmlformats.org/officeDocument/2006/relationships" xmlns:p="http://schemas.openxmlformats.org/presentationml/2006/main">
+  <p:cSld>
+    <p:spTree>
+      <p:nvGrpSpPr>
+        <p:cNvPr id="1" name=""/>
+        <p:cNvGrpSpPr/>
+        <p:nvPr/>
+      </p:nvGrpSpPr>
+      <p:grpSpPr>
+        <a:xfrm>
+          <a:off x="0" y="0"/>
+          <a:ext cx="0" cy="0"/>
+          <a:chOff x="0" y="0"/>
+          <a:chExt cx="0" cy="0"/>
+        </a:xfrm>
+      </p:grpSpPr>
+      <p:sp>
+        <p:nvSpPr>
           <p:cNvPr id="2" name="object 2"/>
-          <p:cNvSpPr txBox="1"/>
-          <p:nvPr/>
-        </p:nvSpPr>
-        <p:spPr>
-          <a:xfrm>
-            <a:off x="1013717" y="957731"/>
-            <a:ext cx="8036725" cy="1859483"/>
+          <p:cNvSpPr txBox="1">
+            <a:spLocks noGrp="1"/>
+          </p:cNvSpPr>
+          <p:nvPr>
+            <p:ph type="title"/>
+          </p:nvPr>
+        </p:nvSpPr>
+        <p:spPr>
+          <a:xfrm>
+            <a:off x="800675" y="647291"/>
+            <a:ext cx="3582035" cy="421640"/>
           </a:xfrm>
           <a:prstGeom prst="rect">
             <a:avLst/>
@@ -4183,7 +6038,7 @@
           </a:bodyPr>
           <a:lstStyle/>
           <a:p>
-            <a:pPr marL="12700" algn="just">
+            <a:pPr marL="12700">
               <a:lnSpc>
                 <a:spcPct val="100000"/>
               </a:lnSpc>
@@ -4192,114 +6047,16 @@
               </a:spcBef>
             </a:pPr>
             <a:r>
-              <a:rPr lang="fr-FR" sz="4000" b="1" dirty="0" smtClean="0"/>
-              <a:t>2,400,305</a:t>
-            </a:r>
-            <a:r>
-              <a:rPr lang="fr-FR" sz="4000" dirty="0" smtClean="0"/>
-              <a:t> </a:t>
-            </a:r>
-            <a:r>
-              <a:rPr sz="4000" b="1" spc="170" dirty="0" err="1" smtClean="0">
-                <a:solidFill>
-                  <a:srgbClr val="FFFFFF"/>
+              <a:rPr sz="2600" b="1" spc="-190" dirty="0" smtClean="0">
+                <a:solidFill>
+                  <a:srgbClr val="1A1A1A"/>
                 </a:solidFill>
                 <a:latin typeface="Trebuchet MS"/>
                 <a:cs typeface="Trebuchet MS"/>
               </a:rPr>
-              <a:t>personnes</a:t>
-            </a:r>
-            <a:r>
-              <a:rPr lang="en-US" sz="4000" b="1" spc="170" dirty="0" smtClean="0">
-                <a:solidFill>
-                  <a:srgbClr val="FFFFFF"/>
-                </a:solidFill>
-                <a:latin typeface="Trebuchet MS"/>
-                <a:cs typeface="Trebuchet MS"/>
-              </a:rPr>
               <a:t> </a:t>
             </a:r>
-            <a:r>
-              <a:rPr lang="en-US" sz="4000" b="1" spc="170" dirty="0" err="1" smtClean="0">
-                <a:solidFill>
-                  <a:srgbClr val="FFFFFF"/>
-                </a:solidFill>
-                <a:latin typeface="Trebuchet MS"/>
-                <a:cs typeface="Trebuchet MS"/>
-              </a:rPr>
-              <a:t>dans</a:t>
-            </a:r>
-            <a:r>
-              <a:rPr lang="en-US" sz="4000" b="1" spc="170" dirty="0" smtClean="0">
-                <a:solidFill>
-                  <a:srgbClr val="FFFFFF"/>
-                </a:solidFill>
-                <a:latin typeface="Trebuchet MS"/>
-                <a:cs typeface="Trebuchet MS"/>
-              </a:rPr>
-              <a:t> le </a:t>
-            </a:r>
-            <a:r>
-              <a:rPr lang="en-US" sz="4000" b="1" spc="170" dirty="0" err="1" smtClean="0">
-                <a:solidFill>
-                  <a:srgbClr val="FFFFFF"/>
-                </a:solidFill>
-                <a:latin typeface="Trebuchet MS"/>
-                <a:cs typeface="Trebuchet MS"/>
-              </a:rPr>
-              <a:t>besoin</a:t>
-            </a:r>
-            <a:r>
-              <a:rPr lang="en-US" sz="4000" b="1" spc="170" dirty="0" smtClean="0">
-                <a:solidFill>
-                  <a:srgbClr val="FFFFFF"/>
-                </a:solidFill>
-                <a:latin typeface="Trebuchet MS"/>
-                <a:cs typeface="Trebuchet MS"/>
-              </a:rPr>
-              <a:t> urgent </a:t>
-            </a:r>
-            <a:r>
-              <a:rPr lang="en-US" sz="4000" b="1" spc="170" dirty="0" err="1" smtClean="0">
-                <a:solidFill>
-                  <a:srgbClr val="FFFFFF"/>
-                </a:solidFill>
-                <a:latin typeface="Trebuchet MS"/>
-                <a:cs typeface="Trebuchet MS"/>
-              </a:rPr>
-              <a:t>soit</a:t>
-            </a:r>
-            <a:r>
-              <a:rPr lang="en-US" sz="4000" b="1" spc="170" dirty="0" smtClean="0">
-                <a:solidFill>
-                  <a:srgbClr val="FFFFFF"/>
-                </a:solidFill>
-                <a:latin typeface="Trebuchet MS"/>
-                <a:cs typeface="Trebuchet MS"/>
-              </a:rPr>
-              <a:t> </a:t>
-            </a:r>
-            <a:r>
-              <a:rPr lang="en-US" sz="4000" dirty="0" smtClean="0">
-                <a:latin typeface="Trebuchet MS"/>
-                <a:cs typeface="Trebuchet MS"/>
-              </a:rPr>
-              <a:t>22% </a:t>
-            </a:r>
-            <a:r>
-              <a:rPr lang="en-US" sz="4000" dirty="0" smtClean="0">
-                <a:solidFill>
-                  <a:schemeClr val="bg1"/>
-                </a:solidFill>
-                <a:latin typeface="Trebuchet MS"/>
-                <a:cs typeface="Trebuchet MS"/>
-              </a:rPr>
-              <a:t>de la population.</a:t>
-            </a:r>
-            <a:endParaRPr sz="4000" dirty="0">
-              <a:solidFill>
-                <a:schemeClr val="bg1"/>
-              </a:solidFill>
+            <a:endParaRPr sz="1200" dirty="0">
               <a:latin typeface="Trebuchet MS"/>
               <a:cs typeface="Trebuchet MS"/>
             </a:endParaRPr>
@@ -4308,14 +6065,189 @@
       </p:sp>
       <p:sp>
         <p:nvSpPr>
-          <p:cNvPr id="6" name="ZoneTexte 5"/>
+          <p:cNvPr id="3" name="Rectangle 2"/>
+          <p:cNvSpPr/>
+          <p:nvPr/>
+        </p:nvSpPr>
+        <p:spPr>
+          <a:xfrm>
+            <a:off x="2514600" y="3409950"/>
+            <a:ext cx="2514600" cy="1066800"/>
+          </a:xfrm>
+          <a:prstGeom prst="rect">
+            <a:avLst/>
+          </a:prstGeom>
+          <a:solidFill>
+            <a:schemeClr val="bg1"/>
+          </a:solidFill>
+          <a:ln>
+            <a:noFill/>
+          </a:ln>
+        </p:spPr>
+        <p:style>
+          <a:lnRef idx="2">
+            <a:schemeClr val="accent1">
+              <a:shade val="50000"/>
+            </a:schemeClr>
+          </a:lnRef>
+          <a:fillRef idx="1">
+            <a:schemeClr val="accent1"/>
+          </a:fillRef>
+          <a:effectRef idx="0">
+            <a:schemeClr val="accent1"/>
+          </a:effectRef>
+          <a:fontRef idx="minor">
+            <a:schemeClr val="lt1"/>
+          </a:fontRef>
+        </p:style>
+        <p:txBody>
+          <a:bodyPr rtlCol="0" anchor="ctr"/>
+          <a:lstStyle/>
+          <a:p>
+            <a:pPr algn="ctr"/>
+            <a:endParaRPr lang="fr-FR"/>
+          </a:p>
+        </p:txBody>
+      </p:sp>
+      <p:sp>
+        <p:nvSpPr>
+          <p:cNvPr id="5" name="Rectangle 4"/>
+          <p:cNvSpPr/>
+          <p:nvPr/>
+        </p:nvSpPr>
+        <p:spPr>
+          <a:xfrm>
+            <a:off x="-1" y="0"/>
+            <a:ext cx="9144001" cy="514350"/>
+          </a:xfrm>
+          <a:prstGeom prst="rect">
+            <a:avLst/>
+          </a:prstGeom>
+          <a:solidFill>
+            <a:schemeClr val="accent5">
+              <a:lumMod val="50000"/>
+            </a:schemeClr>
+          </a:solidFill>
+          <a:ln>
+            <a:solidFill>
+              <a:schemeClr val="accent6"/>
+            </a:solidFill>
+          </a:ln>
+        </p:spPr>
+        <p:style>
+          <a:lnRef idx="2">
+            <a:schemeClr val="accent1">
+              <a:shade val="50000"/>
+            </a:schemeClr>
+          </a:lnRef>
+          <a:fillRef idx="1">
+            <a:schemeClr val="accent1"/>
+          </a:fillRef>
+          <a:effectRef idx="0">
+            <a:schemeClr val="accent1"/>
+          </a:effectRef>
+          <a:fontRef idx="minor">
+            <a:schemeClr val="lt1"/>
+          </a:fontRef>
+        </p:style>
+        <p:txBody>
+          <a:bodyPr rtlCol="0" anchor="ctr"/>
+          <a:lstStyle/>
+          <a:p>
+            <a:pPr algn="ctr"/>
+            <a:endParaRPr lang="fr-FR"/>
+          </a:p>
+        </p:txBody>
+      </p:sp>
+      <p:sp>
+        <p:nvSpPr>
+          <p:cNvPr id="4" name="Rectangle 3"/>
+          <p:cNvSpPr/>
+          <p:nvPr/>
+        </p:nvSpPr>
+        <p:spPr>
+          <a:xfrm>
+            <a:off x="2705100" y="647291"/>
+            <a:ext cx="4648200" cy="3143659"/>
+          </a:xfrm>
+          <a:prstGeom prst="rect">
+            <a:avLst/>
+          </a:prstGeom>
+          <a:solidFill>
+            <a:schemeClr val="bg1"/>
+          </a:solidFill>
+          <a:ln>
+            <a:noFill/>
+          </a:ln>
+        </p:spPr>
+        <p:style>
+          <a:lnRef idx="2">
+            <a:schemeClr val="accent1">
+              <a:shade val="50000"/>
+            </a:schemeClr>
+          </a:lnRef>
+          <a:fillRef idx="1">
+            <a:schemeClr val="accent1"/>
+          </a:fillRef>
+          <a:effectRef idx="0">
+            <a:schemeClr val="accent1"/>
+          </a:effectRef>
+          <a:fontRef idx="minor">
+            <a:schemeClr val="lt1"/>
+          </a:fontRef>
+        </p:style>
+        <p:txBody>
+          <a:bodyPr rtlCol="0" anchor="ctr"/>
+          <a:lstStyle/>
+          <a:p>
+            <a:pPr algn="ctr"/>
+            <a:endParaRPr lang="fr-FR" dirty="0">
+              <a:solidFill>
+                <a:schemeClr val="tx1"/>
+              </a:solidFill>
+            </a:endParaRPr>
+          </a:p>
+        </p:txBody>
+      </p:sp>
+      <p:sp>
+        <p:nvSpPr>
+          <p:cNvPr id="6" name="Rectangle 5"/>
+          <p:cNvSpPr/>
+          <p:nvPr/>
+        </p:nvSpPr>
+        <p:spPr>
+          <a:xfrm>
+            <a:off x="800675" y="1241480"/>
+            <a:ext cx="1585947" cy="400110"/>
+          </a:xfrm>
+          <a:prstGeom prst="rect">
+            <a:avLst/>
+          </a:prstGeom>
+        </p:spPr>
+        <p:txBody>
+          <a:bodyPr wrap="none">
+            <a:spAutoFit/>
+          </a:bodyPr>
+          <a:lstStyle/>
+          <a:p>
+            <a:r>
+              <a:rPr lang="en-US" sz="2000" dirty="0"/>
+              <a:t>Methodology</a:t>
+            </a:r>
+            <a:endParaRPr lang="fr-FR" sz="2000" dirty="0"/>
+          </a:p>
+        </p:txBody>
+      </p:sp>
+      <p:sp>
+        <p:nvSpPr>
+          <p:cNvPr id="7" name="ZoneTexte 6"/>
           <p:cNvSpPr txBox="1"/>
           <p:nvPr/>
         </p:nvSpPr>
         <p:spPr>
           <a:xfrm>
-            <a:off x="914400" y="311400"/>
-            <a:ext cx="1447800" cy="646331"/>
+            <a:off x="800675" y="2070539"/>
+            <a:ext cx="7505126" cy="1569660"/>
           </a:xfrm>
           <a:prstGeom prst="rect">
             <a:avLst/>
@@ -4328,197 +6260,524 @@
           </a:bodyPr>
           <a:lstStyle/>
           <a:p>
-            <a:r>
-              <a:rPr lang="en-US" sz="3600" dirty="0" smtClean="0">
-                <a:solidFill>
-                  <a:srgbClr val="C00000"/>
-                </a:solidFill>
-              </a:rPr>
-              <a:t>Result</a:t>
-            </a:r>
-            <a:endParaRPr lang="fr-FR" sz="3600" dirty="0">
+            <a:pPr algn="just"/>
+            <a:r>
+              <a:rPr lang="en-US" sz="1600" dirty="0">
+                <a:solidFill>
+                  <a:schemeClr val="tx1">
+                    <a:lumMod val="75000"/>
+                    <a:lumOff val="25000"/>
+                  </a:schemeClr>
+                </a:solidFill>
+              </a:rPr>
+              <a:t> 1 Collect </a:t>
+            </a:r>
+            <a:r>
+              <a:rPr lang="en-US" sz="1600" dirty="0" smtClean="0">
+                <a:solidFill>
+                  <a:schemeClr val="tx1">
+                    <a:lumMod val="75000"/>
+                    <a:lumOff val="25000"/>
+                  </a:schemeClr>
+                </a:solidFill>
+              </a:rPr>
+              <a:t>data (produced </a:t>
+            </a:r>
+            <a:r>
+              <a:rPr lang="en-US" sz="1600" dirty="0">
+                <a:solidFill>
+                  <a:schemeClr val="tx1">
+                    <a:lumMod val="75000"/>
+                    <a:lumOff val="25000"/>
+                  </a:schemeClr>
+                </a:solidFill>
+              </a:rPr>
+              <a:t>by the United Nations for the Coordination of Humanitarian Affairs (OCHA) in collaboration with humanitarian partners in Haiti</a:t>
+            </a:r>
+            <a:r>
+              <a:rPr lang="en-US" sz="1600" dirty="0" smtClean="0">
+                <a:solidFill>
+                  <a:schemeClr val="tx1">
+                    <a:lumMod val="75000"/>
+                    <a:lumOff val="25000"/>
+                  </a:schemeClr>
+                </a:solidFill>
+              </a:rPr>
+              <a:t>.)</a:t>
+            </a:r>
+          </a:p>
+          <a:p>
+            <a:pPr algn="just"/>
+            <a:endParaRPr lang="fr-FR" sz="1600" dirty="0">
               <a:solidFill>
-                <a:srgbClr val="C00000"/>
+                <a:schemeClr val="tx1">
+                  <a:lumMod val="75000"/>
+                  <a:lumOff val="25000"/>
+                </a:schemeClr>
               </a:solidFill>
             </a:endParaRPr>
           </a:p>
-        </p:txBody>
-      </p:sp>
-      <p:sp>
-        <p:nvSpPr>
-          <p:cNvPr id="7" name="Rectangle 6"/>
-          <p:cNvSpPr/>
-          <p:nvPr/>
-        </p:nvSpPr>
-        <p:spPr>
-          <a:xfrm>
-            <a:off x="990600" y="3105150"/>
-            <a:ext cx="7772400" cy="1169551"/>
-          </a:xfrm>
-          <a:prstGeom prst="rect">
-            <a:avLst/>
-          </a:prstGeom>
-        </p:spPr>
-        <p:txBody>
-          <a:bodyPr wrap="square">
-            <a:spAutoFit/>
-          </a:bodyPr>
-          <a:lstStyle/>
-          <a:p>
-            <a:r>
-              <a:rPr lang="fr-FR" b="1" i="0" u="none" strike="noStrike" dirty="0" smtClean="0">
-                <a:solidFill>
-                  <a:srgbClr val="000000"/>
-                </a:solidFill>
-                <a:effectLst/>
-                <a:latin typeface="Calibri" panose="020F0502020204030204" pitchFamily="34" charset="0"/>
-              </a:rPr>
-              <a:t>1,216,774</a:t>
-            </a:r>
-            <a:r>
-              <a:rPr lang="fr-FR" b="1" i="0" u="none" strike="noStrike" dirty="0" smtClean="0">
-                <a:solidFill>
-                  <a:schemeClr val="bg1"/>
-                </a:solidFill>
-                <a:effectLst/>
-                <a:latin typeface="Calibri" panose="020F0502020204030204" pitchFamily="34" charset="0"/>
-              </a:rPr>
-              <a:t>: </a:t>
-            </a:r>
-            <a:r>
-              <a:rPr lang="fr-FR" b="1" i="0" u="none" strike="noStrike" dirty="0" err="1" smtClean="0">
-                <a:solidFill>
-                  <a:schemeClr val="bg1"/>
-                </a:solidFill>
-                <a:effectLst/>
-                <a:latin typeface="Calibri" panose="020F0502020204030204" pitchFamily="34" charset="0"/>
-              </a:rPr>
-              <a:t>Female</a:t>
-            </a:r>
-            <a:r>
-              <a:rPr lang="fr-FR" b="1" i="0" u="none" strike="noStrike" dirty="0" smtClean="0">
-                <a:solidFill>
-                  <a:schemeClr val="bg1"/>
-                </a:solidFill>
-                <a:effectLst/>
-                <a:latin typeface="Calibri" panose="020F0502020204030204" pitchFamily="34" charset="0"/>
-              </a:rPr>
-              <a:t>      </a:t>
-            </a:r>
-            <a:r>
-              <a:rPr lang="fr-FR" b="1" dirty="0" smtClean="0">
-                <a:solidFill>
-                  <a:srgbClr val="000000"/>
-                </a:solidFill>
-                <a:latin typeface="Calibri" panose="020F0502020204030204" pitchFamily="34" charset="0"/>
-              </a:rPr>
-              <a:t>1,183,530:</a:t>
-            </a:r>
-            <a:r>
-              <a:rPr lang="fr-FR" b="1" dirty="0" smtClean="0">
-                <a:solidFill>
-                  <a:schemeClr val="bg1"/>
-                </a:solidFill>
-                <a:latin typeface="Calibri" panose="020F0502020204030204" pitchFamily="34" charset="0"/>
-              </a:rPr>
-              <a:t> Male</a:t>
-            </a:r>
-          </a:p>
-          <a:p>
-            <a:r>
-              <a:rPr lang="fr-FR" b="1" i="0" u="none" strike="noStrike" dirty="0" smtClean="0">
-                <a:solidFill>
-                  <a:schemeClr val="bg1"/>
-                </a:solidFill>
-                <a:effectLst/>
-                <a:latin typeface="Calibri" panose="020F0502020204030204" pitchFamily="34" charset="0"/>
-              </a:rPr>
-              <a:t> </a:t>
-            </a:r>
-          </a:p>
-          <a:p>
-            <a:r>
-              <a:rPr lang="fr-FR" sz="1600" b="1" dirty="0" smtClean="0"/>
-              <a:t>1160937:</a:t>
-            </a:r>
-            <a:r>
-              <a:rPr lang="fr-FR" sz="1600" b="1" dirty="0" smtClean="0">
-                <a:solidFill>
-                  <a:schemeClr val="bg1"/>
-                </a:solidFill>
-              </a:rPr>
-              <a:t>Children </a:t>
-            </a:r>
-            <a:r>
-              <a:rPr lang="fr-FR" sz="1600" b="1" dirty="0">
-                <a:solidFill>
-                  <a:schemeClr val="bg1"/>
-                </a:solidFill>
-              </a:rPr>
-              <a:t>(&lt;18 ans)</a:t>
-            </a:r>
-            <a:r>
-              <a:rPr lang="fr-FR" sz="1600" dirty="0" smtClean="0"/>
-              <a:t>   </a:t>
-            </a:r>
-            <a:r>
-              <a:rPr lang="fr-FR" sz="1600" b="1" dirty="0" smtClean="0"/>
-              <a:t>1100253:</a:t>
-            </a:r>
-            <a:r>
-              <a:rPr lang="fr-FR" sz="1600" b="1" dirty="0">
-                <a:solidFill>
-                  <a:schemeClr val="bg1"/>
-                </a:solidFill>
-              </a:rPr>
-              <a:t>Adults (18-59 ans)</a:t>
-            </a:r>
-            <a:r>
-              <a:rPr lang="fr-FR" sz="1600" dirty="0" smtClean="0">
-                <a:solidFill>
-                  <a:schemeClr val="bg1"/>
-                </a:solidFill>
-              </a:rPr>
-              <a:t>  </a:t>
-            </a:r>
-            <a:r>
-              <a:rPr lang="fr-FR" sz="1600" b="1" dirty="0" smtClean="0"/>
-              <a:t>139115:</a:t>
-            </a:r>
-            <a:r>
-              <a:rPr lang="fr-FR" sz="1600" b="1" dirty="0">
-                <a:solidFill>
-                  <a:schemeClr val="bg1"/>
-                </a:solidFill>
-              </a:rPr>
-              <a:t>Elderly (&gt;59 ans)</a:t>
-            </a:r>
-            <a:r>
-              <a:rPr lang="fr-FR" sz="1600" dirty="0" smtClean="0"/>
-              <a:t>  </a:t>
-            </a:r>
-            <a:endParaRPr lang="fr-FR" sz="1600" b="1" i="0" u="none" strike="noStrike" dirty="0" smtClean="0">
+          <a:p>
+            <a:pPr algn="just"/>
+            <a:r>
+              <a:rPr lang="en-US" sz="1600" dirty="0" smtClean="0">
+                <a:solidFill>
+                  <a:schemeClr val="tx1">
+                    <a:lumMod val="75000"/>
+                    <a:lumOff val="25000"/>
+                  </a:schemeClr>
+                </a:solidFill>
+              </a:rPr>
+              <a:t>2) </a:t>
+            </a:r>
+            <a:r>
+              <a:rPr lang="en-US" sz="1600" dirty="0">
+                <a:solidFill>
+                  <a:schemeClr val="tx1">
+                    <a:lumMod val="75000"/>
+                    <a:lumOff val="25000"/>
+                  </a:schemeClr>
+                </a:solidFill>
+              </a:rPr>
+              <a:t>Cleaning </a:t>
+            </a:r>
+            <a:r>
+              <a:rPr lang="en-US" sz="1600" dirty="0" smtClean="0">
+                <a:solidFill>
+                  <a:schemeClr val="tx1">
+                    <a:lumMod val="75000"/>
+                    <a:lumOff val="25000"/>
+                  </a:schemeClr>
+                </a:solidFill>
+              </a:rPr>
+              <a:t>data: remove </a:t>
+            </a:r>
+            <a:r>
+              <a:rPr lang="en-US" sz="1600" dirty="0">
+                <a:solidFill>
+                  <a:schemeClr val="tx1">
+                    <a:lumMod val="75000"/>
+                    <a:lumOff val="25000"/>
+                  </a:schemeClr>
+                </a:solidFill>
+              </a:rPr>
+              <a:t>and replace null values and the wrong </a:t>
+            </a:r>
+            <a:r>
+              <a:rPr lang="en-US" sz="1600" dirty="0" smtClean="0">
+                <a:solidFill>
+                  <a:schemeClr val="tx1">
+                    <a:lumMod val="75000"/>
+                    <a:lumOff val="25000"/>
+                  </a:schemeClr>
+                </a:solidFill>
+              </a:rPr>
+              <a:t>values.</a:t>
+            </a:r>
+          </a:p>
+          <a:p>
+            <a:pPr algn="just"/>
+            <a:endParaRPr lang="en-US" sz="1600" dirty="0" smtClean="0">
               <a:solidFill>
-                <a:srgbClr val="000000"/>
+                <a:schemeClr val="tx1">
+                  <a:lumMod val="75000"/>
+                  <a:lumOff val="25000"/>
+                </a:schemeClr>
               </a:solidFill>
-              <a:effectLst/>
-              <a:latin typeface="Calibri" panose="020F0502020204030204" pitchFamily="34" charset="0"/>
             </a:endParaRPr>
           </a:p>
           <a:p>
-            <a:r>
-              <a:rPr lang="fr-FR" dirty="0" smtClean="0"/>
-              <a:t> </a:t>
-            </a:r>
-            <a:endParaRPr lang="fr-FR" dirty="0"/>
+            <a:pPr algn="just"/>
+            <a:r>
+              <a:rPr lang="en-US" sz="1600" dirty="0" smtClean="0">
+                <a:solidFill>
+                  <a:schemeClr val="tx1">
+                    <a:lumMod val="75000"/>
+                    <a:lumOff val="25000"/>
+                  </a:schemeClr>
+                </a:solidFill>
+              </a:rPr>
+              <a:t>3) </a:t>
+            </a:r>
+            <a:r>
+              <a:rPr lang="en-US" sz="1600" dirty="0">
+                <a:solidFill>
+                  <a:schemeClr val="tx1">
+                    <a:lumMod val="75000"/>
+                    <a:lumOff val="25000"/>
+                  </a:schemeClr>
+                </a:solidFill>
+              </a:rPr>
+              <a:t>Machine Learning (</a:t>
+            </a:r>
+            <a:r>
+              <a:rPr lang="en-US" sz="1600" dirty="0" err="1">
+                <a:solidFill>
+                  <a:schemeClr val="tx1">
+                    <a:lumMod val="75000"/>
+                    <a:lumOff val="25000"/>
+                  </a:schemeClr>
+                </a:solidFill>
+              </a:rPr>
+              <a:t>K_means</a:t>
+            </a:r>
+            <a:r>
+              <a:rPr lang="en-US" sz="1600" dirty="0">
+                <a:solidFill>
+                  <a:schemeClr val="tx1">
+                    <a:lumMod val="75000"/>
+                    <a:lumOff val="25000"/>
+                  </a:schemeClr>
+                </a:solidFill>
+              </a:rPr>
+              <a:t> Clustering)</a:t>
+            </a:r>
+            <a:endParaRPr lang="fr-FR" sz="1600" dirty="0">
+              <a:solidFill>
+                <a:schemeClr val="tx1">
+                  <a:lumMod val="75000"/>
+                  <a:lumOff val="25000"/>
+                </a:schemeClr>
+              </a:solidFill>
+            </a:endParaRPr>
           </a:p>
         </p:txBody>
       </p:sp>
     </p:spTree>
+    <p:extLst>
+      <p:ext uri="{BB962C8B-B14F-4D97-AF65-F5344CB8AC3E}">
+        <p14:creationId xmlns:p14="http://schemas.microsoft.com/office/powerpoint/2010/main" val="1987087061"/>
+      </p:ext>
+    </p:extLst>
   </p:cSld>
   <p:clrMapOvr>
     <a:masterClrMapping/>
   </p:clrMapOvr>
+  <p:timing>
+    <p:tnLst>
+      <p:par>
+        <p:cTn id="1" dur="indefinite" restart="never" nodeType="tmRoot"/>
+      </p:par>
+    </p:tnLst>
+  </p:timing>
+</p:sld>
+</file>
+
+<file path=ppt/slides/slide9.xml><?xml version="1.0" encoding="utf-8"?>
+<p:sld xmlns:a="http://schemas.openxmlformats.org/drawingml/2006/main" xmlns:r="http://schemas.openxmlformats.org/officeDocument/2006/relationships" xmlns:p="http://schemas.openxmlformats.org/presentationml/2006/main">
+  <p:cSld>
+    <p:spTree>
+      <p:nvGrpSpPr>
+        <p:cNvPr id="1" name=""/>
+        <p:cNvGrpSpPr/>
+        <p:nvPr/>
+      </p:nvGrpSpPr>
+      <p:grpSpPr>
+        <a:xfrm>
+          <a:off x="0" y="0"/>
+          <a:ext cx="0" cy="0"/>
+          <a:chOff x="0" y="0"/>
+          <a:chExt cx="0" cy="0"/>
+        </a:xfrm>
+      </p:grpSpPr>
+      <p:sp>
+        <p:nvSpPr>
+          <p:cNvPr id="2" name="object 2"/>
+          <p:cNvSpPr txBox="1">
+            <a:spLocks noGrp="1"/>
+          </p:cNvSpPr>
+          <p:nvPr>
+            <p:ph type="title"/>
+          </p:nvPr>
+        </p:nvSpPr>
+        <p:spPr>
+          <a:xfrm>
+            <a:off x="800675" y="647291"/>
+            <a:ext cx="3582035" cy="421640"/>
+          </a:xfrm>
+          <a:prstGeom prst="rect">
+            <a:avLst/>
+          </a:prstGeom>
+        </p:spPr>
+        <p:txBody>
+          <a:bodyPr vert="horz" wrap="square" lIns="0" tIns="12700" rIns="0" bIns="0" rtlCol="0">
+            <a:spAutoFit/>
+          </a:bodyPr>
+          <a:lstStyle/>
+          <a:p>
+            <a:pPr marL="12700">
+              <a:lnSpc>
+                <a:spcPct val="100000"/>
+              </a:lnSpc>
+              <a:spcBef>
+                <a:spcPts val="100"/>
+              </a:spcBef>
+            </a:pPr>
+            <a:r>
+              <a:rPr sz="2600" b="1" spc="-190" dirty="0" smtClean="0">
+                <a:solidFill>
+                  <a:srgbClr val="1A1A1A"/>
+                </a:solidFill>
+                <a:latin typeface="Trebuchet MS"/>
+                <a:cs typeface="Trebuchet MS"/>
+              </a:rPr>
+              <a:t> </a:t>
+            </a:r>
+            <a:endParaRPr sz="1200" dirty="0">
+              <a:latin typeface="Trebuchet MS"/>
+              <a:cs typeface="Trebuchet MS"/>
+            </a:endParaRPr>
+          </a:p>
+        </p:txBody>
+      </p:sp>
+      <p:sp>
+        <p:nvSpPr>
+          <p:cNvPr id="3" name="Rectangle 2"/>
+          <p:cNvSpPr/>
+          <p:nvPr/>
+        </p:nvSpPr>
+        <p:spPr>
+          <a:xfrm>
+            <a:off x="2514600" y="3409950"/>
+            <a:ext cx="2514600" cy="1066800"/>
+          </a:xfrm>
+          <a:prstGeom prst="rect">
+            <a:avLst/>
+          </a:prstGeom>
+          <a:solidFill>
+            <a:schemeClr val="bg1"/>
+          </a:solidFill>
+          <a:ln>
+            <a:noFill/>
+          </a:ln>
+        </p:spPr>
+        <p:style>
+          <a:lnRef idx="2">
+            <a:schemeClr val="accent1">
+              <a:shade val="50000"/>
+            </a:schemeClr>
+          </a:lnRef>
+          <a:fillRef idx="1">
+            <a:schemeClr val="accent1"/>
+          </a:fillRef>
+          <a:effectRef idx="0">
+            <a:schemeClr val="accent1"/>
+          </a:effectRef>
+          <a:fontRef idx="minor">
+            <a:schemeClr val="lt1"/>
+          </a:fontRef>
+        </p:style>
+        <p:txBody>
+          <a:bodyPr rtlCol="0" anchor="ctr"/>
+          <a:lstStyle/>
+          <a:p>
+            <a:pPr algn="ctr"/>
+            <a:endParaRPr lang="fr-FR"/>
+          </a:p>
+        </p:txBody>
+      </p:sp>
+      <p:sp>
+        <p:nvSpPr>
+          <p:cNvPr id="5" name="Rectangle 4"/>
+          <p:cNvSpPr/>
+          <p:nvPr/>
+        </p:nvSpPr>
+        <p:spPr>
+          <a:xfrm>
+            <a:off x="-1" y="0"/>
+            <a:ext cx="9144001" cy="514350"/>
+          </a:xfrm>
+          <a:prstGeom prst="rect">
+            <a:avLst/>
+          </a:prstGeom>
+          <a:solidFill>
+            <a:schemeClr val="accent5">
+              <a:lumMod val="50000"/>
+            </a:schemeClr>
+          </a:solidFill>
+          <a:ln>
+            <a:solidFill>
+              <a:schemeClr val="accent6"/>
+            </a:solidFill>
+          </a:ln>
+        </p:spPr>
+        <p:style>
+          <a:lnRef idx="2">
+            <a:schemeClr val="accent1">
+              <a:shade val="50000"/>
+            </a:schemeClr>
+          </a:lnRef>
+          <a:fillRef idx="1">
+            <a:schemeClr val="accent1"/>
+          </a:fillRef>
+          <a:effectRef idx="0">
+            <a:schemeClr val="accent1"/>
+          </a:effectRef>
+          <a:fontRef idx="minor">
+            <a:schemeClr val="lt1"/>
+          </a:fontRef>
+        </p:style>
+        <p:txBody>
+          <a:bodyPr rtlCol="0" anchor="ctr"/>
+          <a:lstStyle/>
+          <a:p>
+            <a:pPr algn="ctr"/>
+            <a:endParaRPr lang="fr-FR"/>
+          </a:p>
+        </p:txBody>
+      </p:sp>
+      <p:sp>
+        <p:nvSpPr>
+          <p:cNvPr id="4" name="Rectangle 3"/>
+          <p:cNvSpPr/>
+          <p:nvPr/>
+        </p:nvSpPr>
+        <p:spPr>
+          <a:xfrm>
+            <a:off x="2705100" y="501293"/>
+            <a:ext cx="4648200" cy="3143659"/>
+          </a:xfrm>
+          <a:prstGeom prst="rect">
+            <a:avLst/>
+          </a:prstGeom>
+          <a:solidFill>
+            <a:schemeClr val="bg1"/>
+          </a:solidFill>
+          <a:ln>
+            <a:noFill/>
+          </a:ln>
+        </p:spPr>
+        <p:style>
+          <a:lnRef idx="2">
+            <a:schemeClr val="accent1">
+              <a:shade val="50000"/>
+            </a:schemeClr>
+          </a:lnRef>
+          <a:fillRef idx="1">
+            <a:schemeClr val="accent1"/>
+          </a:fillRef>
+          <a:effectRef idx="0">
+            <a:schemeClr val="accent1"/>
+          </a:effectRef>
+          <a:fontRef idx="minor">
+            <a:schemeClr val="lt1"/>
+          </a:fontRef>
+        </p:style>
+        <p:txBody>
+          <a:bodyPr rtlCol="0" anchor="ctr"/>
+          <a:lstStyle/>
+          <a:p>
+            <a:pPr algn="ctr"/>
+            <a:endParaRPr lang="fr-FR"/>
+          </a:p>
+        </p:txBody>
+      </p:sp>
+      <p:sp>
+        <p:nvSpPr>
+          <p:cNvPr id="6" name="Rectangle 5"/>
+          <p:cNvSpPr/>
+          <p:nvPr/>
+        </p:nvSpPr>
+        <p:spPr>
+          <a:xfrm>
+            <a:off x="762000" y="1201872"/>
+            <a:ext cx="846129" cy="400110"/>
+          </a:xfrm>
+          <a:prstGeom prst="rect">
+            <a:avLst/>
+          </a:prstGeom>
+        </p:spPr>
+        <p:txBody>
+          <a:bodyPr wrap="none">
+            <a:spAutoFit/>
+          </a:bodyPr>
+          <a:lstStyle/>
+          <a:p>
+            <a:r>
+              <a:rPr lang="en-US" sz="2000" b="1" dirty="0" smtClean="0"/>
+              <a:t>Result</a:t>
+            </a:r>
+            <a:endParaRPr lang="fr-FR" sz="2000" b="1" dirty="0"/>
+          </a:p>
+        </p:txBody>
+      </p:sp>
+      <p:pic>
+        <p:nvPicPr>
+          <p:cNvPr id="7" name="Image 6"/>
+          <p:cNvPicPr>
+            <a:picLocks noChangeAspect="1"/>
+          </p:cNvPicPr>
+          <p:nvPr/>
+        </p:nvPicPr>
+        <p:blipFill>
+          <a:blip r:embed="rId2">
+            <a:extLst>
+              <a:ext uri="{28A0092B-C50C-407E-A947-70E740481C1C}">
+                <a14:useLocalDpi xmlns:a14="http://schemas.microsoft.com/office/drawing/2010/main" val="0"/>
+              </a:ext>
+            </a:extLst>
+          </a:blip>
+          <a:stretch>
+            <a:fillRect/>
+          </a:stretch>
+        </p:blipFill>
+        <p:spPr>
+          <a:xfrm>
+            <a:off x="4289889" y="1879276"/>
+            <a:ext cx="4700135" cy="3061347"/>
+          </a:xfrm>
+          <a:prstGeom prst="rect">
+            <a:avLst/>
+          </a:prstGeom>
+        </p:spPr>
+      </p:pic>
+      <p:sp>
+        <p:nvSpPr>
+          <p:cNvPr id="8" name="ZoneTexte 7"/>
+          <p:cNvSpPr txBox="1"/>
+          <p:nvPr/>
+        </p:nvSpPr>
+        <p:spPr>
+          <a:xfrm>
+            <a:off x="5783033" y="1170845"/>
+            <a:ext cx="2400300" cy="369332"/>
+          </a:xfrm>
+          <a:prstGeom prst="rect">
+            <a:avLst/>
+          </a:prstGeom>
+          <a:noFill/>
+        </p:spPr>
+        <p:txBody>
+          <a:bodyPr wrap="square" rtlCol="0">
+            <a:spAutoFit/>
+          </a:bodyPr>
+          <a:lstStyle/>
+          <a:p>
+            <a:r>
+              <a:rPr lang="en-US" dirty="0" smtClean="0"/>
+              <a:t>West Department</a:t>
+            </a:r>
+            <a:endParaRPr lang="fr-FR" dirty="0"/>
+          </a:p>
+        </p:txBody>
+      </p:sp>
+    </p:spTree>
+    <p:extLst>
+      <p:ext uri="{BB962C8B-B14F-4D97-AF65-F5344CB8AC3E}">
+        <p14:creationId xmlns:p14="http://schemas.microsoft.com/office/powerpoint/2010/main" val="2743675979"/>
+      </p:ext>
+    </p:extLst>
+  </p:cSld>
+  <p:clrMapOvr>
+    <a:masterClrMapping/>
+  </p:clrMapOvr>
+  <p:timing>
+    <p:tnLst>
+      <p:par>
+        <p:cTn id="1" dur="indefinite" restart="never" nodeType="tmRoot"/>
+      </p:par>
+    </p:tnLst>
+  </p:timing>
 </p:sld>
 </file>
 

--- a/présentationCapstone.pptx
+++ b/présentationCapstone.pptx
@@ -4,6 +4,9 @@
   <p:sldMasterIdLst>
     <p:sldMasterId id="2147483648" r:id="rId1"/>
   </p:sldMasterIdLst>
+  <p:notesMasterIdLst>
+    <p:notesMasterId r:id="rId20"/>
+  </p:notesMasterIdLst>
   <p:sldIdLst>
     <p:sldId id="256" r:id="rId2"/>
     <p:sldId id="258" r:id="rId3"/>
@@ -13,10 +16,16 @@
     <p:sldId id="263" r:id="rId7"/>
     <p:sldId id="270" r:id="rId8"/>
     <p:sldId id="266" r:id="rId9"/>
-    <p:sldId id="271" r:id="rId10"/>
-    <p:sldId id="265" r:id="rId11"/>
-    <p:sldId id="268" r:id="rId12"/>
-    <p:sldId id="269" r:id="rId13"/>
+    <p:sldId id="272" r:id="rId10"/>
+    <p:sldId id="271" r:id="rId11"/>
+    <p:sldId id="273" r:id="rId12"/>
+    <p:sldId id="275" r:id="rId13"/>
+    <p:sldId id="274" r:id="rId14"/>
+    <p:sldId id="277" r:id="rId15"/>
+    <p:sldId id="276" r:id="rId16"/>
+    <p:sldId id="265" r:id="rId17"/>
+    <p:sldId id="268" r:id="rId18"/>
+    <p:sldId id="269" r:id="rId19"/>
   </p:sldIdLst>
   <p:sldSz cx="9144000" cy="5143500" type="screen16x9"/>
   <p:notesSz cx="9144000" cy="5143500"/>
@@ -134,6 +143,776 @@
 </p:presentation>
 </file>
 
+<file path=ppt/notesMasters/notesMaster1.xml><?xml version="1.0" encoding="utf-8"?>
+<p:notesMaster xmlns:a="http://schemas.openxmlformats.org/drawingml/2006/main" xmlns:r="http://schemas.openxmlformats.org/officeDocument/2006/relationships" xmlns:p="http://schemas.openxmlformats.org/presentationml/2006/main">
+  <p:cSld>
+    <p:bg>
+      <p:bgRef idx="1001">
+        <a:schemeClr val="bg1"/>
+      </p:bgRef>
+    </p:bg>
+    <p:spTree>
+      <p:nvGrpSpPr>
+        <p:cNvPr id="1" name=""/>
+        <p:cNvGrpSpPr/>
+        <p:nvPr/>
+      </p:nvGrpSpPr>
+      <p:grpSpPr>
+        <a:xfrm>
+          <a:off x="0" y="0"/>
+          <a:ext cx="0" cy="0"/>
+          <a:chOff x="0" y="0"/>
+          <a:chExt cx="0" cy="0"/>
+        </a:xfrm>
+      </p:grpSpPr>
+      <p:sp>
+        <p:nvSpPr>
+          <p:cNvPr id="2" name="Header Placeholder 1"/>
+          <p:cNvSpPr>
+            <a:spLocks noGrp="1"/>
+          </p:cNvSpPr>
+          <p:nvPr>
+            <p:ph type="hdr" sz="quarter"/>
+          </p:nvPr>
+        </p:nvSpPr>
+        <p:spPr>
+          <a:xfrm>
+            <a:off x="0" y="0"/>
+            <a:ext cx="3962400" cy="257175"/>
+          </a:xfrm>
+          <a:prstGeom prst="rect">
+            <a:avLst/>
+          </a:prstGeom>
+        </p:spPr>
+        <p:txBody>
+          <a:bodyPr vert="horz" lIns="91440" tIns="45720" rIns="91440" bIns="45720" rtlCol="0"/>
+          <a:lstStyle>
+            <a:lvl1pPr algn="l">
+              <a:defRPr sz="1200"/>
+            </a:lvl1pPr>
+          </a:lstStyle>
+          <a:p>
+            <a:endParaRPr lang="en-US"/>
+          </a:p>
+        </p:txBody>
+      </p:sp>
+      <p:sp>
+        <p:nvSpPr>
+          <p:cNvPr id="3" name="Date Placeholder 2"/>
+          <p:cNvSpPr>
+            <a:spLocks noGrp="1"/>
+          </p:cNvSpPr>
+          <p:nvPr>
+            <p:ph type="dt" idx="1"/>
+          </p:nvPr>
+        </p:nvSpPr>
+        <p:spPr>
+          <a:xfrm>
+            <a:off x="5180013" y="0"/>
+            <a:ext cx="3962400" cy="257175"/>
+          </a:xfrm>
+          <a:prstGeom prst="rect">
+            <a:avLst/>
+          </a:prstGeom>
+        </p:spPr>
+        <p:txBody>
+          <a:bodyPr vert="horz" lIns="91440" tIns="45720" rIns="91440" bIns="45720" rtlCol="0"/>
+          <a:lstStyle>
+            <a:lvl1pPr algn="r">
+              <a:defRPr sz="1200"/>
+            </a:lvl1pPr>
+          </a:lstStyle>
+          <a:p>
+            <a:fld id="{123F0729-8B59-4FB5-88D5-BD6BFD9EAEF1}" type="datetimeFigureOut">
+              <a:rPr lang="en-US" smtClean="0"/>
+              <a:t>10/13/2021</a:t>
+            </a:fld>
+            <a:endParaRPr lang="en-US"/>
+          </a:p>
+        </p:txBody>
+      </p:sp>
+      <p:sp>
+        <p:nvSpPr>
+          <p:cNvPr id="4" name="Slide Image Placeholder 3"/>
+          <p:cNvSpPr>
+            <a:spLocks noGrp="1" noRot="1" noChangeAspect="1"/>
+          </p:cNvSpPr>
+          <p:nvPr>
+            <p:ph type="sldImg" idx="2"/>
+          </p:nvPr>
+        </p:nvSpPr>
+        <p:spPr>
+          <a:xfrm>
+            <a:off x="3028950" y="642938"/>
+            <a:ext cx="3086100" cy="1736725"/>
+          </a:xfrm>
+          <a:prstGeom prst="rect">
+            <a:avLst/>
+          </a:prstGeom>
+          <a:noFill/>
+          <a:ln w="12700">
+            <a:solidFill>
+              <a:prstClr val="black"/>
+            </a:solidFill>
+          </a:ln>
+        </p:spPr>
+        <p:txBody>
+          <a:bodyPr vert="horz" lIns="91440" tIns="45720" rIns="91440" bIns="45720" rtlCol="0" anchor="ctr"/>
+          <a:lstStyle/>
+          <a:p>
+            <a:endParaRPr lang="en-US"/>
+          </a:p>
+        </p:txBody>
+      </p:sp>
+      <p:sp>
+        <p:nvSpPr>
+          <p:cNvPr id="5" name="Notes Placeholder 4"/>
+          <p:cNvSpPr>
+            <a:spLocks noGrp="1"/>
+          </p:cNvSpPr>
+          <p:nvPr>
+            <p:ph type="body" sz="quarter" idx="3"/>
+          </p:nvPr>
+        </p:nvSpPr>
+        <p:spPr>
+          <a:xfrm>
+            <a:off x="914400" y="2474913"/>
+            <a:ext cx="7315200" cy="2025650"/>
+          </a:xfrm>
+          <a:prstGeom prst="rect">
+            <a:avLst/>
+          </a:prstGeom>
+        </p:spPr>
+        <p:txBody>
+          <a:bodyPr vert="horz" lIns="91440" tIns="45720" rIns="91440" bIns="45720" rtlCol="0"/>
+          <a:lstStyle/>
+          <a:p>
+            <a:pPr lvl="0"/>
+            <a:r>
+              <a:rPr lang="en-US" smtClean="0"/>
+              <a:t>Edit Master text styles</a:t>
+            </a:r>
+          </a:p>
+          <a:p>
+            <a:pPr lvl="1"/>
+            <a:r>
+              <a:rPr lang="en-US" smtClean="0"/>
+              <a:t>Second level</a:t>
+            </a:r>
+          </a:p>
+          <a:p>
+            <a:pPr lvl="2"/>
+            <a:r>
+              <a:rPr lang="en-US" smtClean="0"/>
+              <a:t>Third level</a:t>
+            </a:r>
+          </a:p>
+          <a:p>
+            <a:pPr lvl="3"/>
+            <a:r>
+              <a:rPr lang="en-US" smtClean="0"/>
+              <a:t>Fourth level</a:t>
+            </a:r>
+          </a:p>
+          <a:p>
+            <a:pPr lvl="4"/>
+            <a:r>
+              <a:rPr lang="en-US" smtClean="0"/>
+              <a:t>Fifth level</a:t>
+            </a:r>
+            <a:endParaRPr lang="en-US"/>
+          </a:p>
+        </p:txBody>
+      </p:sp>
+      <p:sp>
+        <p:nvSpPr>
+          <p:cNvPr id="6" name="Footer Placeholder 5"/>
+          <p:cNvSpPr>
+            <a:spLocks noGrp="1"/>
+          </p:cNvSpPr>
+          <p:nvPr>
+            <p:ph type="ftr" sz="quarter" idx="4"/>
+          </p:nvPr>
+        </p:nvSpPr>
+        <p:spPr>
+          <a:xfrm>
+            <a:off x="0" y="4886325"/>
+            <a:ext cx="3962400" cy="257175"/>
+          </a:xfrm>
+          <a:prstGeom prst="rect">
+            <a:avLst/>
+          </a:prstGeom>
+        </p:spPr>
+        <p:txBody>
+          <a:bodyPr vert="horz" lIns="91440" tIns="45720" rIns="91440" bIns="45720" rtlCol="0" anchor="b"/>
+          <a:lstStyle>
+            <a:lvl1pPr algn="l">
+              <a:defRPr sz="1200"/>
+            </a:lvl1pPr>
+          </a:lstStyle>
+          <a:p>
+            <a:endParaRPr lang="en-US"/>
+          </a:p>
+        </p:txBody>
+      </p:sp>
+      <p:sp>
+        <p:nvSpPr>
+          <p:cNvPr id="7" name="Slide Number Placeholder 6"/>
+          <p:cNvSpPr>
+            <a:spLocks noGrp="1"/>
+          </p:cNvSpPr>
+          <p:nvPr>
+            <p:ph type="sldNum" sz="quarter" idx="5"/>
+          </p:nvPr>
+        </p:nvSpPr>
+        <p:spPr>
+          <a:xfrm>
+            <a:off x="5180013" y="4886325"/>
+            <a:ext cx="3962400" cy="257175"/>
+          </a:xfrm>
+          <a:prstGeom prst="rect">
+            <a:avLst/>
+          </a:prstGeom>
+        </p:spPr>
+        <p:txBody>
+          <a:bodyPr vert="horz" lIns="91440" tIns="45720" rIns="91440" bIns="45720" rtlCol="0" anchor="b"/>
+          <a:lstStyle>
+            <a:lvl1pPr algn="r">
+              <a:defRPr sz="1200"/>
+            </a:lvl1pPr>
+          </a:lstStyle>
+          <a:p>
+            <a:fld id="{0C6771D0-7883-414C-B6C7-96D192889166}" type="slidenum">
+              <a:rPr lang="en-US" smtClean="0"/>
+              <a:t>‹N°›</a:t>
+            </a:fld>
+            <a:endParaRPr lang="en-US"/>
+          </a:p>
+        </p:txBody>
+      </p:sp>
+    </p:spTree>
+    <p:extLst>
+      <p:ext uri="{BB962C8B-B14F-4D97-AF65-F5344CB8AC3E}">
+        <p14:creationId xmlns:p14="http://schemas.microsoft.com/office/powerpoint/2010/main" val="972686486"/>
+      </p:ext>
+    </p:extLst>
+  </p:cSld>
+  <p:clrMap bg1="lt1" tx1="dk1" bg2="lt2" tx2="dk2" accent1="accent1" accent2="accent2" accent3="accent3" accent4="accent4" accent5="accent5" accent6="accent6" hlink="hlink" folHlink="folHlink"/>
+  <p:notesStyle>
+    <a:lvl1pPr marL="0" algn="l" defTabSz="914400" rtl="0" eaLnBrk="1" latinLnBrk="0" hangingPunct="1">
+      <a:defRPr sz="1200" kern="1200">
+        <a:solidFill>
+          <a:schemeClr val="tx1"/>
+        </a:solidFill>
+        <a:latin typeface="+mn-lt"/>
+        <a:ea typeface="+mn-ea"/>
+        <a:cs typeface="+mn-cs"/>
+      </a:defRPr>
+    </a:lvl1pPr>
+    <a:lvl2pPr marL="457200" algn="l" defTabSz="914400" rtl="0" eaLnBrk="1" latinLnBrk="0" hangingPunct="1">
+      <a:defRPr sz="1200" kern="1200">
+        <a:solidFill>
+          <a:schemeClr val="tx1"/>
+        </a:solidFill>
+        <a:latin typeface="+mn-lt"/>
+        <a:ea typeface="+mn-ea"/>
+        <a:cs typeface="+mn-cs"/>
+      </a:defRPr>
+    </a:lvl2pPr>
+    <a:lvl3pPr marL="914400" algn="l" defTabSz="914400" rtl="0" eaLnBrk="1" latinLnBrk="0" hangingPunct="1">
+      <a:defRPr sz="1200" kern="1200">
+        <a:solidFill>
+          <a:schemeClr val="tx1"/>
+        </a:solidFill>
+        <a:latin typeface="+mn-lt"/>
+        <a:ea typeface="+mn-ea"/>
+        <a:cs typeface="+mn-cs"/>
+      </a:defRPr>
+    </a:lvl3pPr>
+    <a:lvl4pPr marL="1371600" algn="l" defTabSz="914400" rtl="0" eaLnBrk="1" latinLnBrk="0" hangingPunct="1">
+      <a:defRPr sz="1200" kern="1200">
+        <a:solidFill>
+          <a:schemeClr val="tx1"/>
+        </a:solidFill>
+        <a:latin typeface="+mn-lt"/>
+        <a:ea typeface="+mn-ea"/>
+        <a:cs typeface="+mn-cs"/>
+      </a:defRPr>
+    </a:lvl4pPr>
+    <a:lvl5pPr marL="1828800" algn="l" defTabSz="914400" rtl="0" eaLnBrk="1" latinLnBrk="0" hangingPunct="1">
+      <a:defRPr sz="1200" kern="1200">
+        <a:solidFill>
+          <a:schemeClr val="tx1"/>
+        </a:solidFill>
+        <a:latin typeface="+mn-lt"/>
+        <a:ea typeface="+mn-ea"/>
+        <a:cs typeface="+mn-cs"/>
+      </a:defRPr>
+    </a:lvl5pPr>
+    <a:lvl6pPr marL="2286000" algn="l" defTabSz="914400" rtl="0" eaLnBrk="1" latinLnBrk="0" hangingPunct="1">
+      <a:defRPr sz="1200" kern="1200">
+        <a:solidFill>
+          <a:schemeClr val="tx1"/>
+        </a:solidFill>
+        <a:latin typeface="+mn-lt"/>
+        <a:ea typeface="+mn-ea"/>
+        <a:cs typeface="+mn-cs"/>
+      </a:defRPr>
+    </a:lvl6pPr>
+    <a:lvl7pPr marL="2743200" algn="l" defTabSz="914400" rtl="0" eaLnBrk="1" latinLnBrk="0" hangingPunct="1">
+      <a:defRPr sz="1200" kern="1200">
+        <a:solidFill>
+          <a:schemeClr val="tx1"/>
+        </a:solidFill>
+        <a:latin typeface="+mn-lt"/>
+        <a:ea typeface="+mn-ea"/>
+        <a:cs typeface="+mn-cs"/>
+      </a:defRPr>
+    </a:lvl7pPr>
+    <a:lvl8pPr marL="3200400" algn="l" defTabSz="914400" rtl="0" eaLnBrk="1" latinLnBrk="0" hangingPunct="1">
+      <a:defRPr sz="1200" kern="1200">
+        <a:solidFill>
+          <a:schemeClr val="tx1"/>
+        </a:solidFill>
+        <a:latin typeface="+mn-lt"/>
+        <a:ea typeface="+mn-ea"/>
+        <a:cs typeface="+mn-cs"/>
+      </a:defRPr>
+    </a:lvl8pPr>
+    <a:lvl9pPr marL="3657600" algn="l" defTabSz="914400" rtl="0" eaLnBrk="1" latinLnBrk="0" hangingPunct="1">
+      <a:defRPr sz="1200" kern="1200">
+        <a:solidFill>
+          <a:schemeClr val="tx1"/>
+        </a:solidFill>
+        <a:latin typeface="+mn-lt"/>
+        <a:ea typeface="+mn-ea"/>
+        <a:cs typeface="+mn-cs"/>
+      </a:defRPr>
+    </a:lvl9pPr>
+  </p:notesStyle>
+</p:notesMaster>
+</file>
+
+<file path=ppt/notesSlides/notesSlide1.xml><?xml version="1.0" encoding="utf-8"?>
+<p:notes xmlns:a="http://schemas.openxmlformats.org/drawingml/2006/main" xmlns:r="http://schemas.openxmlformats.org/officeDocument/2006/relationships" xmlns:p="http://schemas.openxmlformats.org/presentationml/2006/main">
+  <p:cSld>
+    <p:spTree>
+      <p:nvGrpSpPr>
+        <p:cNvPr id="1" name=""/>
+        <p:cNvGrpSpPr/>
+        <p:nvPr/>
+      </p:nvGrpSpPr>
+      <p:grpSpPr>
+        <a:xfrm>
+          <a:off x="0" y="0"/>
+          <a:ext cx="0" cy="0"/>
+          <a:chOff x="0" y="0"/>
+          <a:chExt cx="0" cy="0"/>
+        </a:xfrm>
+      </p:grpSpPr>
+      <p:sp>
+        <p:nvSpPr>
+          <p:cNvPr id="2" name="Slide Image Placeholder 1"/>
+          <p:cNvSpPr>
+            <a:spLocks noGrp="1" noRot="1" noChangeAspect="1"/>
+          </p:cNvSpPr>
+          <p:nvPr>
+            <p:ph type="sldImg"/>
+          </p:nvPr>
+        </p:nvSpPr>
+        <p:spPr/>
+      </p:sp>
+      <p:sp>
+        <p:nvSpPr>
+          <p:cNvPr id="3" name="Notes Placeholder 2"/>
+          <p:cNvSpPr>
+            <a:spLocks noGrp="1"/>
+          </p:cNvSpPr>
+          <p:nvPr>
+            <p:ph type="body" idx="1"/>
+          </p:nvPr>
+        </p:nvSpPr>
+        <p:spPr/>
+        <p:txBody>
+          <a:bodyPr/>
+          <a:lstStyle/>
+          <a:p>
+            <a:endParaRPr lang="en-US" dirty="0"/>
+          </a:p>
+        </p:txBody>
+      </p:sp>
+      <p:sp>
+        <p:nvSpPr>
+          <p:cNvPr id="4" name="Slide Number Placeholder 3"/>
+          <p:cNvSpPr>
+            <a:spLocks noGrp="1"/>
+          </p:cNvSpPr>
+          <p:nvPr>
+            <p:ph type="sldNum" sz="quarter" idx="10"/>
+          </p:nvPr>
+        </p:nvSpPr>
+        <p:spPr/>
+        <p:txBody>
+          <a:bodyPr/>
+          <a:lstStyle/>
+          <a:p>
+            <a:fld id="{0C6771D0-7883-414C-B6C7-96D192889166}" type="slidenum">
+              <a:rPr lang="en-US" smtClean="0"/>
+              <a:t>9</a:t>
+            </a:fld>
+            <a:endParaRPr lang="en-US"/>
+          </a:p>
+        </p:txBody>
+      </p:sp>
+    </p:spTree>
+    <p:extLst>
+      <p:ext uri="{BB962C8B-B14F-4D97-AF65-F5344CB8AC3E}">
+        <p14:creationId xmlns:p14="http://schemas.microsoft.com/office/powerpoint/2010/main" val="1732507920"/>
+      </p:ext>
+    </p:extLst>
+  </p:cSld>
+  <p:clrMapOvr>
+    <a:masterClrMapping/>
+  </p:clrMapOvr>
+</p:notes>
+</file>
+
+<file path=ppt/notesSlides/notesSlide2.xml><?xml version="1.0" encoding="utf-8"?>
+<p:notes xmlns:a="http://schemas.openxmlformats.org/drawingml/2006/main" xmlns:r="http://schemas.openxmlformats.org/officeDocument/2006/relationships" xmlns:p="http://schemas.openxmlformats.org/presentationml/2006/main">
+  <p:cSld>
+    <p:spTree>
+      <p:nvGrpSpPr>
+        <p:cNvPr id="1" name=""/>
+        <p:cNvGrpSpPr/>
+        <p:nvPr/>
+      </p:nvGrpSpPr>
+      <p:grpSpPr>
+        <a:xfrm>
+          <a:off x="0" y="0"/>
+          <a:ext cx="0" cy="0"/>
+          <a:chOff x="0" y="0"/>
+          <a:chExt cx="0" cy="0"/>
+        </a:xfrm>
+      </p:grpSpPr>
+      <p:sp>
+        <p:nvSpPr>
+          <p:cNvPr id="2" name="Espace réservé de l'image des diapositives 1"/>
+          <p:cNvSpPr>
+            <a:spLocks noGrp="1" noRot="1" noChangeAspect="1"/>
+          </p:cNvSpPr>
+          <p:nvPr>
+            <p:ph type="sldImg"/>
+          </p:nvPr>
+        </p:nvSpPr>
+        <p:spPr/>
+      </p:sp>
+      <p:sp>
+        <p:nvSpPr>
+          <p:cNvPr id="3" name="Espace réservé des commentaires 2"/>
+          <p:cNvSpPr>
+            <a:spLocks noGrp="1"/>
+          </p:cNvSpPr>
+          <p:nvPr>
+            <p:ph type="body" idx="1"/>
+          </p:nvPr>
+        </p:nvSpPr>
+        <p:spPr/>
+        <p:txBody>
+          <a:bodyPr/>
+          <a:lstStyle/>
+          <a:p>
+            <a:endParaRPr lang="fr-FR" dirty="0"/>
+          </a:p>
+        </p:txBody>
+      </p:sp>
+      <p:sp>
+        <p:nvSpPr>
+          <p:cNvPr id="4" name="Espace réservé du numéro de diapositive 3"/>
+          <p:cNvSpPr>
+            <a:spLocks noGrp="1"/>
+          </p:cNvSpPr>
+          <p:nvPr>
+            <p:ph type="sldNum" sz="quarter" idx="10"/>
+          </p:nvPr>
+        </p:nvSpPr>
+        <p:spPr/>
+        <p:txBody>
+          <a:bodyPr/>
+          <a:lstStyle/>
+          <a:p>
+            <a:fld id="{0C6771D0-7883-414C-B6C7-96D192889166}" type="slidenum">
+              <a:rPr lang="en-US" smtClean="0"/>
+              <a:t>13</a:t>
+            </a:fld>
+            <a:endParaRPr lang="en-US"/>
+          </a:p>
+        </p:txBody>
+      </p:sp>
+    </p:spTree>
+    <p:extLst>
+      <p:ext uri="{BB962C8B-B14F-4D97-AF65-F5344CB8AC3E}">
+        <p14:creationId xmlns:p14="http://schemas.microsoft.com/office/powerpoint/2010/main" val="1884706137"/>
+      </p:ext>
+    </p:extLst>
+  </p:cSld>
+  <p:clrMapOvr>
+    <a:masterClrMapping/>
+  </p:clrMapOvr>
+</p:notes>
+</file>
+
+<file path=ppt/notesSlides/notesSlide3.xml><?xml version="1.0" encoding="utf-8"?>
+<p:notes xmlns:a="http://schemas.openxmlformats.org/drawingml/2006/main" xmlns:r="http://schemas.openxmlformats.org/officeDocument/2006/relationships" xmlns:p="http://schemas.openxmlformats.org/presentationml/2006/main">
+  <p:cSld>
+    <p:spTree>
+      <p:nvGrpSpPr>
+        <p:cNvPr id="1" name=""/>
+        <p:cNvGrpSpPr/>
+        <p:nvPr/>
+      </p:nvGrpSpPr>
+      <p:grpSpPr>
+        <a:xfrm>
+          <a:off x="0" y="0"/>
+          <a:ext cx="0" cy="0"/>
+          <a:chOff x="0" y="0"/>
+          <a:chExt cx="0" cy="0"/>
+        </a:xfrm>
+      </p:grpSpPr>
+      <p:sp>
+        <p:nvSpPr>
+          <p:cNvPr id="2" name="Espace réservé de l'image des diapositives 1"/>
+          <p:cNvSpPr>
+            <a:spLocks noGrp="1" noRot="1" noChangeAspect="1"/>
+          </p:cNvSpPr>
+          <p:nvPr>
+            <p:ph type="sldImg"/>
+          </p:nvPr>
+        </p:nvSpPr>
+        <p:spPr/>
+      </p:sp>
+      <p:sp>
+        <p:nvSpPr>
+          <p:cNvPr id="3" name="Espace réservé des commentaires 2"/>
+          <p:cNvSpPr>
+            <a:spLocks noGrp="1"/>
+          </p:cNvSpPr>
+          <p:nvPr>
+            <p:ph type="body" idx="1"/>
+          </p:nvPr>
+        </p:nvSpPr>
+        <p:spPr/>
+        <p:txBody>
+          <a:bodyPr/>
+          <a:lstStyle/>
+          <a:p>
+            <a:endParaRPr lang="fr-FR" dirty="0"/>
+          </a:p>
+        </p:txBody>
+      </p:sp>
+      <p:sp>
+        <p:nvSpPr>
+          <p:cNvPr id="4" name="Espace réservé du numéro de diapositive 3"/>
+          <p:cNvSpPr>
+            <a:spLocks noGrp="1"/>
+          </p:cNvSpPr>
+          <p:nvPr>
+            <p:ph type="sldNum" sz="quarter" idx="10"/>
+          </p:nvPr>
+        </p:nvSpPr>
+        <p:spPr/>
+        <p:txBody>
+          <a:bodyPr/>
+          <a:lstStyle/>
+          <a:p>
+            <a:fld id="{0C6771D0-7883-414C-B6C7-96D192889166}" type="slidenum">
+              <a:rPr lang="en-US" smtClean="0"/>
+              <a:t>14</a:t>
+            </a:fld>
+            <a:endParaRPr lang="en-US"/>
+          </a:p>
+        </p:txBody>
+      </p:sp>
+    </p:spTree>
+    <p:extLst>
+      <p:ext uri="{BB962C8B-B14F-4D97-AF65-F5344CB8AC3E}">
+        <p14:creationId xmlns:p14="http://schemas.microsoft.com/office/powerpoint/2010/main" val="856803859"/>
+      </p:ext>
+    </p:extLst>
+  </p:cSld>
+  <p:clrMapOvr>
+    <a:masterClrMapping/>
+  </p:clrMapOvr>
+</p:notes>
+</file>
+
+<file path=ppt/notesSlides/notesSlide4.xml><?xml version="1.0" encoding="utf-8"?>
+<p:notes xmlns:a="http://schemas.openxmlformats.org/drawingml/2006/main" xmlns:r="http://schemas.openxmlformats.org/officeDocument/2006/relationships" xmlns:p="http://schemas.openxmlformats.org/presentationml/2006/main">
+  <p:cSld>
+    <p:spTree>
+      <p:nvGrpSpPr>
+        <p:cNvPr id="1" name=""/>
+        <p:cNvGrpSpPr/>
+        <p:nvPr/>
+      </p:nvGrpSpPr>
+      <p:grpSpPr>
+        <a:xfrm>
+          <a:off x="0" y="0"/>
+          <a:ext cx="0" cy="0"/>
+          <a:chOff x="0" y="0"/>
+          <a:chExt cx="0" cy="0"/>
+        </a:xfrm>
+      </p:grpSpPr>
+      <p:sp>
+        <p:nvSpPr>
+          <p:cNvPr id="2" name="Espace réservé de l'image des diapositives 1"/>
+          <p:cNvSpPr>
+            <a:spLocks noGrp="1" noRot="1" noChangeAspect="1"/>
+          </p:cNvSpPr>
+          <p:nvPr>
+            <p:ph type="sldImg"/>
+          </p:nvPr>
+        </p:nvSpPr>
+        <p:spPr/>
+      </p:sp>
+      <p:sp>
+        <p:nvSpPr>
+          <p:cNvPr id="3" name="Espace réservé des commentaires 2"/>
+          <p:cNvSpPr>
+            <a:spLocks noGrp="1"/>
+          </p:cNvSpPr>
+          <p:nvPr>
+            <p:ph type="body" idx="1"/>
+          </p:nvPr>
+        </p:nvSpPr>
+        <p:spPr/>
+        <p:txBody>
+          <a:bodyPr/>
+          <a:lstStyle/>
+          <a:p>
+            <a:endParaRPr lang="fr-FR" dirty="0"/>
+          </a:p>
+        </p:txBody>
+      </p:sp>
+      <p:sp>
+        <p:nvSpPr>
+          <p:cNvPr id="4" name="Espace réservé du numéro de diapositive 3"/>
+          <p:cNvSpPr>
+            <a:spLocks noGrp="1"/>
+          </p:cNvSpPr>
+          <p:nvPr>
+            <p:ph type="sldNum" sz="quarter" idx="10"/>
+          </p:nvPr>
+        </p:nvSpPr>
+        <p:spPr/>
+        <p:txBody>
+          <a:bodyPr/>
+          <a:lstStyle/>
+          <a:p>
+            <a:fld id="{0C6771D0-7883-414C-B6C7-96D192889166}" type="slidenum">
+              <a:rPr lang="en-US" smtClean="0"/>
+              <a:t>15</a:t>
+            </a:fld>
+            <a:endParaRPr lang="en-US"/>
+          </a:p>
+        </p:txBody>
+      </p:sp>
+    </p:spTree>
+    <p:extLst>
+      <p:ext uri="{BB962C8B-B14F-4D97-AF65-F5344CB8AC3E}">
+        <p14:creationId xmlns:p14="http://schemas.microsoft.com/office/powerpoint/2010/main" val="503023630"/>
+      </p:ext>
+    </p:extLst>
+  </p:cSld>
+  <p:clrMapOvr>
+    <a:masterClrMapping/>
+  </p:clrMapOvr>
+</p:notes>
+</file>
+
+<file path=ppt/notesSlides/notesSlide5.xml><?xml version="1.0" encoding="utf-8"?>
+<p:notes xmlns:a="http://schemas.openxmlformats.org/drawingml/2006/main" xmlns:r="http://schemas.openxmlformats.org/officeDocument/2006/relationships" xmlns:p="http://schemas.openxmlformats.org/presentationml/2006/main">
+  <p:cSld>
+    <p:spTree>
+      <p:nvGrpSpPr>
+        <p:cNvPr id="1" name=""/>
+        <p:cNvGrpSpPr/>
+        <p:nvPr/>
+      </p:nvGrpSpPr>
+      <p:grpSpPr>
+        <a:xfrm>
+          <a:off x="0" y="0"/>
+          <a:ext cx="0" cy="0"/>
+          <a:chOff x="0" y="0"/>
+          <a:chExt cx="0" cy="0"/>
+        </a:xfrm>
+      </p:grpSpPr>
+      <p:sp>
+        <p:nvSpPr>
+          <p:cNvPr id="2" name="Espace réservé de l'image des diapositives 1"/>
+          <p:cNvSpPr>
+            <a:spLocks noGrp="1" noRot="1" noChangeAspect="1"/>
+          </p:cNvSpPr>
+          <p:nvPr>
+            <p:ph type="sldImg"/>
+          </p:nvPr>
+        </p:nvSpPr>
+        <p:spPr/>
+      </p:sp>
+      <p:sp>
+        <p:nvSpPr>
+          <p:cNvPr id="3" name="Espace réservé des commentaires 2"/>
+          <p:cNvSpPr>
+            <a:spLocks noGrp="1"/>
+          </p:cNvSpPr>
+          <p:nvPr>
+            <p:ph type="body" idx="1"/>
+          </p:nvPr>
+        </p:nvSpPr>
+        <p:spPr/>
+        <p:txBody>
+          <a:bodyPr/>
+          <a:lstStyle/>
+          <a:p>
+            <a:endParaRPr lang="fr-FR" dirty="0"/>
+          </a:p>
+        </p:txBody>
+      </p:sp>
+      <p:sp>
+        <p:nvSpPr>
+          <p:cNvPr id="4" name="Espace réservé du numéro de diapositive 3"/>
+          <p:cNvSpPr>
+            <a:spLocks noGrp="1"/>
+          </p:cNvSpPr>
+          <p:nvPr>
+            <p:ph type="sldNum" sz="quarter" idx="10"/>
+          </p:nvPr>
+        </p:nvSpPr>
+        <p:spPr/>
+        <p:txBody>
+          <a:bodyPr/>
+          <a:lstStyle/>
+          <a:p>
+            <a:fld id="{0C6771D0-7883-414C-B6C7-96D192889166}" type="slidenum">
+              <a:rPr lang="en-US" smtClean="0"/>
+              <a:t>16</a:t>
+            </a:fld>
+            <a:endParaRPr lang="en-US"/>
+          </a:p>
+        </p:txBody>
+      </p:sp>
+    </p:spTree>
+    <p:extLst>
+      <p:ext uri="{BB962C8B-B14F-4D97-AF65-F5344CB8AC3E}">
+        <p14:creationId xmlns:p14="http://schemas.microsoft.com/office/powerpoint/2010/main" val="764760116"/>
+      </p:ext>
+    </p:extLst>
+  </p:cSld>
+  <p:clrMapOvr>
+    <a:masterClrMapping/>
+  </p:clrMapOvr>
+</p:notes>
+</file>
+
 <file path=ppt/slideLayouts/slideLayout1.xml><?xml version="1.0" encoding="utf-8"?>
 <p:sldLayout xmlns:a="http://schemas.openxmlformats.org/drawingml/2006/main" xmlns:r="http://schemas.openxmlformats.org/officeDocument/2006/relationships" xmlns:p="http://schemas.openxmlformats.org/presentationml/2006/main" showMasterSp="0" type="obj" preserve="1">
   <p:cSld name="Title Slide">
@@ -419,7 +1198,7 @@
           <a:p>
             <a:fld id="{1D8BD707-D9CF-40AE-B4C6-C98DA3205C09}" type="datetimeFigureOut">
               <a:rPr lang="en-US"/>
-              <a:t>9/30/2021</a:t>
+              <a:t>10/13/2021</a:t>
             </a:fld>
             <a:endParaRPr lang="en-US"/>
           </a:p>
@@ -774,7 +1553,7 @@
           <a:p>
             <a:fld id="{1D8BD707-D9CF-40AE-B4C6-C98DA3205C09}" type="datetimeFigureOut">
               <a:rPr lang="en-US"/>
-              <a:t>9/30/2021</a:t>
+              <a:t>10/13/2021</a:t>
             </a:fld>
             <a:endParaRPr lang="en-US"/>
           </a:p>
@@ -988,7 +1767,7 @@
           <a:p>
             <a:fld id="{1D8BD707-D9CF-40AE-B4C6-C98DA3205C09}" type="datetimeFigureOut">
               <a:rPr lang="en-US"/>
-              <a:t>9/30/2021</a:t>
+              <a:t>10/13/2021</a:t>
             </a:fld>
             <a:endParaRPr lang="en-US"/>
           </a:p>
@@ -1316,7 +2095,7 @@
           <a:p>
             <a:fld id="{1D8BD707-D9CF-40AE-B4C6-C98DA3205C09}" type="datetimeFigureOut">
               <a:rPr lang="en-US"/>
-              <a:t>9/30/2021</a:t>
+              <a:t>10/13/2021</a:t>
             </a:fld>
             <a:endParaRPr lang="en-US"/>
           </a:p>
@@ -1435,7 +2214,7 @@
           <a:p>
             <a:fld id="{1D8BD707-D9CF-40AE-B4C6-C98DA3205C09}" type="datetimeFigureOut">
               <a:rPr lang="en-US"/>
-              <a:t>9/30/2021</a:t>
+              <a:t>10/13/2021</a:t>
             </a:fld>
             <a:endParaRPr lang="en-US"/>
           </a:p>
@@ -1680,7 +2459,7 @@
           <a:p>
             <a:fld id="{1D8BD707-D9CF-40AE-B4C6-C98DA3205C09}" type="datetimeFigureOut">
               <a:rPr lang="en-US"/>
-              <a:t>9/30/2021</a:t>
+              <a:t>10/13/2021</a:t>
             </a:fld>
             <a:endParaRPr lang="en-US"/>
           </a:p>
@@ -1901,7 +2680,7 @@
       </p:grpSpPr>
       <p:sp>
         <p:nvSpPr>
-          <p:cNvPr id="10" name="Titre 9"/>
+          <p:cNvPr id="13" name="Titre 9"/>
           <p:cNvSpPr>
             <a:spLocks noGrp="1"/>
           </p:cNvSpPr>
@@ -1909,7 +2688,12 @@
             <p:ph type="title"/>
           </p:nvPr>
         </p:nvSpPr>
-        <p:spPr/>
+        <p:spPr>
+          <a:xfrm>
+            <a:off x="3337030" y="1364441"/>
+            <a:ext cx="2469939" cy="375919"/>
+          </a:xfrm>
+        </p:spPr>
         <p:txBody>
           <a:bodyPr/>
           <a:lstStyle/>
@@ -1920,7 +2704,7 @@
       </p:sp>
       <p:sp>
         <p:nvSpPr>
-          <p:cNvPr id="15" name="object 2"/>
+          <p:cNvPr id="14" name="object 2"/>
           <p:cNvSpPr/>
           <p:nvPr/>
         </p:nvSpPr>
@@ -1983,13 +2767,226 @@
           <a:bodyPr wrap="square" lIns="0" tIns="0" rIns="0" bIns="0" rtlCol="0"/>
           <a:lstStyle/>
           <a:p>
-            <a:endParaRPr dirty="0"/>
+            <a:pPr algn="r"/>
+            <a:endParaRPr lang="fr-FR" b="1" dirty="0" smtClean="0">
+              <a:solidFill>
+                <a:srgbClr val="FFC000"/>
+              </a:solidFill>
+            </a:endParaRPr>
+          </a:p>
+          <a:p>
+            <a:pPr algn="r"/>
+            <a:endParaRPr lang="fr-FR" b="1" dirty="0">
+              <a:solidFill>
+                <a:srgbClr val="FFC000"/>
+              </a:solidFill>
+            </a:endParaRPr>
+          </a:p>
+          <a:p>
+            <a:pPr algn="r"/>
+            <a:endParaRPr lang="fr-FR" b="1" dirty="0" smtClean="0">
+              <a:solidFill>
+                <a:srgbClr val="FFC000"/>
+              </a:solidFill>
+            </a:endParaRPr>
+          </a:p>
+          <a:p>
+            <a:pPr algn="r"/>
+            <a:endParaRPr lang="fr-FR" b="1" dirty="0">
+              <a:solidFill>
+                <a:srgbClr val="FFC000"/>
+              </a:solidFill>
+            </a:endParaRPr>
+          </a:p>
+          <a:p>
+            <a:pPr algn="r"/>
+            <a:endParaRPr lang="fr-FR" b="1" dirty="0" smtClean="0">
+              <a:solidFill>
+                <a:srgbClr val="FFC000"/>
+              </a:solidFill>
+            </a:endParaRPr>
+          </a:p>
+          <a:p>
+            <a:pPr algn="r"/>
+            <a:endParaRPr lang="fr-FR" b="1" dirty="0">
+              <a:solidFill>
+                <a:srgbClr val="FFC000"/>
+              </a:solidFill>
+            </a:endParaRPr>
+          </a:p>
+          <a:p>
+            <a:pPr algn="r"/>
+            <a:endParaRPr lang="fr-FR" b="1" dirty="0" smtClean="0">
+              <a:solidFill>
+                <a:srgbClr val="FFC000"/>
+              </a:solidFill>
+            </a:endParaRPr>
+          </a:p>
+          <a:p>
+            <a:pPr algn="r"/>
+            <a:endParaRPr lang="fr-FR" b="1" dirty="0">
+              <a:solidFill>
+                <a:srgbClr val="FFC000"/>
+              </a:solidFill>
+            </a:endParaRPr>
+          </a:p>
+          <a:p>
+            <a:pPr algn="r"/>
+            <a:endParaRPr lang="fr-FR" b="1" dirty="0" smtClean="0">
+              <a:solidFill>
+                <a:srgbClr val="FFC000"/>
+              </a:solidFill>
+            </a:endParaRPr>
+          </a:p>
+          <a:p>
+            <a:pPr algn="r"/>
+            <a:endParaRPr lang="fr-FR" b="1" dirty="0">
+              <a:solidFill>
+                <a:srgbClr val="FFC000"/>
+              </a:solidFill>
+            </a:endParaRPr>
+          </a:p>
+          <a:p>
+            <a:pPr algn="r"/>
+            <a:endParaRPr lang="fr-FR" b="1" dirty="0" smtClean="0">
+              <a:solidFill>
+                <a:srgbClr val="FFC000"/>
+              </a:solidFill>
+            </a:endParaRPr>
+          </a:p>
+          <a:p>
+            <a:pPr algn="r"/>
+            <a:endParaRPr lang="fr-FR" b="1" dirty="0">
+              <a:solidFill>
+                <a:srgbClr val="FFC000"/>
+              </a:solidFill>
+            </a:endParaRPr>
+          </a:p>
+          <a:p>
+            <a:pPr algn="r"/>
+            <a:endParaRPr lang="fr-FR" b="1" dirty="0" smtClean="0">
+              <a:solidFill>
+                <a:srgbClr val="FFC000"/>
+              </a:solidFill>
+            </a:endParaRPr>
+          </a:p>
+          <a:p>
+            <a:pPr algn="r"/>
+            <a:endParaRPr lang="fr-FR" b="1" dirty="0">
+              <a:solidFill>
+                <a:srgbClr val="FFC000"/>
+              </a:solidFill>
+            </a:endParaRPr>
+          </a:p>
+          <a:p>
+            <a:pPr algn="r"/>
+            <a:endParaRPr lang="fr-FR" b="1" dirty="0" smtClean="0">
+              <a:solidFill>
+                <a:srgbClr val="FFC000"/>
+              </a:solidFill>
+            </a:endParaRPr>
+          </a:p>
+          <a:p>
+            <a:pPr algn="r"/>
+            <a:endParaRPr lang="fr-FR" b="1" dirty="0">
+              <a:solidFill>
+                <a:srgbClr val="FFC000"/>
+              </a:solidFill>
+            </a:endParaRPr>
+          </a:p>
+          <a:p>
+            <a:pPr algn="r"/>
+            <a:endParaRPr lang="fr-FR" b="1" dirty="0">
+              <a:solidFill>
+                <a:srgbClr val="FFC000"/>
+              </a:solidFill>
+            </a:endParaRPr>
+          </a:p>
+          <a:p>
+            <a:pPr algn="r"/>
+            <a:endParaRPr lang="fr-FR" b="1" dirty="0" smtClean="0">
+              <a:solidFill>
+                <a:srgbClr val="FFC000"/>
+              </a:solidFill>
+            </a:endParaRPr>
+          </a:p>
+          <a:p>
+            <a:pPr algn="r"/>
+            <a:r>
+              <a:rPr lang="fr-FR" b="1" dirty="0" smtClean="0">
+                <a:solidFill>
+                  <a:srgbClr val="FFC000"/>
+                </a:solidFill>
+              </a:rPr>
+              <a:t>«</a:t>
+            </a:r>
+            <a:r>
+              <a:rPr lang="fr-FR" b="1" dirty="0">
+                <a:solidFill>
+                  <a:srgbClr val="FFC000"/>
+                </a:solidFill>
+              </a:rPr>
+              <a:t> </a:t>
+            </a:r>
+            <a:r>
+              <a:rPr lang="fr-FR" b="1" dirty="0" err="1">
+                <a:solidFill>
+                  <a:srgbClr val="FFC000"/>
+                </a:solidFill>
+              </a:rPr>
+              <a:t>Let's</a:t>
+            </a:r>
+            <a:r>
+              <a:rPr lang="fr-FR" b="1" dirty="0">
+                <a:solidFill>
+                  <a:srgbClr val="FFC000"/>
+                </a:solidFill>
+              </a:rPr>
+              <a:t> help </a:t>
+            </a:r>
+            <a:r>
+              <a:rPr lang="fr-FR" b="1" dirty="0" err="1">
+                <a:solidFill>
+                  <a:srgbClr val="FFC000"/>
+                </a:solidFill>
+              </a:rPr>
+              <a:t>each</a:t>
+            </a:r>
+            <a:r>
+              <a:rPr lang="fr-FR" b="1" dirty="0">
+                <a:solidFill>
+                  <a:srgbClr val="FFC000"/>
+                </a:solidFill>
+              </a:rPr>
+              <a:t> </a:t>
+            </a:r>
+            <a:r>
+              <a:rPr lang="fr-FR" b="1" dirty="0" err="1">
+                <a:solidFill>
+                  <a:srgbClr val="FFC000"/>
+                </a:solidFill>
+              </a:rPr>
+              <a:t>other</a:t>
+            </a:r>
+            <a:r>
+              <a:rPr lang="fr-FR" b="1" dirty="0">
+                <a:solidFill>
+                  <a:srgbClr val="FFC000"/>
+                </a:solidFill>
+              </a:rPr>
+              <a:t> »</a:t>
+            </a:r>
+            <a:endParaRPr dirty="0">
+              <a:solidFill>
+                <a:srgbClr val="FFC000"/>
+              </a:solidFill>
+            </a:endParaRPr>
           </a:p>
         </p:txBody>
       </p:sp>
       <p:pic>
         <p:nvPicPr>
-          <p:cNvPr id="16" name="object 11"/>
+          <p:cNvPr id="17" name="object 11"/>
           <p:cNvPicPr/>
           <p:nvPr/>
         </p:nvPicPr>
@@ -2011,7 +3008,7 @@
       </p:pic>
       <p:grpSp>
         <p:nvGrpSpPr>
-          <p:cNvPr id="18" name="object 4"/>
+          <p:cNvPr id="21" name="object 4"/>
           <p:cNvGrpSpPr/>
           <p:nvPr/>
         </p:nvGrpSpPr>
@@ -2025,7 +3022,7 @@
         </p:grpSpPr>
         <p:sp>
           <p:nvSpPr>
-            <p:cNvPr id="19" name="object 5"/>
+            <p:cNvPr id="27" name="object 5"/>
             <p:cNvSpPr/>
             <p:nvPr/>
           </p:nvSpPr>
@@ -2075,7 +3072,7 @@
         </p:sp>
         <p:sp>
           <p:nvSpPr>
-            <p:cNvPr id="20" name="object 6"/>
+            <p:cNvPr id="28" name="object 6"/>
             <p:cNvSpPr/>
             <p:nvPr/>
           </p:nvSpPr>
@@ -2126,13 +3123,13 @@
       </p:grpSp>
       <p:sp>
         <p:nvSpPr>
-          <p:cNvPr id="22" name="object 8"/>
+          <p:cNvPr id="29" name="object 8"/>
           <p:cNvSpPr txBox="1"/>
           <p:nvPr/>
         </p:nvSpPr>
         <p:spPr>
           <a:xfrm>
-            <a:off x="457199" y="1604499"/>
+            <a:off x="457199" y="1783201"/>
             <a:ext cx="8229599" cy="1410643"/>
           </a:xfrm>
           <a:prstGeom prst="rect">
@@ -2189,13 +3186,13 @@
       </p:sp>
       <p:sp>
         <p:nvSpPr>
-          <p:cNvPr id="23" name="object 9"/>
+          <p:cNvPr id="30" name="object 9"/>
           <p:cNvSpPr txBox="1"/>
           <p:nvPr/>
         </p:nvSpPr>
         <p:spPr>
           <a:xfrm>
-            <a:off x="1579029" y="2934089"/>
+            <a:off x="1576675" y="3193844"/>
             <a:ext cx="5906135" cy="269240"/>
           </a:xfrm>
           <a:prstGeom prst="rect">
@@ -2238,14 +3235,14 @@
       </p:sp>
       <p:pic>
         <p:nvPicPr>
-          <p:cNvPr id="24" name="Image 23"/>
+          <p:cNvPr id="31" name="Image 30"/>
           <p:cNvPicPr>
             <a:picLocks noChangeAspect="1"/>
           </p:cNvPicPr>
           <p:nvPr/>
         </p:nvPicPr>
         <p:blipFill>
-          <a:blip r:embed="rId5">
+          <a:blip r:embed="rId5" cstate="print">
             <a:extLst>
               <a:ext uri="{28A0092B-C50C-407E-A947-70E740481C1C}">
                 <a14:useLocalDpi xmlns:a14="http://schemas.microsoft.com/office/drawing/2010/main" val="0"/>
@@ -2258,36 +3255,6 @@
         </p:blipFill>
         <p:spPr>
           <a:xfrm>
-            <a:off x="7615250" y="4469128"/>
-            <a:ext cx="1528750" cy="636979"/>
-          </a:xfrm>
-          <a:prstGeom prst="rect">
-            <a:avLst/>
-          </a:prstGeom>
-        </p:spPr>
-      </p:pic>
-      <p:pic>
-        <p:nvPicPr>
-          <p:cNvPr id="25" name="Image 24"/>
-          <p:cNvPicPr>
-            <a:picLocks noChangeAspect="1"/>
-          </p:cNvPicPr>
-          <p:nvPr/>
-        </p:nvPicPr>
-        <p:blipFill>
-          <a:blip r:embed="rId6" cstate="print">
-            <a:extLst>
-              <a:ext uri="{28A0092B-C50C-407E-A947-70E740481C1C}">
-                <a14:useLocalDpi xmlns:a14="http://schemas.microsoft.com/office/drawing/2010/main" val="0"/>
-              </a:ext>
-            </a:extLst>
-          </a:blip>
-          <a:stretch>
-            <a:fillRect/>
-          </a:stretch>
-        </p:blipFill>
-        <p:spPr>
-          <a:xfrm>
             <a:off x="737533" y="597643"/>
             <a:ext cx="931524" cy="558914"/>
           </a:xfrm>
@@ -2296,50 +3263,6 @@
           </a:prstGeom>
         </p:spPr>
       </p:pic>
-      <p:sp>
-        <p:nvSpPr>
-          <p:cNvPr id="26" name="ZoneTexte 25"/>
-          <p:cNvSpPr txBox="1"/>
-          <p:nvPr/>
-        </p:nvSpPr>
-        <p:spPr>
-          <a:xfrm>
-            <a:off x="6723164" y="4602951"/>
-            <a:ext cx="1524000" cy="369332"/>
-          </a:xfrm>
-          <a:prstGeom prst="rect">
-            <a:avLst/>
-          </a:prstGeom>
-          <a:noFill/>
-        </p:spPr>
-        <p:txBody>
-          <a:bodyPr wrap="square" rtlCol="0">
-            <a:spAutoFit/>
-          </a:bodyPr>
-          <a:lstStyle/>
-          <a:p>
-            <a:r>
-              <a:rPr lang="en-US" dirty="0" smtClean="0">
-                <a:solidFill>
-                  <a:schemeClr val="accent1">
-                    <a:lumMod val="60000"/>
-                    <a:lumOff val="40000"/>
-                  </a:schemeClr>
-                </a:solidFill>
-              </a:rPr>
-              <a:t>Source:</a:t>
-            </a:r>
-            <a:endParaRPr lang="fr-FR" dirty="0">
-              <a:solidFill>
-                <a:schemeClr val="accent1">
-                  <a:lumMod val="60000"/>
-                  <a:lumOff val="40000"/>
-                </a:schemeClr>
-              </a:solidFill>
-            </a:endParaRPr>
-          </a:p>
-        </p:txBody>
-      </p:sp>
     </p:spTree>
   </p:cSld>
   <p:clrMapOvr>
@@ -2384,8 +3307,8 @@
         </p:nvSpPr>
         <p:spPr>
           <a:xfrm>
-            <a:off x="762000" y="1123950"/>
-            <a:ext cx="3582035" cy="505267"/>
+            <a:off x="800675" y="647291"/>
+            <a:ext cx="3582035" cy="421640"/>
           </a:xfrm>
           <a:prstGeom prst="rect">
             <a:avLst/>
@@ -2406,7 +3329,7 @@
               </a:spcBef>
             </a:pPr>
             <a:r>
-              <a:rPr sz="3200" b="1" spc="-190" dirty="0" smtClean="0">
+              <a:rPr sz="2600" b="1" spc="-190" dirty="0" smtClean="0">
                 <a:solidFill>
                   <a:srgbClr val="1A1A1A"/>
                 </a:solidFill>
@@ -2415,17 +3338,7 @@
               </a:rPr>
               <a:t> </a:t>
             </a:r>
-            <a:r>
-              <a:rPr lang="en-US" sz="1600" b="1" spc="-15" dirty="0" err="1" smtClean="0">
-                <a:solidFill>
-                  <a:srgbClr val="1A1A1A"/>
-                </a:solidFill>
-                <a:latin typeface="Trebuchet MS"/>
-                <a:cs typeface="Trebuchet MS"/>
-              </a:rPr>
-              <a:t>Recommandations</a:t>
-            </a:r>
-            <a:endParaRPr sz="1600" dirty="0">
+            <a:endParaRPr sz="1200" dirty="0">
               <a:latin typeface="Trebuchet MS"/>
               <a:cs typeface="Trebuchet MS"/>
             </a:endParaRPr>
@@ -2434,14 +3347,14 @@
       </p:sp>
       <p:sp>
         <p:nvSpPr>
-          <p:cNvPr id="12" name="Rectangle 11"/>
+          <p:cNvPr id="3" name="Rectangle 2"/>
           <p:cNvSpPr/>
           <p:nvPr/>
         </p:nvSpPr>
         <p:spPr>
           <a:xfrm>
-            <a:off x="3048000" y="647291"/>
-            <a:ext cx="5486400" cy="3905659"/>
+            <a:off x="2514600" y="3409950"/>
+            <a:ext cx="2514600" cy="1066800"/>
           </a:xfrm>
           <a:prstGeom prst="rect">
             <a:avLst/>
@@ -2473,26 +3386,14 @@
           <a:bodyPr rtlCol="0" anchor="ctr"/>
           <a:lstStyle/>
           <a:p>
-            <a:pPr algn="just"/>
-            <a:endParaRPr lang="en-US" sz="1400" dirty="0">
-              <a:solidFill>
-                <a:schemeClr val="tx1"/>
-              </a:solidFill>
-            </a:endParaRPr>
-          </a:p>
-          <a:p>
-            <a:pPr algn="just"/>
-            <a:endParaRPr lang="fr-FR" sz="1400" dirty="0">
-              <a:solidFill>
-                <a:schemeClr val="tx1"/>
-              </a:solidFill>
-            </a:endParaRPr>
-          </a:p>
-        </p:txBody>
-      </p:sp>
-      <p:sp>
-        <p:nvSpPr>
-          <p:cNvPr id="4" name="Rectangle 3"/>
+            <a:pPr algn="ctr"/>
+            <a:endParaRPr lang="fr-FR"/>
+          </a:p>
+        </p:txBody>
+      </p:sp>
+      <p:sp>
+        <p:nvSpPr>
+          <p:cNvPr id="5" name="Rectangle 4"/>
           <p:cNvSpPr/>
           <p:nvPr/>
         </p:nvSpPr>
@@ -2540,10 +3441,164 @@
           </a:p>
         </p:txBody>
       </p:sp>
+      <p:sp>
+        <p:nvSpPr>
+          <p:cNvPr id="4" name="Rectangle 3"/>
+          <p:cNvSpPr/>
+          <p:nvPr/>
+        </p:nvSpPr>
+        <p:spPr>
+          <a:xfrm>
+            <a:off x="2705100" y="647291"/>
+            <a:ext cx="4648200" cy="2997661"/>
+          </a:xfrm>
+          <a:prstGeom prst="rect">
+            <a:avLst/>
+          </a:prstGeom>
+          <a:solidFill>
+            <a:schemeClr val="bg1"/>
+          </a:solidFill>
+          <a:ln>
+            <a:noFill/>
+          </a:ln>
+        </p:spPr>
+        <p:style>
+          <a:lnRef idx="2">
+            <a:schemeClr val="accent1">
+              <a:shade val="50000"/>
+            </a:schemeClr>
+          </a:lnRef>
+          <a:fillRef idx="1">
+            <a:schemeClr val="accent1"/>
+          </a:fillRef>
+          <a:effectRef idx="0">
+            <a:schemeClr val="accent1"/>
+          </a:effectRef>
+          <a:fontRef idx="minor">
+            <a:schemeClr val="lt1"/>
+          </a:fontRef>
+        </p:style>
+        <p:txBody>
+          <a:bodyPr rtlCol="0" anchor="ctr"/>
+          <a:lstStyle/>
+          <a:p>
+            <a:pPr algn="ctr"/>
+            <a:endParaRPr lang="fr-FR"/>
+          </a:p>
+        </p:txBody>
+      </p:sp>
+      <p:sp>
+        <p:nvSpPr>
+          <p:cNvPr id="6" name="Rectangle 5"/>
+          <p:cNvSpPr/>
+          <p:nvPr/>
+        </p:nvSpPr>
+        <p:spPr>
+          <a:xfrm>
+            <a:off x="743069" y="899915"/>
+            <a:ext cx="846129" cy="400110"/>
+          </a:xfrm>
+          <a:prstGeom prst="rect">
+            <a:avLst/>
+          </a:prstGeom>
+        </p:spPr>
+        <p:txBody>
+          <a:bodyPr wrap="none">
+            <a:spAutoFit/>
+          </a:bodyPr>
+          <a:lstStyle/>
+          <a:p>
+            <a:r>
+              <a:rPr lang="en-US" sz="2000" b="1" dirty="0" smtClean="0"/>
+              <a:t>Result</a:t>
+            </a:r>
+            <a:endParaRPr lang="fr-FR" sz="2000" b="1" dirty="0"/>
+          </a:p>
+        </p:txBody>
+      </p:sp>
+      <p:sp>
+        <p:nvSpPr>
+          <p:cNvPr id="9" name="Rectangle 8"/>
+          <p:cNvSpPr/>
+          <p:nvPr/>
+        </p:nvSpPr>
+        <p:spPr>
+          <a:xfrm>
+            <a:off x="3080567" y="-31682"/>
+            <a:ext cx="2982869" cy="464871"/>
+          </a:xfrm>
+          <a:prstGeom prst="rect">
+            <a:avLst/>
+          </a:prstGeom>
+        </p:spPr>
+        <p:txBody>
+          <a:bodyPr wrap="none">
+            <a:spAutoFit/>
+          </a:bodyPr>
+          <a:lstStyle/>
+          <a:p>
+            <a:pPr algn="ctr">
+              <a:lnSpc>
+                <a:spcPct val="150000"/>
+              </a:lnSpc>
+            </a:pPr>
+            <a:r>
+              <a:rPr lang="en-US" b="1" dirty="0">
+                <a:solidFill>
+                  <a:schemeClr val="bg1"/>
+                </a:solidFill>
+              </a:rPr>
+              <a:t>Urgent need by </a:t>
+            </a:r>
+            <a:r>
+              <a:rPr lang="en-US" b="1" dirty="0" err="1" smtClean="0">
+                <a:solidFill>
+                  <a:schemeClr val="bg1"/>
+                </a:solidFill>
+              </a:rPr>
+              <a:t>Departement</a:t>
+            </a:r>
+            <a:endParaRPr lang="en-US" b="1" dirty="0">
+              <a:solidFill>
+                <a:schemeClr val="bg1"/>
+              </a:solidFill>
+            </a:endParaRPr>
+          </a:p>
+        </p:txBody>
+      </p:sp>
+      <p:pic>
+        <p:nvPicPr>
+          <p:cNvPr id="11" name="Image 10"/>
+          <p:cNvPicPr>
+            <a:picLocks noChangeAspect="1"/>
+          </p:cNvPicPr>
+          <p:nvPr/>
+        </p:nvPicPr>
+        <p:blipFill rotWithShape="1">
+          <a:blip r:embed="rId2">
+            <a:extLst>
+              <a:ext uri="{28A0092B-C50C-407E-A947-70E740481C1C}">
+                <a14:useLocalDpi xmlns:a14="http://schemas.microsoft.com/office/drawing/2010/main" val="0"/>
+              </a:ext>
+            </a:extLst>
+          </a:blip>
+          <a:srcRect l="2500" t="29249" r="2500" b="14428"/>
+          <a:stretch/>
+        </p:blipFill>
+        <p:spPr>
+          <a:xfrm>
+            <a:off x="0" y="1321555"/>
+            <a:ext cx="9144000" cy="3612396"/>
+          </a:xfrm>
+          <a:prstGeom prst="rect">
+            <a:avLst/>
+          </a:prstGeom>
+        </p:spPr>
+      </p:pic>
     </p:spTree>
     <p:extLst>
       <p:ext uri="{BB962C8B-B14F-4D97-AF65-F5344CB8AC3E}">
-        <p14:creationId xmlns:p14="http://schemas.microsoft.com/office/powerpoint/2010/main" val="3283765187"/>
+        <p14:creationId xmlns:p14="http://schemas.microsoft.com/office/powerpoint/2010/main" val="2743675979"/>
       </p:ext>
     </p:extLst>
   </p:cSld>
@@ -2731,6 +3786,3467 @@
         </p:nvSpPr>
         <p:spPr>
           <a:xfrm>
+            <a:off x="1371601" y="495300"/>
+            <a:ext cx="6934200" cy="2997661"/>
+          </a:xfrm>
+          <a:prstGeom prst="rect">
+            <a:avLst/>
+          </a:prstGeom>
+          <a:solidFill>
+            <a:schemeClr val="bg1"/>
+          </a:solidFill>
+          <a:ln>
+            <a:noFill/>
+          </a:ln>
+        </p:spPr>
+        <p:style>
+          <a:lnRef idx="2">
+            <a:schemeClr val="accent1">
+              <a:shade val="50000"/>
+            </a:schemeClr>
+          </a:lnRef>
+          <a:fillRef idx="1">
+            <a:schemeClr val="accent1"/>
+          </a:fillRef>
+          <a:effectRef idx="0">
+            <a:schemeClr val="accent1"/>
+          </a:effectRef>
+          <a:fontRef idx="minor">
+            <a:schemeClr val="lt1"/>
+          </a:fontRef>
+        </p:style>
+        <p:txBody>
+          <a:bodyPr rtlCol="0" anchor="ctr"/>
+          <a:lstStyle/>
+          <a:p>
+            <a:pPr lvl="0"/>
+            <a:r>
+              <a:rPr lang="en-US" sz="3200" b="1" dirty="0" smtClean="0">
+                <a:solidFill>
+                  <a:schemeClr val="accent6">
+                    <a:lumMod val="50000"/>
+                  </a:schemeClr>
+                </a:solidFill>
+              </a:rPr>
+              <a:t>People in urgent Need by Department </a:t>
+            </a:r>
+            <a:endParaRPr lang="en-US" sz="3200" b="1" dirty="0">
+              <a:solidFill>
+                <a:schemeClr val="accent6">
+                  <a:lumMod val="50000"/>
+                </a:schemeClr>
+              </a:solidFill>
+            </a:endParaRPr>
+          </a:p>
+        </p:txBody>
+      </p:sp>
+      <p:sp>
+        <p:nvSpPr>
+          <p:cNvPr id="6" name="Rectangle 5"/>
+          <p:cNvSpPr/>
+          <p:nvPr/>
+        </p:nvSpPr>
+        <p:spPr>
+          <a:xfrm>
+            <a:off x="743069" y="899915"/>
+            <a:ext cx="846129" cy="400110"/>
+          </a:xfrm>
+          <a:prstGeom prst="rect">
+            <a:avLst/>
+          </a:prstGeom>
+        </p:spPr>
+        <p:txBody>
+          <a:bodyPr wrap="none">
+            <a:spAutoFit/>
+          </a:bodyPr>
+          <a:lstStyle/>
+          <a:p>
+            <a:r>
+              <a:rPr lang="en-US" sz="2000" b="1" dirty="0" smtClean="0"/>
+              <a:t>Result</a:t>
+            </a:r>
+            <a:endParaRPr lang="fr-FR" sz="2000" b="1" dirty="0"/>
+          </a:p>
+        </p:txBody>
+      </p:sp>
+      <p:sp>
+        <p:nvSpPr>
+          <p:cNvPr id="10" name="Rectangle 9"/>
+          <p:cNvSpPr/>
+          <p:nvPr/>
+        </p:nvSpPr>
+        <p:spPr>
+          <a:xfrm>
+            <a:off x="800675" y="2408715"/>
+            <a:ext cx="7505126" cy="677108"/>
+          </a:xfrm>
+          <a:prstGeom prst="rect">
+            <a:avLst/>
+          </a:prstGeom>
+        </p:spPr>
+        <p:txBody>
+          <a:bodyPr wrap="square">
+            <a:spAutoFit/>
+          </a:bodyPr>
+          <a:lstStyle/>
+          <a:p>
+            <a:pPr algn="just"/>
+            <a:r>
+              <a:rPr lang="en-US" dirty="0" smtClean="0"/>
+              <a:t>The biggest need of Grand </a:t>
+            </a:r>
+            <a:r>
+              <a:rPr lang="en-US" dirty="0" err="1" smtClean="0"/>
+              <a:t>Anse</a:t>
+            </a:r>
+            <a:r>
+              <a:rPr lang="en-US" dirty="0" smtClean="0"/>
+              <a:t>, </a:t>
+            </a:r>
+            <a:r>
+              <a:rPr lang="en-US" dirty="0" err="1" smtClean="0"/>
+              <a:t>Nippes</a:t>
+            </a:r>
+            <a:r>
+              <a:rPr lang="en-US" dirty="0" smtClean="0"/>
+              <a:t>, Nord, Nord-</a:t>
+            </a:r>
+            <a:r>
+              <a:rPr lang="en-US" dirty="0" err="1" smtClean="0"/>
+              <a:t>Est</a:t>
+            </a:r>
+            <a:r>
+              <a:rPr lang="en-US" dirty="0" smtClean="0"/>
+              <a:t>, Nord-</a:t>
+            </a:r>
+            <a:r>
+              <a:rPr lang="en-US" dirty="0" err="1" smtClean="0"/>
+              <a:t>Ouest</a:t>
+            </a:r>
+            <a:r>
+              <a:rPr lang="en-US" dirty="0" smtClean="0"/>
+              <a:t>, </a:t>
+            </a:r>
+            <a:r>
+              <a:rPr lang="en-US" dirty="0" err="1" smtClean="0"/>
+              <a:t>Sud-Est</a:t>
+            </a:r>
+            <a:r>
+              <a:rPr lang="en-US" dirty="0" smtClean="0"/>
+              <a:t> and </a:t>
+            </a:r>
+            <a:r>
+              <a:rPr lang="en-US" dirty="0" err="1" smtClean="0"/>
+              <a:t>Ouest</a:t>
+            </a:r>
+            <a:r>
+              <a:rPr lang="en-US" dirty="0" smtClean="0"/>
+              <a:t> </a:t>
+            </a:r>
+            <a:r>
+              <a:rPr lang="en-US" dirty="0" err="1" smtClean="0"/>
+              <a:t>departements</a:t>
+            </a:r>
+            <a:r>
+              <a:rPr lang="en-US" dirty="0" smtClean="0"/>
+              <a:t> is  </a:t>
+            </a:r>
+            <a:r>
+              <a:rPr lang="en-US" sz="2000" b="1" dirty="0" smtClean="0"/>
+              <a:t>Food Safety</a:t>
+            </a:r>
+            <a:endParaRPr lang="fr-FR" sz="2000" b="1" dirty="0"/>
+          </a:p>
+        </p:txBody>
+      </p:sp>
+      <p:sp>
+        <p:nvSpPr>
+          <p:cNvPr id="11" name="Rectangle 10"/>
+          <p:cNvSpPr/>
+          <p:nvPr/>
+        </p:nvSpPr>
+        <p:spPr>
+          <a:xfrm>
+            <a:off x="800675" y="3130295"/>
+            <a:ext cx="7505126" cy="400110"/>
+          </a:xfrm>
+          <a:prstGeom prst="rect">
+            <a:avLst/>
+          </a:prstGeom>
+        </p:spPr>
+        <p:txBody>
+          <a:bodyPr wrap="square">
+            <a:spAutoFit/>
+          </a:bodyPr>
+          <a:lstStyle/>
+          <a:p>
+            <a:pPr algn="just"/>
+            <a:r>
+              <a:rPr lang="en-US" dirty="0" smtClean="0"/>
+              <a:t>The biggest need of Centre and </a:t>
+            </a:r>
+            <a:r>
+              <a:rPr lang="en-US" dirty="0" err="1" smtClean="0"/>
+              <a:t>Artibonite</a:t>
+            </a:r>
+            <a:r>
+              <a:rPr lang="en-US" dirty="0" smtClean="0"/>
+              <a:t> </a:t>
+            </a:r>
+            <a:r>
+              <a:rPr lang="en-US" dirty="0" err="1" smtClean="0"/>
+              <a:t>departements</a:t>
+            </a:r>
+            <a:r>
+              <a:rPr lang="en-US" dirty="0" smtClean="0"/>
+              <a:t> is</a:t>
+            </a:r>
+            <a:r>
+              <a:rPr lang="en-US" sz="2000" b="1" dirty="0" smtClean="0"/>
+              <a:t> Cholera   </a:t>
+            </a:r>
+            <a:endParaRPr lang="fr-FR" sz="2000" b="1" dirty="0"/>
+          </a:p>
+        </p:txBody>
+      </p:sp>
+      <p:sp>
+        <p:nvSpPr>
+          <p:cNvPr id="12" name="Rectangle 11"/>
+          <p:cNvSpPr/>
+          <p:nvPr/>
+        </p:nvSpPr>
+        <p:spPr>
+          <a:xfrm>
+            <a:off x="819436" y="3715649"/>
+            <a:ext cx="7505126" cy="400110"/>
+          </a:xfrm>
+          <a:prstGeom prst="rect">
+            <a:avLst/>
+          </a:prstGeom>
+        </p:spPr>
+        <p:txBody>
+          <a:bodyPr wrap="square">
+            <a:spAutoFit/>
+          </a:bodyPr>
+          <a:lstStyle/>
+          <a:p>
+            <a:pPr algn="just"/>
+            <a:r>
+              <a:rPr lang="en-US" dirty="0" smtClean="0"/>
+              <a:t>The biggest need of </a:t>
+            </a:r>
+            <a:r>
+              <a:rPr lang="en-US" dirty="0" err="1" smtClean="0"/>
+              <a:t>Sud</a:t>
+            </a:r>
+            <a:r>
+              <a:rPr lang="en-US" dirty="0" smtClean="0"/>
+              <a:t> </a:t>
+            </a:r>
+            <a:r>
+              <a:rPr lang="en-US" dirty="0" err="1" smtClean="0"/>
+              <a:t>departement</a:t>
+            </a:r>
+            <a:r>
+              <a:rPr lang="en-US" dirty="0" smtClean="0"/>
+              <a:t> is  </a:t>
+            </a:r>
+            <a:r>
+              <a:rPr lang="en-US" sz="2000" b="1" dirty="0" err="1" smtClean="0"/>
+              <a:t>Chelters</a:t>
+            </a:r>
+            <a:endParaRPr lang="fr-FR" sz="2000" b="1" dirty="0"/>
+          </a:p>
+        </p:txBody>
+      </p:sp>
+    </p:spTree>
+    <p:extLst>
+      <p:ext uri="{BB962C8B-B14F-4D97-AF65-F5344CB8AC3E}">
+        <p14:creationId xmlns:p14="http://schemas.microsoft.com/office/powerpoint/2010/main" val="3518210496"/>
+      </p:ext>
+    </p:extLst>
+  </p:cSld>
+  <p:clrMapOvr>
+    <a:masterClrMapping/>
+  </p:clrMapOvr>
+  <p:timing>
+    <p:tnLst>
+      <p:par>
+        <p:cTn id="1" dur="indefinite" restart="never" nodeType="tmRoot"/>
+      </p:par>
+    </p:tnLst>
+  </p:timing>
+</p:sld>
+</file>
+
+<file path=ppt/slides/slide12.xml><?xml version="1.0" encoding="utf-8"?>
+<p:sld xmlns:a="http://schemas.openxmlformats.org/drawingml/2006/main" xmlns:r="http://schemas.openxmlformats.org/officeDocument/2006/relationships" xmlns:p="http://schemas.openxmlformats.org/presentationml/2006/main">
+  <p:cSld>
+    <p:spTree>
+      <p:nvGrpSpPr>
+        <p:cNvPr id="1" name=""/>
+        <p:cNvGrpSpPr/>
+        <p:nvPr/>
+      </p:nvGrpSpPr>
+      <p:grpSpPr>
+        <a:xfrm>
+          <a:off x="0" y="0"/>
+          <a:ext cx="0" cy="0"/>
+          <a:chOff x="0" y="0"/>
+          <a:chExt cx="0" cy="0"/>
+        </a:xfrm>
+      </p:grpSpPr>
+      <p:sp>
+        <p:nvSpPr>
+          <p:cNvPr id="2" name="object 2"/>
+          <p:cNvSpPr txBox="1">
+            <a:spLocks noGrp="1"/>
+          </p:cNvSpPr>
+          <p:nvPr>
+            <p:ph type="title"/>
+          </p:nvPr>
+        </p:nvSpPr>
+        <p:spPr>
+          <a:xfrm>
+            <a:off x="800675" y="647291"/>
+            <a:ext cx="3582035" cy="421640"/>
+          </a:xfrm>
+          <a:prstGeom prst="rect">
+            <a:avLst/>
+          </a:prstGeom>
+        </p:spPr>
+        <p:txBody>
+          <a:bodyPr vert="horz" wrap="square" lIns="0" tIns="12700" rIns="0" bIns="0" rtlCol="0">
+            <a:spAutoFit/>
+          </a:bodyPr>
+          <a:lstStyle/>
+          <a:p>
+            <a:pPr marL="12700">
+              <a:lnSpc>
+                <a:spcPct val="100000"/>
+              </a:lnSpc>
+              <a:spcBef>
+                <a:spcPts val="100"/>
+              </a:spcBef>
+            </a:pPr>
+            <a:r>
+              <a:rPr sz="2600" b="1" spc="-190" dirty="0" smtClean="0">
+                <a:solidFill>
+                  <a:srgbClr val="1A1A1A"/>
+                </a:solidFill>
+                <a:latin typeface="Trebuchet MS"/>
+                <a:cs typeface="Trebuchet MS"/>
+              </a:rPr>
+              <a:t> </a:t>
+            </a:r>
+            <a:endParaRPr sz="1200" dirty="0">
+              <a:latin typeface="Trebuchet MS"/>
+              <a:cs typeface="Trebuchet MS"/>
+            </a:endParaRPr>
+          </a:p>
+        </p:txBody>
+      </p:sp>
+      <p:sp>
+        <p:nvSpPr>
+          <p:cNvPr id="3" name="Rectangle 2"/>
+          <p:cNvSpPr/>
+          <p:nvPr/>
+        </p:nvSpPr>
+        <p:spPr>
+          <a:xfrm>
+            <a:off x="2514600" y="3409950"/>
+            <a:ext cx="2514600" cy="1066800"/>
+          </a:xfrm>
+          <a:prstGeom prst="rect">
+            <a:avLst/>
+          </a:prstGeom>
+          <a:solidFill>
+            <a:schemeClr val="bg1"/>
+          </a:solidFill>
+          <a:ln>
+            <a:noFill/>
+          </a:ln>
+        </p:spPr>
+        <p:style>
+          <a:lnRef idx="2">
+            <a:schemeClr val="accent1">
+              <a:shade val="50000"/>
+            </a:schemeClr>
+          </a:lnRef>
+          <a:fillRef idx="1">
+            <a:schemeClr val="accent1"/>
+          </a:fillRef>
+          <a:effectRef idx="0">
+            <a:schemeClr val="accent1"/>
+          </a:effectRef>
+          <a:fontRef idx="minor">
+            <a:schemeClr val="lt1"/>
+          </a:fontRef>
+        </p:style>
+        <p:txBody>
+          <a:bodyPr rtlCol="0" anchor="ctr"/>
+          <a:lstStyle/>
+          <a:p>
+            <a:pPr algn="ctr"/>
+            <a:endParaRPr lang="fr-FR"/>
+          </a:p>
+        </p:txBody>
+      </p:sp>
+      <p:sp>
+        <p:nvSpPr>
+          <p:cNvPr id="5" name="Rectangle 4"/>
+          <p:cNvSpPr/>
+          <p:nvPr/>
+        </p:nvSpPr>
+        <p:spPr>
+          <a:xfrm>
+            <a:off x="-1" y="0"/>
+            <a:ext cx="9144001" cy="514350"/>
+          </a:xfrm>
+          <a:prstGeom prst="rect">
+            <a:avLst/>
+          </a:prstGeom>
+          <a:solidFill>
+            <a:schemeClr val="accent5">
+              <a:lumMod val="50000"/>
+            </a:schemeClr>
+          </a:solidFill>
+          <a:ln>
+            <a:solidFill>
+              <a:schemeClr val="accent6"/>
+            </a:solidFill>
+          </a:ln>
+        </p:spPr>
+        <p:style>
+          <a:lnRef idx="2">
+            <a:schemeClr val="accent1">
+              <a:shade val="50000"/>
+            </a:schemeClr>
+          </a:lnRef>
+          <a:fillRef idx="1">
+            <a:schemeClr val="accent1"/>
+          </a:fillRef>
+          <a:effectRef idx="0">
+            <a:schemeClr val="accent1"/>
+          </a:effectRef>
+          <a:fontRef idx="minor">
+            <a:schemeClr val="lt1"/>
+          </a:fontRef>
+        </p:style>
+        <p:txBody>
+          <a:bodyPr rtlCol="0" anchor="ctr"/>
+          <a:lstStyle/>
+          <a:p>
+            <a:pPr algn="ctr"/>
+            <a:endParaRPr lang="fr-FR"/>
+          </a:p>
+        </p:txBody>
+      </p:sp>
+      <p:sp>
+        <p:nvSpPr>
+          <p:cNvPr id="4" name="Rectangle 3"/>
+          <p:cNvSpPr/>
+          <p:nvPr/>
+        </p:nvSpPr>
+        <p:spPr>
+          <a:xfrm>
+            <a:off x="1969109" y="497012"/>
+            <a:ext cx="5715002" cy="2997661"/>
+          </a:xfrm>
+          <a:prstGeom prst="rect">
+            <a:avLst/>
+          </a:prstGeom>
+          <a:solidFill>
+            <a:schemeClr val="bg1"/>
+          </a:solidFill>
+          <a:ln>
+            <a:noFill/>
+          </a:ln>
+        </p:spPr>
+        <p:style>
+          <a:lnRef idx="2">
+            <a:schemeClr val="accent1">
+              <a:shade val="50000"/>
+            </a:schemeClr>
+          </a:lnRef>
+          <a:fillRef idx="1">
+            <a:schemeClr val="accent1"/>
+          </a:fillRef>
+          <a:effectRef idx="0">
+            <a:schemeClr val="accent1"/>
+          </a:effectRef>
+          <a:fontRef idx="minor">
+            <a:schemeClr val="lt1"/>
+          </a:fontRef>
+        </p:style>
+        <p:txBody>
+          <a:bodyPr rtlCol="0" anchor="ctr"/>
+          <a:lstStyle/>
+          <a:p>
+            <a:pPr lvl="0"/>
+            <a:r>
+              <a:rPr lang="en-US" sz="3200" b="1" dirty="0">
+                <a:solidFill>
+                  <a:schemeClr val="accent6">
+                    <a:lumMod val="50000"/>
+                  </a:schemeClr>
+                </a:solidFill>
+              </a:rPr>
+              <a:t>Unsupervised Machine Learning</a:t>
+            </a:r>
+          </a:p>
+        </p:txBody>
+      </p:sp>
+      <p:sp>
+        <p:nvSpPr>
+          <p:cNvPr id="6" name="Rectangle 5"/>
+          <p:cNvSpPr/>
+          <p:nvPr/>
+        </p:nvSpPr>
+        <p:spPr>
+          <a:xfrm>
+            <a:off x="743069" y="899915"/>
+            <a:ext cx="846129" cy="400110"/>
+          </a:xfrm>
+          <a:prstGeom prst="rect">
+            <a:avLst/>
+          </a:prstGeom>
+        </p:spPr>
+        <p:txBody>
+          <a:bodyPr wrap="none">
+            <a:spAutoFit/>
+          </a:bodyPr>
+          <a:lstStyle/>
+          <a:p>
+            <a:r>
+              <a:rPr lang="en-US" sz="2000" b="1" dirty="0" smtClean="0"/>
+              <a:t>Result</a:t>
+            </a:r>
+            <a:endParaRPr lang="fr-FR" sz="2000" b="1" dirty="0"/>
+          </a:p>
+        </p:txBody>
+      </p:sp>
+      <p:sp>
+        <p:nvSpPr>
+          <p:cNvPr id="10" name="Rectangle 9"/>
+          <p:cNvSpPr/>
+          <p:nvPr/>
+        </p:nvSpPr>
+        <p:spPr>
+          <a:xfrm>
+            <a:off x="800675" y="2408715"/>
+            <a:ext cx="7505126" cy="1200329"/>
+          </a:xfrm>
+          <a:prstGeom prst="rect">
+            <a:avLst/>
+          </a:prstGeom>
+        </p:spPr>
+        <p:txBody>
+          <a:bodyPr wrap="square">
+            <a:spAutoFit/>
+          </a:bodyPr>
+          <a:lstStyle/>
+          <a:p>
+            <a:pPr algn="just"/>
+            <a:r>
+              <a:rPr lang="en-US" dirty="0" smtClean="0"/>
+              <a:t>We </a:t>
+            </a:r>
+            <a:r>
+              <a:rPr lang="en-US" dirty="0"/>
+              <a:t>will perform a k-mean clustering which consists in grouping the data in several groups of commune according to their </a:t>
+            </a:r>
+            <a:r>
+              <a:rPr lang="en-US" dirty="0" smtClean="0"/>
+              <a:t>similarities level of need </a:t>
+            </a:r>
+            <a:r>
+              <a:rPr lang="en-US" dirty="0"/>
+              <a:t>after having determined the optimal number of group or cluster = k.</a:t>
+            </a:r>
+          </a:p>
+          <a:p>
+            <a:pPr algn="just"/>
+            <a:r>
+              <a:rPr lang="en-US" dirty="0" smtClean="0"/>
+              <a:t>k=3</a:t>
+            </a:r>
+            <a:endParaRPr lang="fr-FR" dirty="0"/>
+          </a:p>
+        </p:txBody>
+      </p:sp>
+    </p:spTree>
+    <p:extLst>
+      <p:ext uri="{BB962C8B-B14F-4D97-AF65-F5344CB8AC3E}">
+        <p14:creationId xmlns:p14="http://schemas.microsoft.com/office/powerpoint/2010/main" val="491296449"/>
+      </p:ext>
+    </p:extLst>
+  </p:cSld>
+  <p:clrMapOvr>
+    <a:masterClrMapping/>
+  </p:clrMapOvr>
+  <p:timing>
+    <p:tnLst>
+      <p:par>
+        <p:cTn id="1" dur="indefinite" restart="never" nodeType="tmRoot"/>
+      </p:par>
+    </p:tnLst>
+  </p:timing>
+</p:sld>
+</file>
+
+<file path=ppt/slides/slide13.xml><?xml version="1.0" encoding="utf-8"?>
+<p:sld xmlns:a="http://schemas.openxmlformats.org/drawingml/2006/main" xmlns:r="http://schemas.openxmlformats.org/officeDocument/2006/relationships" xmlns:p="http://schemas.openxmlformats.org/presentationml/2006/main">
+  <p:cSld>
+    <p:spTree>
+      <p:nvGrpSpPr>
+        <p:cNvPr id="1" name=""/>
+        <p:cNvGrpSpPr/>
+        <p:nvPr/>
+      </p:nvGrpSpPr>
+      <p:grpSpPr>
+        <a:xfrm>
+          <a:off x="0" y="0"/>
+          <a:ext cx="0" cy="0"/>
+          <a:chOff x="0" y="0"/>
+          <a:chExt cx="0" cy="0"/>
+        </a:xfrm>
+      </p:grpSpPr>
+      <p:sp>
+        <p:nvSpPr>
+          <p:cNvPr id="2" name="object 2"/>
+          <p:cNvSpPr txBox="1">
+            <a:spLocks noGrp="1"/>
+          </p:cNvSpPr>
+          <p:nvPr>
+            <p:ph type="title"/>
+          </p:nvPr>
+        </p:nvSpPr>
+        <p:spPr>
+          <a:xfrm>
+            <a:off x="800675" y="647291"/>
+            <a:ext cx="3582035" cy="421640"/>
+          </a:xfrm>
+          <a:prstGeom prst="rect">
+            <a:avLst/>
+          </a:prstGeom>
+        </p:spPr>
+        <p:txBody>
+          <a:bodyPr vert="horz" wrap="square" lIns="0" tIns="12700" rIns="0" bIns="0" rtlCol="0">
+            <a:spAutoFit/>
+          </a:bodyPr>
+          <a:lstStyle/>
+          <a:p>
+            <a:pPr marL="12700">
+              <a:lnSpc>
+                <a:spcPct val="100000"/>
+              </a:lnSpc>
+              <a:spcBef>
+                <a:spcPts val="100"/>
+              </a:spcBef>
+            </a:pPr>
+            <a:r>
+              <a:rPr sz="2600" b="1" spc="-190" dirty="0" smtClean="0">
+                <a:solidFill>
+                  <a:srgbClr val="1A1A1A"/>
+                </a:solidFill>
+                <a:latin typeface="Trebuchet MS"/>
+                <a:cs typeface="Trebuchet MS"/>
+              </a:rPr>
+              <a:t> </a:t>
+            </a:r>
+            <a:endParaRPr sz="1200" dirty="0">
+              <a:latin typeface="Trebuchet MS"/>
+              <a:cs typeface="Trebuchet MS"/>
+            </a:endParaRPr>
+          </a:p>
+        </p:txBody>
+      </p:sp>
+      <p:sp>
+        <p:nvSpPr>
+          <p:cNvPr id="3" name="Rectangle 2"/>
+          <p:cNvSpPr/>
+          <p:nvPr/>
+        </p:nvSpPr>
+        <p:spPr>
+          <a:xfrm>
+            <a:off x="2514600" y="3409950"/>
+            <a:ext cx="2514600" cy="1066800"/>
+          </a:xfrm>
+          <a:prstGeom prst="rect">
+            <a:avLst/>
+          </a:prstGeom>
+          <a:solidFill>
+            <a:schemeClr val="bg1"/>
+          </a:solidFill>
+          <a:ln>
+            <a:noFill/>
+          </a:ln>
+        </p:spPr>
+        <p:style>
+          <a:lnRef idx="2">
+            <a:schemeClr val="accent1">
+              <a:shade val="50000"/>
+            </a:schemeClr>
+          </a:lnRef>
+          <a:fillRef idx="1">
+            <a:schemeClr val="accent1"/>
+          </a:fillRef>
+          <a:effectRef idx="0">
+            <a:schemeClr val="accent1"/>
+          </a:effectRef>
+          <a:fontRef idx="minor">
+            <a:schemeClr val="lt1"/>
+          </a:fontRef>
+        </p:style>
+        <p:txBody>
+          <a:bodyPr rtlCol="0" anchor="ctr"/>
+          <a:lstStyle/>
+          <a:p>
+            <a:pPr algn="ctr"/>
+            <a:endParaRPr lang="fr-FR"/>
+          </a:p>
+        </p:txBody>
+      </p:sp>
+      <p:sp>
+        <p:nvSpPr>
+          <p:cNvPr id="5" name="Rectangle 4"/>
+          <p:cNvSpPr/>
+          <p:nvPr/>
+        </p:nvSpPr>
+        <p:spPr>
+          <a:xfrm>
+            <a:off x="-1" y="0"/>
+            <a:ext cx="9144001" cy="514350"/>
+          </a:xfrm>
+          <a:prstGeom prst="rect">
+            <a:avLst/>
+          </a:prstGeom>
+          <a:solidFill>
+            <a:schemeClr val="accent5">
+              <a:lumMod val="50000"/>
+            </a:schemeClr>
+          </a:solidFill>
+          <a:ln>
+            <a:solidFill>
+              <a:schemeClr val="accent6"/>
+            </a:solidFill>
+          </a:ln>
+        </p:spPr>
+        <p:style>
+          <a:lnRef idx="2">
+            <a:schemeClr val="accent1">
+              <a:shade val="50000"/>
+            </a:schemeClr>
+          </a:lnRef>
+          <a:fillRef idx="1">
+            <a:schemeClr val="accent1"/>
+          </a:fillRef>
+          <a:effectRef idx="0">
+            <a:schemeClr val="accent1"/>
+          </a:effectRef>
+          <a:fontRef idx="minor">
+            <a:schemeClr val="lt1"/>
+          </a:fontRef>
+        </p:style>
+        <p:txBody>
+          <a:bodyPr rtlCol="0" anchor="ctr"/>
+          <a:lstStyle/>
+          <a:p>
+            <a:pPr algn="ctr"/>
+            <a:endParaRPr lang="fr-FR"/>
+          </a:p>
+        </p:txBody>
+      </p:sp>
+      <p:sp>
+        <p:nvSpPr>
+          <p:cNvPr id="6" name="Rectangle 5"/>
+          <p:cNvSpPr/>
+          <p:nvPr/>
+        </p:nvSpPr>
+        <p:spPr>
+          <a:xfrm>
+            <a:off x="743069" y="899915"/>
+            <a:ext cx="846129" cy="400110"/>
+          </a:xfrm>
+          <a:prstGeom prst="rect">
+            <a:avLst/>
+          </a:prstGeom>
+        </p:spPr>
+        <p:txBody>
+          <a:bodyPr wrap="none">
+            <a:spAutoFit/>
+          </a:bodyPr>
+          <a:lstStyle/>
+          <a:p>
+            <a:r>
+              <a:rPr lang="en-US" sz="2000" b="1" dirty="0" smtClean="0"/>
+              <a:t>Result</a:t>
+            </a:r>
+            <a:endParaRPr lang="fr-FR" sz="2000" b="1" dirty="0"/>
+          </a:p>
+        </p:txBody>
+      </p:sp>
+      <p:pic>
+        <p:nvPicPr>
+          <p:cNvPr id="7" name="Image 6"/>
+          <p:cNvPicPr>
+            <a:picLocks noChangeAspect="1"/>
+          </p:cNvPicPr>
+          <p:nvPr/>
+        </p:nvPicPr>
+        <p:blipFill>
+          <a:blip r:embed="rId3">
+            <a:extLst>
+              <a:ext uri="{28A0092B-C50C-407E-A947-70E740481C1C}">
+                <a14:useLocalDpi xmlns:a14="http://schemas.microsoft.com/office/drawing/2010/main" val="0"/>
+              </a:ext>
+            </a:extLst>
+          </a:blip>
+          <a:stretch>
+            <a:fillRect/>
+          </a:stretch>
+        </p:blipFill>
+        <p:spPr>
+          <a:xfrm>
+            <a:off x="298192" y="542929"/>
+            <a:ext cx="8547612" cy="4267200"/>
+          </a:xfrm>
+          <a:prstGeom prst="rect">
+            <a:avLst/>
+          </a:prstGeom>
+        </p:spPr>
+      </p:pic>
+      <p:sp>
+        <p:nvSpPr>
+          <p:cNvPr id="9" name="Rectangle 8"/>
+          <p:cNvSpPr/>
+          <p:nvPr/>
+        </p:nvSpPr>
+        <p:spPr>
+          <a:xfrm>
+            <a:off x="4599217" y="3076571"/>
+            <a:ext cx="1802892" cy="1061941"/>
+          </a:xfrm>
+          <a:prstGeom prst="rect">
+            <a:avLst/>
+          </a:prstGeom>
+          <a:noFill/>
+          <a:ln>
+            <a:solidFill>
+              <a:srgbClr val="C00000"/>
+            </a:solidFill>
+          </a:ln>
+        </p:spPr>
+        <p:style>
+          <a:lnRef idx="2">
+            <a:schemeClr val="accent1">
+              <a:shade val="50000"/>
+            </a:schemeClr>
+          </a:lnRef>
+          <a:fillRef idx="1">
+            <a:schemeClr val="accent1"/>
+          </a:fillRef>
+          <a:effectRef idx="0">
+            <a:schemeClr val="accent1"/>
+          </a:effectRef>
+          <a:fontRef idx="minor">
+            <a:schemeClr val="lt1"/>
+          </a:fontRef>
+        </p:style>
+        <p:txBody>
+          <a:bodyPr rtlCol="0" anchor="ctr"/>
+          <a:lstStyle/>
+          <a:p>
+            <a:pPr algn="ctr"/>
+            <a:endParaRPr lang="fr-FR"/>
+          </a:p>
+        </p:txBody>
+      </p:sp>
+      <p:cxnSp>
+        <p:nvCxnSpPr>
+          <p:cNvPr id="12" name="Connecteur droit avec flèche 11"/>
+          <p:cNvCxnSpPr/>
+          <p:nvPr/>
+        </p:nvCxnSpPr>
+        <p:spPr>
+          <a:xfrm flipV="1">
+            <a:off x="6390983" y="3714750"/>
+            <a:ext cx="1070590" cy="18365"/>
+          </a:xfrm>
+          <a:prstGeom prst="straightConnector1">
+            <a:avLst/>
+          </a:prstGeom>
+          <a:ln>
+            <a:solidFill>
+              <a:srgbClr val="C00000"/>
+            </a:solidFill>
+            <a:tailEnd type="triangle"/>
+          </a:ln>
+        </p:spPr>
+        <p:style>
+          <a:lnRef idx="1">
+            <a:schemeClr val="accent1"/>
+          </a:lnRef>
+          <a:fillRef idx="0">
+            <a:schemeClr val="accent1"/>
+          </a:fillRef>
+          <a:effectRef idx="0">
+            <a:schemeClr val="accent1"/>
+          </a:effectRef>
+          <a:fontRef idx="minor">
+            <a:schemeClr val="tx1"/>
+          </a:fontRef>
+        </p:style>
+      </p:cxnSp>
+      <p:sp>
+        <p:nvSpPr>
+          <p:cNvPr id="13" name="ZoneTexte 12"/>
+          <p:cNvSpPr txBox="1"/>
+          <p:nvPr/>
+        </p:nvSpPr>
+        <p:spPr>
+          <a:xfrm>
+            <a:off x="7461572" y="3245859"/>
+            <a:ext cx="1682428" cy="830997"/>
+          </a:xfrm>
+          <a:prstGeom prst="rect">
+            <a:avLst/>
+          </a:prstGeom>
+          <a:noFill/>
+        </p:spPr>
+        <p:txBody>
+          <a:bodyPr wrap="square" rtlCol="0">
+            <a:spAutoFit/>
+          </a:bodyPr>
+          <a:lstStyle/>
+          <a:p>
+            <a:r>
+              <a:rPr lang="en-US" sz="1600" dirty="0" smtClean="0">
+                <a:solidFill>
+                  <a:srgbClr val="FF0000"/>
+                </a:solidFill>
+              </a:rPr>
+              <a:t>West Department 6/12 </a:t>
+            </a:r>
+          </a:p>
+          <a:p>
+            <a:r>
+              <a:rPr lang="en-US" sz="1600" dirty="0" smtClean="0">
+                <a:solidFill>
+                  <a:srgbClr val="FF0000"/>
+                </a:solidFill>
+              </a:rPr>
+              <a:t>50%</a:t>
+            </a:r>
+            <a:endParaRPr lang="fr-FR" sz="1600" dirty="0">
+              <a:solidFill>
+                <a:srgbClr val="FF0000"/>
+              </a:solidFill>
+            </a:endParaRPr>
+          </a:p>
+        </p:txBody>
+      </p:sp>
+      <p:cxnSp>
+        <p:nvCxnSpPr>
+          <p:cNvPr id="15" name="Connecteur droit avec flèche 14"/>
+          <p:cNvCxnSpPr/>
+          <p:nvPr/>
+        </p:nvCxnSpPr>
+        <p:spPr>
+          <a:xfrm flipH="1" flipV="1">
+            <a:off x="2705304" y="1478070"/>
+            <a:ext cx="2606249" cy="1688382"/>
+          </a:xfrm>
+          <a:prstGeom prst="straightConnector1">
+            <a:avLst/>
+          </a:prstGeom>
+          <a:ln>
+            <a:tailEnd type="triangle"/>
+          </a:ln>
+        </p:spPr>
+        <p:style>
+          <a:lnRef idx="1">
+            <a:schemeClr val="accent1"/>
+          </a:lnRef>
+          <a:fillRef idx="0">
+            <a:schemeClr val="accent1"/>
+          </a:fillRef>
+          <a:effectRef idx="0">
+            <a:schemeClr val="accent1"/>
+          </a:effectRef>
+          <a:fontRef idx="minor">
+            <a:schemeClr val="tx1"/>
+          </a:fontRef>
+        </p:style>
+      </p:cxnSp>
+      <p:cxnSp>
+        <p:nvCxnSpPr>
+          <p:cNvPr id="18" name="Connecteur droit avec flèche 17"/>
+          <p:cNvCxnSpPr/>
+          <p:nvPr/>
+        </p:nvCxnSpPr>
+        <p:spPr>
+          <a:xfrm flipV="1">
+            <a:off x="5758760" y="2925615"/>
+            <a:ext cx="1702811" cy="420387"/>
+          </a:xfrm>
+          <a:prstGeom prst="straightConnector1">
+            <a:avLst/>
+          </a:prstGeom>
+          <a:ln>
+            <a:tailEnd type="triangle"/>
+          </a:ln>
+        </p:spPr>
+        <p:style>
+          <a:lnRef idx="1">
+            <a:schemeClr val="accent1"/>
+          </a:lnRef>
+          <a:fillRef idx="0">
+            <a:schemeClr val="accent1"/>
+          </a:fillRef>
+          <a:effectRef idx="0">
+            <a:schemeClr val="accent1"/>
+          </a:effectRef>
+          <a:fontRef idx="minor">
+            <a:schemeClr val="tx1"/>
+          </a:fontRef>
+        </p:style>
+      </p:cxnSp>
+      <p:cxnSp>
+        <p:nvCxnSpPr>
+          <p:cNvPr id="21" name="Connecteur droit avec flèche 20"/>
+          <p:cNvCxnSpPr/>
+          <p:nvPr/>
+        </p:nvCxnSpPr>
+        <p:spPr>
+          <a:xfrm flipH="1" flipV="1">
+            <a:off x="2858413" y="1842546"/>
+            <a:ext cx="2922563" cy="1988164"/>
+          </a:xfrm>
+          <a:prstGeom prst="straightConnector1">
+            <a:avLst/>
+          </a:prstGeom>
+          <a:ln>
+            <a:tailEnd type="triangle"/>
+          </a:ln>
+        </p:spPr>
+        <p:style>
+          <a:lnRef idx="1">
+            <a:schemeClr val="accent5"/>
+          </a:lnRef>
+          <a:fillRef idx="0">
+            <a:schemeClr val="accent5"/>
+          </a:fillRef>
+          <a:effectRef idx="0">
+            <a:schemeClr val="accent5"/>
+          </a:effectRef>
+          <a:fontRef idx="minor">
+            <a:schemeClr val="tx1"/>
+          </a:fontRef>
+        </p:style>
+      </p:cxnSp>
+      <p:cxnSp>
+        <p:nvCxnSpPr>
+          <p:cNvPr id="23" name="Connecteur droit avec flèche 22"/>
+          <p:cNvCxnSpPr/>
+          <p:nvPr/>
+        </p:nvCxnSpPr>
+        <p:spPr>
+          <a:xfrm flipH="1" flipV="1">
+            <a:off x="1958201" y="3098933"/>
+            <a:ext cx="2490580" cy="1085207"/>
+          </a:xfrm>
+          <a:prstGeom prst="straightConnector1">
+            <a:avLst/>
+          </a:prstGeom>
+          <a:ln>
+            <a:tailEnd type="triangle"/>
+          </a:ln>
+        </p:spPr>
+        <p:style>
+          <a:lnRef idx="1">
+            <a:schemeClr val="accent1"/>
+          </a:lnRef>
+          <a:fillRef idx="0">
+            <a:schemeClr val="accent1"/>
+          </a:fillRef>
+          <a:effectRef idx="0">
+            <a:schemeClr val="accent1"/>
+          </a:effectRef>
+          <a:fontRef idx="minor">
+            <a:schemeClr val="tx1"/>
+          </a:fontRef>
+        </p:style>
+      </p:cxnSp>
+      <p:cxnSp>
+        <p:nvCxnSpPr>
+          <p:cNvPr id="25" name="Connecteur droit avec flèche 24"/>
+          <p:cNvCxnSpPr/>
+          <p:nvPr/>
+        </p:nvCxnSpPr>
+        <p:spPr>
+          <a:xfrm flipH="1" flipV="1">
+            <a:off x="2019117" y="2744635"/>
+            <a:ext cx="2688344" cy="1313016"/>
+          </a:xfrm>
+          <a:prstGeom prst="straightConnector1">
+            <a:avLst/>
+          </a:prstGeom>
+          <a:ln>
+            <a:tailEnd type="triangle"/>
+          </a:ln>
+        </p:spPr>
+        <p:style>
+          <a:lnRef idx="1">
+            <a:schemeClr val="accent1"/>
+          </a:lnRef>
+          <a:fillRef idx="0">
+            <a:schemeClr val="accent1"/>
+          </a:fillRef>
+          <a:effectRef idx="0">
+            <a:schemeClr val="accent1"/>
+          </a:effectRef>
+          <a:fontRef idx="minor">
+            <a:schemeClr val="tx1"/>
+          </a:fontRef>
+        </p:style>
+      </p:cxnSp>
+      <p:cxnSp>
+        <p:nvCxnSpPr>
+          <p:cNvPr id="27" name="Connecteur droit avec flèche 26"/>
+          <p:cNvCxnSpPr/>
+          <p:nvPr/>
+        </p:nvCxnSpPr>
+        <p:spPr>
+          <a:xfrm flipH="1" flipV="1">
+            <a:off x="2705303" y="2085647"/>
+            <a:ext cx="2497058" cy="1895804"/>
+          </a:xfrm>
+          <a:prstGeom prst="straightConnector1">
+            <a:avLst/>
+          </a:prstGeom>
+          <a:ln>
+            <a:tailEnd type="triangle"/>
+          </a:ln>
+        </p:spPr>
+        <p:style>
+          <a:lnRef idx="1">
+            <a:schemeClr val="accent1"/>
+          </a:lnRef>
+          <a:fillRef idx="0">
+            <a:schemeClr val="accent1"/>
+          </a:fillRef>
+          <a:effectRef idx="0">
+            <a:schemeClr val="accent1"/>
+          </a:effectRef>
+          <a:fontRef idx="minor">
+            <a:schemeClr val="tx1"/>
+          </a:fontRef>
+        </p:style>
+      </p:cxnSp>
+      <p:sp>
+        <p:nvSpPr>
+          <p:cNvPr id="32" name="Rectangle 31"/>
+          <p:cNvSpPr/>
+          <p:nvPr/>
+        </p:nvSpPr>
+        <p:spPr>
+          <a:xfrm>
+            <a:off x="1514533" y="-49284"/>
+            <a:ext cx="6114931" cy="592213"/>
+          </a:xfrm>
+          <a:prstGeom prst="rect">
+            <a:avLst/>
+          </a:prstGeom>
+        </p:spPr>
+        <p:txBody>
+          <a:bodyPr wrap="square">
+            <a:spAutoFit/>
+          </a:bodyPr>
+          <a:lstStyle/>
+          <a:p>
+            <a:pPr marL="12700" marR="128270" algn="ctr">
+              <a:lnSpc>
+                <a:spcPct val="115599"/>
+              </a:lnSpc>
+              <a:spcBef>
+                <a:spcPts val="100"/>
+              </a:spcBef>
+            </a:pPr>
+            <a:r>
+              <a:rPr lang="en-US" sz="1400" spc="-20" dirty="0" smtClean="0">
+                <a:solidFill>
+                  <a:schemeClr val="bg1"/>
+                </a:solidFill>
+                <a:latin typeface="Noto Sans"/>
+                <a:cs typeface="Noto Sans"/>
+              </a:rPr>
+              <a:t>Red Color</a:t>
+            </a:r>
+            <a:r>
+              <a:rPr lang="en-US" sz="1400" spc="-20" dirty="0" smtClean="0">
+                <a:solidFill>
+                  <a:schemeClr val="bg1"/>
+                </a:solidFill>
+                <a:latin typeface="Noto Sans"/>
+                <a:cs typeface="Noto Sans"/>
+                <a:sym typeface="Wingdings" panose="05000000000000000000" pitchFamily="2" charset="2"/>
+              </a:rPr>
+              <a:t> </a:t>
+            </a:r>
+            <a:r>
+              <a:rPr lang="en-US" sz="1400" spc="-20" dirty="0" smtClean="0">
+                <a:solidFill>
+                  <a:schemeClr val="bg1"/>
+                </a:solidFill>
+                <a:latin typeface="Noto Sans"/>
+                <a:cs typeface="Noto Sans"/>
+              </a:rPr>
+              <a:t>The high </a:t>
+            </a:r>
+            <a:r>
+              <a:rPr lang="en-US" sz="1400" spc="-20" dirty="0">
+                <a:solidFill>
+                  <a:schemeClr val="bg1"/>
+                </a:solidFill>
+                <a:latin typeface="Noto Sans"/>
+                <a:cs typeface="Noto Sans"/>
+              </a:rPr>
+              <a:t>affected group is the profile </a:t>
+            </a:r>
+            <a:r>
+              <a:rPr lang="en-US" sz="1400" spc="-25" dirty="0">
+                <a:solidFill>
+                  <a:schemeClr val="bg1"/>
+                </a:solidFill>
+                <a:latin typeface="Noto Sans"/>
+                <a:cs typeface="Noto Sans"/>
+              </a:rPr>
+              <a:t>have  </a:t>
+            </a:r>
+            <a:r>
+              <a:rPr lang="en-US" sz="1400" spc="-15" dirty="0" smtClean="0">
+                <a:solidFill>
+                  <a:schemeClr val="bg1"/>
+                </a:solidFill>
+                <a:latin typeface="Noto Sans"/>
+                <a:cs typeface="Noto Sans"/>
+              </a:rPr>
+              <a:t>more urgent </a:t>
+            </a:r>
+            <a:r>
+              <a:rPr lang="en-US" sz="1400" spc="-15" dirty="0">
+                <a:solidFill>
+                  <a:schemeClr val="bg1"/>
+                </a:solidFill>
+                <a:latin typeface="Noto Sans"/>
+                <a:cs typeface="Noto Sans"/>
+              </a:rPr>
+              <a:t>people need</a:t>
+            </a:r>
+            <a:r>
+              <a:rPr lang="en-US" sz="1400" spc="-25" dirty="0">
+                <a:solidFill>
+                  <a:schemeClr val="bg1"/>
+                </a:solidFill>
+                <a:latin typeface="Noto Sans"/>
+                <a:cs typeface="Noto Sans"/>
+              </a:rPr>
+              <a:t>  than any</a:t>
+            </a:r>
+            <a:r>
+              <a:rPr lang="en-US" sz="1400" dirty="0">
+                <a:solidFill>
+                  <a:schemeClr val="bg1"/>
+                </a:solidFill>
+                <a:latin typeface="Noto Sans"/>
+                <a:cs typeface="Noto Sans"/>
+              </a:rPr>
+              <a:t> </a:t>
+            </a:r>
+            <a:r>
+              <a:rPr lang="en-US" sz="1400" spc="-20" dirty="0">
+                <a:solidFill>
+                  <a:schemeClr val="bg1"/>
+                </a:solidFill>
+                <a:latin typeface="Noto Sans"/>
+                <a:cs typeface="Noto Sans"/>
+              </a:rPr>
+              <a:t>other groups</a:t>
+            </a:r>
+            <a:r>
+              <a:rPr lang="en-US" sz="1400" spc="-20" dirty="0" smtClean="0">
+                <a:solidFill>
+                  <a:schemeClr val="bg1"/>
+                </a:solidFill>
+                <a:latin typeface="Noto Sans"/>
+                <a:cs typeface="Noto Sans"/>
+              </a:rPr>
+              <a:t>. </a:t>
+            </a:r>
+            <a:r>
+              <a:rPr lang="en-US" sz="1400" spc="-20" dirty="0" smtClean="0">
+                <a:solidFill>
+                  <a:schemeClr val="bg1"/>
+                </a:solidFill>
+                <a:latin typeface="Noto Sans"/>
+                <a:cs typeface="Noto Sans"/>
+                <a:sym typeface="Wingdings" panose="05000000000000000000" pitchFamily="2" charset="2"/>
+              </a:rPr>
+              <a:t> cluster=12 Communes</a:t>
+            </a:r>
+            <a:endParaRPr lang="en-US" sz="1400" dirty="0">
+              <a:solidFill>
+                <a:schemeClr val="bg1"/>
+              </a:solidFill>
+              <a:latin typeface="Noto Sans"/>
+              <a:cs typeface="Noto Sans"/>
+            </a:endParaRPr>
+          </a:p>
+        </p:txBody>
+      </p:sp>
+      <p:cxnSp>
+        <p:nvCxnSpPr>
+          <p:cNvPr id="35" name="Connecteur droit avec flèche 34"/>
+          <p:cNvCxnSpPr/>
+          <p:nvPr/>
+        </p:nvCxnSpPr>
+        <p:spPr>
+          <a:xfrm flipV="1">
+            <a:off x="6629400" y="2038350"/>
+            <a:ext cx="1000064" cy="152400"/>
+          </a:xfrm>
+          <a:prstGeom prst="straightConnector1">
+            <a:avLst/>
+          </a:prstGeom>
+          <a:ln>
+            <a:tailEnd type="triangle"/>
+          </a:ln>
+        </p:spPr>
+        <p:style>
+          <a:lnRef idx="1">
+            <a:schemeClr val="accent1"/>
+          </a:lnRef>
+          <a:fillRef idx="0">
+            <a:schemeClr val="accent1"/>
+          </a:fillRef>
+          <a:effectRef idx="0">
+            <a:schemeClr val="accent1"/>
+          </a:effectRef>
+          <a:fontRef idx="minor">
+            <a:schemeClr val="tx1"/>
+          </a:fontRef>
+        </p:style>
+      </p:cxnSp>
+      <p:cxnSp>
+        <p:nvCxnSpPr>
+          <p:cNvPr id="37" name="Connecteur droit avec flèche 36"/>
+          <p:cNvCxnSpPr/>
+          <p:nvPr/>
+        </p:nvCxnSpPr>
+        <p:spPr>
+          <a:xfrm flipV="1">
+            <a:off x="5867400" y="1428750"/>
+            <a:ext cx="1594173" cy="344994"/>
+          </a:xfrm>
+          <a:prstGeom prst="straightConnector1">
+            <a:avLst/>
+          </a:prstGeom>
+          <a:ln>
+            <a:tailEnd type="triangle"/>
+          </a:ln>
+        </p:spPr>
+        <p:style>
+          <a:lnRef idx="1">
+            <a:schemeClr val="accent1"/>
+          </a:lnRef>
+          <a:fillRef idx="0">
+            <a:schemeClr val="accent1"/>
+          </a:fillRef>
+          <a:effectRef idx="0">
+            <a:schemeClr val="accent1"/>
+          </a:effectRef>
+          <a:fontRef idx="minor">
+            <a:schemeClr val="tx1"/>
+          </a:fontRef>
+        </p:style>
+      </p:cxnSp>
+      <p:cxnSp>
+        <p:nvCxnSpPr>
+          <p:cNvPr id="39" name="Connecteur droit avec flèche 38"/>
+          <p:cNvCxnSpPr>
+            <a:endCxn id="70" idx="3"/>
+          </p:cNvCxnSpPr>
+          <p:nvPr/>
+        </p:nvCxnSpPr>
+        <p:spPr>
+          <a:xfrm flipH="1" flipV="1">
+            <a:off x="1873566" y="3683728"/>
+            <a:ext cx="945834" cy="31022"/>
+          </a:xfrm>
+          <a:prstGeom prst="straightConnector1">
+            <a:avLst/>
+          </a:prstGeom>
+          <a:ln>
+            <a:tailEnd type="triangle"/>
+          </a:ln>
+        </p:spPr>
+        <p:style>
+          <a:lnRef idx="1">
+            <a:schemeClr val="accent1"/>
+          </a:lnRef>
+          <a:fillRef idx="0">
+            <a:schemeClr val="accent1"/>
+          </a:fillRef>
+          <a:effectRef idx="0">
+            <a:schemeClr val="accent1"/>
+          </a:effectRef>
+          <a:fontRef idx="minor">
+            <a:schemeClr val="tx1"/>
+          </a:fontRef>
+        </p:style>
+      </p:cxnSp>
+      <p:cxnSp>
+        <p:nvCxnSpPr>
+          <p:cNvPr id="41" name="Connecteur droit avec flèche 40"/>
+          <p:cNvCxnSpPr/>
+          <p:nvPr/>
+        </p:nvCxnSpPr>
+        <p:spPr>
+          <a:xfrm flipH="1">
+            <a:off x="1676400" y="4249013"/>
+            <a:ext cx="1752600" cy="75337"/>
+          </a:xfrm>
+          <a:prstGeom prst="straightConnector1">
+            <a:avLst/>
+          </a:prstGeom>
+          <a:ln>
+            <a:tailEnd type="triangle"/>
+          </a:ln>
+        </p:spPr>
+        <p:style>
+          <a:lnRef idx="1">
+            <a:schemeClr val="accent1"/>
+          </a:lnRef>
+          <a:fillRef idx="0">
+            <a:schemeClr val="accent1"/>
+          </a:fillRef>
+          <a:effectRef idx="0">
+            <a:schemeClr val="accent1"/>
+          </a:effectRef>
+          <a:fontRef idx="minor">
+            <a:schemeClr val="tx1"/>
+          </a:fontRef>
+        </p:style>
+      </p:cxnSp>
+      <p:cxnSp>
+        <p:nvCxnSpPr>
+          <p:cNvPr id="43" name="Connecteur droit avec flèche 42"/>
+          <p:cNvCxnSpPr/>
+          <p:nvPr/>
+        </p:nvCxnSpPr>
+        <p:spPr>
+          <a:xfrm>
+            <a:off x="5410200" y="4138512"/>
+            <a:ext cx="762000" cy="643038"/>
+          </a:xfrm>
+          <a:prstGeom prst="straightConnector1">
+            <a:avLst/>
+          </a:prstGeom>
+          <a:ln>
+            <a:tailEnd type="triangle"/>
+          </a:ln>
+        </p:spPr>
+        <p:style>
+          <a:lnRef idx="1">
+            <a:schemeClr val="accent1"/>
+          </a:lnRef>
+          <a:fillRef idx="0">
+            <a:schemeClr val="accent1"/>
+          </a:fillRef>
+          <a:effectRef idx="0">
+            <a:schemeClr val="accent1"/>
+          </a:effectRef>
+          <a:fontRef idx="minor">
+            <a:schemeClr val="tx1"/>
+          </a:fontRef>
+        </p:style>
+      </p:cxnSp>
+      <p:sp>
+        <p:nvSpPr>
+          <p:cNvPr id="44" name="ZoneTexte 43"/>
+          <p:cNvSpPr txBox="1"/>
+          <p:nvPr/>
+        </p:nvSpPr>
+        <p:spPr>
+          <a:xfrm>
+            <a:off x="7461573" y="1221203"/>
+            <a:ext cx="1482196" cy="584775"/>
+          </a:xfrm>
+          <a:prstGeom prst="rect">
+            <a:avLst/>
+          </a:prstGeom>
+          <a:noFill/>
+        </p:spPr>
+        <p:txBody>
+          <a:bodyPr wrap="square" rtlCol="0">
+            <a:spAutoFit/>
+          </a:bodyPr>
+          <a:lstStyle/>
+          <a:p>
+            <a:r>
+              <a:rPr lang="en-US" sz="1600" dirty="0" smtClean="0"/>
+              <a:t>Cap-</a:t>
+            </a:r>
+            <a:r>
+              <a:rPr lang="en-US" sz="1600" dirty="0" err="1" smtClean="0"/>
+              <a:t>Haiten</a:t>
+            </a:r>
+            <a:r>
+              <a:rPr lang="en-US" sz="1600" dirty="0" smtClean="0"/>
+              <a:t>, Nord</a:t>
+            </a:r>
+            <a:endParaRPr lang="fr-FR" sz="1600" dirty="0"/>
+          </a:p>
+        </p:txBody>
+      </p:sp>
+      <p:sp>
+        <p:nvSpPr>
+          <p:cNvPr id="45" name="ZoneTexte 44"/>
+          <p:cNvSpPr txBox="1"/>
+          <p:nvPr/>
+        </p:nvSpPr>
+        <p:spPr>
+          <a:xfrm>
+            <a:off x="7574792" y="1847975"/>
+            <a:ext cx="1376980" cy="584775"/>
+          </a:xfrm>
+          <a:prstGeom prst="rect">
+            <a:avLst/>
+          </a:prstGeom>
+          <a:noFill/>
+        </p:spPr>
+        <p:txBody>
+          <a:bodyPr wrap="none" rtlCol="0">
+            <a:spAutoFit/>
+          </a:bodyPr>
+          <a:lstStyle/>
+          <a:p>
+            <a:r>
+              <a:rPr lang="en-US" sz="1600" dirty="0" err="1" smtClean="0"/>
+              <a:t>Ouanaminthe</a:t>
+            </a:r>
+            <a:r>
+              <a:rPr lang="en-US" sz="1600" dirty="0" smtClean="0"/>
+              <a:t>,</a:t>
+            </a:r>
+          </a:p>
+          <a:p>
+            <a:r>
+              <a:rPr lang="en-US" sz="1600" dirty="0" smtClean="0"/>
+              <a:t>Nord-</a:t>
+            </a:r>
+            <a:r>
+              <a:rPr lang="en-US" sz="1600" dirty="0" err="1" smtClean="0"/>
+              <a:t>Est</a:t>
+            </a:r>
+            <a:endParaRPr lang="fr-FR" sz="1600" dirty="0"/>
+          </a:p>
+        </p:txBody>
+      </p:sp>
+      <p:sp>
+        <p:nvSpPr>
+          <p:cNvPr id="47" name="ZoneTexte 46"/>
+          <p:cNvSpPr txBox="1"/>
+          <p:nvPr/>
+        </p:nvSpPr>
+        <p:spPr>
+          <a:xfrm>
+            <a:off x="7360804" y="2629935"/>
+            <a:ext cx="1853777" cy="584775"/>
+          </a:xfrm>
+          <a:prstGeom prst="rect">
+            <a:avLst/>
+          </a:prstGeom>
+          <a:noFill/>
+        </p:spPr>
+        <p:txBody>
+          <a:bodyPr wrap="none" rtlCol="0">
+            <a:spAutoFit/>
+          </a:bodyPr>
+          <a:lstStyle/>
+          <a:p>
+            <a:r>
+              <a:rPr lang="en-US" sz="1600" dirty="0" smtClean="0"/>
+              <a:t>Croix Des Bouquets.</a:t>
+            </a:r>
+          </a:p>
+          <a:p>
+            <a:r>
+              <a:rPr lang="en-US" sz="1600" dirty="0" err="1" smtClean="0"/>
+              <a:t>Ouest</a:t>
+            </a:r>
+            <a:r>
+              <a:rPr lang="en-US" sz="1600" dirty="0" smtClean="0"/>
+              <a:t> </a:t>
+            </a:r>
+            <a:endParaRPr lang="fr-FR" sz="1600" dirty="0"/>
+          </a:p>
+        </p:txBody>
+      </p:sp>
+      <p:sp>
+        <p:nvSpPr>
+          <p:cNvPr id="50" name="ZoneTexte 49"/>
+          <p:cNvSpPr txBox="1"/>
+          <p:nvPr/>
+        </p:nvSpPr>
+        <p:spPr>
+          <a:xfrm>
+            <a:off x="1455747" y="1221203"/>
+            <a:ext cx="1404039" cy="338554"/>
+          </a:xfrm>
+          <a:prstGeom prst="rect">
+            <a:avLst/>
+          </a:prstGeom>
+          <a:noFill/>
+        </p:spPr>
+        <p:txBody>
+          <a:bodyPr wrap="none" rtlCol="0">
+            <a:spAutoFit/>
+          </a:bodyPr>
+          <a:lstStyle/>
+          <a:p>
+            <a:r>
+              <a:rPr lang="en-US" sz="1600" dirty="0" err="1" smtClean="0"/>
+              <a:t>Archaie</a:t>
+            </a:r>
+            <a:r>
+              <a:rPr lang="en-US" sz="1600" dirty="0" smtClean="0"/>
+              <a:t>, </a:t>
+            </a:r>
+            <a:r>
+              <a:rPr lang="en-US" sz="1600" dirty="0" err="1" smtClean="0"/>
+              <a:t>Ouest</a:t>
+            </a:r>
+            <a:endParaRPr lang="fr-FR" sz="1600" dirty="0"/>
+          </a:p>
+        </p:txBody>
+      </p:sp>
+      <p:sp>
+        <p:nvSpPr>
+          <p:cNvPr id="52" name="ZoneTexte 51"/>
+          <p:cNvSpPr txBox="1"/>
+          <p:nvPr/>
+        </p:nvSpPr>
+        <p:spPr>
+          <a:xfrm>
+            <a:off x="1153079" y="1616101"/>
+            <a:ext cx="1732077" cy="338554"/>
+          </a:xfrm>
+          <a:prstGeom prst="rect">
+            <a:avLst/>
+          </a:prstGeom>
+          <a:noFill/>
+        </p:spPr>
+        <p:txBody>
+          <a:bodyPr wrap="none" rtlCol="0">
+            <a:spAutoFit/>
+          </a:bodyPr>
+          <a:lstStyle/>
+          <a:p>
+            <a:r>
+              <a:rPr lang="en-US" sz="1600" dirty="0" err="1" smtClean="0"/>
+              <a:t>Petion</a:t>
+            </a:r>
+            <a:r>
+              <a:rPr lang="en-US" sz="1600" dirty="0" smtClean="0"/>
+              <a:t>-Ville, </a:t>
+            </a:r>
+            <a:r>
+              <a:rPr lang="en-US" sz="1600" dirty="0" err="1" smtClean="0"/>
+              <a:t>Ouest</a:t>
+            </a:r>
+            <a:endParaRPr lang="fr-FR" sz="1600" dirty="0"/>
+          </a:p>
+        </p:txBody>
+      </p:sp>
+      <p:sp>
+        <p:nvSpPr>
+          <p:cNvPr id="56" name="ZoneTexte 55"/>
+          <p:cNvSpPr txBox="1"/>
+          <p:nvPr/>
+        </p:nvSpPr>
+        <p:spPr>
+          <a:xfrm>
+            <a:off x="1308057" y="1926772"/>
+            <a:ext cx="1473801" cy="338554"/>
+          </a:xfrm>
+          <a:prstGeom prst="rect">
+            <a:avLst/>
+          </a:prstGeom>
+          <a:noFill/>
+        </p:spPr>
+        <p:txBody>
+          <a:bodyPr wrap="none" rtlCol="0">
+            <a:spAutoFit/>
+          </a:bodyPr>
+          <a:lstStyle/>
+          <a:p>
+            <a:r>
+              <a:rPr lang="en-US" sz="1600" dirty="0" err="1" smtClean="0"/>
+              <a:t>Leogane</a:t>
+            </a:r>
+            <a:r>
+              <a:rPr lang="en-US" sz="1600" dirty="0" smtClean="0"/>
+              <a:t>, </a:t>
+            </a:r>
+            <a:r>
+              <a:rPr lang="en-US" sz="1600" dirty="0" err="1" smtClean="0"/>
+              <a:t>Ouest</a:t>
+            </a:r>
+            <a:endParaRPr lang="fr-FR" sz="1600" dirty="0"/>
+          </a:p>
+        </p:txBody>
+      </p:sp>
+      <p:sp>
+        <p:nvSpPr>
+          <p:cNvPr id="60" name="ZoneTexte 59"/>
+          <p:cNvSpPr txBox="1"/>
+          <p:nvPr/>
+        </p:nvSpPr>
+        <p:spPr>
+          <a:xfrm>
+            <a:off x="298191" y="2542589"/>
+            <a:ext cx="1752339" cy="338554"/>
+          </a:xfrm>
+          <a:prstGeom prst="rect">
+            <a:avLst/>
+          </a:prstGeom>
+          <a:noFill/>
+        </p:spPr>
+        <p:txBody>
+          <a:bodyPr wrap="none" rtlCol="0">
+            <a:spAutoFit/>
+          </a:bodyPr>
+          <a:lstStyle/>
+          <a:p>
+            <a:r>
+              <a:rPr lang="en-US" sz="1600" dirty="0" smtClean="0"/>
+              <a:t>Petit-</a:t>
+            </a:r>
+            <a:r>
+              <a:rPr lang="en-US" sz="1600" dirty="0" err="1" smtClean="0"/>
+              <a:t>Goave</a:t>
+            </a:r>
+            <a:r>
+              <a:rPr lang="en-US" sz="1600" dirty="0" smtClean="0"/>
+              <a:t>, </a:t>
+            </a:r>
+            <a:r>
+              <a:rPr lang="en-US" sz="1600" dirty="0" err="1" smtClean="0"/>
+              <a:t>Ouest</a:t>
+            </a:r>
+            <a:endParaRPr lang="fr-FR" sz="1600" dirty="0"/>
+          </a:p>
+        </p:txBody>
+      </p:sp>
+      <p:cxnSp>
+        <p:nvCxnSpPr>
+          <p:cNvPr id="63" name="Connecteur droit avec flèche 62"/>
+          <p:cNvCxnSpPr/>
+          <p:nvPr/>
+        </p:nvCxnSpPr>
+        <p:spPr>
+          <a:xfrm flipH="1" flipV="1">
+            <a:off x="2497737" y="2494033"/>
+            <a:ext cx="2540722" cy="1509781"/>
+          </a:xfrm>
+          <a:prstGeom prst="straightConnector1">
+            <a:avLst/>
+          </a:prstGeom>
+          <a:ln>
+            <a:tailEnd type="triangle"/>
+          </a:ln>
+        </p:spPr>
+        <p:style>
+          <a:lnRef idx="1">
+            <a:schemeClr val="accent1"/>
+          </a:lnRef>
+          <a:fillRef idx="0">
+            <a:schemeClr val="accent1"/>
+          </a:fillRef>
+          <a:effectRef idx="0">
+            <a:schemeClr val="accent1"/>
+          </a:effectRef>
+          <a:fontRef idx="minor">
+            <a:schemeClr val="tx1"/>
+          </a:fontRef>
+        </p:style>
+      </p:cxnSp>
+      <p:sp>
+        <p:nvSpPr>
+          <p:cNvPr id="64" name="ZoneTexte 63"/>
+          <p:cNvSpPr txBox="1"/>
+          <p:nvPr/>
+        </p:nvSpPr>
+        <p:spPr>
+          <a:xfrm>
+            <a:off x="713028" y="2234301"/>
+            <a:ext cx="1875129" cy="338554"/>
+          </a:xfrm>
+          <a:prstGeom prst="rect">
+            <a:avLst/>
+          </a:prstGeom>
+          <a:noFill/>
+        </p:spPr>
+        <p:txBody>
+          <a:bodyPr wrap="none" rtlCol="0">
+            <a:spAutoFit/>
+          </a:bodyPr>
+          <a:lstStyle/>
+          <a:p>
+            <a:r>
+              <a:rPr lang="en-US" sz="1600" dirty="0" smtClean="0"/>
+              <a:t>Grand-</a:t>
+            </a:r>
+            <a:r>
+              <a:rPr lang="en-US" sz="1600" dirty="0" err="1" smtClean="0"/>
+              <a:t>Goave</a:t>
+            </a:r>
+            <a:r>
+              <a:rPr lang="en-US" sz="1600" dirty="0" smtClean="0"/>
+              <a:t>, </a:t>
+            </a:r>
+            <a:r>
+              <a:rPr lang="en-US" sz="1600" dirty="0" err="1" smtClean="0"/>
+              <a:t>Ouest</a:t>
+            </a:r>
+            <a:endParaRPr lang="fr-FR" sz="1600" dirty="0"/>
+          </a:p>
+        </p:txBody>
+      </p:sp>
+      <p:sp>
+        <p:nvSpPr>
+          <p:cNvPr id="68" name="ZoneTexte 67"/>
+          <p:cNvSpPr txBox="1"/>
+          <p:nvPr/>
+        </p:nvSpPr>
+        <p:spPr>
+          <a:xfrm>
+            <a:off x="6172200" y="4587761"/>
+            <a:ext cx="1464760" cy="338554"/>
+          </a:xfrm>
+          <a:prstGeom prst="rect">
+            <a:avLst/>
+          </a:prstGeom>
+          <a:noFill/>
+        </p:spPr>
+        <p:txBody>
+          <a:bodyPr wrap="none" rtlCol="0">
+            <a:spAutoFit/>
+          </a:bodyPr>
+          <a:lstStyle/>
+          <a:p>
+            <a:r>
+              <a:rPr lang="en-US" sz="1600" dirty="0" err="1" smtClean="0"/>
+              <a:t>Jacmel</a:t>
+            </a:r>
+            <a:r>
+              <a:rPr lang="en-US" sz="1600" dirty="0" smtClean="0"/>
+              <a:t>, </a:t>
+            </a:r>
+            <a:r>
+              <a:rPr lang="en-US" sz="1600" dirty="0" err="1" smtClean="0"/>
+              <a:t>Sud-Est</a:t>
+            </a:r>
+            <a:endParaRPr lang="fr-FR" sz="1600" dirty="0"/>
+          </a:p>
+        </p:txBody>
+      </p:sp>
+      <p:sp>
+        <p:nvSpPr>
+          <p:cNvPr id="69" name="ZoneTexte 68"/>
+          <p:cNvSpPr txBox="1"/>
+          <p:nvPr/>
+        </p:nvSpPr>
+        <p:spPr>
+          <a:xfrm>
+            <a:off x="930847" y="2902261"/>
+            <a:ext cx="1079142" cy="338554"/>
+          </a:xfrm>
+          <a:prstGeom prst="rect">
+            <a:avLst/>
+          </a:prstGeom>
+          <a:noFill/>
+        </p:spPr>
+        <p:txBody>
+          <a:bodyPr wrap="none" rtlCol="0">
+            <a:spAutoFit/>
+          </a:bodyPr>
+          <a:lstStyle/>
+          <a:p>
+            <a:r>
+              <a:rPr lang="en-US" sz="1600" dirty="0" err="1" smtClean="0"/>
+              <a:t>Aquin</a:t>
+            </a:r>
+            <a:r>
+              <a:rPr lang="en-US" sz="1600" dirty="0" smtClean="0"/>
+              <a:t>, </a:t>
+            </a:r>
+            <a:r>
+              <a:rPr lang="en-US" sz="1600" dirty="0" err="1" smtClean="0"/>
+              <a:t>Sud</a:t>
+            </a:r>
+            <a:endParaRPr lang="fr-FR" sz="1600" dirty="0"/>
+          </a:p>
+        </p:txBody>
+      </p:sp>
+      <p:sp>
+        <p:nvSpPr>
+          <p:cNvPr id="70" name="ZoneTexte 69"/>
+          <p:cNvSpPr txBox="1"/>
+          <p:nvPr/>
+        </p:nvSpPr>
+        <p:spPr>
+          <a:xfrm>
+            <a:off x="-5731" y="3514451"/>
+            <a:ext cx="1879297" cy="338554"/>
+          </a:xfrm>
+          <a:prstGeom prst="rect">
+            <a:avLst/>
+          </a:prstGeom>
+          <a:noFill/>
+        </p:spPr>
+        <p:txBody>
+          <a:bodyPr wrap="none" rtlCol="0">
+            <a:spAutoFit/>
+          </a:bodyPr>
+          <a:lstStyle/>
+          <a:p>
+            <a:r>
+              <a:rPr lang="en-US" sz="1600" dirty="0" err="1" smtClean="0"/>
+              <a:t>Jeremie</a:t>
+            </a:r>
+            <a:r>
+              <a:rPr lang="en-US" sz="1600" dirty="0" smtClean="0"/>
+              <a:t>, </a:t>
+            </a:r>
+            <a:r>
+              <a:rPr lang="en-US" sz="1600" dirty="0" err="1" smtClean="0"/>
+              <a:t>Grand’Anse</a:t>
+            </a:r>
+            <a:endParaRPr lang="fr-FR" sz="1600" dirty="0"/>
+          </a:p>
+        </p:txBody>
+      </p:sp>
+      <p:sp>
+        <p:nvSpPr>
+          <p:cNvPr id="73" name="ZoneTexte 72"/>
+          <p:cNvSpPr txBox="1"/>
+          <p:nvPr/>
+        </p:nvSpPr>
+        <p:spPr>
+          <a:xfrm>
+            <a:off x="298191" y="4165011"/>
+            <a:ext cx="1430328" cy="338554"/>
+          </a:xfrm>
+          <a:prstGeom prst="rect">
+            <a:avLst/>
+          </a:prstGeom>
+          <a:noFill/>
+        </p:spPr>
+        <p:txBody>
+          <a:bodyPr wrap="none" rtlCol="0">
+            <a:spAutoFit/>
+          </a:bodyPr>
+          <a:lstStyle/>
+          <a:p>
+            <a:r>
+              <a:rPr lang="en-US" sz="1600" dirty="0" smtClean="0"/>
+              <a:t>Les </a:t>
+            </a:r>
+            <a:r>
+              <a:rPr lang="en-US" sz="1600" dirty="0" err="1" smtClean="0"/>
+              <a:t>Cayes</a:t>
+            </a:r>
+            <a:r>
+              <a:rPr lang="en-US" sz="1600" dirty="0" smtClean="0"/>
+              <a:t> , </a:t>
+            </a:r>
+            <a:r>
+              <a:rPr lang="en-US" sz="1600" dirty="0" err="1" smtClean="0"/>
+              <a:t>Sud</a:t>
+            </a:r>
+            <a:endParaRPr lang="fr-FR" sz="1600" dirty="0"/>
+          </a:p>
+        </p:txBody>
+      </p:sp>
+    </p:spTree>
+    <p:extLst>
+      <p:ext uri="{BB962C8B-B14F-4D97-AF65-F5344CB8AC3E}">
+        <p14:creationId xmlns:p14="http://schemas.microsoft.com/office/powerpoint/2010/main" val="2713502351"/>
+      </p:ext>
+    </p:extLst>
+  </p:cSld>
+  <p:clrMapOvr>
+    <a:masterClrMapping/>
+  </p:clrMapOvr>
+  <p:timing>
+    <p:tnLst>
+      <p:par>
+        <p:cTn id="1" dur="indefinite" restart="never" nodeType="tmRoot"/>
+      </p:par>
+    </p:tnLst>
+  </p:timing>
+</p:sld>
+</file>
+
+<file path=ppt/slides/slide14.xml><?xml version="1.0" encoding="utf-8"?>
+<p:sld xmlns:a="http://schemas.openxmlformats.org/drawingml/2006/main" xmlns:r="http://schemas.openxmlformats.org/officeDocument/2006/relationships" xmlns:p="http://schemas.openxmlformats.org/presentationml/2006/main">
+  <p:cSld>
+    <p:spTree>
+      <p:nvGrpSpPr>
+        <p:cNvPr id="1" name=""/>
+        <p:cNvGrpSpPr/>
+        <p:nvPr/>
+      </p:nvGrpSpPr>
+      <p:grpSpPr>
+        <a:xfrm>
+          <a:off x="0" y="0"/>
+          <a:ext cx="0" cy="0"/>
+          <a:chOff x="0" y="0"/>
+          <a:chExt cx="0" cy="0"/>
+        </a:xfrm>
+      </p:grpSpPr>
+      <p:sp>
+        <p:nvSpPr>
+          <p:cNvPr id="2" name="object 2"/>
+          <p:cNvSpPr txBox="1">
+            <a:spLocks noGrp="1"/>
+          </p:cNvSpPr>
+          <p:nvPr>
+            <p:ph type="title"/>
+          </p:nvPr>
+        </p:nvSpPr>
+        <p:spPr>
+          <a:xfrm>
+            <a:off x="800675" y="647291"/>
+            <a:ext cx="3582035" cy="421640"/>
+          </a:xfrm>
+          <a:prstGeom prst="rect">
+            <a:avLst/>
+          </a:prstGeom>
+        </p:spPr>
+        <p:txBody>
+          <a:bodyPr vert="horz" wrap="square" lIns="0" tIns="12700" rIns="0" bIns="0" rtlCol="0">
+            <a:spAutoFit/>
+          </a:bodyPr>
+          <a:lstStyle/>
+          <a:p>
+            <a:pPr marL="12700">
+              <a:lnSpc>
+                <a:spcPct val="100000"/>
+              </a:lnSpc>
+              <a:spcBef>
+                <a:spcPts val="100"/>
+              </a:spcBef>
+            </a:pPr>
+            <a:r>
+              <a:rPr sz="2600" b="1" spc="-190" dirty="0" smtClean="0">
+                <a:solidFill>
+                  <a:srgbClr val="1A1A1A"/>
+                </a:solidFill>
+                <a:latin typeface="Trebuchet MS"/>
+                <a:cs typeface="Trebuchet MS"/>
+              </a:rPr>
+              <a:t> </a:t>
+            </a:r>
+            <a:endParaRPr sz="1200" dirty="0">
+              <a:latin typeface="Trebuchet MS"/>
+              <a:cs typeface="Trebuchet MS"/>
+            </a:endParaRPr>
+          </a:p>
+        </p:txBody>
+      </p:sp>
+      <p:sp>
+        <p:nvSpPr>
+          <p:cNvPr id="3" name="Rectangle 2"/>
+          <p:cNvSpPr/>
+          <p:nvPr/>
+        </p:nvSpPr>
+        <p:spPr>
+          <a:xfrm>
+            <a:off x="2514600" y="3409950"/>
+            <a:ext cx="2514600" cy="1066800"/>
+          </a:xfrm>
+          <a:prstGeom prst="rect">
+            <a:avLst/>
+          </a:prstGeom>
+          <a:solidFill>
+            <a:schemeClr val="bg1"/>
+          </a:solidFill>
+          <a:ln>
+            <a:noFill/>
+          </a:ln>
+        </p:spPr>
+        <p:style>
+          <a:lnRef idx="2">
+            <a:schemeClr val="accent1">
+              <a:shade val="50000"/>
+            </a:schemeClr>
+          </a:lnRef>
+          <a:fillRef idx="1">
+            <a:schemeClr val="accent1"/>
+          </a:fillRef>
+          <a:effectRef idx="0">
+            <a:schemeClr val="accent1"/>
+          </a:effectRef>
+          <a:fontRef idx="minor">
+            <a:schemeClr val="lt1"/>
+          </a:fontRef>
+        </p:style>
+        <p:txBody>
+          <a:bodyPr rtlCol="0" anchor="ctr"/>
+          <a:lstStyle/>
+          <a:p>
+            <a:pPr algn="ctr"/>
+            <a:endParaRPr lang="fr-FR"/>
+          </a:p>
+        </p:txBody>
+      </p:sp>
+      <p:sp>
+        <p:nvSpPr>
+          <p:cNvPr id="5" name="Rectangle 4"/>
+          <p:cNvSpPr/>
+          <p:nvPr/>
+        </p:nvSpPr>
+        <p:spPr>
+          <a:xfrm>
+            <a:off x="-1" y="0"/>
+            <a:ext cx="9144001" cy="514350"/>
+          </a:xfrm>
+          <a:prstGeom prst="rect">
+            <a:avLst/>
+          </a:prstGeom>
+          <a:solidFill>
+            <a:schemeClr val="accent5">
+              <a:lumMod val="50000"/>
+            </a:schemeClr>
+          </a:solidFill>
+          <a:ln>
+            <a:solidFill>
+              <a:schemeClr val="accent6"/>
+            </a:solidFill>
+          </a:ln>
+        </p:spPr>
+        <p:style>
+          <a:lnRef idx="2">
+            <a:schemeClr val="accent1">
+              <a:shade val="50000"/>
+            </a:schemeClr>
+          </a:lnRef>
+          <a:fillRef idx="1">
+            <a:schemeClr val="accent1"/>
+          </a:fillRef>
+          <a:effectRef idx="0">
+            <a:schemeClr val="accent1"/>
+          </a:effectRef>
+          <a:fontRef idx="minor">
+            <a:schemeClr val="lt1"/>
+          </a:fontRef>
+        </p:style>
+        <p:txBody>
+          <a:bodyPr rtlCol="0" anchor="ctr"/>
+          <a:lstStyle/>
+          <a:p>
+            <a:pPr algn="ctr"/>
+            <a:endParaRPr lang="fr-FR"/>
+          </a:p>
+        </p:txBody>
+      </p:sp>
+      <p:sp>
+        <p:nvSpPr>
+          <p:cNvPr id="6" name="Rectangle 5"/>
+          <p:cNvSpPr/>
+          <p:nvPr/>
+        </p:nvSpPr>
+        <p:spPr>
+          <a:xfrm>
+            <a:off x="743069" y="899915"/>
+            <a:ext cx="846129" cy="400110"/>
+          </a:xfrm>
+          <a:prstGeom prst="rect">
+            <a:avLst/>
+          </a:prstGeom>
+        </p:spPr>
+        <p:txBody>
+          <a:bodyPr wrap="none">
+            <a:spAutoFit/>
+          </a:bodyPr>
+          <a:lstStyle/>
+          <a:p>
+            <a:r>
+              <a:rPr lang="en-US" sz="2000" b="1" dirty="0" smtClean="0"/>
+              <a:t>Result</a:t>
+            </a:r>
+            <a:endParaRPr lang="fr-FR" sz="2000" b="1" dirty="0"/>
+          </a:p>
+        </p:txBody>
+      </p:sp>
+      <p:sp>
+        <p:nvSpPr>
+          <p:cNvPr id="10" name="Rectangle 9"/>
+          <p:cNvSpPr/>
+          <p:nvPr/>
+        </p:nvSpPr>
+        <p:spPr>
+          <a:xfrm>
+            <a:off x="2971800" y="647291"/>
+            <a:ext cx="4038600" cy="3219859"/>
+          </a:xfrm>
+          <a:prstGeom prst="rect">
+            <a:avLst/>
+          </a:prstGeom>
+          <a:solidFill>
+            <a:schemeClr val="bg1"/>
+          </a:solidFill>
+          <a:ln>
+            <a:noFill/>
+          </a:ln>
+        </p:spPr>
+        <p:style>
+          <a:lnRef idx="2">
+            <a:schemeClr val="accent1">
+              <a:shade val="50000"/>
+            </a:schemeClr>
+          </a:lnRef>
+          <a:fillRef idx="1">
+            <a:schemeClr val="accent1"/>
+          </a:fillRef>
+          <a:effectRef idx="0">
+            <a:schemeClr val="accent1"/>
+          </a:effectRef>
+          <a:fontRef idx="minor">
+            <a:schemeClr val="lt1"/>
+          </a:fontRef>
+        </p:style>
+        <p:txBody>
+          <a:bodyPr rtlCol="0" anchor="ctr"/>
+          <a:lstStyle/>
+          <a:p>
+            <a:pPr algn="ctr"/>
+            <a:endParaRPr lang="fr-FR"/>
+          </a:p>
+        </p:txBody>
+      </p:sp>
+      <p:pic>
+        <p:nvPicPr>
+          <p:cNvPr id="14" name="Image 13"/>
+          <p:cNvPicPr>
+            <a:picLocks noChangeAspect="1"/>
+          </p:cNvPicPr>
+          <p:nvPr/>
+        </p:nvPicPr>
+        <p:blipFill rotWithShape="1">
+          <a:blip r:embed="rId3">
+            <a:extLst>
+              <a:ext uri="{28A0092B-C50C-407E-A947-70E740481C1C}">
+                <a14:useLocalDpi xmlns:a14="http://schemas.microsoft.com/office/drawing/2010/main" val="0"/>
+              </a:ext>
+            </a:extLst>
+          </a:blip>
+          <a:srcRect l="3334" t="27767" r="41667" b="23320"/>
+          <a:stretch/>
+        </p:blipFill>
+        <p:spPr>
+          <a:xfrm>
+            <a:off x="152400" y="581796"/>
+            <a:ext cx="8610600" cy="3437753"/>
+          </a:xfrm>
+          <a:prstGeom prst="rect">
+            <a:avLst/>
+          </a:prstGeom>
+        </p:spPr>
+      </p:pic>
+      <p:sp>
+        <p:nvSpPr>
+          <p:cNvPr id="15" name="Rectangle 14"/>
+          <p:cNvSpPr/>
+          <p:nvPr/>
+        </p:nvSpPr>
+        <p:spPr>
+          <a:xfrm>
+            <a:off x="455990" y="3932645"/>
+            <a:ext cx="8307010" cy="1069075"/>
+          </a:xfrm>
+          <a:prstGeom prst="rect">
+            <a:avLst/>
+          </a:prstGeom>
+        </p:spPr>
+        <p:txBody>
+          <a:bodyPr wrap="square">
+            <a:spAutoFit/>
+          </a:bodyPr>
+          <a:lstStyle/>
+          <a:p>
+            <a:pPr marL="12700" marR="128270" algn="ctr">
+              <a:lnSpc>
+                <a:spcPct val="115599"/>
+              </a:lnSpc>
+              <a:spcBef>
+                <a:spcPts val="100"/>
+              </a:spcBef>
+            </a:pPr>
+            <a:r>
+              <a:rPr lang="en-US" spc="-20" dirty="0">
+                <a:solidFill>
+                  <a:schemeClr val="bg2">
+                    <a:lumMod val="10000"/>
+                  </a:schemeClr>
+                </a:solidFill>
+                <a:latin typeface="Noto Sans"/>
+                <a:cs typeface="Noto Sans"/>
+              </a:rPr>
+              <a:t>This </a:t>
+            </a:r>
+            <a:r>
+              <a:rPr lang="en-US" spc="-15" dirty="0">
+                <a:solidFill>
+                  <a:schemeClr val="bg2">
+                    <a:lumMod val="10000"/>
+                  </a:schemeClr>
+                </a:solidFill>
+                <a:latin typeface="Noto Sans"/>
+                <a:cs typeface="Noto Sans"/>
+              </a:rPr>
+              <a:t>is </a:t>
+            </a:r>
+            <a:r>
+              <a:rPr lang="en-US" spc="-20" dirty="0">
+                <a:solidFill>
+                  <a:schemeClr val="bg2">
+                    <a:lumMod val="10000"/>
+                  </a:schemeClr>
+                </a:solidFill>
+                <a:latin typeface="Noto Sans"/>
+                <a:cs typeface="Noto Sans"/>
+              </a:rPr>
+              <a:t>a description of  </a:t>
+            </a:r>
+            <a:r>
+              <a:rPr lang="en-US" spc="-25" dirty="0">
+                <a:solidFill>
+                  <a:schemeClr val="bg2">
+                    <a:lumMod val="10000"/>
+                  </a:schemeClr>
+                </a:solidFill>
+                <a:latin typeface="Noto Sans"/>
+                <a:cs typeface="Noto Sans"/>
+              </a:rPr>
+              <a:t>the three</a:t>
+            </a:r>
+            <a:r>
+              <a:rPr lang="en-US" dirty="0">
+                <a:solidFill>
+                  <a:schemeClr val="bg2">
+                    <a:lumMod val="10000"/>
+                  </a:schemeClr>
+                </a:solidFill>
+                <a:latin typeface="Noto Sans"/>
+                <a:cs typeface="Noto Sans"/>
+              </a:rPr>
+              <a:t> </a:t>
+            </a:r>
+            <a:r>
+              <a:rPr lang="en-US" spc="-30" dirty="0">
+                <a:solidFill>
+                  <a:schemeClr val="bg2">
+                    <a:lumMod val="10000"/>
+                  </a:schemeClr>
+                </a:solidFill>
+                <a:latin typeface="Noto Sans"/>
+                <a:cs typeface="Noto Sans"/>
+              </a:rPr>
+              <a:t>clusters.</a:t>
+            </a:r>
+          </a:p>
+          <a:p>
+            <a:pPr marL="12700" marR="128270" algn="ctr">
+              <a:lnSpc>
+                <a:spcPct val="115599"/>
+              </a:lnSpc>
+              <a:spcBef>
+                <a:spcPts val="100"/>
+              </a:spcBef>
+            </a:pPr>
+            <a:r>
+              <a:rPr lang="en-US" spc="-20" dirty="0">
+                <a:solidFill>
+                  <a:schemeClr val="bg2">
+                    <a:lumMod val="10000"/>
+                  </a:schemeClr>
+                </a:solidFill>
+                <a:latin typeface="Noto Sans"/>
+                <a:cs typeface="Noto Sans"/>
+              </a:rPr>
+              <a:t>The </a:t>
+            </a:r>
+            <a:r>
+              <a:rPr lang="en-US" spc="-20" dirty="0" smtClean="0">
+                <a:solidFill>
+                  <a:schemeClr val="accent6">
+                    <a:lumMod val="50000"/>
+                  </a:schemeClr>
+                </a:solidFill>
+                <a:latin typeface="Noto Sans"/>
+                <a:cs typeface="Noto Sans"/>
+              </a:rPr>
+              <a:t>low affected group</a:t>
+            </a:r>
+            <a:r>
+              <a:rPr lang="en-US" spc="-20" dirty="0" smtClean="0">
+                <a:solidFill>
+                  <a:schemeClr val="bg2">
+                    <a:lumMod val="10000"/>
+                  </a:schemeClr>
+                </a:solidFill>
+                <a:latin typeface="Noto Sans"/>
+                <a:cs typeface="Noto Sans"/>
+              </a:rPr>
+              <a:t> is the profile </a:t>
+            </a:r>
+            <a:r>
+              <a:rPr lang="en-US" spc="-25" dirty="0">
+                <a:solidFill>
+                  <a:schemeClr val="bg2">
+                    <a:lumMod val="10000"/>
+                  </a:schemeClr>
+                </a:solidFill>
+                <a:latin typeface="Noto Sans"/>
+                <a:cs typeface="Noto Sans"/>
+              </a:rPr>
+              <a:t>have  </a:t>
+            </a:r>
+            <a:r>
+              <a:rPr lang="en-US" spc="-15" dirty="0" smtClean="0">
+                <a:solidFill>
+                  <a:schemeClr val="bg2">
+                    <a:lumMod val="10000"/>
+                  </a:schemeClr>
+                </a:solidFill>
+                <a:latin typeface="Noto Sans"/>
+                <a:cs typeface="Noto Sans"/>
+              </a:rPr>
+              <a:t>less urgent people need</a:t>
+            </a:r>
+            <a:r>
+              <a:rPr lang="en-US" spc="-25" dirty="0" smtClean="0">
+                <a:solidFill>
+                  <a:schemeClr val="bg2">
+                    <a:lumMod val="10000"/>
+                  </a:schemeClr>
+                </a:solidFill>
+                <a:latin typeface="Noto Sans"/>
+                <a:cs typeface="Noto Sans"/>
+              </a:rPr>
+              <a:t>  </a:t>
+            </a:r>
+            <a:r>
+              <a:rPr lang="en-US" spc="-25" dirty="0">
+                <a:solidFill>
+                  <a:schemeClr val="bg2">
+                    <a:lumMod val="10000"/>
+                  </a:schemeClr>
+                </a:solidFill>
+                <a:latin typeface="Noto Sans"/>
+                <a:cs typeface="Noto Sans"/>
+              </a:rPr>
+              <a:t>than any</a:t>
+            </a:r>
+            <a:r>
+              <a:rPr lang="en-US" dirty="0">
+                <a:solidFill>
+                  <a:schemeClr val="bg2">
+                    <a:lumMod val="10000"/>
+                  </a:schemeClr>
+                </a:solidFill>
+                <a:latin typeface="Noto Sans"/>
+                <a:cs typeface="Noto Sans"/>
+              </a:rPr>
+              <a:t> </a:t>
+            </a:r>
+            <a:r>
+              <a:rPr lang="en-US" spc="-20" dirty="0">
+                <a:solidFill>
+                  <a:schemeClr val="bg2">
+                    <a:lumMod val="10000"/>
+                  </a:schemeClr>
+                </a:solidFill>
+                <a:latin typeface="Noto Sans"/>
+                <a:cs typeface="Noto Sans"/>
+              </a:rPr>
+              <a:t>other groups.</a:t>
+            </a:r>
+            <a:endParaRPr lang="en-US" dirty="0">
+              <a:solidFill>
+                <a:schemeClr val="bg2">
+                  <a:lumMod val="10000"/>
+                </a:schemeClr>
+              </a:solidFill>
+              <a:latin typeface="Noto Sans"/>
+              <a:cs typeface="Noto Sans"/>
+            </a:endParaRPr>
+          </a:p>
+        </p:txBody>
+      </p:sp>
+    </p:spTree>
+    <p:extLst>
+      <p:ext uri="{BB962C8B-B14F-4D97-AF65-F5344CB8AC3E}">
+        <p14:creationId xmlns:p14="http://schemas.microsoft.com/office/powerpoint/2010/main" val="2161467789"/>
+      </p:ext>
+    </p:extLst>
+  </p:cSld>
+  <p:clrMapOvr>
+    <a:masterClrMapping/>
+  </p:clrMapOvr>
+  <p:timing>
+    <p:tnLst>
+      <p:par>
+        <p:cTn id="1" dur="indefinite" restart="never" nodeType="tmRoot"/>
+      </p:par>
+    </p:tnLst>
+  </p:timing>
+</p:sld>
+</file>
+
+<file path=ppt/slides/slide15.xml><?xml version="1.0" encoding="utf-8"?>
+<p:sld xmlns:a="http://schemas.openxmlformats.org/drawingml/2006/main" xmlns:r="http://schemas.openxmlformats.org/officeDocument/2006/relationships" xmlns:p="http://schemas.openxmlformats.org/presentationml/2006/main">
+  <p:cSld>
+    <p:spTree>
+      <p:nvGrpSpPr>
+        <p:cNvPr id="1" name=""/>
+        <p:cNvGrpSpPr/>
+        <p:nvPr/>
+      </p:nvGrpSpPr>
+      <p:grpSpPr>
+        <a:xfrm>
+          <a:off x="0" y="0"/>
+          <a:ext cx="0" cy="0"/>
+          <a:chOff x="0" y="0"/>
+          <a:chExt cx="0" cy="0"/>
+        </a:xfrm>
+      </p:grpSpPr>
+      <p:sp>
+        <p:nvSpPr>
+          <p:cNvPr id="2" name="object 2"/>
+          <p:cNvSpPr txBox="1">
+            <a:spLocks noGrp="1"/>
+          </p:cNvSpPr>
+          <p:nvPr>
+            <p:ph type="title"/>
+          </p:nvPr>
+        </p:nvSpPr>
+        <p:spPr>
+          <a:xfrm>
+            <a:off x="800675" y="647291"/>
+            <a:ext cx="3582035" cy="421640"/>
+          </a:xfrm>
+          <a:prstGeom prst="rect">
+            <a:avLst/>
+          </a:prstGeom>
+        </p:spPr>
+        <p:txBody>
+          <a:bodyPr vert="horz" wrap="square" lIns="0" tIns="12700" rIns="0" bIns="0" rtlCol="0">
+            <a:spAutoFit/>
+          </a:bodyPr>
+          <a:lstStyle/>
+          <a:p>
+            <a:pPr marL="12700">
+              <a:lnSpc>
+                <a:spcPct val="100000"/>
+              </a:lnSpc>
+              <a:spcBef>
+                <a:spcPts val="100"/>
+              </a:spcBef>
+            </a:pPr>
+            <a:r>
+              <a:rPr sz="2600" b="1" spc="-190" dirty="0" smtClean="0">
+                <a:solidFill>
+                  <a:srgbClr val="1A1A1A"/>
+                </a:solidFill>
+                <a:latin typeface="Trebuchet MS"/>
+                <a:cs typeface="Trebuchet MS"/>
+              </a:rPr>
+              <a:t> </a:t>
+            </a:r>
+            <a:endParaRPr sz="1200" dirty="0">
+              <a:latin typeface="Trebuchet MS"/>
+              <a:cs typeface="Trebuchet MS"/>
+            </a:endParaRPr>
+          </a:p>
+        </p:txBody>
+      </p:sp>
+      <p:sp>
+        <p:nvSpPr>
+          <p:cNvPr id="3" name="Rectangle 2"/>
+          <p:cNvSpPr/>
+          <p:nvPr/>
+        </p:nvSpPr>
+        <p:spPr>
+          <a:xfrm>
+            <a:off x="2514600" y="3409950"/>
+            <a:ext cx="2514600" cy="1066800"/>
+          </a:xfrm>
+          <a:prstGeom prst="rect">
+            <a:avLst/>
+          </a:prstGeom>
+          <a:solidFill>
+            <a:schemeClr val="bg1"/>
+          </a:solidFill>
+          <a:ln>
+            <a:noFill/>
+          </a:ln>
+        </p:spPr>
+        <p:style>
+          <a:lnRef idx="2">
+            <a:schemeClr val="accent1">
+              <a:shade val="50000"/>
+            </a:schemeClr>
+          </a:lnRef>
+          <a:fillRef idx="1">
+            <a:schemeClr val="accent1"/>
+          </a:fillRef>
+          <a:effectRef idx="0">
+            <a:schemeClr val="accent1"/>
+          </a:effectRef>
+          <a:fontRef idx="minor">
+            <a:schemeClr val="lt1"/>
+          </a:fontRef>
+        </p:style>
+        <p:txBody>
+          <a:bodyPr rtlCol="0" anchor="ctr"/>
+          <a:lstStyle/>
+          <a:p>
+            <a:pPr algn="ctr"/>
+            <a:endParaRPr lang="fr-FR"/>
+          </a:p>
+        </p:txBody>
+      </p:sp>
+      <p:sp>
+        <p:nvSpPr>
+          <p:cNvPr id="5" name="Rectangle 4"/>
+          <p:cNvSpPr/>
+          <p:nvPr/>
+        </p:nvSpPr>
+        <p:spPr>
+          <a:xfrm>
+            <a:off x="-1" y="0"/>
+            <a:ext cx="9144001" cy="514350"/>
+          </a:xfrm>
+          <a:prstGeom prst="rect">
+            <a:avLst/>
+          </a:prstGeom>
+          <a:solidFill>
+            <a:schemeClr val="accent5">
+              <a:lumMod val="50000"/>
+            </a:schemeClr>
+          </a:solidFill>
+          <a:ln>
+            <a:solidFill>
+              <a:schemeClr val="accent6"/>
+            </a:solidFill>
+          </a:ln>
+        </p:spPr>
+        <p:style>
+          <a:lnRef idx="2">
+            <a:schemeClr val="accent1">
+              <a:shade val="50000"/>
+            </a:schemeClr>
+          </a:lnRef>
+          <a:fillRef idx="1">
+            <a:schemeClr val="accent1"/>
+          </a:fillRef>
+          <a:effectRef idx="0">
+            <a:schemeClr val="accent1"/>
+          </a:effectRef>
+          <a:fontRef idx="minor">
+            <a:schemeClr val="lt1"/>
+          </a:fontRef>
+        </p:style>
+        <p:txBody>
+          <a:bodyPr rtlCol="0" anchor="ctr"/>
+          <a:lstStyle/>
+          <a:p>
+            <a:pPr marL="12700" marR="128270" algn="ctr">
+              <a:lnSpc>
+                <a:spcPct val="115599"/>
+              </a:lnSpc>
+              <a:spcBef>
+                <a:spcPts val="100"/>
+              </a:spcBef>
+            </a:pPr>
+            <a:r>
+              <a:rPr lang="en-US" spc="-20" dirty="0" smtClean="0">
+                <a:solidFill>
+                  <a:schemeClr val="bg1"/>
+                </a:solidFill>
+                <a:latin typeface="Noto Sans"/>
+                <a:cs typeface="Noto Sans"/>
+              </a:rPr>
+              <a:t> Dashboard</a:t>
+            </a:r>
+            <a:endParaRPr lang="en-US" dirty="0">
+              <a:solidFill>
+                <a:schemeClr val="bg1"/>
+              </a:solidFill>
+              <a:latin typeface="Noto Sans"/>
+              <a:cs typeface="Noto Sans"/>
+            </a:endParaRPr>
+          </a:p>
+        </p:txBody>
+      </p:sp>
+      <p:sp>
+        <p:nvSpPr>
+          <p:cNvPr id="6" name="Rectangle 5"/>
+          <p:cNvSpPr/>
+          <p:nvPr/>
+        </p:nvSpPr>
+        <p:spPr>
+          <a:xfrm>
+            <a:off x="743069" y="899915"/>
+            <a:ext cx="846129" cy="400110"/>
+          </a:xfrm>
+          <a:prstGeom prst="rect">
+            <a:avLst/>
+          </a:prstGeom>
+        </p:spPr>
+        <p:txBody>
+          <a:bodyPr wrap="none">
+            <a:spAutoFit/>
+          </a:bodyPr>
+          <a:lstStyle/>
+          <a:p>
+            <a:r>
+              <a:rPr lang="en-US" sz="2000" b="1" dirty="0" smtClean="0"/>
+              <a:t>Result</a:t>
+            </a:r>
+            <a:endParaRPr lang="fr-FR" sz="2000" b="1" dirty="0"/>
+          </a:p>
+        </p:txBody>
+      </p:sp>
+      <p:sp>
+        <p:nvSpPr>
+          <p:cNvPr id="10" name="Rectangle 9"/>
+          <p:cNvSpPr/>
+          <p:nvPr/>
+        </p:nvSpPr>
+        <p:spPr>
+          <a:xfrm>
+            <a:off x="2971800" y="647291"/>
+            <a:ext cx="4038600" cy="3219859"/>
+          </a:xfrm>
+          <a:prstGeom prst="rect">
+            <a:avLst/>
+          </a:prstGeom>
+          <a:solidFill>
+            <a:schemeClr val="bg1"/>
+          </a:solidFill>
+          <a:ln>
+            <a:noFill/>
+          </a:ln>
+        </p:spPr>
+        <p:style>
+          <a:lnRef idx="2">
+            <a:schemeClr val="accent1">
+              <a:shade val="50000"/>
+            </a:schemeClr>
+          </a:lnRef>
+          <a:fillRef idx="1">
+            <a:schemeClr val="accent1"/>
+          </a:fillRef>
+          <a:effectRef idx="0">
+            <a:schemeClr val="accent1"/>
+          </a:effectRef>
+          <a:fontRef idx="minor">
+            <a:schemeClr val="lt1"/>
+          </a:fontRef>
+        </p:style>
+        <p:txBody>
+          <a:bodyPr rtlCol="0" anchor="ctr"/>
+          <a:lstStyle/>
+          <a:p>
+            <a:pPr algn="ctr"/>
+            <a:endParaRPr lang="fr-FR"/>
+          </a:p>
+        </p:txBody>
+      </p:sp>
+      <p:pic>
+        <p:nvPicPr>
+          <p:cNvPr id="4" name="Image 3"/>
+          <p:cNvPicPr>
+            <a:picLocks noChangeAspect="1"/>
+          </p:cNvPicPr>
+          <p:nvPr/>
+        </p:nvPicPr>
+        <p:blipFill rotWithShape="1">
+          <a:blip r:embed="rId3">
+            <a:extLst>
+              <a:ext uri="{28A0092B-C50C-407E-A947-70E740481C1C}">
+                <a14:useLocalDpi xmlns:a14="http://schemas.microsoft.com/office/drawing/2010/main" val="0"/>
+              </a:ext>
+            </a:extLst>
+          </a:blip>
+          <a:srcRect l="9999" t="33342" r="40000" b="23320"/>
+          <a:stretch/>
+        </p:blipFill>
+        <p:spPr>
+          <a:xfrm>
+            <a:off x="-1" y="514350"/>
+            <a:ext cx="9144001" cy="4629150"/>
+          </a:xfrm>
+          <a:prstGeom prst="rect">
+            <a:avLst/>
+          </a:prstGeom>
+        </p:spPr>
+      </p:pic>
+    </p:spTree>
+    <p:extLst>
+      <p:ext uri="{BB962C8B-B14F-4D97-AF65-F5344CB8AC3E}">
+        <p14:creationId xmlns:p14="http://schemas.microsoft.com/office/powerpoint/2010/main" val="2696759245"/>
+      </p:ext>
+    </p:extLst>
+  </p:cSld>
+  <p:clrMapOvr>
+    <a:masterClrMapping/>
+  </p:clrMapOvr>
+  <p:timing>
+    <p:tnLst>
+      <p:par>
+        <p:cTn id="1" dur="indefinite" restart="never" nodeType="tmRoot"/>
+      </p:par>
+    </p:tnLst>
+  </p:timing>
+</p:sld>
+</file>
+
+<file path=ppt/slides/slide16.xml><?xml version="1.0" encoding="utf-8"?>
+<p:sld xmlns:a="http://schemas.openxmlformats.org/drawingml/2006/main" xmlns:r="http://schemas.openxmlformats.org/officeDocument/2006/relationships" xmlns:p="http://schemas.openxmlformats.org/presentationml/2006/main">
+  <p:cSld>
+    <p:spTree>
+      <p:nvGrpSpPr>
+        <p:cNvPr id="1" name=""/>
+        <p:cNvGrpSpPr/>
+        <p:nvPr/>
+      </p:nvGrpSpPr>
+      <p:grpSpPr>
+        <a:xfrm>
+          <a:off x="0" y="0"/>
+          <a:ext cx="0" cy="0"/>
+          <a:chOff x="0" y="0"/>
+          <a:chExt cx="0" cy="0"/>
+        </a:xfrm>
+      </p:grpSpPr>
+      <p:sp>
+        <p:nvSpPr>
+          <p:cNvPr id="12" name="Rectangle 11"/>
+          <p:cNvSpPr/>
+          <p:nvPr/>
+        </p:nvSpPr>
+        <p:spPr>
+          <a:xfrm>
+            <a:off x="2971800" y="571500"/>
+            <a:ext cx="5486400" cy="3905659"/>
+          </a:xfrm>
+          <a:prstGeom prst="rect">
+            <a:avLst/>
+          </a:prstGeom>
+          <a:solidFill>
+            <a:schemeClr val="bg1"/>
+          </a:solidFill>
+          <a:ln>
+            <a:noFill/>
+          </a:ln>
+        </p:spPr>
+        <p:style>
+          <a:lnRef idx="2">
+            <a:schemeClr val="accent1">
+              <a:shade val="50000"/>
+            </a:schemeClr>
+          </a:lnRef>
+          <a:fillRef idx="1">
+            <a:schemeClr val="accent1"/>
+          </a:fillRef>
+          <a:effectRef idx="0">
+            <a:schemeClr val="accent1"/>
+          </a:effectRef>
+          <a:fontRef idx="minor">
+            <a:schemeClr val="lt1"/>
+          </a:fontRef>
+        </p:style>
+        <p:txBody>
+          <a:bodyPr rtlCol="0" anchor="ctr"/>
+          <a:lstStyle/>
+          <a:p>
+            <a:pPr algn="just"/>
+            <a:endParaRPr lang="en-US" sz="1400" dirty="0">
+              <a:solidFill>
+                <a:schemeClr val="tx1"/>
+              </a:solidFill>
+            </a:endParaRPr>
+          </a:p>
+          <a:p>
+            <a:pPr algn="just"/>
+            <a:endParaRPr lang="fr-FR" sz="1400" dirty="0">
+              <a:solidFill>
+                <a:schemeClr val="tx1"/>
+              </a:solidFill>
+            </a:endParaRPr>
+          </a:p>
+        </p:txBody>
+      </p:sp>
+      <p:sp>
+        <p:nvSpPr>
+          <p:cNvPr id="4" name="Rectangle 3"/>
+          <p:cNvSpPr/>
+          <p:nvPr/>
+        </p:nvSpPr>
+        <p:spPr>
+          <a:xfrm>
+            <a:off x="-1" y="0"/>
+            <a:ext cx="9144001" cy="514350"/>
+          </a:xfrm>
+          <a:prstGeom prst="rect">
+            <a:avLst/>
+          </a:prstGeom>
+          <a:solidFill>
+            <a:schemeClr val="accent5">
+              <a:lumMod val="50000"/>
+            </a:schemeClr>
+          </a:solidFill>
+          <a:ln>
+            <a:solidFill>
+              <a:schemeClr val="accent6"/>
+            </a:solidFill>
+          </a:ln>
+        </p:spPr>
+        <p:style>
+          <a:lnRef idx="2">
+            <a:schemeClr val="accent1">
+              <a:shade val="50000"/>
+            </a:schemeClr>
+          </a:lnRef>
+          <a:fillRef idx="1">
+            <a:schemeClr val="accent1"/>
+          </a:fillRef>
+          <a:effectRef idx="0">
+            <a:schemeClr val="accent1"/>
+          </a:effectRef>
+          <a:fontRef idx="minor">
+            <a:schemeClr val="lt1"/>
+          </a:fontRef>
+        </p:style>
+        <p:txBody>
+          <a:bodyPr rtlCol="0" anchor="ctr"/>
+          <a:lstStyle/>
+          <a:p>
+            <a:pPr algn="ctr"/>
+            <a:endParaRPr lang="fr-FR"/>
+          </a:p>
+        </p:txBody>
+      </p:sp>
+      <p:sp>
+        <p:nvSpPr>
+          <p:cNvPr id="3" name="ZoneTexte 2"/>
+          <p:cNvSpPr txBox="1"/>
+          <p:nvPr/>
+        </p:nvSpPr>
+        <p:spPr>
+          <a:xfrm>
+            <a:off x="751796" y="1661482"/>
+            <a:ext cx="8001000" cy="1384995"/>
+          </a:xfrm>
+          <a:prstGeom prst="rect">
+            <a:avLst/>
+          </a:prstGeom>
+          <a:noFill/>
+        </p:spPr>
+        <p:txBody>
+          <a:bodyPr wrap="square" rtlCol="0">
+            <a:spAutoFit/>
+          </a:bodyPr>
+          <a:lstStyle/>
+          <a:p>
+            <a:pPr algn="just"/>
+            <a:r>
+              <a:rPr lang="en-US" sz="1400" dirty="0"/>
+              <a:t>According to our analysis, 70% of the departments across the country have food security problems, the state </a:t>
+            </a:r>
+            <a:r>
+              <a:rPr lang="en-US" sz="1400" dirty="0" smtClean="0"/>
+              <a:t>Officials should </a:t>
+            </a:r>
+            <a:r>
+              <a:rPr lang="en-US" sz="1400" dirty="0"/>
+              <a:t>invest, rethink or set up a new structure to</a:t>
+            </a:r>
+          </a:p>
+          <a:p>
+            <a:pPr algn="just"/>
+            <a:endParaRPr lang="en-US" sz="1400" dirty="0"/>
+          </a:p>
+          <a:p>
+            <a:pPr marL="285750" indent="-285750" algn="just">
+              <a:buFont typeface="Wingdings" panose="05000000000000000000" pitchFamily="2" charset="2"/>
+              <a:buChar char="ü"/>
+            </a:pPr>
+            <a:r>
+              <a:rPr lang="en-US" sz="1400" dirty="0"/>
+              <a:t>Strengthen agricultural production</a:t>
+            </a:r>
+          </a:p>
+          <a:p>
+            <a:pPr marL="285750" indent="-285750" algn="just">
+              <a:buFont typeface="Wingdings" panose="05000000000000000000" pitchFamily="2" charset="2"/>
+              <a:buChar char="ü"/>
+            </a:pPr>
+            <a:r>
+              <a:rPr lang="en-US" sz="1400" dirty="0"/>
+              <a:t>Facilitate access to food for all</a:t>
+            </a:r>
+          </a:p>
+          <a:p>
+            <a:pPr marL="285750" indent="-285750" algn="just">
+              <a:buFont typeface="Wingdings" panose="05000000000000000000" pitchFamily="2" charset="2"/>
+              <a:buChar char="ü"/>
+            </a:pPr>
+            <a:r>
+              <a:rPr lang="en-US" sz="1400" dirty="0"/>
+              <a:t>Use an agricultural production system </a:t>
+            </a:r>
+            <a:r>
+              <a:rPr lang="en-US" sz="1400" dirty="0" smtClean="0"/>
+              <a:t>approach</a:t>
+            </a:r>
+            <a:endParaRPr lang="en-US" sz="1400" dirty="0"/>
+          </a:p>
+        </p:txBody>
+      </p:sp>
+      <p:sp>
+        <p:nvSpPr>
+          <p:cNvPr id="7" name="object 2"/>
+          <p:cNvSpPr txBox="1">
+            <a:spLocks/>
+          </p:cNvSpPr>
+          <p:nvPr/>
+        </p:nvSpPr>
+        <p:spPr>
+          <a:xfrm>
+            <a:off x="685800" y="971550"/>
+            <a:ext cx="3582035" cy="689932"/>
+          </a:xfrm>
+          <a:prstGeom prst="rect">
+            <a:avLst/>
+          </a:prstGeom>
+        </p:spPr>
+        <p:txBody>
+          <a:bodyPr vert="horz" wrap="square" lIns="0" tIns="12700" rIns="0" bIns="0" rtlCol="0">
+            <a:spAutoFit/>
+          </a:bodyPr>
+          <a:lstStyle>
+            <a:lvl1pPr>
+              <a:defRPr sz="2300" b="0" i="0">
+                <a:solidFill>
+                  <a:srgbClr val="545454"/>
+                </a:solidFill>
+                <a:latin typeface="Arial"/>
+                <a:ea typeface="+mj-ea"/>
+                <a:cs typeface="Arial"/>
+              </a:defRPr>
+            </a:lvl1pPr>
+          </a:lstStyle>
+          <a:p>
+            <a:pPr marL="12700" lvl="0">
+              <a:spcBef>
+                <a:spcPts val="100"/>
+              </a:spcBef>
+            </a:pPr>
+            <a:r>
+              <a:rPr lang="fr-FR" sz="4400" b="1" kern="0" spc="-190" dirty="0">
+                <a:solidFill>
+                  <a:srgbClr val="1A1A1A"/>
+                </a:solidFill>
+                <a:latin typeface="Trebuchet MS"/>
+                <a:cs typeface="Trebuchet MS"/>
+              </a:rPr>
+              <a:t> </a:t>
+            </a:r>
+            <a:r>
+              <a:rPr lang="fr-FR" sz="2400" b="1" kern="0" spc="-190" dirty="0">
+                <a:solidFill>
+                  <a:srgbClr val="1A1A1A"/>
+                </a:solidFill>
+                <a:latin typeface="Trebuchet MS"/>
+                <a:cs typeface="Trebuchet MS"/>
+              </a:rPr>
+              <a:t>General </a:t>
+            </a:r>
+            <a:r>
+              <a:rPr lang="fr-FR" sz="2400" b="1" kern="0" spc="-190" dirty="0" err="1">
+                <a:solidFill>
+                  <a:srgbClr val="1A1A1A"/>
+                </a:solidFill>
+                <a:latin typeface="Trebuchet MS"/>
+                <a:cs typeface="Trebuchet MS"/>
+              </a:rPr>
+              <a:t>recommendation</a:t>
+            </a:r>
+            <a:endParaRPr lang="fr-FR" sz="2400" b="1" kern="0" spc="-190" dirty="0">
+              <a:solidFill>
+                <a:srgbClr val="1A1A1A"/>
+              </a:solidFill>
+              <a:latin typeface="Trebuchet MS"/>
+              <a:cs typeface="Trebuchet MS"/>
+            </a:endParaRPr>
+          </a:p>
+        </p:txBody>
+      </p:sp>
+      <p:sp>
+        <p:nvSpPr>
+          <p:cNvPr id="6" name="Rectangle 5"/>
+          <p:cNvSpPr/>
+          <p:nvPr/>
+        </p:nvSpPr>
+        <p:spPr>
+          <a:xfrm>
+            <a:off x="664029" y="3105617"/>
+            <a:ext cx="3358933" cy="461665"/>
+          </a:xfrm>
+          <a:prstGeom prst="rect">
+            <a:avLst/>
+          </a:prstGeom>
+        </p:spPr>
+        <p:txBody>
+          <a:bodyPr wrap="none">
+            <a:spAutoFit/>
+          </a:bodyPr>
+          <a:lstStyle/>
+          <a:p>
+            <a:pPr marL="12700">
+              <a:spcBef>
+                <a:spcPts val="100"/>
+              </a:spcBef>
+            </a:pPr>
+            <a:r>
+              <a:rPr lang="fr-FR" sz="2400" b="1" kern="0" spc="-190" dirty="0">
+                <a:solidFill>
+                  <a:srgbClr val="1A1A1A"/>
+                </a:solidFill>
+                <a:latin typeface="Trebuchet MS"/>
+                <a:cs typeface="Trebuchet MS"/>
+              </a:rPr>
+              <a:t> </a:t>
+            </a:r>
+            <a:r>
+              <a:rPr lang="fr-FR" sz="2400" b="1" kern="0" spc="-190" dirty="0" err="1">
+                <a:solidFill>
+                  <a:srgbClr val="1A1A1A"/>
+                </a:solidFill>
+                <a:latin typeface="Trebuchet MS"/>
+                <a:cs typeface="Trebuchet MS"/>
+              </a:rPr>
+              <a:t>Specific</a:t>
+            </a:r>
+            <a:r>
+              <a:rPr lang="fr-FR" sz="2400" b="1" kern="0" spc="-190" dirty="0">
+                <a:solidFill>
+                  <a:srgbClr val="1A1A1A"/>
+                </a:solidFill>
+                <a:latin typeface="Trebuchet MS"/>
+                <a:cs typeface="Trebuchet MS"/>
+              </a:rPr>
+              <a:t> </a:t>
+            </a:r>
+            <a:r>
+              <a:rPr lang="fr-FR" sz="2400" b="1" kern="0" spc="-190" dirty="0" err="1">
+                <a:solidFill>
+                  <a:srgbClr val="1A1A1A"/>
+                </a:solidFill>
+                <a:latin typeface="Trebuchet MS"/>
+                <a:cs typeface="Trebuchet MS"/>
+              </a:rPr>
+              <a:t>recommendation</a:t>
+            </a:r>
+            <a:endParaRPr lang="fr-FR" sz="2400" b="1" kern="0" spc="-190" dirty="0">
+              <a:solidFill>
+                <a:srgbClr val="1A1A1A"/>
+              </a:solidFill>
+              <a:latin typeface="Trebuchet MS"/>
+              <a:cs typeface="Trebuchet MS"/>
+            </a:endParaRPr>
+          </a:p>
+        </p:txBody>
+      </p:sp>
+      <p:sp>
+        <p:nvSpPr>
+          <p:cNvPr id="9" name="ZoneTexte 8"/>
+          <p:cNvSpPr txBox="1"/>
+          <p:nvPr/>
+        </p:nvSpPr>
+        <p:spPr>
+          <a:xfrm>
+            <a:off x="751796" y="3492214"/>
+            <a:ext cx="8001000" cy="738664"/>
+          </a:xfrm>
+          <a:prstGeom prst="rect">
+            <a:avLst/>
+          </a:prstGeom>
+          <a:noFill/>
+        </p:spPr>
+        <p:txBody>
+          <a:bodyPr wrap="square" rtlCol="0">
+            <a:spAutoFit/>
+          </a:bodyPr>
+          <a:lstStyle/>
+          <a:p>
+            <a:pPr algn="just"/>
+            <a:r>
+              <a:rPr lang="en-US" sz="1400" dirty="0"/>
+              <a:t>Considering profile 2, no less than 12 communes are in a state of extreme emergency with regard to health, cholera and food security, among them 6 are in the West department. I suggest to the state officials to intervene quickly in these communes that are in urgent need, especially in the metropolitan area.</a:t>
+            </a:r>
+          </a:p>
+        </p:txBody>
+      </p:sp>
+      <p:pic>
+        <p:nvPicPr>
+          <p:cNvPr id="2" name="Image 1"/>
+          <p:cNvPicPr>
+            <a:picLocks noChangeAspect="1"/>
+          </p:cNvPicPr>
+          <p:nvPr/>
+        </p:nvPicPr>
+        <p:blipFill>
+          <a:blip r:embed="rId3" cstate="print">
+            <a:extLst>
+              <a:ext uri="{BEBA8EAE-BF5A-486C-A8C5-ECC9F3942E4B}">
+                <a14:imgProps xmlns:a14="http://schemas.microsoft.com/office/drawing/2010/main">
+                  <a14:imgLayer r:embed="rId4">
+                    <a14:imgEffect>
+                      <a14:brightnessContrast bright="20000" contrast="-20000"/>
+                    </a14:imgEffect>
+                  </a14:imgLayer>
+                </a14:imgProps>
+              </a:ext>
+              <a:ext uri="{28A0092B-C50C-407E-A947-70E740481C1C}">
+                <a14:useLocalDpi xmlns:a14="http://schemas.microsoft.com/office/drawing/2010/main" val="0"/>
+              </a:ext>
+            </a:extLst>
+          </a:blip>
+          <a:stretch>
+            <a:fillRect/>
+          </a:stretch>
+        </p:blipFill>
+        <p:spPr>
+          <a:xfrm>
+            <a:off x="5867400" y="1987167"/>
+            <a:ext cx="2226474" cy="1505047"/>
+          </a:xfrm>
+          <a:prstGeom prst="rect">
+            <a:avLst/>
+          </a:prstGeom>
+        </p:spPr>
+      </p:pic>
+    </p:spTree>
+    <p:extLst>
+      <p:ext uri="{BB962C8B-B14F-4D97-AF65-F5344CB8AC3E}">
+        <p14:creationId xmlns:p14="http://schemas.microsoft.com/office/powerpoint/2010/main" val="3283765187"/>
+      </p:ext>
+    </p:extLst>
+  </p:cSld>
+  <p:clrMapOvr>
+    <a:masterClrMapping/>
+  </p:clrMapOvr>
+  <p:timing>
+    <p:tnLst>
+      <p:par>
+        <p:cTn id="1" dur="indefinite" restart="never" nodeType="tmRoot"/>
+      </p:par>
+    </p:tnLst>
+  </p:timing>
+</p:sld>
+</file>
+
+<file path=ppt/slides/slide17.xml><?xml version="1.0" encoding="utf-8"?>
+<p:sld xmlns:a="http://schemas.openxmlformats.org/drawingml/2006/main" xmlns:r="http://schemas.openxmlformats.org/officeDocument/2006/relationships" xmlns:p="http://schemas.openxmlformats.org/presentationml/2006/main">
+  <p:cSld>
+    <p:spTree>
+      <p:nvGrpSpPr>
+        <p:cNvPr id="1" name=""/>
+        <p:cNvGrpSpPr/>
+        <p:nvPr/>
+      </p:nvGrpSpPr>
+      <p:grpSpPr>
+        <a:xfrm>
+          <a:off x="0" y="0"/>
+          <a:ext cx="0" cy="0"/>
+          <a:chOff x="0" y="0"/>
+          <a:chExt cx="0" cy="0"/>
+        </a:xfrm>
+      </p:grpSpPr>
+      <p:sp>
+        <p:nvSpPr>
+          <p:cNvPr id="2" name="object 2"/>
+          <p:cNvSpPr txBox="1">
+            <a:spLocks noGrp="1"/>
+          </p:cNvSpPr>
+          <p:nvPr>
+            <p:ph type="title"/>
+          </p:nvPr>
+        </p:nvSpPr>
+        <p:spPr>
+          <a:xfrm>
+            <a:off x="800675" y="647291"/>
+            <a:ext cx="3582035" cy="421640"/>
+          </a:xfrm>
+          <a:prstGeom prst="rect">
+            <a:avLst/>
+          </a:prstGeom>
+        </p:spPr>
+        <p:txBody>
+          <a:bodyPr vert="horz" wrap="square" lIns="0" tIns="12700" rIns="0" bIns="0" rtlCol="0">
+            <a:spAutoFit/>
+          </a:bodyPr>
+          <a:lstStyle/>
+          <a:p>
+            <a:pPr marL="12700">
+              <a:lnSpc>
+                <a:spcPct val="100000"/>
+              </a:lnSpc>
+              <a:spcBef>
+                <a:spcPts val="100"/>
+              </a:spcBef>
+            </a:pPr>
+            <a:r>
+              <a:rPr sz="2600" b="1" spc="-190" dirty="0" smtClean="0">
+                <a:solidFill>
+                  <a:srgbClr val="1A1A1A"/>
+                </a:solidFill>
+                <a:latin typeface="Trebuchet MS"/>
+                <a:cs typeface="Trebuchet MS"/>
+              </a:rPr>
+              <a:t> </a:t>
+            </a:r>
+            <a:endParaRPr sz="1200" dirty="0">
+              <a:latin typeface="Trebuchet MS"/>
+              <a:cs typeface="Trebuchet MS"/>
+            </a:endParaRPr>
+          </a:p>
+        </p:txBody>
+      </p:sp>
+      <p:sp>
+        <p:nvSpPr>
+          <p:cNvPr id="3" name="Rectangle 2"/>
+          <p:cNvSpPr/>
+          <p:nvPr/>
+        </p:nvSpPr>
+        <p:spPr>
+          <a:xfrm>
+            <a:off x="2514600" y="3409950"/>
+            <a:ext cx="2514600" cy="1066800"/>
+          </a:xfrm>
+          <a:prstGeom prst="rect">
+            <a:avLst/>
+          </a:prstGeom>
+          <a:solidFill>
+            <a:schemeClr val="bg1"/>
+          </a:solidFill>
+          <a:ln>
+            <a:noFill/>
+          </a:ln>
+        </p:spPr>
+        <p:style>
+          <a:lnRef idx="2">
+            <a:schemeClr val="accent1">
+              <a:shade val="50000"/>
+            </a:schemeClr>
+          </a:lnRef>
+          <a:fillRef idx="1">
+            <a:schemeClr val="accent1"/>
+          </a:fillRef>
+          <a:effectRef idx="0">
+            <a:schemeClr val="accent1"/>
+          </a:effectRef>
+          <a:fontRef idx="minor">
+            <a:schemeClr val="lt1"/>
+          </a:fontRef>
+        </p:style>
+        <p:txBody>
+          <a:bodyPr rtlCol="0" anchor="ctr"/>
+          <a:lstStyle/>
+          <a:p>
+            <a:pPr algn="ctr"/>
+            <a:endParaRPr lang="fr-FR"/>
+          </a:p>
+        </p:txBody>
+      </p:sp>
+      <p:sp>
+        <p:nvSpPr>
+          <p:cNvPr id="5" name="Rectangle 4"/>
+          <p:cNvSpPr/>
+          <p:nvPr/>
+        </p:nvSpPr>
+        <p:spPr>
+          <a:xfrm>
+            <a:off x="-1" y="0"/>
+            <a:ext cx="9144001" cy="514350"/>
+          </a:xfrm>
+          <a:prstGeom prst="rect">
+            <a:avLst/>
+          </a:prstGeom>
+          <a:solidFill>
+            <a:schemeClr val="accent5">
+              <a:lumMod val="50000"/>
+            </a:schemeClr>
+          </a:solidFill>
+          <a:ln>
+            <a:solidFill>
+              <a:schemeClr val="accent6"/>
+            </a:solidFill>
+          </a:ln>
+        </p:spPr>
+        <p:style>
+          <a:lnRef idx="2">
+            <a:schemeClr val="accent1">
+              <a:shade val="50000"/>
+            </a:schemeClr>
+          </a:lnRef>
+          <a:fillRef idx="1">
+            <a:schemeClr val="accent1"/>
+          </a:fillRef>
+          <a:effectRef idx="0">
+            <a:schemeClr val="accent1"/>
+          </a:effectRef>
+          <a:fontRef idx="minor">
+            <a:schemeClr val="lt1"/>
+          </a:fontRef>
+        </p:style>
+        <p:txBody>
+          <a:bodyPr rtlCol="0" anchor="ctr"/>
+          <a:lstStyle/>
+          <a:p>
+            <a:pPr algn="ctr"/>
+            <a:endParaRPr lang="fr-FR"/>
+          </a:p>
+        </p:txBody>
+      </p:sp>
+      <p:sp>
+        <p:nvSpPr>
+          <p:cNvPr id="4" name="Rectangle 3"/>
+          <p:cNvSpPr/>
+          <p:nvPr/>
+        </p:nvSpPr>
+        <p:spPr>
+          <a:xfrm>
             <a:off x="2705100" y="647291"/>
             <a:ext cx="4648200" cy="3143659"/>
           </a:xfrm>
@@ -2980,6 +7496,62 @@
               <a:rPr lang="fr-FR" sz="1400" dirty="0"/>
               <a:t>://https://github.com/Thermoris1212/Ayiti-Analytics-Capstone-project.git</a:t>
             </a:r>
+          </a:p>
+        </p:txBody>
+      </p:sp>
+      <p:sp>
+        <p:nvSpPr>
+          <p:cNvPr id="8" name="Ellipse 7"/>
+          <p:cNvSpPr/>
+          <p:nvPr/>
+        </p:nvSpPr>
+        <p:spPr>
+          <a:xfrm>
+            <a:off x="5791200" y="1417588"/>
+            <a:ext cx="2819400" cy="2982962"/>
+          </a:xfrm>
+          <a:prstGeom prst="ellipse">
+            <a:avLst/>
+          </a:prstGeom>
+          <a:blipFill dpi="0" rotWithShape="1">
+            <a:blip r:embed="rId3">
+              <a:extLst>
+                <a:ext uri="{28A0092B-C50C-407E-A947-70E740481C1C}">
+                  <a14:useLocalDpi xmlns:a14="http://schemas.microsoft.com/office/drawing/2010/main" val="0"/>
+                </a:ext>
+              </a:extLst>
+            </a:blip>
+            <a:srcRect/>
+            <a:stretch>
+              <a:fillRect/>
+            </a:stretch>
+          </a:blipFill>
+          <a:ln>
+            <a:noFill/>
+          </a:ln>
+        </p:spPr>
+        <p:style>
+          <a:lnRef idx="2">
+            <a:schemeClr val="accent1">
+              <a:shade val="50000"/>
+            </a:schemeClr>
+          </a:lnRef>
+          <a:fillRef idx="1">
+            <a:schemeClr val="accent1"/>
+          </a:fillRef>
+          <a:effectRef idx="0">
+            <a:schemeClr val="accent1"/>
+          </a:effectRef>
+          <a:fontRef idx="minor">
+            <a:schemeClr val="lt1"/>
+          </a:fontRef>
+        </p:style>
+        <p:txBody>
+          <a:bodyPr rtlCol="0" anchor="ctr"/>
+          <a:lstStyle/>
+          <a:p>
+            <a:pPr algn="ctr"/>
+            <a:endParaRPr lang="fr-FR"/>
           </a:p>
         </p:txBody>
       </p:sp>
@@ -3003,7 +7575,7 @@
 </p:sld>
 </file>
 
-<file path=ppt/slides/slide12.xml><?xml version="1.0" encoding="utf-8"?>
+<file path=ppt/slides/slide18.xml><?xml version="1.0" encoding="utf-8"?>
 <p:sld xmlns:a="http://schemas.openxmlformats.org/drawingml/2006/main" xmlns:r="http://schemas.openxmlformats.org/officeDocument/2006/relationships" xmlns:p="http://schemas.openxmlformats.org/presentationml/2006/main" showMasterSp="0">
   <p:cSld>
     <p:spTree>
@@ -3505,8 +8077,8 @@
         </p:nvSpPr>
         <p:spPr>
           <a:xfrm>
-            <a:off x="3020374" y="1088052"/>
-            <a:ext cx="3103252" cy="769441"/>
+            <a:off x="2056286" y="902893"/>
+            <a:ext cx="5742626" cy="3477875"/>
           </a:xfrm>
           <a:prstGeom prst="rect">
             <a:avLst/>
@@ -3519,6 +8091,7 @@
           </a:bodyPr>
           <a:lstStyle/>
           <a:p>
+            <a:pPr algn="ctr"/>
             <a:r>
               <a:rPr lang="fr-FR" sz="4400" dirty="0" err="1">
                 <a:solidFill>
@@ -3551,7 +8124,109 @@
               </a:rPr>
               <a:t>!!!</a:t>
             </a:r>
+          </a:p>
+          <a:p>
+            <a:pPr algn="ctr"/>
             <a:endParaRPr lang="fr-FR" sz="4400" dirty="0">
+              <a:solidFill>
+                <a:schemeClr val="bg1"/>
+              </a:solidFill>
+            </a:endParaRPr>
+          </a:p>
+          <a:p>
+            <a:pPr algn="ctr"/>
+            <a:r>
+              <a:rPr lang="fr-FR" sz="3600" b="1" dirty="0" smtClean="0">
+                <a:solidFill>
+                  <a:srgbClr val="FFC000"/>
+                </a:solidFill>
+              </a:rPr>
+              <a:t>« </a:t>
+            </a:r>
+            <a:r>
+              <a:rPr lang="fr-FR" sz="3600" b="1" dirty="0" err="1" smtClean="0">
+                <a:solidFill>
+                  <a:srgbClr val="FFC000"/>
+                </a:solidFill>
+              </a:rPr>
+              <a:t>Let's</a:t>
+            </a:r>
+            <a:r>
+              <a:rPr lang="fr-FR" sz="3600" b="1" dirty="0" smtClean="0">
+                <a:solidFill>
+                  <a:srgbClr val="FFC000"/>
+                </a:solidFill>
+              </a:rPr>
+              <a:t> </a:t>
+            </a:r>
+            <a:r>
+              <a:rPr lang="fr-FR" sz="3600" b="1" dirty="0">
+                <a:solidFill>
+                  <a:srgbClr val="FFC000"/>
+                </a:solidFill>
+              </a:rPr>
+              <a:t>help </a:t>
+            </a:r>
+            <a:r>
+              <a:rPr lang="fr-FR" sz="3600" b="1" dirty="0" err="1">
+                <a:solidFill>
+                  <a:srgbClr val="FFC000"/>
+                </a:solidFill>
+              </a:rPr>
+              <a:t>each</a:t>
+            </a:r>
+            <a:r>
+              <a:rPr lang="fr-FR" sz="3600" b="1" dirty="0">
+                <a:solidFill>
+                  <a:srgbClr val="FFC000"/>
+                </a:solidFill>
+              </a:rPr>
+              <a:t> </a:t>
+            </a:r>
+            <a:r>
+              <a:rPr lang="fr-FR" sz="3600" b="1" dirty="0" err="1" smtClean="0">
+                <a:solidFill>
+                  <a:srgbClr val="FFC000"/>
+                </a:solidFill>
+              </a:rPr>
+              <a:t>other</a:t>
+            </a:r>
+            <a:r>
+              <a:rPr lang="fr-FR" sz="3600" b="1" dirty="0" smtClean="0">
+                <a:solidFill>
+                  <a:srgbClr val="FFC000"/>
+                </a:solidFill>
+              </a:rPr>
+              <a:t> »</a:t>
+            </a:r>
+          </a:p>
+          <a:p>
+            <a:pPr algn="ctr"/>
+            <a:endParaRPr lang="en-US" sz="3200" dirty="0">
+              <a:solidFill>
+                <a:srgbClr val="92D050"/>
+              </a:solidFill>
+            </a:endParaRPr>
+          </a:p>
+          <a:p>
+            <a:pPr algn="ctr"/>
+            <a:endParaRPr lang="en-US" sz="3200" dirty="0" smtClean="0">
+              <a:solidFill>
+                <a:srgbClr val="92D050"/>
+              </a:solidFill>
+            </a:endParaRPr>
+          </a:p>
+          <a:p>
+            <a:pPr algn="ctr"/>
+            <a:r>
+              <a:rPr lang="en-US" sz="3200" dirty="0" smtClean="0">
+                <a:solidFill>
+                  <a:schemeClr val="bg1"/>
+                </a:solidFill>
+              </a:rPr>
+              <a:t>Long Live Haiti</a:t>
+            </a:r>
+            <a:endParaRPr lang="fr-FR" sz="3200" dirty="0">
               <a:solidFill>
                 <a:schemeClr val="bg1"/>
               </a:solidFill>
@@ -3722,7 +8397,7 @@
         <p:spPr>
           <a:xfrm>
             <a:off x="767284" y="1276350"/>
-            <a:ext cx="5252516" cy="3416320"/>
+            <a:ext cx="5252516" cy="2977995"/>
           </a:xfrm>
           <a:prstGeom prst="rect">
             <a:avLst/>
@@ -3741,7 +8416,7 @@
               </a:lnSpc>
             </a:pPr>
             <a:r>
-              <a:rPr lang="en-US" sz="1600" dirty="0" smtClean="0">
+              <a:rPr lang="en-US" sz="1600" dirty="0">
                 <a:solidFill>
                   <a:schemeClr val="tx1">
                     <a:lumMod val="95000"/>
@@ -3749,40 +8424,7 @@
                   </a:schemeClr>
                 </a:solidFill>
               </a:rPr>
-              <a:t>Haiti Population 2020</a:t>
-            </a:r>
-            <a:r>
-              <a:rPr lang="en-US" dirty="0" smtClean="0">
-                <a:solidFill>
-                  <a:schemeClr val="tx1">
-                    <a:lumMod val="95000"/>
-                    <a:lumOff val="5000"/>
-                  </a:schemeClr>
-                </a:solidFill>
-              </a:rPr>
-              <a:t>: </a:t>
-            </a:r>
-            <a:r>
-              <a:rPr lang="fr-FR" dirty="0">
-                <a:solidFill>
-                  <a:schemeClr val="tx1">
-                    <a:lumMod val="95000"/>
-                    <a:lumOff val="5000"/>
-                  </a:schemeClr>
-                </a:solidFill>
-              </a:rPr>
-              <a:t>11 067 </a:t>
-            </a:r>
-            <a:r>
-              <a:rPr lang="fr-FR" dirty="0" smtClean="0">
-                <a:solidFill>
-                  <a:schemeClr val="tx1">
-                    <a:lumMod val="95000"/>
-                    <a:lumOff val="5000"/>
-                  </a:schemeClr>
-                </a:solidFill>
-              </a:rPr>
-              <a:t>777 Habitants </a:t>
+              <a:t>Haiti Population 2020: 11,067,777 Inhabitants</a:t>
             </a:r>
           </a:p>
           <a:p>
@@ -3792,7 +8434,7 @@
               </a:lnSpc>
             </a:pPr>
             <a:r>
-              <a:rPr lang="fr-FR" sz="1600" dirty="0" smtClean="0">
+              <a:rPr lang="en-US" sz="1600" dirty="0">
                 <a:solidFill>
                   <a:schemeClr val="tx1">
                     <a:lumMod val="95000"/>
@@ -3800,62 +8442,7 @@
                   </a:schemeClr>
                 </a:solidFill>
               </a:rPr>
-              <a:t>Langues </a:t>
-            </a:r>
-            <a:r>
-              <a:rPr lang="fr-FR" sz="1600" dirty="0" err="1" smtClean="0">
-                <a:solidFill>
-                  <a:schemeClr val="tx1">
-                    <a:lumMod val="95000"/>
-                    <a:lumOff val="5000"/>
-                  </a:schemeClr>
-                </a:solidFill>
-              </a:rPr>
-              <a:t>officielles</a:t>
-            </a:r>
-            <a:r>
-              <a:rPr lang="fr-FR" dirty="0" err="1" smtClean="0">
-                <a:solidFill>
-                  <a:schemeClr val="tx1">
-                    <a:lumMod val="95000"/>
-                    <a:lumOff val="5000"/>
-                  </a:schemeClr>
-                </a:solidFill>
-              </a:rPr>
-              <a:t>:Créole</a:t>
-            </a:r>
-            <a:r>
-              <a:rPr lang="fr-FR" dirty="0" smtClean="0">
-                <a:solidFill>
-                  <a:schemeClr val="tx1">
-                    <a:lumMod val="95000"/>
-                    <a:lumOff val="5000"/>
-                  </a:schemeClr>
-                </a:solidFill>
-              </a:rPr>
-              <a:t> </a:t>
-            </a:r>
-            <a:r>
-              <a:rPr lang="fr-FR" dirty="0" err="1" smtClean="0">
-                <a:solidFill>
-                  <a:schemeClr val="tx1">
-                    <a:lumMod val="95000"/>
-                    <a:lumOff val="5000"/>
-                  </a:schemeClr>
-                </a:solidFill>
-              </a:rPr>
-              <a:t>haïtien,Français</a:t>
-            </a:r>
-            <a:r>
-              <a:rPr lang="fr-FR" dirty="0" smtClean="0">
-                <a:solidFill>
-                  <a:schemeClr val="tx1">
-                    <a:lumMod val="95000"/>
-                    <a:lumOff val="5000"/>
-                  </a:schemeClr>
-                </a:solidFill>
-              </a:rPr>
-              <a:t> haïtien</a:t>
+              <a:t>Official languages: Haitian Creole, Haitian French</a:t>
             </a:r>
           </a:p>
           <a:p>
@@ -3865,7 +8452,7 @@
               </a:lnSpc>
             </a:pPr>
             <a:r>
-              <a:rPr lang="fr-FR" sz="1600" dirty="0" smtClean="0">
+              <a:rPr lang="en-US" sz="1600" dirty="0">
                 <a:solidFill>
                   <a:schemeClr val="tx1">
                     <a:lumMod val="95000"/>
@@ -3873,27 +8460,8 @@
                   </a:schemeClr>
                 </a:solidFill>
               </a:rPr>
-              <a:t>Capitale: </a:t>
-            </a:r>
-            <a:r>
-              <a:rPr lang="fr-FR" dirty="0" smtClean="0">
-                <a:solidFill>
-                  <a:schemeClr val="tx1">
-                    <a:lumMod val="95000"/>
-                    <a:lumOff val="5000"/>
-                  </a:schemeClr>
-                </a:solidFill>
-              </a:rPr>
-              <a:t>Port-au-Prince</a:t>
-            </a:r>
-            <a:endParaRPr lang="fr-FR" dirty="0">
-              <a:solidFill>
-                <a:schemeClr val="tx1">
-                  <a:lumMod val="95000"/>
-                  <a:lumOff val="5000"/>
-                </a:schemeClr>
-              </a:solidFill>
-            </a:endParaRPr>
+              <a:t>Capital: Port-au-Prince</a:t>
+            </a:r>
           </a:p>
           <a:p>
             <a:pPr>
@@ -3902,7 +8470,7 @@
               </a:lnSpc>
             </a:pPr>
             <a:r>
-              <a:rPr lang="fr-FR" sz="1600" dirty="0" smtClean="0">
+              <a:rPr lang="en-US" sz="1600" dirty="0">
                 <a:solidFill>
                   <a:schemeClr val="tx1">
                     <a:lumMod val="95000"/>
@@ -3910,18 +8478,7 @@
                   </a:schemeClr>
                 </a:solidFill>
               </a:rPr>
-              <a:t>Superficie totale: </a:t>
-            </a:r>
-            <a:r>
-              <a:rPr lang="fr-FR" dirty="0" smtClean="0">
-                <a:solidFill>
-                  <a:schemeClr val="tx1">
-                    <a:lumMod val="95000"/>
-                    <a:lumOff val="5000"/>
-                  </a:schemeClr>
-                </a:solidFill>
-              </a:rPr>
-              <a:t>27 750 km2</a:t>
+              <a:t>Total area: 27,750 km2</a:t>
             </a:r>
           </a:p>
           <a:p>
@@ -3931,7 +8488,7 @@
               </a:lnSpc>
             </a:pPr>
             <a:r>
-              <a:rPr lang="fr-FR" sz="1600" dirty="0" smtClean="0">
+              <a:rPr lang="en-US" sz="1600" dirty="0">
                 <a:solidFill>
                   <a:schemeClr val="tx1">
                     <a:lumMod val="95000"/>
@@ -3939,10 +8496,10 @@
                   </a:schemeClr>
                 </a:solidFill>
               </a:rPr>
-              <a:t>Densité: </a:t>
-            </a:r>
-            <a:r>
-              <a:rPr lang="fr-FR" dirty="0" smtClean="0">
+              <a:t>Density: 399 </a:t>
+            </a:r>
+            <a:r>
+              <a:rPr lang="en-US" sz="1600" dirty="0" err="1">
                 <a:solidFill>
                   <a:schemeClr val="tx1">
                     <a:lumMod val="95000"/>
@@ -3950,7 +8507,18 @@
                   </a:schemeClr>
                 </a:solidFill>
               </a:rPr>
-              <a:t>399 hab./km2</a:t>
+              <a:t>inhab</a:t>
+            </a:r>
+            <a:r>
+              <a:rPr lang="en-US" sz="1600" dirty="0">
+                <a:solidFill>
+                  <a:schemeClr val="tx1">
+                    <a:lumMod val="95000"/>
+                    <a:lumOff val="5000"/>
+                  </a:schemeClr>
+                </a:solidFill>
+              </a:rPr>
+              <a:t>./km2</a:t>
             </a:r>
           </a:p>
           <a:p>
@@ -3960,7 +8528,7 @@
               </a:lnSpc>
             </a:pPr>
             <a:r>
-              <a:rPr lang="fr-FR" sz="1600" dirty="0" smtClean="0">
+              <a:rPr lang="en-US" sz="1600" dirty="0">
                 <a:solidFill>
                   <a:schemeClr val="tx1">
                     <a:lumMod val="95000"/>
@@ -3968,18 +8536,7 @@
                   </a:schemeClr>
                 </a:solidFill>
               </a:rPr>
-              <a:t>Monnaie</a:t>
-            </a:r>
-            <a:r>
-              <a:rPr lang="fr-FR" dirty="0" smtClean="0">
-                <a:solidFill>
-                  <a:schemeClr val="tx1">
-                    <a:lumMod val="95000"/>
-                    <a:lumOff val="5000"/>
-                  </a:schemeClr>
-                </a:solidFill>
-              </a:rPr>
-              <a:t>:	Gourde haïtienne (HTG​)</a:t>
+              <a:t>Currency: Haitian gourde (HTG)</a:t>
             </a:r>
             <a:endParaRPr lang="fr-FR" dirty="0">
               <a:solidFill>
@@ -4209,7 +8766,7 @@
         <p:spPr>
           <a:xfrm>
             <a:off x="1295400" y="1733354"/>
-            <a:ext cx="4723765" cy="2895664"/>
+            <a:ext cx="4723765" cy="2821285"/>
           </a:xfrm>
           <a:prstGeom prst="rect">
             <a:avLst/>
@@ -4233,13 +8790,18 @@
               </a:tabLst>
             </a:pPr>
             <a:r>
-              <a:rPr lang="fr-FR" sz="1600" spc="-135" dirty="0" smtClean="0">
+              <a:rPr lang="fr-FR" sz="2000" spc="-135" dirty="0" smtClean="0">
                 <a:latin typeface="Adobe Fan Heiti Std B" panose="020B0700000000000000" pitchFamily="34" charset="-128"/>
                 <a:ea typeface="Adobe Fan Heiti Std B" panose="020B0700000000000000" pitchFamily="34" charset="-128"/>
                 <a:cs typeface="Tahoma"/>
               </a:rPr>
               <a:t>Introduction</a:t>
             </a:r>
+            <a:endParaRPr lang="en-US" sz="2000" dirty="0" smtClean="0">
+              <a:latin typeface="Adobe Fan Heiti Std B" panose="020B0700000000000000" pitchFamily="34" charset="-128"/>
+              <a:ea typeface="Adobe Fan Heiti Std B" panose="020B0700000000000000" pitchFamily="34" charset="-128"/>
+              <a:cs typeface="Tahoma" panose="020B0604030504040204" pitchFamily="34" charset="0"/>
+            </a:endParaRPr>
           </a:p>
           <a:p>
             <a:pPr marL="494665" indent="-482600">
@@ -4254,20 +8816,12 @@
               </a:tabLst>
             </a:pPr>
             <a:r>
-              <a:rPr lang="en-US" sz="1600" dirty="0">
+              <a:rPr lang="en-US" sz="2000" dirty="0" smtClean="0">
                 <a:latin typeface="Adobe Fan Heiti Std B" panose="020B0700000000000000" pitchFamily="34" charset="-128"/>
                 <a:ea typeface="Adobe Fan Heiti Std B" panose="020B0700000000000000" pitchFamily="34" charset="-128"/>
                 <a:cs typeface="Tahoma" panose="020B0604030504040204" pitchFamily="34" charset="0"/>
               </a:rPr>
-              <a:t>Problems to </a:t>
-            </a:r>
-            <a:r>
-              <a:rPr lang="en-US" sz="1600" dirty="0" smtClean="0">
-                <a:latin typeface="Adobe Fan Heiti Std B" panose="020B0700000000000000" pitchFamily="34" charset="-128"/>
-                <a:ea typeface="Adobe Fan Heiti Std B" panose="020B0700000000000000" pitchFamily="34" charset="-128"/>
-                <a:cs typeface="Tahoma" panose="020B0604030504040204" pitchFamily="34" charset="0"/>
-              </a:rPr>
-              <a:t>solve</a:t>
+              <a:t>Goal</a:t>
             </a:r>
           </a:p>
           <a:p>
@@ -4283,18 +8837,13 @@
               </a:tabLst>
             </a:pPr>
             <a:r>
-              <a:rPr lang="en-US" sz="1600" dirty="0" smtClean="0">
+              <a:rPr lang="en-US" sz="2000" spc="-135" dirty="0" smtClean="0">
                 <a:latin typeface="Adobe Fan Heiti Std B" panose="020B0700000000000000" pitchFamily="34" charset="-128"/>
                 <a:ea typeface="Adobe Fan Heiti Std B" panose="020B0700000000000000" pitchFamily="34" charset="-128"/>
-                <a:cs typeface="Tahoma" panose="020B0604030504040204" pitchFamily="34" charset="0"/>
-              </a:rPr>
-              <a:t>Goal</a:t>
-            </a:r>
-            <a:endParaRPr lang="en-US" sz="1600" dirty="0" smtClean="0">
-              <a:latin typeface="Adobe Fan Heiti Std B" panose="020B0700000000000000" pitchFamily="34" charset="-128"/>
-              <a:ea typeface="Adobe Fan Heiti Std B" panose="020B0700000000000000" pitchFamily="34" charset="-128"/>
-              <a:cs typeface="Tahoma" panose="020B0604030504040204" pitchFamily="34" charset="0"/>
-            </a:endParaRPr>
+                <a:cs typeface="Tahoma"/>
+              </a:rPr>
+              <a:t>Audience</a:t>
+            </a:r>
           </a:p>
           <a:p>
             <a:pPr marL="494665" indent="-482600">
@@ -4309,35 +8858,14 @@
               </a:tabLst>
             </a:pPr>
             <a:r>
-              <a:rPr lang="en-US" sz="1600" spc="-135" dirty="0" smtClean="0">
+              <a:rPr lang="fr-FR" sz="2000" spc="-135" dirty="0">
                 <a:latin typeface="Adobe Fan Heiti Std B" panose="020B0700000000000000" pitchFamily="34" charset="-128"/>
                 <a:ea typeface="Adobe Fan Heiti Std B" panose="020B0700000000000000" pitchFamily="34" charset="-128"/>
                 <a:cs typeface="Tahoma"/>
               </a:rPr>
-              <a:t>Audience</a:t>
-            </a:r>
-          </a:p>
-          <a:p>
-            <a:pPr marL="494665" indent="-482600">
-              <a:spcBef>
-                <a:spcPts val="1300"/>
-              </a:spcBef>
-              <a:buFont typeface="MS PGothic"/>
-              <a:buChar char="❖"/>
-              <a:tabLst>
-                <a:tab pos="494665" algn="l"/>
-                <a:tab pos="495300" algn="l"/>
-              </a:tabLst>
-            </a:pPr>
-            <a:r>
-              <a:rPr lang="fr-FR" sz="1600" spc="-135" dirty="0">
-                <a:latin typeface="Adobe Fan Heiti Std B" panose="020B0700000000000000" pitchFamily="34" charset="-128"/>
-                <a:ea typeface="Adobe Fan Heiti Std B" panose="020B0700000000000000" pitchFamily="34" charset="-128"/>
-                <a:cs typeface="Tahoma"/>
-              </a:rPr>
               <a:t>Data Source </a:t>
             </a:r>
-            <a:endParaRPr lang="fr-FR" sz="1600" spc="-135" dirty="0" smtClean="0">
+            <a:endParaRPr lang="fr-FR" sz="2000" spc="-135" dirty="0" smtClean="0">
               <a:latin typeface="Adobe Fan Heiti Std B" panose="020B0700000000000000" pitchFamily="34" charset="-128"/>
               <a:ea typeface="Adobe Fan Heiti Std B" panose="020B0700000000000000" pitchFamily="34" charset="-128"/>
               <a:cs typeface="Tahoma"/>
@@ -4356,14 +8884,14 @@
               </a:tabLst>
             </a:pPr>
             <a:r>
-              <a:rPr lang="en-US" sz="1600" spc="25" dirty="0" smtClean="0">
+              <a:rPr lang="en-US" sz="2000" spc="25" dirty="0" smtClean="0">
                 <a:latin typeface="Adobe Fan Heiti Std B" panose="020B0700000000000000" pitchFamily="34" charset="-128"/>
                 <a:ea typeface="Adobe Fan Heiti Std B" panose="020B0700000000000000" pitchFamily="34" charset="-128"/>
                 <a:cs typeface="Tahoma"/>
               </a:rPr>
               <a:t>Result</a:t>
             </a:r>
-            <a:endParaRPr sz="1600" dirty="0" smtClean="0">
+            <a:endParaRPr sz="2000" dirty="0" smtClean="0">
               <a:latin typeface="Adobe Fan Heiti Std B" panose="020B0700000000000000" pitchFamily="34" charset="-128"/>
               <a:ea typeface="Adobe Fan Heiti Std B" panose="020B0700000000000000" pitchFamily="34" charset="-128"/>
               <a:cs typeface="Tahoma"/>
@@ -4382,14 +8910,14 @@
               </a:tabLst>
             </a:pPr>
             <a:r>
-              <a:rPr lang="en-US" sz="1600" spc="10" dirty="0" err="1" smtClean="0">
+              <a:rPr lang="en-US" sz="2000" spc="10" dirty="0" err="1" smtClean="0">
                 <a:latin typeface="Adobe Fan Heiti Std B" panose="020B0700000000000000" pitchFamily="34" charset="-128"/>
                 <a:ea typeface="Adobe Fan Heiti Std B" panose="020B0700000000000000" pitchFamily="34" charset="-128"/>
                 <a:cs typeface="Tahoma"/>
               </a:rPr>
               <a:t>Recommandations</a:t>
             </a:r>
-            <a:endParaRPr sz="1600" dirty="0">
+            <a:endParaRPr sz="2000" dirty="0">
               <a:latin typeface="Adobe Fan Heiti Std B" panose="020B0700000000000000" pitchFamily="34" charset="-128"/>
               <a:ea typeface="Adobe Fan Heiti Std B" panose="020B0700000000000000" pitchFamily="34" charset="-128"/>
               <a:cs typeface="Tahoma"/>
@@ -4456,7 +8984,15 @@
           <p:nvPr/>
         </p:nvPicPr>
         <p:blipFill>
-          <a:blip r:embed="rId2"/>
+          <a:blip r:embed="rId2">
+            <a:duotone>
+              <a:prstClr val="black"/>
+              <a:schemeClr val="accent5">
+                <a:tint val="45000"/>
+                <a:satMod val="400000"/>
+              </a:schemeClr>
+            </a:duotone>
+          </a:blip>
           <a:stretch>
             <a:fillRect/>
           </a:stretch>
@@ -4511,8 +9047,8 @@
         </p:nvSpPr>
         <p:spPr>
           <a:xfrm>
-            <a:off x="838200" y="1637804"/>
-            <a:ext cx="7810499" cy="3136343"/>
+            <a:off x="838200" y="1637805"/>
+            <a:ext cx="7810499" cy="2686546"/>
           </a:xfrm>
           <a:prstGeom prst="rect">
             <a:avLst/>
@@ -4678,7 +9214,7 @@
         </p:nvSpPr>
         <p:spPr>
           <a:xfrm>
-            <a:off x="685800" y="1094469"/>
+            <a:off x="685800" y="654606"/>
             <a:ext cx="3582035" cy="566822"/>
           </a:xfrm>
           <a:prstGeom prst="rect">
@@ -4780,6 +9316,36 @@
           </a:p>
         </p:txBody>
       </p:sp>
+      <p:pic>
+        <p:nvPicPr>
+          <p:cNvPr id="2" name="Picture 1"/>
+          <p:cNvPicPr>
+            <a:picLocks noChangeAspect="1"/>
+          </p:cNvPicPr>
+          <p:nvPr/>
+        </p:nvPicPr>
+        <p:blipFill>
+          <a:blip r:embed="rId2">
+            <a:extLst>
+              <a:ext uri="{28A0092B-C50C-407E-A947-70E740481C1C}">
+                <a14:useLocalDpi xmlns:a14="http://schemas.microsoft.com/office/drawing/2010/main" val="0"/>
+              </a:ext>
+            </a:extLst>
+          </a:blip>
+          <a:stretch>
+            <a:fillRect/>
+          </a:stretch>
+        </p:blipFill>
+        <p:spPr>
+          <a:xfrm>
+            <a:off x="6858000" y="3903519"/>
+            <a:ext cx="1714500" cy="1200150"/>
+          </a:xfrm>
+          <a:prstGeom prst="rect">
+            <a:avLst/>
+          </a:prstGeom>
+        </p:spPr>
+      </p:pic>
     </p:spTree>
     <p:extLst>
       <p:ext uri="{BB962C8B-B14F-4D97-AF65-F5344CB8AC3E}">
@@ -4830,7 +9396,7 @@
         <p:spPr>
           <a:xfrm>
             <a:off x="723582" y="1035254"/>
-            <a:ext cx="3582035" cy="566822"/>
+            <a:ext cx="3582035" cy="628377"/>
           </a:xfrm>
           <a:prstGeom prst="rect">
             <a:avLst/>
@@ -4851,7 +9417,7 @@
               </a:spcBef>
             </a:pPr>
             <a:r>
-              <a:rPr sz="3600" b="1" spc="-190" dirty="0" smtClean="0">
+              <a:rPr sz="4000" b="1" spc="-190" dirty="0" smtClean="0">
                 <a:solidFill>
                   <a:srgbClr val="1A1A1A"/>
                 </a:solidFill>
@@ -4861,7 +9427,7 @@
               <a:t> </a:t>
             </a:r>
             <a:r>
-              <a:rPr lang="en-US" sz="1800" b="1" spc="-15" dirty="0" smtClean="0">
+              <a:rPr lang="en-US" sz="2000" b="1" spc="-15" dirty="0" smtClean="0">
                 <a:solidFill>
                   <a:srgbClr val="1A1A1A"/>
                 </a:solidFill>
@@ -4870,7 +9436,7 @@
               </a:rPr>
               <a:t>Goals</a:t>
             </a:r>
-            <a:endParaRPr sz="1800" dirty="0">
+            <a:endParaRPr sz="2000" dirty="0">
               <a:latin typeface="Trebuchet MS"/>
               <a:cs typeface="Trebuchet MS"/>
             </a:endParaRPr>
@@ -4885,8 +9451,8 @@
         </p:nvSpPr>
         <p:spPr>
           <a:xfrm>
-            <a:off x="1219200" y="1602076"/>
-            <a:ext cx="7239000" cy="2874674"/>
+            <a:off x="789807" y="1602076"/>
+            <a:ext cx="7564384" cy="2874674"/>
           </a:xfrm>
           <a:prstGeom prst="rect">
             <a:avLst/>
@@ -4920,7 +9486,7 @@
           <a:p>
             <a:pPr algn="just"/>
             <a:r>
-              <a:rPr lang="en-US" dirty="0">
+              <a:rPr lang="en-US" sz="1600" dirty="0">
                 <a:solidFill>
                   <a:schemeClr val="tx1">
                     <a:lumMod val="75000"/>
@@ -4934,7 +9500,7 @@
           <a:p>
             <a:pPr algn="just"/>
             <a:r>
-              <a:rPr lang="en-US" dirty="0">
+              <a:rPr lang="en-US" sz="1600" dirty="0">
                 <a:solidFill>
                   <a:schemeClr val="tx1">
                     <a:lumMod val="75000"/>
@@ -4945,7 +9511,7 @@
               <a:t>The analysis will cover the entire country based on the quality and quantity of sectorial data available at the commercial and/or departmental level</a:t>
             </a:r>
             <a:r>
-              <a:rPr lang="en-US" dirty="0" smtClean="0">
+              <a:rPr lang="en-US" sz="1600" dirty="0" smtClean="0">
                 <a:solidFill>
                   <a:schemeClr val="tx1">
                     <a:lumMod val="75000"/>
@@ -4958,7 +9524,7 @@
           </a:p>
           <a:p>
             <a:pPr algn="just"/>
-            <a:endParaRPr lang="en-US" dirty="0">
+            <a:endParaRPr lang="en-US" sz="1600" dirty="0">
               <a:solidFill>
                 <a:schemeClr val="tx1">
                   <a:lumMod val="75000"/>
@@ -4970,7 +9536,7 @@
           <a:p>
             <a:pPr algn="just"/>
             <a:r>
-              <a:rPr lang="en-US" dirty="0" smtClean="0">
+              <a:rPr lang="en-US" sz="1600" dirty="0" smtClean="0">
                 <a:solidFill>
                   <a:schemeClr val="tx1">
                     <a:lumMod val="75000"/>
@@ -4981,7 +9547,7 @@
               <a:t>For </a:t>
             </a:r>
             <a:r>
-              <a:rPr lang="en-US" dirty="0">
+              <a:rPr lang="en-US" sz="1600" dirty="0">
                 <a:solidFill>
                   <a:schemeClr val="tx1">
                     <a:lumMod val="75000"/>
@@ -4998,7 +9564,7 @@
               <a:buChar char="v"/>
             </a:pPr>
             <a:r>
-              <a:rPr lang="en-US" dirty="0" smtClean="0">
+              <a:rPr lang="en-US" sz="1600" dirty="0" smtClean="0">
                 <a:solidFill>
                   <a:schemeClr val="tx1">
                     <a:lumMod val="75000"/>
@@ -5009,7 +9575,7 @@
               <a:t>Identify </a:t>
             </a:r>
             <a:r>
-              <a:rPr lang="en-US" dirty="0">
+              <a:rPr lang="en-US" sz="1600" dirty="0">
                 <a:solidFill>
                   <a:schemeClr val="tx1">
                     <a:lumMod val="75000"/>
@@ -5020,7 +9586,7 @@
               <a:t>the urgent needs of people by </a:t>
             </a:r>
             <a:r>
-              <a:rPr lang="en-US" dirty="0" smtClean="0">
+              <a:rPr lang="en-US" sz="1600" dirty="0" smtClean="0">
                 <a:solidFill>
                   <a:schemeClr val="tx1">
                     <a:lumMod val="75000"/>
@@ -5037,7 +9603,7 @@
               <a:buChar char="v"/>
             </a:pPr>
             <a:r>
-              <a:rPr lang="en-US" dirty="0" smtClean="0">
+              <a:rPr lang="en-US" sz="1600" dirty="0" smtClean="0">
                 <a:solidFill>
                   <a:schemeClr val="tx1">
                     <a:lumMod val="75000"/>
@@ -5048,7 +9614,7 @@
               <a:t>Identify </a:t>
             </a:r>
             <a:r>
-              <a:rPr lang="en-US" dirty="0">
+              <a:rPr lang="en-US" sz="1600" dirty="0">
                 <a:solidFill>
                   <a:schemeClr val="tx1">
                     <a:lumMod val="75000"/>
@@ -5058,14 +9624,6 @@
               </a:rPr>
               <a:t>needs by gender 	</a:t>
             </a:r>
-            <a:endParaRPr lang="en-US" dirty="0" smtClean="0">
-              <a:solidFill>
-                <a:schemeClr val="tx1">
-                  <a:lumMod val="75000"/>
-                  <a:lumOff val="25000"/>
-                </a:schemeClr>
-              </a:solidFill>
-            </a:endParaRPr>
           </a:p>
           <a:p>
             <a:pPr marL="742950" lvl="1" indent="-285750" algn="just">
@@ -5073,7 +9631,7 @@
               <a:buChar char="v"/>
             </a:pPr>
             <a:r>
-              <a:rPr lang="en-US" dirty="0" smtClean="0">
+              <a:rPr lang="en-US" sz="1600" dirty="0" smtClean="0">
                 <a:solidFill>
                   <a:schemeClr val="tx1">
                     <a:lumMod val="75000"/>
@@ -5084,7 +9642,7 @@
               <a:t>Identify </a:t>
             </a:r>
             <a:r>
-              <a:rPr lang="en-US" dirty="0">
+              <a:rPr lang="en-US" sz="1600" dirty="0">
                 <a:solidFill>
                   <a:schemeClr val="tx1">
                     <a:lumMod val="75000"/>
@@ -5092,44 +9650,8 @@
                   </a:schemeClr>
                 </a:solidFill>
               </a:rPr>
-              <a:t>needs by age </a:t>
-            </a:r>
-          </a:p>
-          <a:p>
-            <a:pPr marL="742950" lvl="1" indent="-285750" algn="just">
-              <a:buFont typeface="Wingdings" panose="05000000000000000000" pitchFamily="2" charset="2"/>
-              <a:buChar char="v"/>
-            </a:pPr>
-            <a:r>
-              <a:rPr lang="en-US" dirty="0" smtClean="0">
-                <a:solidFill>
-                  <a:schemeClr val="tx1">
-                    <a:lumMod val="75000"/>
-                    <a:lumOff val="25000"/>
-                  </a:schemeClr>
-                </a:solidFill>
-              </a:rPr>
-              <a:t>Identify </a:t>
-            </a:r>
-            <a:r>
-              <a:rPr lang="en-US" dirty="0">
-                <a:solidFill>
-                  <a:schemeClr val="tx1">
-                    <a:lumMod val="75000"/>
-                    <a:lumOff val="25000"/>
-                  </a:schemeClr>
-                </a:solidFill>
-              </a:rPr>
               <a:t>the most affected departments for each sector</a:t>
             </a:r>
-            <a:endParaRPr lang="en-US" dirty="0">
-              <a:solidFill>
-                <a:schemeClr val="tx1">
-                  <a:lumMod val="75000"/>
-                  <a:lumOff val="25000"/>
-                </a:schemeClr>
-              </a:solidFill>
-            </a:endParaRPr>
           </a:p>
         </p:txBody>
       </p:sp>
@@ -5229,6 +9751,36 @@
           </a:p>
         </p:txBody>
       </p:sp>
+      <p:pic>
+        <p:nvPicPr>
+          <p:cNvPr id="4" name="Picture 3"/>
+          <p:cNvPicPr>
+            <a:picLocks noChangeAspect="1"/>
+          </p:cNvPicPr>
+          <p:nvPr/>
+        </p:nvPicPr>
+        <p:blipFill>
+          <a:blip r:embed="rId2">
+            <a:extLst>
+              <a:ext uri="{28A0092B-C50C-407E-A947-70E740481C1C}">
+                <a14:useLocalDpi xmlns:a14="http://schemas.microsoft.com/office/drawing/2010/main" val="0"/>
+              </a:ext>
+            </a:extLst>
+          </a:blip>
+          <a:stretch>
+            <a:fillRect/>
+          </a:stretch>
+        </p:blipFill>
+        <p:spPr>
+          <a:xfrm>
+            <a:off x="6172200" y="2800350"/>
+            <a:ext cx="2533650" cy="1520190"/>
+          </a:xfrm>
+          <a:prstGeom prst="rect">
+            <a:avLst/>
+          </a:prstGeom>
+        </p:spPr>
+      </p:pic>
     </p:spTree>
     <p:extLst>
       <p:ext uri="{BB962C8B-B14F-4D97-AF65-F5344CB8AC3E}">
@@ -5276,7 +9828,7 @@
         </p:nvSpPr>
         <p:spPr>
           <a:xfrm>
-            <a:off x="685800" y="1047750"/>
+            <a:off x="685800" y="933450"/>
             <a:ext cx="3582035" cy="628377"/>
           </a:xfrm>
           <a:prstGeom prst="rect">
@@ -5436,7 +9988,7 @@
         </p:nvSpPr>
         <p:spPr>
           <a:xfrm>
-            <a:off x="990600" y="1676127"/>
+            <a:off x="997527" y="1561827"/>
             <a:ext cx="8153400" cy="2286000"/>
           </a:xfrm>
           <a:prstGeom prst="rect">
@@ -5493,33 +10045,33 @@
               </a:lnSpc>
             </a:pPr>
             <a:r>
-              <a:rPr lang="en-US" b="1" dirty="0" smtClean="0">
+              <a:rPr lang="en-US" sz="1600" b="1" dirty="0" smtClean="0">
                 <a:solidFill>
                   <a:schemeClr val="tx1">
-                    <a:lumMod val="50000"/>
-                    <a:lumOff val="50000"/>
+                    <a:lumMod val="85000"/>
+                    <a:lumOff val="15000"/>
                   </a:schemeClr>
                 </a:solidFill>
               </a:rPr>
               <a:t>Ministry </a:t>
             </a:r>
             <a:r>
-              <a:rPr lang="en-US" b="1" dirty="0">
+              <a:rPr lang="en-US" sz="1600" b="1" dirty="0">
                 <a:solidFill>
                   <a:schemeClr val="tx1">
-                    <a:lumMod val="50000"/>
-                    <a:lumOff val="50000"/>
+                    <a:lumMod val="85000"/>
+                    <a:lumOff val="15000"/>
                   </a:schemeClr>
                 </a:solidFill>
               </a:rPr>
               <a:t>of Public Health and Population</a:t>
             </a:r>
             <a:r>
-              <a:rPr lang="en-US" sz="1400" dirty="0">
+              <a:rPr lang="en-US" sz="1200" dirty="0">
                 <a:solidFill>
                   <a:schemeClr val="tx1">
-                    <a:lumMod val="50000"/>
-                    <a:lumOff val="50000"/>
+                    <a:lumMod val="85000"/>
+                    <a:lumOff val="15000"/>
                   </a:schemeClr>
                 </a:solidFill>
               </a:rPr>
@@ -5533,33 +10085,33 @@
               </a:lnSpc>
             </a:pPr>
             <a:r>
-              <a:rPr lang="en-US" b="1" dirty="0" smtClean="0">
+              <a:rPr lang="en-US" sz="1600" b="1" dirty="0" smtClean="0">
                 <a:solidFill>
                   <a:schemeClr val="tx1">
-                    <a:lumMod val="50000"/>
-                    <a:lumOff val="50000"/>
+                    <a:lumMod val="85000"/>
+                    <a:lumOff val="15000"/>
                   </a:schemeClr>
                 </a:solidFill>
               </a:rPr>
               <a:t>Ministry </a:t>
             </a:r>
             <a:r>
-              <a:rPr lang="en-US" b="1" dirty="0">
+              <a:rPr lang="en-US" sz="1600" b="1" dirty="0">
                 <a:solidFill>
                   <a:schemeClr val="tx1">
-                    <a:lumMod val="50000"/>
-                    <a:lumOff val="50000"/>
+                    <a:lumMod val="85000"/>
+                    <a:lumOff val="15000"/>
                   </a:schemeClr>
                 </a:solidFill>
               </a:rPr>
               <a:t>of Social Affairs and Labor</a:t>
             </a:r>
             <a:r>
-              <a:rPr lang="en-US" sz="1400" dirty="0">
+              <a:rPr lang="en-US" sz="1200" dirty="0">
                 <a:solidFill>
                   <a:schemeClr val="tx1">
-                    <a:lumMod val="50000"/>
-                    <a:lumOff val="50000"/>
+                    <a:lumMod val="85000"/>
+                    <a:lumOff val="15000"/>
                   </a:schemeClr>
                 </a:solidFill>
               </a:rPr>
@@ -5573,33 +10125,33 @@
               </a:lnSpc>
             </a:pPr>
             <a:r>
-              <a:rPr lang="en-US" b="1" dirty="0" smtClean="0">
+              <a:rPr lang="en-US" sz="1600" b="1" dirty="0" smtClean="0">
                 <a:solidFill>
                   <a:schemeClr val="tx1">
-                    <a:lumMod val="50000"/>
-                    <a:lumOff val="50000"/>
+                    <a:lumMod val="85000"/>
+                    <a:lumOff val="15000"/>
                   </a:schemeClr>
                 </a:solidFill>
               </a:rPr>
               <a:t>Ministry </a:t>
             </a:r>
             <a:r>
-              <a:rPr lang="en-US" b="1" dirty="0">
+              <a:rPr lang="en-US" sz="1600" b="1" dirty="0">
                 <a:solidFill>
                   <a:schemeClr val="tx1">
-                    <a:lumMod val="50000"/>
-                    <a:lumOff val="50000"/>
+                    <a:lumMod val="85000"/>
+                    <a:lumOff val="15000"/>
                   </a:schemeClr>
                 </a:solidFill>
               </a:rPr>
               <a:t>of National Education and Vocational Training</a:t>
             </a:r>
             <a:r>
-              <a:rPr lang="en-US" sz="1400" dirty="0">
+              <a:rPr lang="en-US" sz="1200" dirty="0">
                 <a:solidFill>
                   <a:schemeClr val="tx1">
-                    <a:lumMod val="50000"/>
-                    <a:lumOff val="50000"/>
+                    <a:lumMod val="85000"/>
+                    <a:lumOff val="15000"/>
                   </a:schemeClr>
                 </a:solidFill>
               </a:rPr>
@@ -5613,21 +10165,21 @@
               </a:lnSpc>
             </a:pPr>
             <a:r>
-              <a:rPr lang="en-US" b="1" dirty="0" smtClean="0">
+              <a:rPr lang="en-US" sz="1600" b="1" dirty="0" smtClean="0">
                 <a:solidFill>
                   <a:schemeClr val="tx1">
-                    <a:lumMod val="50000"/>
-                    <a:lumOff val="50000"/>
+                    <a:lumMod val="85000"/>
+                    <a:lumOff val="15000"/>
                   </a:schemeClr>
                 </a:solidFill>
               </a:rPr>
               <a:t>NGOs</a:t>
             </a:r>
-            <a:endParaRPr lang="en-US" b="1" dirty="0">
+            <a:endParaRPr lang="en-US" sz="1600" b="1" dirty="0">
               <a:solidFill>
                 <a:schemeClr val="tx1">
-                  <a:lumMod val="50000"/>
-                  <a:lumOff val="50000"/>
+                  <a:lumMod val="85000"/>
+                  <a:lumOff val="15000"/>
                 </a:schemeClr>
               </a:solidFill>
             </a:endParaRPr>
@@ -5639,22 +10191,22 @@
               </a:lnSpc>
             </a:pPr>
             <a:r>
-              <a:rPr lang="en-US" b="1" dirty="0" smtClean="0">
+              <a:rPr lang="en-US" sz="1600" b="1" dirty="0" smtClean="0">
                 <a:solidFill>
                   <a:schemeClr val="tx1">
-                    <a:lumMod val="50000"/>
-                    <a:lumOff val="50000"/>
+                    <a:lumMod val="85000"/>
+                    <a:lumOff val="15000"/>
                   </a:schemeClr>
                 </a:solidFill>
               </a:rPr>
               <a:t>National </a:t>
             </a:r>
             <a:r>
-              <a:rPr lang="en-US" b="1" dirty="0">
+              <a:rPr lang="en-US" sz="1600" b="1" dirty="0">
                 <a:solidFill>
                   <a:schemeClr val="tx1">
-                    <a:lumMod val="50000"/>
-                    <a:lumOff val="50000"/>
+                    <a:lumMod val="85000"/>
+                    <a:lumOff val="15000"/>
                   </a:schemeClr>
                 </a:solidFill>
               </a:rPr>
@@ -5663,6 +10215,36 @@
           </a:p>
         </p:txBody>
       </p:sp>
+      <p:pic>
+        <p:nvPicPr>
+          <p:cNvPr id="2" name="Picture 1"/>
+          <p:cNvPicPr>
+            <a:picLocks noChangeAspect="1"/>
+          </p:cNvPicPr>
+          <p:nvPr/>
+        </p:nvPicPr>
+        <p:blipFill>
+          <a:blip r:embed="rId2">
+            <a:extLst>
+              <a:ext uri="{28A0092B-C50C-407E-A947-70E740481C1C}">
+                <a14:useLocalDpi xmlns:a14="http://schemas.microsoft.com/office/drawing/2010/main" val="0"/>
+              </a:ext>
+            </a:extLst>
+          </a:blip>
+          <a:stretch>
+            <a:fillRect/>
+          </a:stretch>
+        </p:blipFill>
+        <p:spPr>
+          <a:xfrm>
+            <a:off x="4419600" y="3035181"/>
+            <a:ext cx="3158005" cy="2101816"/>
+          </a:xfrm>
+          <a:prstGeom prst="rect">
+            <a:avLst/>
+          </a:prstGeom>
+        </p:spPr>
+      </p:pic>
     </p:spTree>
     <p:extLst>
       <p:ext uri="{BB962C8B-B14F-4D97-AF65-F5344CB8AC3E}">
@@ -5760,7 +10342,7 @@
         </p:nvSpPr>
         <p:spPr>
           <a:xfrm>
-            <a:off x="762000" y="1084195"/>
+            <a:off x="685165" y="1091187"/>
             <a:ext cx="3582035" cy="566822"/>
           </a:xfrm>
           <a:prstGeom prst="rect">
@@ -5918,8 +10500,8 @@
         </p:nvSpPr>
         <p:spPr>
           <a:xfrm>
-            <a:off x="1219200" y="1555530"/>
-            <a:ext cx="6934200" cy="1728313"/>
+            <a:off x="1219200" y="1651017"/>
+            <a:ext cx="6934200" cy="1333836"/>
           </a:xfrm>
           <a:prstGeom prst="rect">
             <a:avLst/>
@@ -5976,6 +10558,35 @@
           </a:p>
         </p:txBody>
       </p:sp>
+      <p:pic>
+        <p:nvPicPr>
+          <p:cNvPr id="3" name="Picture 2"/>
+          <p:cNvPicPr>
+            <a:picLocks noChangeAspect="1"/>
+          </p:cNvPicPr>
+          <p:nvPr/>
+        </p:nvPicPr>
+        <p:blipFill rotWithShape="1">
+          <a:blip r:embed="rId2">
+            <a:extLst>
+              <a:ext uri="{28A0092B-C50C-407E-A947-70E740481C1C}">
+                <a14:useLocalDpi xmlns:a14="http://schemas.microsoft.com/office/drawing/2010/main" val="0"/>
+              </a:ext>
+            </a:extLst>
+          </a:blip>
+          <a:srcRect l="1724" t="5709" r="3448" b="4179"/>
+          <a:stretch/>
+        </p:blipFill>
+        <p:spPr>
+          <a:xfrm>
+            <a:off x="2590800" y="2989195"/>
+            <a:ext cx="4191000" cy="1905000"/>
+          </a:xfrm>
+          <a:prstGeom prst="rect">
+            <a:avLst/>
+          </a:prstGeom>
+        </p:spPr>
+      </p:pic>
     </p:spTree>
     <p:extLst>
       <p:ext uri="{BB962C8B-B14F-4D97-AF65-F5344CB8AC3E}">
@@ -6218,7 +10829,7 @@
         <p:spPr>
           <a:xfrm>
             <a:off x="800675" y="1241480"/>
-            <a:ext cx="1585947" cy="400110"/>
+            <a:ext cx="1907382" cy="461665"/>
           </a:xfrm>
           <a:prstGeom prst="rect">
             <a:avLst/>
@@ -6231,10 +10842,10 @@
           <a:lstStyle/>
           <a:p>
             <a:r>
-              <a:rPr lang="en-US" sz="2000" dirty="0"/>
+              <a:rPr lang="en-US" sz="2400" b="1" dirty="0"/>
               <a:t>Methodology</a:t>
             </a:r>
-            <a:endParaRPr lang="fr-FR" sz="2000" dirty="0"/>
+            <a:endParaRPr lang="fr-FR" sz="2400" b="1" dirty="0"/>
           </a:p>
         </p:txBody>
       </p:sp>
@@ -6246,8 +10857,8 @@
         </p:nvSpPr>
         <p:spPr>
           <a:xfrm>
-            <a:off x="800675" y="2070539"/>
-            <a:ext cx="7505126" cy="1569660"/>
+            <a:off x="800675" y="1810899"/>
+            <a:ext cx="7047925" cy="1569660"/>
           </a:xfrm>
           <a:prstGeom prst="rect">
             <a:avLst/>
@@ -6443,6 +11054,36 @@
           </a:p>
         </p:txBody>
       </p:sp>
+      <p:pic>
+        <p:nvPicPr>
+          <p:cNvPr id="8" name="Picture 7"/>
+          <p:cNvPicPr>
+            <a:picLocks noChangeAspect="1"/>
+          </p:cNvPicPr>
+          <p:nvPr/>
+        </p:nvPicPr>
+        <p:blipFill>
+          <a:blip r:embed="rId2">
+            <a:extLst>
+              <a:ext uri="{28A0092B-C50C-407E-A947-70E740481C1C}">
+                <a14:useLocalDpi xmlns:a14="http://schemas.microsoft.com/office/drawing/2010/main" val="0"/>
+              </a:ext>
+            </a:extLst>
+          </a:blip>
+          <a:stretch>
+            <a:fillRect/>
+          </a:stretch>
+        </p:blipFill>
+        <p:spPr>
+          <a:xfrm>
+            <a:off x="5181600" y="2956691"/>
+            <a:ext cx="2667001" cy="1934399"/>
+          </a:xfrm>
+          <a:prstGeom prst="rect">
+            <a:avLst/>
+          </a:prstGeom>
+        </p:spPr>
+      </p:pic>
     </p:spTree>
     <p:extLst>
       <p:ext uri="{BB962C8B-B14F-4D97-AF65-F5344CB8AC3E}">
@@ -6482,56 +11123,6 @@
       </p:grpSpPr>
       <p:sp>
         <p:nvSpPr>
-          <p:cNvPr id="2" name="object 2"/>
-          <p:cNvSpPr txBox="1">
-            <a:spLocks noGrp="1"/>
-          </p:cNvSpPr>
-          <p:nvPr>
-            <p:ph type="title"/>
-          </p:nvPr>
-        </p:nvSpPr>
-        <p:spPr>
-          <a:xfrm>
-            <a:off x="800675" y="647291"/>
-            <a:ext cx="3582035" cy="421640"/>
-          </a:xfrm>
-          <a:prstGeom prst="rect">
-            <a:avLst/>
-          </a:prstGeom>
-        </p:spPr>
-        <p:txBody>
-          <a:bodyPr vert="horz" wrap="square" lIns="0" tIns="12700" rIns="0" bIns="0" rtlCol="0">
-            <a:spAutoFit/>
-          </a:bodyPr>
-          <a:lstStyle/>
-          <a:p>
-            <a:pPr marL="12700">
-              <a:lnSpc>
-                <a:spcPct val="100000"/>
-              </a:lnSpc>
-              <a:spcBef>
-                <a:spcPts val="100"/>
-              </a:spcBef>
-            </a:pPr>
-            <a:r>
-              <a:rPr sz="2600" b="1" spc="-190" dirty="0" smtClean="0">
-                <a:solidFill>
-                  <a:srgbClr val="1A1A1A"/>
-                </a:solidFill>
-                <a:latin typeface="Trebuchet MS"/>
-                <a:cs typeface="Trebuchet MS"/>
-              </a:rPr>
-              <a:t> </a:t>
-            </a:r>
-            <a:endParaRPr sz="1200" dirty="0">
-              <a:latin typeface="Trebuchet MS"/>
-              <a:cs typeface="Trebuchet MS"/>
-            </a:endParaRPr>
-          </a:p>
-        </p:txBody>
-      </p:sp>
-      <p:sp>
-        <p:nvSpPr>
           <p:cNvPr id="3" name="Rectangle 2"/>
           <p:cNvSpPr/>
           <p:nvPr/>
@@ -6634,7 +11225,7 @@
         </p:nvSpPr>
         <p:spPr>
           <a:xfrm>
-            <a:off x="2705100" y="501293"/>
+            <a:off x="2705100" y="670329"/>
             <a:ext cx="4648200" cy="3143659"/>
           </a:xfrm>
           <a:prstGeom prst="rect">
@@ -6680,8 +11271,8 @@
         </p:nvSpPr>
         <p:spPr>
           <a:xfrm>
-            <a:off x="762000" y="1201872"/>
-            <a:ext cx="846129" cy="400110"/>
+            <a:off x="734476" y="1119792"/>
+            <a:ext cx="1110753" cy="523220"/>
           </a:xfrm>
           <a:prstGeom prst="rect">
             <a:avLst/>
@@ -6694,37 +11285,202 @@
           <a:lstStyle/>
           <a:p>
             <a:r>
-              <a:rPr lang="en-US" sz="2000" b="1" dirty="0" smtClean="0"/>
+              <a:rPr lang="en-US" sz="2800" b="1" dirty="0" smtClean="0"/>
               <a:t>Result</a:t>
             </a:r>
-            <a:endParaRPr lang="fr-FR" sz="2000" b="1" dirty="0"/>
+            <a:endParaRPr lang="fr-FR" sz="2800" b="1" dirty="0"/>
+          </a:p>
+        </p:txBody>
+      </p:sp>
+      <p:sp>
+        <p:nvSpPr>
+          <p:cNvPr id="11" name="Rectangle 10"/>
+          <p:cNvSpPr/>
+          <p:nvPr/>
+        </p:nvSpPr>
+        <p:spPr>
+          <a:xfrm>
+            <a:off x="754590" y="1591117"/>
+            <a:ext cx="3048000" cy="3462486"/>
+          </a:xfrm>
+          <a:prstGeom prst="rect">
+            <a:avLst/>
+          </a:prstGeom>
+        </p:spPr>
+        <p:txBody>
+          <a:bodyPr wrap="square">
+            <a:spAutoFit/>
+          </a:bodyPr>
+          <a:lstStyle/>
+          <a:p>
+            <a:pPr algn="ctr">
+              <a:lnSpc>
+                <a:spcPct val="150000"/>
+              </a:lnSpc>
+            </a:pPr>
+            <a:r>
+              <a:rPr lang="en-US" sz="1400" b="1" dirty="0" smtClean="0"/>
+              <a:t>Urgent need by Sector</a:t>
+            </a:r>
+          </a:p>
+          <a:p>
+            <a:pPr algn="ctr">
+              <a:lnSpc>
+                <a:spcPct val="150000"/>
+              </a:lnSpc>
+            </a:pPr>
+            <a:r>
+              <a:rPr lang="en-US" sz="2400" b="1" dirty="0" smtClean="0">
+                <a:solidFill>
+                  <a:srgbClr val="002060"/>
+                </a:solidFill>
+              </a:rPr>
+              <a:t>Food </a:t>
+            </a:r>
+            <a:r>
+              <a:rPr lang="en-US" sz="2400" b="1" dirty="0">
+                <a:solidFill>
+                  <a:srgbClr val="002060"/>
+                </a:solidFill>
+              </a:rPr>
+              <a:t>Safety: </a:t>
+            </a:r>
+            <a:r>
+              <a:rPr lang="en-US" sz="2400" b="1" dirty="0" smtClean="0">
+                <a:solidFill>
+                  <a:srgbClr val="002060"/>
+                </a:solidFill>
+              </a:rPr>
+              <a:t>1 082 267</a:t>
+            </a:r>
+          </a:p>
+          <a:p>
+            <a:pPr algn="ctr">
+              <a:lnSpc>
+                <a:spcPct val="150000"/>
+              </a:lnSpc>
+            </a:pPr>
+            <a:r>
+              <a:rPr lang="en-US" sz="2000" b="1" dirty="0" smtClean="0">
+                <a:solidFill>
+                  <a:srgbClr val="0070C0"/>
+                </a:solidFill>
+              </a:rPr>
+              <a:t>Shelters: 713 878</a:t>
+            </a:r>
+          </a:p>
+          <a:p>
+            <a:pPr algn="ctr">
+              <a:lnSpc>
+                <a:spcPct val="150000"/>
+              </a:lnSpc>
+            </a:pPr>
+            <a:r>
+              <a:rPr lang="en-US" b="1" dirty="0" smtClean="0">
+                <a:solidFill>
+                  <a:schemeClr val="accent6">
+                    <a:lumMod val="50000"/>
+                  </a:schemeClr>
+                </a:solidFill>
+              </a:rPr>
+              <a:t>Cholera: 333 249</a:t>
+            </a:r>
+          </a:p>
+          <a:p>
+            <a:pPr algn="ctr">
+              <a:lnSpc>
+                <a:spcPct val="150000"/>
+              </a:lnSpc>
+            </a:pPr>
+            <a:r>
+              <a:rPr lang="en-US" b="1" dirty="0" smtClean="0">
+                <a:solidFill>
+                  <a:schemeClr val="accent3">
+                    <a:lumMod val="75000"/>
+                  </a:schemeClr>
+                </a:solidFill>
+              </a:rPr>
+              <a:t>Health: 131 669</a:t>
+            </a:r>
+          </a:p>
+          <a:p>
+            <a:pPr algn="ctr">
+              <a:lnSpc>
+                <a:spcPct val="150000"/>
+              </a:lnSpc>
+            </a:pPr>
+            <a:r>
+              <a:rPr lang="en-US" sz="1600" b="1" dirty="0" smtClean="0">
+                <a:solidFill>
+                  <a:schemeClr val="tx1">
+                    <a:lumMod val="65000"/>
+                    <a:lumOff val="35000"/>
+                  </a:schemeClr>
+                </a:solidFill>
+              </a:rPr>
+              <a:t>Education: 87 300</a:t>
+            </a:r>
+          </a:p>
+          <a:p>
+            <a:pPr algn="ctr">
+              <a:lnSpc>
+                <a:spcPct val="150000"/>
+              </a:lnSpc>
+            </a:pPr>
+            <a:r>
+              <a:rPr lang="en-US" sz="1600" b="1" dirty="0" smtClean="0">
+                <a:solidFill>
+                  <a:srgbClr val="00B0F0"/>
+                </a:solidFill>
+              </a:rPr>
+              <a:t>Protection: 32 434</a:t>
+            </a:r>
+          </a:p>
+          <a:p>
+            <a:pPr algn="ctr">
+              <a:lnSpc>
+                <a:spcPct val="150000"/>
+              </a:lnSpc>
+            </a:pPr>
+            <a:r>
+              <a:rPr lang="en-US" sz="1600" b="1" dirty="0" smtClean="0">
+                <a:solidFill>
+                  <a:srgbClr val="C49500"/>
+                </a:solidFill>
+              </a:rPr>
+              <a:t>Nutrition: 19 507</a:t>
+            </a:r>
+            <a:endParaRPr lang="en-US" sz="1600" b="1" dirty="0">
+              <a:solidFill>
+                <a:srgbClr val="C49500"/>
+              </a:solidFill>
+            </a:endParaRPr>
           </a:p>
         </p:txBody>
       </p:sp>
       <p:pic>
         <p:nvPicPr>
-          <p:cNvPr id="7" name="Image 6"/>
+          <p:cNvPr id="13" name="Picture 12"/>
           <p:cNvPicPr>
             <a:picLocks noChangeAspect="1"/>
           </p:cNvPicPr>
           <p:nvPr/>
         </p:nvPicPr>
-        <p:blipFill>
-          <a:blip r:embed="rId2">
+        <p:blipFill rotWithShape="1">
+          <a:blip r:embed="rId3">
             <a:extLst>
               <a:ext uri="{28A0092B-C50C-407E-A947-70E740481C1C}">
                 <a14:useLocalDpi xmlns:a14="http://schemas.microsoft.com/office/drawing/2010/main" val="0"/>
               </a:ext>
             </a:extLst>
           </a:blip>
-          <a:stretch>
-            <a:fillRect/>
-          </a:stretch>
+          <a:srcRect l="2513" t="5639"/>
+          <a:stretch/>
         </p:blipFill>
         <p:spPr>
           <a:xfrm>
-            <a:off x="4289889" y="1879276"/>
-            <a:ext cx="4700135" cy="3061347"/>
+            <a:off x="3822704" y="1928717"/>
+            <a:ext cx="4439143" cy="2852833"/>
           </a:xfrm>
           <a:prstGeom prst="rect">
             <a:avLst/>
@@ -6733,38 +11489,96 @@
       </p:pic>
       <p:sp>
         <p:nvSpPr>
-          <p:cNvPr id="8" name="ZoneTexte 7"/>
-          <p:cNvSpPr txBox="1"/>
-          <p:nvPr/>
-        </p:nvSpPr>
-        <p:spPr>
-          <a:xfrm>
-            <a:off x="5783033" y="1170845"/>
-            <a:ext cx="2400300" cy="369332"/>
-          </a:xfrm>
-          <a:prstGeom prst="rect">
-            <a:avLst/>
-          </a:prstGeom>
-          <a:noFill/>
-        </p:spPr>
-        <p:txBody>
-          <a:bodyPr wrap="square" rtlCol="0">
+          <p:cNvPr id="14" name="Title 13"/>
+          <p:cNvSpPr>
+            <a:spLocks noGrp="1"/>
+          </p:cNvSpPr>
+          <p:nvPr>
+            <p:ph type="title"/>
+          </p:nvPr>
+        </p:nvSpPr>
+        <p:spPr>
+          <a:xfrm>
+            <a:off x="4179599" y="1744051"/>
+            <a:ext cx="3869771" cy="369332"/>
+          </a:xfrm>
+        </p:spPr>
+        <p:txBody>
+          <a:bodyPr/>
+          <a:lstStyle/>
+          <a:p>
+            <a:r>
+              <a:rPr lang="en-US" sz="1200" dirty="0" smtClean="0"/>
+              <a:t>Haiti: </a:t>
+            </a:r>
+            <a:r>
+              <a:rPr lang="en-US" sz="1200" b="1" dirty="0" smtClean="0"/>
+              <a:t>2 400 304 People in Urgent Need in the dataset</a:t>
+            </a:r>
+            <a:endParaRPr lang="en-US" sz="1200" dirty="0"/>
+          </a:p>
+        </p:txBody>
+      </p:sp>
+      <p:sp>
+        <p:nvSpPr>
+          <p:cNvPr id="15" name="object 2"/>
+          <p:cNvSpPr txBox="1">
+            <a:spLocks/>
+          </p:cNvSpPr>
+          <p:nvPr/>
+        </p:nvSpPr>
+        <p:spPr>
+          <a:xfrm>
+            <a:off x="1447165" y="569444"/>
+            <a:ext cx="3582035" cy="421640"/>
+          </a:xfrm>
+          <a:prstGeom prst="rect">
+            <a:avLst/>
+          </a:prstGeom>
+        </p:spPr>
+        <p:txBody>
+          <a:bodyPr vert="horz" wrap="square" lIns="0" tIns="12700" rIns="0" bIns="0" rtlCol="0">
             <a:spAutoFit/>
           </a:bodyPr>
-          <a:lstStyle/>
-          <a:p>
-            <a:r>
-              <a:rPr lang="en-US" dirty="0" smtClean="0"/>
-              <a:t>West Department</a:t>
-            </a:r>
-            <a:endParaRPr lang="fr-FR" dirty="0"/>
+          <a:lstStyle>
+            <a:lvl1pPr>
+              <a:defRPr sz="2300" b="0" i="0">
+                <a:solidFill>
+                  <a:srgbClr val="545454"/>
+                </a:solidFill>
+                <a:latin typeface="Arial"/>
+                <a:ea typeface="+mj-ea"/>
+                <a:cs typeface="Arial"/>
+              </a:defRPr>
+            </a:lvl1pPr>
+          </a:lstStyle>
+          <a:p>
+            <a:pPr marL="12700">
+              <a:spcBef>
+                <a:spcPts val="100"/>
+              </a:spcBef>
+            </a:pPr>
+            <a:r>
+              <a:rPr lang="en-US" sz="2600" b="1" kern="0" spc="-190" smtClean="0">
+                <a:solidFill>
+                  <a:srgbClr val="1A1A1A"/>
+                </a:solidFill>
+                <a:latin typeface="Trebuchet MS"/>
+                <a:cs typeface="Trebuchet MS"/>
+              </a:rPr>
+              <a:t> </a:t>
+            </a:r>
+            <a:endParaRPr lang="en-US" sz="1200" kern="0" dirty="0">
+              <a:latin typeface="Trebuchet MS"/>
+              <a:cs typeface="Trebuchet MS"/>
+            </a:endParaRPr>
           </a:p>
         </p:txBody>
       </p:sp>
     </p:spTree>
     <p:extLst>
       <p:ext uri="{BB962C8B-B14F-4D97-AF65-F5344CB8AC3E}">
-        <p14:creationId xmlns:p14="http://schemas.microsoft.com/office/powerpoint/2010/main" val="2743675979"/>
+        <p14:creationId xmlns:p14="http://schemas.microsoft.com/office/powerpoint/2010/main" val="3352009529"/>
       </p:ext>
     </p:extLst>
   </p:cSld>
@@ -7062,4 +11876,265 @@
   <a:objectDefaults/>
   <a:extraClrSchemeLst/>
 </a:theme>
+</file>
+
+<file path=ppt/theme/theme2.xml><?xml version="1.0" encoding="utf-8"?>
+<a:theme xmlns:a="http://schemas.openxmlformats.org/drawingml/2006/main" name="Office Theme">
+  <a:themeElements>
+    <a:clrScheme name="Office">
+      <a:dk1>
+        <a:sysClr val="windowText" lastClr="000000"/>
+      </a:dk1>
+      <a:lt1>
+        <a:sysClr val="window" lastClr="FFFFFF"/>
+      </a:lt1>
+      <a:dk2>
+        <a:srgbClr val="44546A"/>
+      </a:dk2>
+      <a:lt2>
+        <a:srgbClr val="E7E6E6"/>
+      </a:lt2>
+      <a:accent1>
+        <a:srgbClr val="5B9BD5"/>
+      </a:accent1>
+      <a:accent2>
+        <a:srgbClr val="ED7D31"/>
+      </a:accent2>
+      <a:accent3>
+        <a:srgbClr val="A5A5A5"/>
+      </a:accent3>
+      <a:accent4>
+        <a:srgbClr val="FFC000"/>
+      </a:accent4>
+      <a:accent5>
+        <a:srgbClr val="4472C4"/>
+      </a:accent5>
+      <a:accent6>
+        <a:srgbClr val="70AD47"/>
+      </a:accent6>
+      <a:hlink>
+        <a:srgbClr val="0563C1"/>
+      </a:hlink>
+      <a:folHlink>
+        <a:srgbClr val="954F72"/>
+      </a:folHlink>
+    </a:clrScheme>
+    <a:fontScheme name="Office">
+      <a:majorFont>
+        <a:latin typeface="Calibri Light" panose="020F0302020204030204"/>
+        <a:ea typeface=""/>
+        <a:cs typeface=""/>
+        <a:font script="Jpan" typeface="游ゴシック Light"/>
+        <a:font script="Hang" typeface="맑은 고딕"/>
+        <a:font script="Hans" typeface="等线 Light"/>
+        <a:font script="Hant" typeface="新細明體"/>
+        <a:font script="Arab" typeface="Times New Roman"/>
+        <a:font script="Hebr" typeface="Times New Roman"/>
+        <a:font script="Thai" typeface="Angsana New"/>
+        <a:font script="Ethi" typeface="Nyala"/>
+        <a:font script="Beng" typeface="Vrinda"/>
+        <a:font script="Gujr" typeface="Shruti"/>
+        <a:font script="Khmr" typeface="MoolBoran"/>
+        <a:font script="Knda" typeface="Tunga"/>
+        <a:font script="Guru" typeface="Raavi"/>
+        <a:font script="Cans" typeface="Euphemia"/>
+        <a:font script="Cher" typeface="Plantagenet Cherokee"/>
+        <a:font script="Yiii" typeface="Microsoft Yi Baiti"/>
+        <a:font script="Tibt" typeface="Microsoft Himalaya"/>
+        <a:font script="Thaa" typeface="MV Boli"/>
+        <a:font script="Deva" typeface="Mangal"/>
+        <a:font script="Telu" typeface="Gautami"/>
+        <a:font script="Taml" typeface="Latha"/>
+        <a:font script="Syrc" typeface="Estrangelo Edessa"/>
+        <a:font script="Orya" typeface="Kalinga"/>
+        <a:font script="Mlym" typeface="Kartika"/>
+        <a:font script="Laoo" typeface="DokChampa"/>
+        <a:font script="Sinh" typeface="Iskoola Pota"/>
+        <a:font script="Mong" typeface="Mongolian Baiti"/>
+        <a:font script="Viet" typeface="Times New Roman"/>
+        <a:font script="Uigh" typeface="Microsoft Uighur"/>
+        <a:font script="Geor" typeface="Sylfaen"/>
+      </a:majorFont>
+      <a:minorFont>
+        <a:latin typeface="Calibri" panose="020F0502020204030204"/>
+        <a:ea typeface=""/>
+        <a:cs typeface=""/>
+        <a:font script="Jpan" typeface="游ゴシック"/>
+        <a:font script="Hang" typeface="맑은 고딕"/>
+        <a:font script="Hans" typeface="等线"/>
+        <a:font script="Hant" typeface="新細明體"/>
+        <a:font script="Arab" typeface="Arial"/>
+        <a:font script="Hebr" typeface="Arial"/>
+        <a:font script="Thai" typeface="Cordia New"/>
+        <a:font script="Ethi" typeface="Nyala"/>
+        <a:font script="Beng" typeface="Vrinda"/>
+        <a:font script="Gujr" typeface="Shruti"/>
+        <a:font script="Khmr" typeface="DaunPenh"/>
+        <a:font script="Knda" typeface="Tunga"/>
+        <a:font script="Guru" typeface="Raavi"/>
+        <a:font script="Cans" typeface="Euphemia"/>
+        <a:font script="Cher" typeface="Plantagenet Cherokee"/>
+        <a:font script="Yiii" typeface="Microsoft Yi Baiti"/>
+        <a:font script="Tibt" typeface="Microsoft Himalaya"/>
+        <a:font script="Thaa" typeface="MV Boli"/>
+        <a:font script="Deva" typeface="Mangal"/>
+        <a:font script="Telu" typeface="Gautami"/>
+        <a:font script="Taml" typeface="Latha"/>
+        <a:font script="Syrc" typeface="Estrangelo Edessa"/>
+        <a:font script="Orya" typeface="Kalinga"/>
+        <a:font script="Mlym" typeface="Kartika"/>
+        <a:font script="Laoo" typeface="DokChampa"/>
+        <a:font script="Sinh" typeface="Iskoola Pota"/>
+        <a:font script="Mong" typeface="Mongolian Baiti"/>
+        <a:font script="Viet" typeface="Arial"/>
+        <a:font script="Uigh" typeface="Microsoft Uighur"/>
+        <a:font script="Geor" typeface="Sylfaen"/>
+      </a:minorFont>
+    </a:fontScheme>
+    <a:fmtScheme name="Office">
+      <a:fillStyleLst>
+        <a:solidFill>
+          <a:schemeClr val="phClr"/>
+        </a:solidFill>
+        <a:gradFill rotWithShape="1">
+          <a:gsLst>
+            <a:gs pos="0">
+              <a:schemeClr val="phClr">
+                <a:lumMod val="110000"/>
+                <a:satMod val="105000"/>
+                <a:tint val="67000"/>
+              </a:schemeClr>
+            </a:gs>
+            <a:gs pos="50000">
+              <a:schemeClr val="phClr">
+                <a:lumMod val="105000"/>
+                <a:satMod val="103000"/>
+                <a:tint val="73000"/>
+              </a:schemeClr>
+            </a:gs>
+            <a:gs pos="100000">
+              <a:schemeClr val="phClr">
+                <a:lumMod val="105000"/>
+                <a:satMod val="109000"/>
+                <a:tint val="81000"/>
+              </a:schemeClr>
+            </a:gs>
+          </a:gsLst>
+          <a:lin ang="5400000" scaled="0"/>
+        </a:gradFill>
+        <a:gradFill rotWithShape="1">
+          <a:gsLst>
+            <a:gs pos="0">
+              <a:schemeClr val="phClr">
+                <a:satMod val="103000"/>
+                <a:lumMod val="102000"/>
+                <a:tint val="94000"/>
+              </a:schemeClr>
+            </a:gs>
+            <a:gs pos="50000">
+              <a:schemeClr val="phClr">
+                <a:satMod val="110000"/>
+                <a:lumMod val="100000"/>
+                <a:shade val="100000"/>
+              </a:schemeClr>
+            </a:gs>
+            <a:gs pos="100000">
+              <a:schemeClr val="phClr">
+                <a:lumMod val="99000"/>
+                <a:satMod val="120000"/>
+                <a:shade val="78000"/>
+              </a:schemeClr>
+            </a:gs>
+          </a:gsLst>
+          <a:lin ang="5400000" scaled="0"/>
+        </a:gradFill>
+      </a:fillStyleLst>
+      <a:lnStyleLst>
+        <a:ln w="6350" cap="flat" cmpd="sng" algn="ctr">
+          <a:solidFill>
+            <a:schemeClr val="phClr"/>
+          </a:solidFill>
+          <a:prstDash val="solid"/>
+          <a:miter lim="800000"/>
+        </a:ln>
+        <a:ln w="12700" cap="flat" cmpd="sng" algn="ctr">
+          <a:solidFill>
+            <a:schemeClr val="phClr"/>
+          </a:solidFill>
+          <a:prstDash val="solid"/>
+          <a:miter lim="800000"/>
+        </a:ln>
+        <a:ln w="19050" cap="flat" cmpd="sng" algn="ctr">
+          <a:solidFill>
+            <a:schemeClr val="phClr"/>
+          </a:solidFill>
+          <a:prstDash val="solid"/>
+          <a:miter lim="800000"/>
+        </a:ln>
+      </a:lnStyleLst>
+      <a:effectStyleLst>
+        <a:effectStyle>
+          <a:effectLst/>
+        </a:effectStyle>
+        <a:effectStyle>
+          <a:effectLst/>
+        </a:effectStyle>
+        <a:effectStyle>
+          <a:effectLst>
+            <a:outerShdw blurRad="57150" dist="19050" dir="5400000" algn="ctr" rotWithShape="0">
+              <a:srgbClr val="000000">
+                <a:alpha val="63000"/>
+              </a:srgbClr>
+            </a:outerShdw>
+          </a:effectLst>
+        </a:effectStyle>
+      </a:effectStyleLst>
+      <a:bgFillStyleLst>
+        <a:solidFill>
+          <a:schemeClr val="phClr"/>
+        </a:solidFill>
+        <a:solidFill>
+          <a:schemeClr val="phClr">
+            <a:tint val="95000"/>
+            <a:satMod val="170000"/>
+          </a:schemeClr>
+        </a:solidFill>
+        <a:gradFill rotWithShape="1">
+          <a:gsLst>
+            <a:gs pos="0">
+              <a:schemeClr val="phClr">
+                <a:tint val="93000"/>
+                <a:satMod val="150000"/>
+                <a:shade val="98000"/>
+                <a:lumMod val="102000"/>
+              </a:schemeClr>
+            </a:gs>
+            <a:gs pos="50000">
+              <a:schemeClr val="phClr">
+                <a:tint val="98000"/>
+                <a:satMod val="130000"/>
+                <a:shade val="90000"/>
+                <a:lumMod val="103000"/>
+              </a:schemeClr>
+            </a:gs>
+            <a:gs pos="100000">
+              <a:schemeClr val="phClr">
+                <a:shade val="63000"/>
+                <a:satMod val="120000"/>
+              </a:schemeClr>
+            </a:gs>
+          </a:gsLst>
+          <a:lin ang="5400000" scaled="0"/>
+        </a:gradFill>
+      </a:bgFillStyleLst>
+    </a:fmtScheme>
+  </a:themeElements>
+  <a:objectDefaults/>
+  <a:extraClrSchemeLst/>
+  <a:extLst>
+    <a:ext uri="{05A4C25C-085E-4340-85A3-A5531E510DB2}">
+      <thm15:themeFamily xmlns:thm15="http://schemas.microsoft.com/office/thememl/2012/main" name="Office Theme" id="{62F939B6-93AF-4DB8-9C6B-D6C7DFDC589F}" vid="{4A3C46E8-61CC-4603-A589-7422A47A8E4A}"/>
+    </a:ext>
+  </a:extLst>
+</a:theme>
 </file>